--- a/angular1.x核心机制分析及性能实战.pptx
+++ b/angular1.x核心机制分析及性能实战.pptx
@@ -6,22 +6,21 @@
   </p:sldMasterIdLst>
   <p:sldIdLst>
     <p:sldId id="256" r:id="rId2"/>
-    <p:sldId id="265" r:id="rId3"/>
-    <p:sldId id="266" r:id="rId4"/>
-    <p:sldId id="269" r:id="rId5"/>
-    <p:sldId id="270" r:id="rId6"/>
-    <p:sldId id="271" r:id="rId7"/>
-    <p:sldId id="267" r:id="rId8"/>
-    <p:sldId id="272" r:id="rId9"/>
-    <p:sldId id="273" r:id="rId10"/>
-    <p:sldId id="257" r:id="rId11"/>
-    <p:sldId id="258" r:id="rId12"/>
-    <p:sldId id="259" r:id="rId13"/>
-    <p:sldId id="260" r:id="rId14"/>
-    <p:sldId id="262" r:id="rId15"/>
-    <p:sldId id="261" r:id="rId16"/>
-    <p:sldId id="263" r:id="rId17"/>
-    <p:sldId id="264" r:id="rId18"/>
+    <p:sldId id="274" r:id="rId3"/>
+    <p:sldId id="275" r:id="rId4"/>
+    <p:sldId id="276" r:id="rId5"/>
+    <p:sldId id="277" r:id="rId6"/>
+    <p:sldId id="265" r:id="rId7"/>
+    <p:sldId id="266" r:id="rId8"/>
+    <p:sldId id="278" r:id="rId9"/>
+    <p:sldId id="269" r:id="rId10"/>
+    <p:sldId id="280" r:id="rId11"/>
+    <p:sldId id="270" r:id="rId12"/>
+    <p:sldId id="271" r:id="rId13"/>
+    <p:sldId id="267" r:id="rId14"/>
+    <p:sldId id="272" r:id="rId15"/>
+    <p:sldId id="279" r:id="rId16"/>
+    <p:sldId id="264" r:id="rId17"/>
   </p:sldIdLst>
   <p:sldSz cx="9144000" cy="6858000" type="screen4x3"/>
   <p:notesSz cx="6858000" cy="9144000"/>
@@ -305,7 +304,7 @@
             <a:fld id="{1D8BD707-D9CF-40AE-B4C6-C98DA3205C09}" type="datetimeFigureOut">
               <a:rPr lang="en-US" smtClean="0"/>
               <a:pPr/>
-              <a:t>3/12/2015</a:t>
+              <a:t>7/16/2015</a:t>
             </a:fld>
             <a:endParaRPr lang="en-US"/>
           </a:p>
@@ -472,7 +471,7 @@
             <a:fld id="{1D8BD707-D9CF-40AE-B4C6-C98DA3205C09}" type="datetimeFigureOut">
               <a:rPr lang="en-US" smtClean="0"/>
               <a:pPr/>
-              <a:t>3/12/2015</a:t>
+              <a:t>7/16/2015</a:t>
             </a:fld>
             <a:endParaRPr lang="en-US"/>
           </a:p>
@@ -649,7 +648,7 @@
             <a:fld id="{1D8BD707-D9CF-40AE-B4C6-C98DA3205C09}" type="datetimeFigureOut">
               <a:rPr lang="en-US" smtClean="0"/>
               <a:pPr/>
-              <a:t>3/12/2015</a:t>
+              <a:t>7/16/2015</a:t>
             </a:fld>
             <a:endParaRPr lang="en-US"/>
           </a:p>
@@ -816,7 +815,7 @@
             <a:fld id="{1D8BD707-D9CF-40AE-B4C6-C98DA3205C09}" type="datetimeFigureOut">
               <a:rPr lang="en-US" smtClean="0"/>
               <a:pPr/>
-              <a:t>3/12/2015</a:t>
+              <a:t>7/16/2015</a:t>
             </a:fld>
             <a:endParaRPr lang="en-US"/>
           </a:p>
@@ -1059,7 +1058,7 @@
             <a:fld id="{1D8BD707-D9CF-40AE-B4C6-C98DA3205C09}" type="datetimeFigureOut">
               <a:rPr lang="en-US" smtClean="0"/>
               <a:pPr/>
-              <a:t>3/12/2015</a:t>
+              <a:t>7/16/2015</a:t>
             </a:fld>
             <a:endParaRPr lang="en-US"/>
           </a:p>
@@ -1344,7 +1343,7 @@
             <a:fld id="{1D8BD707-D9CF-40AE-B4C6-C98DA3205C09}" type="datetimeFigureOut">
               <a:rPr lang="en-US" smtClean="0"/>
               <a:pPr/>
-              <a:t>3/12/2015</a:t>
+              <a:t>7/16/2015</a:t>
             </a:fld>
             <a:endParaRPr lang="en-US"/>
           </a:p>
@@ -1763,7 +1762,7 @@
             <a:fld id="{1D8BD707-D9CF-40AE-B4C6-C98DA3205C09}" type="datetimeFigureOut">
               <a:rPr lang="en-US" smtClean="0"/>
               <a:pPr/>
-              <a:t>3/12/2015</a:t>
+              <a:t>7/16/2015</a:t>
             </a:fld>
             <a:endParaRPr lang="en-US"/>
           </a:p>
@@ -1878,7 +1877,7 @@
             <a:fld id="{1D8BD707-D9CF-40AE-B4C6-C98DA3205C09}" type="datetimeFigureOut">
               <a:rPr lang="en-US" smtClean="0"/>
               <a:pPr/>
-              <a:t>3/12/2015</a:t>
+              <a:t>7/16/2015</a:t>
             </a:fld>
             <a:endParaRPr lang="en-US"/>
           </a:p>
@@ -1970,7 +1969,7 @@
             <a:fld id="{1D8BD707-D9CF-40AE-B4C6-C98DA3205C09}" type="datetimeFigureOut">
               <a:rPr lang="en-US" smtClean="0"/>
               <a:pPr/>
-              <a:t>3/12/2015</a:t>
+              <a:t>7/16/2015</a:t>
             </a:fld>
             <a:endParaRPr lang="en-US"/>
           </a:p>
@@ -2244,7 +2243,7 @@
             <a:fld id="{1D8BD707-D9CF-40AE-B4C6-C98DA3205C09}" type="datetimeFigureOut">
               <a:rPr lang="en-US" smtClean="0"/>
               <a:pPr/>
-              <a:t>3/12/2015</a:t>
+              <a:t>7/16/2015</a:t>
             </a:fld>
             <a:endParaRPr lang="en-US"/>
           </a:p>
@@ -2494,7 +2493,7 @@
             <a:fld id="{1D8BD707-D9CF-40AE-B4C6-C98DA3205C09}" type="datetimeFigureOut">
               <a:rPr lang="en-US" smtClean="0"/>
               <a:pPr/>
-              <a:t>3/12/2015</a:t>
+              <a:t>7/16/2015</a:t>
             </a:fld>
             <a:endParaRPr lang="en-US"/>
           </a:p>
@@ -2704,7 +2703,7 @@
             <a:fld id="{1D8BD707-D9CF-40AE-B4C6-C98DA3205C09}" type="datetimeFigureOut">
               <a:rPr lang="en-US" smtClean="0"/>
               <a:pPr/>
-              <a:t>3/12/2015</a:t>
+              <a:t>7/16/2015</a:t>
             </a:fld>
             <a:endParaRPr lang="en-US"/>
           </a:p>
@@ -3092,7 +3091,11 @@
           <a:p>
             <a:r>
               <a:rPr lang="en-US" dirty="0" smtClean="0"/>
-              <a:t>Angular Data Binding</a:t>
+              <a:t>Angular </a:t>
+            </a:r>
+            <a:r>
+              <a:rPr lang="zh-CN" altLang="en-US" dirty="0" smtClean="0"/>
+              <a:t>核心机制分析及性能实战</a:t>
             </a:r>
             <a:endParaRPr lang="en-US" dirty="0"/>
           </a:p>
@@ -3156,7 +3159,7 @@
       </p:grpSpPr>
       <p:sp>
         <p:nvSpPr>
-          <p:cNvPr id="2" name="Title 1"/>
+          <p:cNvPr id="2" name="标题 1"/>
           <p:cNvSpPr>
             <a:spLocks noGrp="1"/>
           </p:cNvSpPr>
@@ -3169,13 +3172,13 @@
           <a:bodyPr/>
           <a:lstStyle/>
           <a:p>
-            <a:endParaRPr lang="en-US"/>
-          </a:p>
-        </p:txBody>
-      </p:sp>
-      <p:sp>
-        <p:nvSpPr>
-          <p:cNvPr id="3" name="Content Placeholder 2"/>
+            <a:endParaRPr lang="zh-CN" altLang="en-US"/>
+          </a:p>
+        </p:txBody>
+      </p:sp>
+      <p:sp>
+        <p:nvSpPr>
+          <p:cNvPr id="3" name="内容占位符 2"/>
           <p:cNvSpPr>
             <a:spLocks noGrp="1"/>
           </p:cNvSpPr>
@@ -3186,113 +3189,355 @@
         <p:spPr/>
         <p:txBody>
           <a:bodyPr>
-            <a:normAutofit fontScale="70000" lnSpcReduction="20000"/>
+            <a:normAutofit fontScale="32500" lnSpcReduction="20000"/>
           </a:bodyPr>
           <a:lstStyle/>
           <a:p>
             <a:r>
-              <a:rPr lang="en-US" dirty="0" err="1"/>
-              <a:t>AngularJS</a:t>
-            </a:r>
-            <a:r>
-              <a:rPr lang="en-US" dirty="0"/>
-              <a:t> remembers the value and compares it to previous value. This is basic dirty-checking. If there is a change in value, then it fires the change event.</a:t>
-            </a:r>
-          </a:p>
-          <a:p>
-            <a:r>
-              <a:rPr lang="en-US" dirty="0"/>
-              <a:t>The $apply() method, which is what you call when you are transitioning from a non-</a:t>
-            </a:r>
-            <a:r>
-              <a:rPr lang="en-US" dirty="0" err="1"/>
-              <a:t>AngularJS</a:t>
-            </a:r>
-            <a:r>
-              <a:rPr lang="en-US" dirty="0"/>
-              <a:t> world into an </a:t>
-            </a:r>
-            <a:r>
-              <a:rPr lang="en-US" dirty="0" err="1"/>
-              <a:t>AngularJS</a:t>
-            </a:r>
-            <a:r>
-              <a:rPr lang="en-US" dirty="0"/>
-              <a:t> world, calls $digest(). A digest is just plain old dirty-checking. It works on all browsers and is totally predictable.</a:t>
-            </a:r>
-          </a:p>
-          <a:p>
-            <a:r>
-              <a:rPr lang="en-US" dirty="0"/>
-              <a:t>To contrast dirty-checking (</a:t>
-            </a:r>
-            <a:r>
-              <a:rPr lang="en-US" dirty="0" err="1"/>
-              <a:t>AngularJS</a:t>
-            </a:r>
-            <a:r>
-              <a:rPr lang="en-US" dirty="0"/>
-              <a:t>) vs change listeners (</a:t>
-            </a:r>
-            <a:r>
-              <a:rPr lang="en-US" dirty="0" err="1">
-                <a:hlinkClick r:id="rId2"/>
-              </a:rPr>
-              <a:t>KnockoutJS</a:t>
-            </a:r>
-            <a:r>
-              <a:rPr lang="en-US" dirty="0"/>
-              <a:t> and </a:t>
-            </a:r>
-            <a:r>
-              <a:rPr lang="en-US" dirty="0">
-                <a:hlinkClick r:id="rId3"/>
-              </a:rPr>
-              <a:t>Backbone.js</a:t>
-            </a:r>
-            <a:r>
-              <a:rPr lang="en-US" dirty="0"/>
-              <a:t>): While dirty-checking may seem simple, and even inefficient (I will address that later), it turns out that it is semantically correct all the time, while change listeners have lots of weird corner cases and need things like dependency tracking to make it more semantically correct. </a:t>
-            </a:r>
-            <a:r>
-              <a:rPr lang="en-US" dirty="0" err="1"/>
-              <a:t>KnockoutJS</a:t>
-            </a:r>
-            <a:r>
-              <a:rPr lang="en-US" dirty="0"/>
-              <a:t> dependency tracking is a clever feature for a problem which </a:t>
-            </a:r>
-            <a:r>
-              <a:rPr lang="en-US" dirty="0" err="1"/>
-              <a:t>AngularJS</a:t>
-            </a:r>
-            <a:r>
-              <a:rPr lang="en-US" dirty="0"/>
-              <a:t> does not have.</a:t>
-            </a:r>
-          </a:p>
-          <a:p>
-            <a:endParaRPr lang="en-US" dirty="0"/>
+              <a:rPr lang="en-US" altLang="zh-CN" dirty="0"/>
+              <a:t>$('#button').</a:t>
+            </a:r>
+            <a:r>
+              <a:rPr lang="en-US" altLang="zh-CN" dirty="0" err="1"/>
+              <a:t>onClick</a:t>
+            </a:r>
+            <a:r>
+              <a:rPr lang="en-US" altLang="zh-CN" dirty="0"/>
+              <a:t>(function(){</a:t>
+            </a:r>
+          </a:p>
+          <a:p>
+            <a:r>
+              <a:rPr lang="en-US" altLang="zh-CN" dirty="0"/>
+              <a:t>	(function apply(</a:t>
+            </a:r>
+            <a:r>
+              <a:rPr lang="en-US" altLang="zh-CN" dirty="0" err="1"/>
+              <a:t>expr</a:t>
+            </a:r>
+            <a:r>
+              <a:rPr lang="en-US" altLang="zh-CN" dirty="0"/>
+              <a:t>){</a:t>
+            </a:r>
+          </a:p>
+          <a:p>
+            <a:r>
+              <a:rPr lang="en-US" altLang="zh-CN" dirty="0"/>
+              <a:t>		try {</a:t>
+            </a:r>
+          </a:p>
+          <a:p>
+            <a:r>
+              <a:rPr lang="en-US" altLang="zh-CN" dirty="0"/>
+              <a:t>			//</a:t>
+            </a:r>
+            <a:r>
+              <a:rPr lang="en-US" altLang="zh-CN" dirty="0" err="1"/>
+              <a:t>beginPhase</a:t>
+            </a:r>
+            <a:r>
+              <a:rPr lang="en-US" altLang="zh-CN" dirty="0"/>
+              <a:t>('$apply');</a:t>
+            </a:r>
+          </a:p>
+          <a:p>
+            <a:r>
+              <a:rPr lang="en-US" altLang="zh-CN" dirty="0"/>
+              <a:t>			this.$</a:t>
+            </a:r>
+            <a:r>
+              <a:rPr lang="en-US" altLang="zh-CN" dirty="0" err="1"/>
+              <a:t>eval</a:t>
+            </a:r>
+            <a:r>
+              <a:rPr lang="en-US" altLang="zh-CN" dirty="0"/>
+              <a:t>(</a:t>
+            </a:r>
+            <a:r>
+              <a:rPr lang="en-US" altLang="zh-CN" dirty="0" err="1"/>
+              <a:t>expr</a:t>
+            </a:r>
+            <a:r>
+              <a:rPr lang="en-US" altLang="zh-CN" dirty="0"/>
+              <a:t>);</a:t>
+            </a:r>
+          </a:p>
+          <a:p>
+            <a:r>
+              <a:rPr lang="en-US" altLang="zh-CN" dirty="0"/>
+              <a:t>		} finally { </a:t>
+            </a:r>
+          </a:p>
+          <a:p>
+            <a:r>
+              <a:rPr lang="en-US" altLang="zh-CN" dirty="0"/>
+              <a:t>			// ignore catch</a:t>
+            </a:r>
+          </a:p>
+          <a:p>
+            <a:r>
+              <a:rPr lang="en-US" altLang="zh-CN" dirty="0"/>
+              <a:t>			// </a:t>
+            </a:r>
+            <a:r>
+              <a:rPr lang="en-US" altLang="zh-CN" dirty="0" err="1"/>
+              <a:t>clearPhase</a:t>
+            </a:r>
+            <a:r>
+              <a:rPr lang="en-US" altLang="zh-CN" dirty="0"/>
+              <a:t>();</a:t>
+            </a:r>
+          </a:p>
+          <a:p>
+            <a:r>
+              <a:rPr lang="en-US" altLang="zh-CN" dirty="0"/>
+              <a:t>			$</a:t>
+            </a:r>
+            <a:r>
+              <a:rPr lang="en-US" altLang="zh-CN" dirty="0" err="1"/>
+              <a:t>rootScope</a:t>
+            </a:r>
+            <a:r>
+              <a:rPr lang="en-US" altLang="zh-CN" dirty="0"/>
+              <a:t>.$digest();</a:t>
+            </a:r>
+          </a:p>
+          <a:p>
+            <a:r>
+              <a:rPr lang="en-US" altLang="zh-CN" dirty="0"/>
+              <a:t>		}</a:t>
+            </a:r>
+          </a:p>
+          <a:p>
+            <a:r>
+              <a:rPr lang="en-US" altLang="zh-CN" dirty="0"/>
+              <a:t>	})();</a:t>
+            </a:r>
+          </a:p>
+          <a:p>
+            <a:r>
+              <a:rPr lang="en-US" altLang="zh-CN" dirty="0"/>
+              <a:t>})</a:t>
+            </a:r>
+          </a:p>
+          <a:p>
+            <a:r>
+              <a:rPr lang="en-US" altLang="zh-CN" dirty="0"/>
+              <a:t>$</a:t>
+            </a:r>
+            <a:r>
+              <a:rPr lang="en-US" altLang="zh-CN" dirty="0" err="1"/>
+              <a:t>rootScope</a:t>
+            </a:r>
+            <a:r>
+              <a:rPr lang="en-US" altLang="zh-CN" dirty="0"/>
+              <a:t>.$digest = function(){</a:t>
+            </a:r>
+          </a:p>
+          <a:p>
+            <a:r>
+              <a:rPr lang="en-US" altLang="zh-CN" dirty="0"/>
+              <a:t> 	// </a:t>
+            </a:r>
+            <a:r>
+              <a:rPr lang="en-US" altLang="zh-CN" dirty="0" err="1"/>
+              <a:t>beginPhase</a:t>
+            </a:r>
+            <a:r>
+              <a:rPr lang="en-US" altLang="zh-CN" dirty="0"/>
+              <a:t>('$apply');</a:t>
+            </a:r>
+          </a:p>
+          <a:p>
+            <a:r>
+              <a:rPr lang="en-US" altLang="zh-CN" dirty="0"/>
+              <a:t> 	// </a:t>
+            </a:r>
+            <a:r>
+              <a:rPr lang="en-US" altLang="zh-CN" dirty="0" err="1"/>
+              <a:t>applyAsync</a:t>
+            </a:r>
+            <a:r>
+              <a:rPr lang="en-US" altLang="zh-CN" dirty="0"/>
+              <a:t> </a:t>
+            </a:r>
+            <a:r>
+              <a:rPr lang="zh-CN" altLang="en-US" dirty="0"/>
+              <a:t>省略不讲</a:t>
+            </a:r>
+          </a:p>
+          <a:p>
+            <a:endParaRPr lang="zh-CN" altLang="en-US" dirty="0"/>
+          </a:p>
+          <a:p>
+            <a:r>
+              <a:rPr lang="zh-CN" altLang="en-US" dirty="0"/>
+              <a:t>	</a:t>
+            </a:r>
+            <a:r>
+              <a:rPr lang="en-US" altLang="zh-CN" dirty="0" err="1"/>
+              <a:t>var</a:t>
+            </a:r>
+            <a:r>
+              <a:rPr lang="en-US" altLang="zh-CN" dirty="0"/>
+              <a:t> </a:t>
+            </a:r>
+            <a:r>
+              <a:rPr lang="en-US" altLang="zh-CN" dirty="0" err="1"/>
+              <a:t>asyncQueue</a:t>
+            </a:r>
+            <a:r>
+              <a:rPr lang="en-US" altLang="zh-CN" dirty="0"/>
+              <a:t>, </a:t>
+            </a:r>
+            <a:r>
+              <a:rPr lang="en-US" altLang="zh-CN" dirty="0" err="1"/>
+              <a:t>isDirty</a:t>
+            </a:r>
+            <a:r>
+              <a:rPr lang="en-US" altLang="zh-CN" dirty="0"/>
+              <a:t>;</a:t>
+            </a:r>
+          </a:p>
+          <a:p>
+            <a:r>
+              <a:rPr lang="en-US" altLang="zh-CN" dirty="0"/>
+              <a:t>	do {</a:t>
+            </a:r>
+          </a:p>
+          <a:p>
+            <a:r>
+              <a:rPr lang="en-US" altLang="zh-CN" dirty="0"/>
+              <a:t>		</a:t>
+            </a:r>
+            <a:r>
+              <a:rPr lang="en-US" altLang="zh-CN" dirty="0" err="1"/>
+              <a:t>asyncQueue</a:t>
+            </a:r>
+            <a:r>
+              <a:rPr lang="en-US" altLang="zh-CN" dirty="0"/>
+              <a:t> = </a:t>
+            </a:r>
+            <a:r>
+              <a:rPr lang="en-US" altLang="zh-CN" dirty="0" err="1"/>
+              <a:t>runScheduleTasks</a:t>
+            </a:r>
+            <a:r>
+              <a:rPr lang="en-US" altLang="zh-CN" dirty="0"/>
+              <a:t>(); // run all $</a:t>
+            </a:r>
+            <a:r>
+              <a:rPr lang="en-US" altLang="zh-CN" dirty="0" err="1"/>
+              <a:t>evalAsync</a:t>
+            </a:r>
+            <a:r>
+              <a:rPr lang="en-US" altLang="zh-CN" dirty="0"/>
+              <a:t> functions!!</a:t>
+            </a:r>
+          </a:p>
+          <a:p>
+            <a:endParaRPr lang="en-US" altLang="zh-CN" dirty="0"/>
+          </a:p>
+          <a:p>
+            <a:r>
+              <a:rPr lang="en-US" altLang="zh-CN" dirty="0"/>
+              <a:t>		</a:t>
+            </a:r>
+            <a:r>
+              <a:rPr lang="en-US" altLang="zh-CN" dirty="0" err="1"/>
+              <a:t>isDirty</a:t>
+            </a:r>
+            <a:r>
+              <a:rPr lang="en-US" altLang="zh-CN" dirty="0"/>
+              <a:t> = </a:t>
+            </a:r>
+            <a:r>
+              <a:rPr lang="en-US" altLang="zh-CN" dirty="0" err="1"/>
+              <a:t>traverseScopesLoop_to_dirtyCheck_allWatchers_and_excuteCallBack</a:t>
+            </a:r>
+            <a:r>
+              <a:rPr lang="en-US" altLang="zh-CN" dirty="0"/>
+              <a:t>();</a:t>
+            </a:r>
+          </a:p>
+          <a:p>
+            <a:r>
+              <a:rPr lang="en-US" altLang="zh-CN" dirty="0"/>
+              <a:t>	}</a:t>
+            </a:r>
+          </a:p>
+          <a:p>
+            <a:r>
+              <a:rPr lang="en-US" altLang="zh-CN" dirty="0"/>
+              <a:t>	while(</a:t>
+            </a:r>
+            <a:r>
+              <a:rPr lang="en-US" altLang="zh-CN" dirty="0" err="1"/>
+              <a:t>isDirty</a:t>
+            </a:r>
+            <a:r>
+              <a:rPr lang="en-US" altLang="zh-CN" dirty="0"/>
+              <a:t> || </a:t>
+            </a:r>
+            <a:r>
+              <a:rPr lang="en-US" altLang="zh-CN" dirty="0" err="1"/>
+              <a:t>asyncQueue.length</a:t>
+            </a:r>
+            <a:r>
+              <a:rPr lang="en-US" altLang="zh-CN" dirty="0"/>
+              <a:t>)</a:t>
+            </a:r>
+          </a:p>
+          <a:p>
+            <a:endParaRPr lang="en-US" altLang="zh-CN" dirty="0"/>
+          </a:p>
+          <a:p>
+            <a:r>
+              <a:rPr lang="en-US" altLang="zh-CN" dirty="0"/>
+              <a:t>	</a:t>
+            </a:r>
+            <a:r>
+              <a:rPr lang="en-US" altLang="zh-CN" dirty="0" err="1"/>
+              <a:t>runPostDigestTask</a:t>
+            </a:r>
+            <a:r>
+              <a:rPr lang="en-US" altLang="zh-CN" dirty="0"/>
+              <a:t>(); // including event, animation classes.</a:t>
+            </a:r>
+          </a:p>
+          <a:p>
+            <a:r>
+              <a:rPr lang="en-US" altLang="zh-CN" dirty="0"/>
+              <a:t>	// </a:t>
+            </a:r>
+            <a:r>
+              <a:rPr lang="en-US" altLang="zh-CN" dirty="0" err="1"/>
+              <a:t>clearPhase</a:t>
+            </a:r>
+            <a:r>
+              <a:rPr lang="en-US" altLang="zh-CN" dirty="0"/>
+              <a:t>();</a:t>
+            </a:r>
+          </a:p>
+          <a:p>
+            <a:r>
+              <a:rPr lang="en-US" altLang="zh-CN" dirty="0"/>
+              <a:t>}</a:t>
+            </a:r>
+            <a:endParaRPr lang="zh-CN" altLang="en-US" dirty="0"/>
           </a:p>
         </p:txBody>
       </p:sp>
     </p:spTree>
     <p:extLst>
       <p:ext uri="{BB962C8B-B14F-4D97-AF65-F5344CB8AC3E}">
-        <p14:creationId xmlns:p14="http://schemas.microsoft.com/office/powerpoint/2010/main" val="2340498008"/>
+        <p14:creationId xmlns:p14="http://schemas.microsoft.com/office/powerpoint/2010/main" val="974762731"/>
       </p:ext>
     </p:extLst>
   </p:cSld>
   <p:clrMapOvr>
     <a:masterClrMapping/>
   </p:clrMapOvr>
-  <p:timing>
-    <p:tnLst>
-      <p:par>
-        <p:cTn id="1" dur="indefinite" restart="never" nodeType="tmRoot"/>
-      </p:par>
-    </p:tnLst>
-  </p:timing>
 </p:sld>
 </file>
 
@@ -3325,18 +3570,12 @@
         </p:nvSpPr>
         <p:spPr/>
         <p:txBody>
-          <a:bodyPr>
-            <a:normAutofit/>
-          </a:bodyPr>
+          <a:bodyPr/>
           <a:lstStyle/>
           <a:p>
             <a:r>
-              <a:rPr lang="en-US" b="1" dirty="0"/>
-              <a:t>Issues with change </a:t>
-            </a:r>
-            <a:r>
-              <a:rPr lang="en-US" b="1" dirty="0" smtClean="0"/>
-              <a:t>listeners</a:t>
+              <a:rPr lang="en-US" dirty="0" smtClean="0"/>
+              <a:t>Cons and Pros</a:t>
             </a:r>
             <a:endParaRPr lang="en-US" dirty="0"/>
           </a:p>
@@ -3355,62 +3594,58 @@
         <p:spPr/>
         <p:txBody>
           <a:bodyPr>
-            <a:normAutofit fontScale="47500" lnSpcReduction="20000"/>
+            <a:normAutofit fontScale="92500" lnSpcReduction="20000"/>
           </a:bodyPr>
           <a:lstStyle/>
           <a:p>
             <a:r>
+              <a:rPr lang="en-US" dirty="0" smtClean="0"/>
+              <a:t>Pros</a:t>
+            </a:r>
+          </a:p>
+          <a:p>
+            <a:pPr marL="0" indent="0">
+              <a:buNone/>
+            </a:pPr>
+            <a:r>
+              <a:rPr lang="en-US" dirty="0" smtClean="0"/>
+              <a:t>Easier syntax when using POJO</a:t>
+            </a:r>
+          </a:p>
+          <a:p>
+            <a:r>
+              <a:rPr lang="en-US" dirty="0" smtClean="0"/>
+              <a:t>Cons</a:t>
+            </a:r>
+          </a:p>
+          <a:p>
+            <a:pPr marL="0" indent="0">
+              <a:buNone/>
+            </a:pPr>
+            <a:r>
+              <a:rPr lang="en-US" dirty="0" smtClean="0"/>
+              <a:t>Unsuitable for high frequency callbacks/ large number of models.</a:t>
+            </a:r>
+          </a:p>
+          <a:p>
+            <a:pPr marL="0" indent="0">
+              <a:buNone/>
+            </a:pPr>
+            <a:r>
+              <a:rPr lang="en-US" dirty="0" smtClean="0"/>
+              <a:t>two-way </a:t>
+            </a:r>
+            <a:r>
               <a:rPr lang="en-US" dirty="0"/>
-              <a:t>Syntax is atrocious, since browsers do not support it natively. Yes, there are proxies, but they are not semantically correct in all cases, and of course no proxies on old browsers. The bottom line is that dirty-checking allows you to do </a:t>
-            </a:r>
-            <a:r>
-              <a:rPr lang="en-US" dirty="0">
-                <a:hlinkClick r:id="rId2"/>
-              </a:rPr>
-              <a:t>POJO</a:t>
-            </a:r>
-            <a:r>
-              <a:rPr lang="en-US" dirty="0"/>
-              <a:t>, whereas </a:t>
-            </a:r>
-            <a:r>
-              <a:rPr lang="en-US" dirty="0" err="1"/>
-              <a:t>KnockoutJS</a:t>
-            </a:r>
-            <a:r>
-              <a:rPr lang="en-US" dirty="0"/>
-              <a:t> and Backbone.js force you to inherit from their classes, and access your data through </a:t>
-            </a:r>
-            <a:r>
-              <a:rPr lang="en-US" dirty="0" err="1"/>
-              <a:t>accessors</a:t>
-            </a:r>
-            <a:r>
-              <a:rPr lang="en-US" dirty="0"/>
-              <a:t>.</a:t>
-            </a:r>
-          </a:p>
-          <a:p>
-            <a:r>
-              <a:rPr lang="en-US" dirty="0"/>
-              <a:t>Change coalescence. Suppose you have an array of items. Say you want to add items into an array, as you are looping to add, each time you add you are firing events on change, which is rendering the UI. This is very bad for performance. What you want is to update the UI only once, at the end. The change events are too fine grained.</a:t>
-            </a:r>
-          </a:p>
-          <a:p>
-            <a:r>
-              <a:rPr lang="en-US" dirty="0"/>
-              <a:t>Change listeners fire immediately on a setter, which is a problem, since the change listener can further change data, which fires more change events. This is bad since on your stack you may have several change events happening at once. Suppose you have two arrays which need to be kept in sync for whatever reason. You can only add to one or the other, but each time you add you fire a change event, which now has an inconsistent view of the world. This is a very similar problem to thread locking, which JavaScript avoids since each callback executes exclusively and to completion. Change events break this since setters can have far reaching consequences which are not intended and non obvious, which creates the thread problem all over again. It turns out that what you want to do is to delay the listener execution, and guarantee, that only one listener runs at a time, hence any code is free to change data, and it knows that no other code runs while it is doing so.</a:t>
-            </a:r>
-          </a:p>
-          <a:p>
-            <a:endParaRPr lang="en-US" dirty="0"/>
+              <a:t>data bindings lead to cascading updates, where changing one data model led to another data model updating, making it very difficult to predict what would change as the result of a single user interaction.</a:t>
+            </a:r>
           </a:p>
         </p:txBody>
       </p:sp>
     </p:spTree>
     <p:extLst>
       <p:ext uri="{BB962C8B-B14F-4D97-AF65-F5344CB8AC3E}">
-        <p14:creationId xmlns:p14="http://schemas.microsoft.com/office/powerpoint/2010/main" val="359847483"/>
+        <p14:creationId xmlns:p14="http://schemas.microsoft.com/office/powerpoint/2010/main" val="385289163"/>
       </p:ext>
     </p:extLst>
   </p:cSld>
@@ -3420,7 +3655,605 @@
   <p:timing>
     <p:tnLst>
       <p:par>
-        <p:cTn id="1" dur="indefinite" restart="never" nodeType="tmRoot"/>
+        <p:cTn id="1" dur="indefinite" restart="never" nodeType="tmRoot">
+          <p:childTnLst>
+            <p:seq concurrent="1" nextAc="seek">
+              <p:cTn id="2" dur="indefinite" nodeType="mainSeq">
+                <p:childTnLst>
+                  <p:par>
+                    <p:cTn id="3" fill="hold">
+                      <p:stCondLst>
+                        <p:cond delay="indefinite"/>
+                      </p:stCondLst>
+                      <p:childTnLst>
+                        <p:par>
+                          <p:cTn id="4" fill="hold">
+                            <p:stCondLst>
+                              <p:cond delay="0"/>
+                            </p:stCondLst>
+                            <p:childTnLst>
+                              <p:par>
+                                <p:cTn id="5" presetID="42" presetClass="entr" presetSubtype="0" fill="hold" nodeType="clickEffect">
+                                  <p:stCondLst>
+                                    <p:cond delay="0"/>
+                                  </p:stCondLst>
+                                  <p:childTnLst>
+                                    <p:set>
+                                      <p:cBhvr>
+                                        <p:cTn id="6" dur="1" fill="hold">
+                                          <p:stCondLst>
+                                            <p:cond delay="0"/>
+                                          </p:stCondLst>
+                                        </p:cTn>
+                                        <p:tgtEl>
+                                          <p:spTgt spid="3">
+                                            <p:txEl>
+                                              <p:pRg st="1" end="1"/>
+                                            </p:txEl>
+                                          </p:spTgt>
+                                        </p:tgtEl>
+                                        <p:attrNameLst>
+                                          <p:attrName>style.visibility</p:attrName>
+                                        </p:attrNameLst>
+                                      </p:cBhvr>
+                                      <p:to>
+                                        <p:strVal val="visible"/>
+                                      </p:to>
+                                    </p:set>
+                                    <p:animEffect transition="in" filter="fade">
+                                      <p:cBhvr>
+                                        <p:cTn id="7" dur="1000"/>
+                                        <p:tgtEl>
+                                          <p:spTgt spid="3">
+                                            <p:txEl>
+                                              <p:pRg st="1" end="1"/>
+                                            </p:txEl>
+                                          </p:spTgt>
+                                        </p:tgtEl>
+                                      </p:cBhvr>
+                                    </p:animEffect>
+                                    <p:anim calcmode="lin" valueType="num">
+                                      <p:cBhvr>
+                                        <p:cTn id="8" dur="1000" fill="hold"/>
+                                        <p:tgtEl>
+                                          <p:spTgt spid="3">
+                                            <p:txEl>
+                                              <p:pRg st="1" end="1"/>
+                                            </p:txEl>
+                                          </p:spTgt>
+                                        </p:tgtEl>
+                                        <p:attrNameLst>
+                                          <p:attrName>ppt_x</p:attrName>
+                                        </p:attrNameLst>
+                                      </p:cBhvr>
+                                      <p:tavLst>
+                                        <p:tav tm="0">
+                                          <p:val>
+                                            <p:strVal val="#ppt_x"/>
+                                          </p:val>
+                                        </p:tav>
+                                        <p:tav tm="100000">
+                                          <p:val>
+                                            <p:strVal val="#ppt_x"/>
+                                          </p:val>
+                                        </p:tav>
+                                      </p:tavLst>
+                                    </p:anim>
+                                    <p:anim calcmode="lin" valueType="num">
+                                      <p:cBhvr>
+                                        <p:cTn id="9" dur="1000" fill="hold"/>
+                                        <p:tgtEl>
+                                          <p:spTgt spid="3">
+                                            <p:txEl>
+                                              <p:pRg st="1" end="1"/>
+                                            </p:txEl>
+                                          </p:spTgt>
+                                        </p:tgtEl>
+                                        <p:attrNameLst>
+                                          <p:attrName>ppt_y</p:attrName>
+                                        </p:attrNameLst>
+                                      </p:cBhvr>
+                                      <p:tavLst>
+                                        <p:tav tm="0">
+                                          <p:val>
+                                            <p:strVal val="#ppt_y+.1"/>
+                                          </p:val>
+                                        </p:tav>
+                                        <p:tav tm="100000">
+                                          <p:val>
+                                            <p:strVal val="#ppt_y"/>
+                                          </p:val>
+                                        </p:tav>
+                                      </p:tavLst>
+                                    </p:anim>
+                                  </p:childTnLst>
+                                </p:cTn>
+                              </p:par>
+                            </p:childTnLst>
+                          </p:cTn>
+                        </p:par>
+                      </p:childTnLst>
+                    </p:cTn>
+                  </p:par>
+                  <p:par>
+                    <p:cTn id="10" fill="hold">
+                      <p:stCondLst>
+                        <p:cond delay="indefinite"/>
+                      </p:stCondLst>
+                      <p:childTnLst>
+                        <p:par>
+                          <p:cTn id="11" fill="hold">
+                            <p:stCondLst>
+                              <p:cond delay="0"/>
+                            </p:stCondLst>
+                            <p:childTnLst>
+                              <p:par>
+                                <p:cTn id="12" presetID="42" presetClass="entr" presetSubtype="0" fill="hold" nodeType="clickEffect">
+                                  <p:stCondLst>
+                                    <p:cond delay="0"/>
+                                  </p:stCondLst>
+                                  <p:childTnLst>
+                                    <p:set>
+                                      <p:cBhvr>
+                                        <p:cTn id="13" dur="1" fill="hold">
+                                          <p:stCondLst>
+                                            <p:cond delay="0"/>
+                                          </p:stCondLst>
+                                        </p:cTn>
+                                        <p:tgtEl>
+                                          <p:spTgt spid="3">
+                                            <p:txEl>
+                                              <p:pRg st="0" end="0"/>
+                                            </p:txEl>
+                                          </p:spTgt>
+                                        </p:tgtEl>
+                                        <p:attrNameLst>
+                                          <p:attrName>style.visibility</p:attrName>
+                                        </p:attrNameLst>
+                                      </p:cBhvr>
+                                      <p:to>
+                                        <p:strVal val="visible"/>
+                                      </p:to>
+                                    </p:set>
+                                    <p:animEffect transition="in" filter="fade">
+                                      <p:cBhvr>
+                                        <p:cTn id="14" dur="1000"/>
+                                        <p:tgtEl>
+                                          <p:spTgt spid="3">
+                                            <p:txEl>
+                                              <p:pRg st="0" end="0"/>
+                                            </p:txEl>
+                                          </p:spTgt>
+                                        </p:tgtEl>
+                                      </p:cBhvr>
+                                    </p:animEffect>
+                                    <p:anim calcmode="lin" valueType="num">
+                                      <p:cBhvr>
+                                        <p:cTn id="15" dur="1000" fill="hold"/>
+                                        <p:tgtEl>
+                                          <p:spTgt spid="3">
+                                            <p:txEl>
+                                              <p:pRg st="0" end="0"/>
+                                            </p:txEl>
+                                          </p:spTgt>
+                                        </p:tgtEl>
+                                        <p:attrNameLst>
+                                          <p:attrName>ppt_x</p:attrName>
+                                        </p:attrNameLst>
+                                      </p:cBhvr>
+                                      <p:tavLst>
+                                        <p:tav tm="0">
+                                          <p:val>
+                                            <p:strVal val="#ppt_x"/>
+                                          </p:val>
+                                        </p:tav>
+                                        <p:tav tm="100000">
+                                          <p:val>
+                                            <p:strVal val="#ppt_x"/>
+                                          </p:val>
+                                        </p:tav>
+                                      </p:tavLst>
+                                    </p:anim>
+                                    <p:anim calcmode="lin" valueType="num">
+                                      <p:cBhvr>
+                                        <p:cTn id="16" dur="1000" fill="hold"/>
+                                        <p:tgtEl>
+                                          <p:spTgt spid="3">
+                                            <p:txEl>
+                                              <p:pRg st="0" end="0"/>
+                                            </p:txEl>
+                                          </p:spTgt>
+                                        </p:tgtEl>
+                                        <p:attrNameLst>
+                                          <p:attrName>ppt_y</p:attrName>
+                                        </p:attrNameLst>
+                                      </p:cBhvr>
+                                      <p:tavLst>
+                                        <p:tav tm="0">
+                                          <p:val>
+                                            <p:strVal val="#ppt_y+.1"/>
+                                          </p:val>
+                                        </p:tav>
+                                        <p:tav tm="100000">
+                                          <p:val>
+                                            <p:strVal val="#ppt_y"/>
+                                          </p:val>
+                                        </p:tav>
+                                      </p:tavLst>
+                                    </p:anim>
+                                  </p:childTnLst>
+                                </p:cTn>
+                              </p:par>
+                            </p:childTnLst>
+                          </p:cTn>
+                        </p:par>
+                      </p:childTnLst>
+                    </p:cTn>
+                  </p:par>
+                  <p:par>
+                    <p:cTn id="17" fill="hold">
+                      <p:stCondLst>
+                        <p:cond delay="indefinite"/>
+                      </p:stCondLst>
+                      <p:childTnLst>
+                        <p:par>
+                          <p:cTn id="18" fill="hold">
+                            <p:stCondLst>
+                              <p:cond delay="0"/>
+                            </p:stCondLst>
+                            <p:childTnLst>
+                              <p:par>
+                                <p:cTn id="19" presetID="42" presetClass="entr" presetSubtype="0" fill="hold" nodeType="clickEffect">
+                                  <p:stCondLst>
+                                    <p:cond delay="0"/>
+                                  </p:stCondLst>
+                                  <p:childTnLst>
+                                    <p:set>
+                                      <p:cBhvr>
+                                        <p:cTn id="20" dur="1" fill="hold">
+                                          <p:stCondLst>
+                                            <p:cond delay="0"/>
+                                          </p:stCondLst>
+                                        </p:cTn>
+                                        <p:tgtEl>
+                                          <p:spTgt spid="3">
+                                            <p:txEl>
+                                              <p:pRg st="2" end="2"/>
+                                            </p:txEl>
+                                          </p:spTgt>
+                                        </p:tgtEl>
+                                        <p:attrNameLst>
+                                          <p:attrName>style.visibility</p:attrName>
+                                        </p:attrNameLst>
+                                      </p:cBhvr>
+                                      <p:to>
+                                        <p:strVal val="visible"/>
+                                      </p:to>
+                                    </p:set>
+                                    <p:animEffect transition="in" filter="fade">
+                                      <p:cBhvr>
+                                        <p:cTn id="21" dur="1000"/>
+                                        <p:tgtEl>
+                                          <p:spTgt spid="3">
+                                            <p:txEl>
+                                              <p:pRg st="2" end="2"/>
+                                            </p:txEl>
+                                          </p:spTgt>
+                                        </p:tgtEl>
+                                      </p:cBhvr>
+                                    </p:animEffect>
+                                    <p:anim calcmode="lin" valueType="num">
+                                      <p:cBhvr>
+                                        <p:cTn id="22" dur="1000" fill="hold"/>
+                                        <p:tgtEl>
+                                          <p:spTgt spid="3">
+                                            <p:txEl>
+                                              <p:pRg st="2" end="2"/>
+                                            </p:txEl>
+                                          </p:spTgt>
+                                        </p:tgtEl>
+                                        <p:attrNameLst>
+                                          <p:attrName>ppt_x</p:attrName>
+                                        </p:attrNameLst>
+                                      </p:cBhvr>
+                                      <p:tavLst>
+                                        <p:tav tm="0">
+                                          <p:val>
+                                            <p:strVal val="#ppt_x"/>
+                                          </p:val>
+                                        </p:tav>
+                                        <p:tav tm="100000">
+                                          <p:val>
+                                            <p:strVal val="#ppt_x"/>
+                                          </p:val>
+                                        </p:tav>
+                                      </p:tavLst>
+                                    </p:anim>
+                                    <p:anim calcmode="lin" valueType="num">
+                                      <p:cBhvr>
+                                        <p:cTn id="23" dur="1000" fill="hold"/>
+                                        <p:tgtEl>
+                                          <p:spTgt spid="3">
+                                            <p:txEl>
+                                              <p:pRg st="2" end="2"/>
+                                            </p:txEl>
+                                          </p:spTgt>
+                                        </p:tgtEl>
+                                        <p:attrNameLst>
+                                          <p:attrName>ppt_y</p:attrName>
+                                        </p:attrNameLst>
+                                      </p:cBhvr>
+                                      <p:tavLst>
+                                        <p:tav tm="0">
+                                          <p:val>
+                                            <p:strVal val="#ppt_y+.1"/>
+                                          </p:val>
+                                        </p:tav>
+                                        <p:tav tm="100000">
+                                          <p:val>
+                                            <p:strVal val="#ppt_y"/>
+                                          </p:val>
+                                        </p:tav>
+                                      </p:tavLst>
+                                    </p:anim>
+                                  </p:childTnLst>
+                                </p:cTn>
+                              </p:par>
+                            </p:childTnLst>
+                          </p:cTn>
+                        </p:par>
+                      </p:childTnLst>
+                    </p:cTn>
+                  </p:par>
+                  <p:par>
+                    <p:cTn id="24" fill="hold">
+                      <p:stCondLst>
+                        <p:cond delay="indefinite"/>
+                      </p:stCondLst>
+                      <p:childTnLst>
+                        <p:par>
+                          <p:cTn id="25" fill="hold">
+                            <p:stCondLst>
+                              <p:cond delay="0"/>
+                            </p:stCondLst>
+                            <p:childTnLst>
+                              <p:par>
+                                <p:cTn id="26" presetID="42" presetClass="entr" presetSubtype="0" fill="hold" nodeType="clickEffect">
+                                  <p:stCondLst>
+                                    <p:cond delay="0"/>
+                                  </p:stCondLst>
+                                  <p:childTnLst>
+                                    <p:set>
+                                      <p:cBhvr>
+                                        <p:cTn id="27" dur="1" fill="hold">
+                                          <p:stCondLst>
+                                            <p:cond delay="0"/>
+                                          </p:stCondLst>
+                                        </p:cTn>
+                                        <p:tgtEl>
+                                          <p:spTgt spid="3">
+                                            <p:txEl>
+                                              <p:pRg st="3" end="3"/>
+                                            </p:txEl>
+                                          </p:spTgt>
+                                        </p:tgtEl>
+                                        <p:attrNameLst>
+                                          <p:attrName>style.visibility</p:attrName>
+                                        </p:attrNameLst>
+                                      </p:cBhvr>
+                                      <p:to>
+                                        <p:strVal val="visible"/>
+                                      </p:to>
+                                    </p:set>
+                                    <p:animEffect transition="in" filter="fade">
+                                      <p:cBhvr>
+                                        <p:cTn id="28" dur="1000"/>
+                                        <p:tgtEl>
+                                          <p:spTgt spid="3">
+                                            <p:txEl>
+                                              <p:pRg st="3" end="3"/>
+                                            </p:txEl>
+                                          </p:spTgt>
+                                        </p:tgtEl>
+                                      </p:cBhvr>
+                                    </p:animEffect>
+                                    <p:anim calcmode="lin" valueType="num">
+                                      <p:cBhvr>
+                                        <p:cTn id="29" dur="1000" fill="hold"/>
+                                        <p:tgtEl>
+                                          <p:spTgt spid="3">
+                                            <p:txEl>
+                                              <p:pRg st="3" end="3"/>
+                                            </p:txEl>
+                                          </p:spTgt>
+                                        </p:tgtEl>
+                                        <p:attrNameLst>
+                                          <p:attrName>ppt_x</p:attrName>
+                                        </p:attrNameLst>
+                                      </p:cBhvr>
+                                      <p:tavLst>
+                                        <p:tav tm="0">
+                                          <p:val>
+                                            <p:strVal val="#ppt_x"/>
+                                          </p:val>
+                                        </p:tav>
+                                        <p:tav tm="100000">
+                                          <p:val>
+                                            <p:strVal val="#ppt_x"/>
+                                          </p:val>
+                                        </p:tav>
+                                      </p:tavLst>
+                                    </p:anim>
+                                    <p:anim calcmode="lin" valueType="num">
+                                      <p:cBhvr>
+                                        <p:cTn id="30" dur="1000" fill="hold"/>
+                                        <p:tgtEl>
+                                          <p:spTgt spid="3">
+                                            <p:txEl>
+                                              <p:pRg st="3" end="3"/>
+                                            </p:txEl>
+                                          </p:spTgt>
+                                        </p:tgtEl>
+                                        <p:attrNameLst>
+                                          <p:attrName>ppt_y</p:attrName>
+                                        </p:attrNameLst>
+                                      </p:cBhvr>
+                                      <p:tavLst>
+                                        <p:tav tm="0">
+                                          <p:val>
+                                            <p:strVal val="#ppt_y+.1"/>
+                                          </p:val>
+                                        </p:tav>
+                                        <p:tav tm="100000">
+                                          <p:val>
+                                            <p:strVal val="#ppt_y"/>
+                                          </p:val>
+                                        </p:tav>
+                                      </p:tavLst>
+                                    </p:anim>
+                                  </p:childTnLst>
+                                </p:cTn>
+                              </p:par>
+                            </p:childTnLst>
+                          </p:cTn>
+                        </p:par>
+                      </p:childTnLst>
+                    </p:cTn>
+                  </p:par>
+                  <p:par>
+                    <p:cTn id="31" fill="hold">
+                      <p:stCondLst>
+                        <p:cond delay="indefinite"/>
+                      </p:stCondLst>
+                      <p:childTnLst>
+                        <p:par>
+                          <p:cTn id="32" fill="hold">
+                            <p:stCondLst>
+                              <p:cond delay="0"/>
+                            </p:stCondLst>
+                            <p:childTnLst>
+                              <p:par>
+                                <p:cTn id="33" presetID="42" presetClass="entr" presetSubtype="0" fill="hold" nodeType="clickEffect">
+                                  <p:stCondLst>
+                                    <p:cond delay="0"/>
+                                  </p:stCondLst>
+                                  <p:childTnLst>
+                                    <p:set>
+                                      <p:cBhvr>
+                                        <p:cTn id="34" dur="1" fill="hold">
+                                          <p:stCondLst>
+                                            <p:cond delay="0"/>
+                                          </p:stCondLst>
+                                        </p:cTn>
+                                        <p:tgtEl>
+                                          <p:spTgt spid="3">
+                                            <p:txEl>
+                                              <p:pRg st="4" end="4"/>
+                                            </p:txEl>
+                                          </p:spTgt>
+                                        </p:tgtEl>
+                                        <p:attrNameLst>
+                                          <p:attrName>style.visibility</p:attrName>
+                                        </p:attrNameLst>
+                                      </p:cBhvr>
+                                      <p:to>
+                                        <p:strVal val="visible"/>
+                                      </p:to>
+                                    </p:set>
+                                    <p:animEffect transition="in" filter="fade">
+                                      <p:cBhvr>
+                                        <p:cTn id="35" dur="1000"/>
+                                        <p:tgtEl>
+                                          <p:spTgt spid="3">
+                                            <p:txEl>
+                                              <p:pRg st="4" end="4"/>
+                                            </p:txEl>
+                                          </p:spTgt>
+                                        </p:tgtEl>
+                                      </p:cBhvr>
+                                    </p:animEffect>
+                                    <p:anim calcmode="lin" valueType="num">
+                                      <p:cBhvr>
+                                        <p:cTn id="36" dur="1000" fill="hold"/>
+                                        <p:tgtEl>
+                                          <p:spTgt spid="3">
+                                            <p:txEl>
+                                              <p:pRg st="4" end="4"/>
+                                            </p:txEl>
+                                          </p:spTgt>
+                                        </p:tgtEl>
+                                        <p:attrNameLst>
+                                          <p:attrName>ppt_x</p:attrName>
+                                        </p:attrNameLst>
+                                      </p:cBhvr>
+                                      <p:tavLst>
+                                        <p:tav tm="0">
+                                          <p:val>
+                                            <p:strVal val="#ppt_x"/>
+                                          </p:val>
+                                        </p:tav>
+                                        <p:tav tm="100000">
+                                          <p:val>
+                                            <p:strVal val="#ppt_x"/>
+                                          </p:val>
+                                        </p:tav>
+                                      </p:tavLst>
+                                    </p:anim>
+                                    <p:anim calcmode="lin" valueType="num">
+                                      <p:cBhvr>
+                                        <p:cTn id="37" dur="1000" fill="hold"/>
+                                        <p:tgtEl>
+                                          <p:spTgt spid="3">
+                                            <p:txEl>
+                                              <p:pRg st="4" end="4"/>
+                                            </p:txEl>
+                                          </p:spTgt>
+                                        </p:tgtEl>
+                                        <p:attrNameLst>
+                                          <p:attrName>ppt_y</p:attrName>
+                                        </p:attrNameLst>
+                                      </p:cBhvr>
+                                      <p:tavLst>
+                                        <p:tav tm="0">
+                                          <p:val>
+                                            <p:strVal val="#ppt_y+.1"/>
+                                          </p:val>
+                                        </p:tav>
+                                        <p:tav tm="100000">
+                                          <p:val>
+                                            <p:strVal val="#ppt_y"/>
+                                          </p:val>
+                                        </p:tav>
+                                      </p:tavLst>
+                                    </p:anim>
+                                  </p:childTnLst>
+                                </p:cTn>
+                              </p:par>
+                            </p:childTnLst>
+                          </p:cTn>
+                        </p:par>
+                      </p:childTnLst>
+                    </p:cTn>
+                  </p:par>
+                </p:childTnLst>
+              </p:cTn>
+              <p:prevCondLst>
+                <p:cond evt="onPrev" delay="0">
+                  <p:tgtEl>
+                    <p:sldTgt/>
+                  </p:tgtEl>
+                </p:cond>
+              </p:prevCondLst>
+              <p:nextCondLst>
+                <p:cond evt="onNext" delay="0">
+                  <p:tgtEl>
+                    <p:sldTgt/>
+                  </p:tgtEl>
+                </p:cond>
+              </p:nextCondLst>
+            </p:seq>
+          </p:childTnLst>
+        </p:cTn>
       </p:par>
     </p:tnLst>
   </p:timing>
@@ -3456,18 +4289,12 @@
         </p:nvSpPr>
         <p:spPr/>
         <p:txBody>
-          <a:bodyPr>
-            <a:normAutofit/>
-          </a:bodyPr>
+          <a:bodyPr/>
           <a:lstStyle/>
           <a:p>
             <a:r>
-              <a:rPr lang="en-US" b="1" dirty="0"/>
-              <a:t>What about performance</a:t>
-            </a:r>
-            <a:r>
-              <a:rPr lang="en-US" b="1" dirty="0" smtClean="0"/>
-              <a:t>?</a:t>
+              <a:rPr lang="en-US" dirty="0" smtClean="0"/>
+              <a:t>Questions</a:t>
             </a:r>
             <a:endParaRPr lang="en-US" dirty="0"/>
           </a:p>
@@ -3485,150 +4312,70 @@
         </p:nvSpPr>
         <p:spPr/>
         <p:txBody>
-          <a:bodyPr>
-            <a:normAutofit fontScale="47500" lnSpcReduction="20000"/>
-          </a:bodyPr>
+          <a:bodyPr/>
           <a:lstStyle/>
           <a:p>
             <a:r>
+              <a:rPr lang="en-US" dirty="0" smtClean="0"/>
+              <a:t>What event will trigger $apply?</a:t>
+            </a:r>
+          </a:p>
+          <a:p>
+            <a:pPr lvl="1"/>
+            <a:r>
+              <a:rPr lang="en-US" dirty="0" smtClean="0"/>
+              <a:t>$timeout</a:t>
+            </a:r>
+          </a:p>
+          <a:p>
+            <a:pPr lvl="1"/>
+            <a:r>
+              <a:rPr lang="en-US" dirty="0" smtClean="0"/>
+              <a:t>ng-action ( ng-click, ng-</a:t>
+            </a:r>
+            <a:r>
+              <a:rPr lang="en-US" dirty="0" err="1" smtClean="0"/>
+              <a:t>keydown</a:t>
+            </a:r>
+            <a:r>
+              <a:rPr lang="en-US" dirty="0" smtClean="0"/>
+              <a:t>…)</a:t>
+            </a:r>
+          </a:p>
+          <a:p>
+            <a:pPr lvl="1"/>
+            <a:r>
               <a:rPr lang="en-US" dirty="0"/>
-              <a:t>So it may seem that we are slow, since dirty-checking is inefficient. This is where we need to look at real numbers rather than just have theoretical arguments, but first let's define some constraints.</a:t>
-            </a:r>
-          </a:p>
-          <a:p>
-            <a:r>
-              <a:rPr lang="en-US" dirty="0"/>
-              <a:t>Humans are:</a:t>
-            </a:r>
-          </a:p>
-          <a:p>
-            <a:r>
-              <a:rPr lang="en-US" i="1" dirty="0"/>
-              <a:t>Slow</a:t>
-            </a:r>
-            <a:r>
-              <a:rPr lang="en-US" dirty="0"/>
-              <a:t> — Anything faster than 50 </a:t>
-            </a:r>
-            <a:r>
-              <a:rPr lang="en-US" dirty="0" err="1"/>
-              <a:t>ms</a:t>
-            </a:r>
-            <a:r>
-              <a:rPr lang="en-US" dirty="0"/>
-              <a:t> is imperceptible to humans and thus can be considered as "instant".</a:t>
-            </a:r>
-          </a:p>
-          <a:p>
-            <a:r>
-              <a:rPr lang="en-US" i="1" dirty="0"/>
-              <a:t>Limited</a:t>
-            </a:r>
-            <a:r>
-              <a:rPr lang="en-US" dirty="0"/>
-              <a:t> — You can't really show more than about 2000 pieces of information to a human on a single page. Anything more than that is really bad UI, and humans can't process this anyway.</a:t>
-            </a:r>
-          </a:p>
-          <a:p>
-            <a:r>
-              <a:rPr lang="en-US" dirty="0"/>
-              <a:t>So the real question is this: How many comparisons can you do on a browser in 50 </a:t>
-            </a:r>
-            <a:r>
-              <a:rPr lang="en-US" dirty="0" err="1"/>
-              <a:t>ms</a:t>
-            </a:r>
-            <a:r>
-              <a:rPr lang="en-US" dirty="0"/>
-              <a:t>? This is a hard question to answer as many factors come into play, but here is a test </a:t>
-            </a:r>
-            <a:r>
-              <a:rPr lang="en-US" dirty="0" err="1"/>
-              <a:t>case:</a:t>
-            </a:r>
-            <a:r>
-              <a:rPr lang="en-US" dirty="0" err="1">
-                <a:hlinkClick r:id="rId2"/>
-              </a:rPr>
-              <a:t>http</a:t>
-            </a:r>
-            <a:r>
-              <a:rPr lang="en-US" dirty="0">
-                <a:hlinkClick r:id="rId2"/>
-              </a:rPr>
-              <a:t>://jsperf.com/</a:t>
-            </a:r>
-            <a:r>
-              <a:rPr lang="en-US" dirty="0" err="1">
-                <a:hlinkClick r:id="rId2"/>
-              </a:rPr>
-              <a:t>angularjs</a:t>
-            </a:r>
-            <a:r>
-              <a:rPr lang="en-US" dirty="0">
-                <a:hlinkClick r:id="rId2"/>
-              </a:rPr>
-              <a:t>-digest/6</a:t>
-            </a:r>
-            <a:r>
-              <a:rPr lang="en-US" dirty="0"/>
-              <a:t> which creates 10,000 watchers. On a modern browser this takes just under 6 </a:t>
-            </a:r>
-            <a:r>
-              <a:rPr lang="en-US" dirty="0" err="1"/>
-              <a:t>ms.</a:t>
-            </a:r>
-            <a:r>
-              <a:rPr lang="en-US" dirty="0"/>
-              <a:t> On </a:t>
-            </a:r>
-            <a:r>
-              <a:rPr lang="en-US" dirty="0">
-                <a:hlinkClick r:id="rId3"/>
-              </a:rPr>
-              <a:t>Internet Explorer 8</a:t>
-            </a:r>
-            <a:r>
-              <a:rPr lang="en-US" dirty="0"/>
-              <a:t> it takes about 40 </a:t>
-            </a:r>
-            <a:r>
-              <a:rPr lang="en-US" dirty="0" err="1"/>
-              <a:t>ms.</a:t>
-            </a:r>
-            <a:r>
-              <a:rPr lang="en-US" dirty="0"/>
-              <a:t> As you can see, this is not an issue even on slow browsers these days. There is a caveat: the comparisons need to be simple to fit into the time limit... Unfortunately it is way too easy to add a slow comparison into </a:t>
-            </a:r>
-            <a:r>
-              <a:rPr lang="en-US" dirty="0" err="1"/>
-              <a:t>AngularJS</a:t>
-            </a:r>
-            <a:r>
-              <a:rPr lang="en-US" dirty="0"/>
-              <a:t>, so it is easy to build slow applications when you don't know what you are doing. But we hope to have an answer by providing an instrumentation module, which would show you which are the slow comparisons.</a:t>
-            </a:r>
-          </a:p>
-          <a:p>
-            <a:r>
-              <a:rPr lang="en-US" dirty="0"/>
-              <a:t>It turns out that video games and GPUs use the dirty-checking approach, specifically because it is consistent. As long as they get over the monitor refresh rate (typically 50-60 </a:t>
-            </a:r>
-            <a:r>
-              <a:rPr lang="en-US" dirty="0" err="1"/>
-              <a:t>hz</a:t>
-            </a:r>
-            <a:r>
-              <a:rPr lang="en-US" dirty="0"/>
-              <a:t>, or every 16.6-20 </a:t>
-            </a:r>
-            <a:r>
-              <a:rPr lang="en-US" dirty="0" err="1"/>
-              <a:t>ms</a:t>
-            </a:r>
-            <a:r>
-              <a:rPr lang="en-US" dirty="0"/>
-              <a:t>), any performance over that is a waste, so you're better off drawing more stuff, than getting FPS higher.</a:t>
+              <a:t>i</a:t>
+            </a:r>
+            <a:r>
+              <a:rPr lang="en-US" dirty="0" smtClean="0"/>
+              <a:t>nput text element with ng-model</a:t>
+            </a:r>
+          </a:p>
+          <a:p>
+            <a:r>
+              <a:rPr lang="en-US" dirty="0" smtClean="0"/>
+              <a:t>How to measure performance?</a:t>
+            </a:r>
+          </a:p>
+          <a:p>
+            <a:pPr lvl="1"/>
+            <a:r>
+              <a:rPr lang="en-US" dirty="0" smtClean="0"/>
+              <a:t>hard to predict, c * ?</a:t>
+            </a:r>
+          </a:p>
+          <a:p>
+            <a:r>
+              <a:rPr lang="en-US" dirty="0" smtClean="0"/>
+              <a:t>When should we use $apply our self?</a:t>
+            </a:r>
+          </a:p>
+          <a:p>
+            <a:r>
+              <a:rPr lang="en-US" dirty="0" smtClean="0"/>
+              <a:t>Different between digest and apply?</a:t>
             </a:r>
           </a:p>
           <a:p>
@@ -3639,7 +4386,7 @@
     </p:spTree>
     <p:extLst>
       <p:ext uri="{BB962C8B-B14F-4D97-AF65-F5344CB8AC3E}">
-        <p14:creationId xmlns:p14="http://schemas.microsoft.com/office/powerpoint/2010/main" val="35720082"/>
+        <p14:creationId xmlns:p14="http://schemas.microsoft.com/office/powerpoint/2010/main" val="1401335724"/>
       </p:ext>
     </p:extLst>
   </p:cSld>
@@ -3649,7 +4396,914 @@
   <p:timing>
     <p:tnLst>
       <p:par>
-        <p:cTn id="1" dur="indefinite" restart="never" nodeType="tmRoot"/>
+        <p:cTn id="1" dur="indefinite" restart="never" nodeType="tmRoot">
+          <p:childTnLst>
+            <p:seq concurrent="1" nextAc="seek">
+              <p:cTn id="2" dur="indefinite" nodeType="mainSeq">
+                <p:childTnLst>
+                  <p:par>
+                    <p:cTn id="3" fill="hold">
+                      <p:stCondLst>
+                        <p:cond delay="indefinite"/>
+                      </p:stCondLst>
+                      <p:childTnLst>
+                        <p:par>
+                          <p:cTn id="4" fill="hold">
+                            <p:stCondLst>
+                              <p:cond delay="0"/>
+                            </p:stCondLst>
+                            <p:childTnLst>
+                              <p:par>
+                                <p:cTn id="5" presetID="42" presetClass="entr" presetSubtype="0" fill="hold" nodeType="clickEffect">
+                                  <p:stCondLst>
+                                    <p:cond delay="0"/>
+                                  </p:stCondLst>
+                                  <p:childTnLst>
+                                    <p:set>
+                                      <p:cBhvr>
+                                        <p:cTn id="6" dur="1" fill="hold">
+                                          <p:stCondLst>
+                                            <p:cond delay="0"/>
+                                          </p:stCondLst>
+                                        </p:cTn>
+                                        <p:tgtEl>
+                                          <p:spTgt spid="3">
+                                            <p:txEl>
+                                              <p:pRg st="0" end="0"/>
+                                            </p:txEl>
+                                          </p:spTgt>
+                                        </p:tgtEl>
+                                        <p:attrNameLst>
+                                          <p:attrName>style.visibility</p:attrName>
+                                        </p:attrNameLst>
+                                      </p:cBhvr>
+                                      <p:to>
+                                        <p:strVal val="visible"/>
+                                      </p:to>
+                                    </p:set>
+                                    <p:animEffect transition="in" filter="fade">
+                                      <p:cBhvr>
+                                        <p:cTn id="7" dur="1000"/>
+                                        <p:tgtEl>
+                                          <p:spTgt spid="3">
+                                            <p:txEl>
+                                              <p:pRg st="0" end="0"/>
+                                            </p:txEl>
+                                          </p:spTgt>
+                                        </p:tgtEl>
+                                      </p:cBhvr>
+                                    </p:animEffect>
+                                    <p:anim calcmode="lin" valueType="num">
+                                      <p:cBhvr>
+                                        <p:cTn id="8" dur="1000" fill="hold"/>
+                                        <p:tgtEl>
+                                          <p:spTgt spid="3">
+                                            <p:txEl>
+                                              <p:pRg st="0" end="0"/>
+                                            </p:txEl>
+                                          </p:spTgt>
+                                        </p:tgtEl>
+                                        <p:attrNameLst>
+                                          <p:attrName>ppt_x</p:attrName>
+                                        </p:attrNameLst>
+                                      </p:cBhvr>
+                                      <p:tavLst>
+                                        <p:tav tm="0">
+                                          <p:val>
+                                            <p:strVal val="#ppt_x"/>
+                                          </p:val>
+                                        </p:tav>
+                                        <p:tav tm="100000">
+                                          <p:val>
+                                            <p:strVal val="#ppt_x"/>
+                                          </p:val>
+                                        </p:tav>
+                                      </p:tavLst>
+                                    </p:anim>
+                                    <p:anim calcmode="lin" valueType="num">
+                                      <p:cBhvr>
+                                        <p:cTn id="9" dur="1000" fill="hold"/>
+                                        <p:tgtEl>
+                                          <p:spTgt spid="3">
+                                            <p:txEl>
+                                              <p:pRg st="0" end="0"/>
+                                            </p:txEl>
+                                          </p:spTgt>
+                                        </p:tgtEl>
+                                        <p:attrNameLst>
+                                          <p:attrName>ppt_y</p:attrName>
+                                        </p:attrNameLst>
+                                      </p:cBhvr>
+                                      <p:tavLst>
+                                        <p:tav tm="0">
+                                          <p:val>
+                                            <p:strVal val="#ppt_y+.1"/>
+                                          </p:val>
+                                        </p:tav>
+                                        <p:tav tm="100000">
+                                          <p:val>
+                                            <p:strVal val="#ppt_y"/>
+                                          </p:val>
+                                        </p:tav>
+                                      </p:tavLst>
+                                    </p:anim>
+                                  </p:childTnLst>
+                                </p:cTn>
+                              </p:par>
+                              <p:par>
+                                <p:cTn id="10" presetID="42" presetClass="entr" presetSubtype="0" fill="hold" nodeType="withEffect">
+                                  <p:stCondLst>
+                                    <p:cond delay="0"/>
+                                  </p:stCondLst>
+                                  <p:childTnLst>
+                                    <p:set>
+                                      <p:cBhvr>
+                                        <p:cTn id="11" dur="1" fill="hold">
+                                          <p:stCondLst>
+                                            <p:cond delay="0"/>
+                                          </p:stCondLst>
+                                        </p:cTn>
+                                        <p:tgtEl>
+                                          <p:spTgt spid="3">
+                                            <p:txEl>
+                                              <p:pRg st="2" end="2"/>
+                                            </p:txEl>
+                                          </p:spTgt>
+                                        </p:tgtEl>
+                                        <p:attrNameLst>
+                                          <p:attrName>style.visibility</p:attrName>
+                                        </p:attrNameLst>
+                                      </p:cBhvr>
+                                      <p:to>
+                                        <p:strVal val="visible"/>
+                                      </p:to>
+                                    </p:set>
+                                    <p:animEffect transition="in" filter="fade">
+                                      <p:cBhvr>
+                                        <p:cTn id="12" dur="1000"/>
+                                        <p:tgtEl>
+                                          <p:spTgt spid="3">
+                                            <p:txEl>
+                                              <p:pRg st="2" end="2"/>
+                                            </p:txEl>
+                                          </p:spTgt>
+                                        </p:tgtEl>
+                                      </p:cBhvr>
+                                    </p:animEffect>
+                                    <p:anim calcmode="lin" valueType="num">
+                                      <p:cBhvr>
+                                        <p:cTn id="13" dur="1000" fill="hold"/>
+                                        <p:tgtEl>
+                                          <p:spTgt spid="3">
+                                            <p:txEl>
+                                              <p:pRg st="2" end="2"/>
+                                            </p:txEl>
+                                          </p:spTgt>
+                                        </p:tgtEl>
+                                        <p:attrNameLst>
+                                          <p:attrName>ppt_x</p:attrName>
+                                        </p:attrNameLst>
+                                      </p:cBhvr>
+                                      <p:tavLst>
+                                        <p:tav tm="0">
+                                          <p:val>
+                                            <p:strVal val="#ppt_x"/>
+                                          </p:val>
+                                        </p:tav>
+                                        <p:tav tm="100000">
+                                          <p:val>
+                                            <p:strVal val="#ppt_x"/>
+                                          </p:val>
+                                        </p:tav>
+                                      </p:tavLst>
+                                    </p:anim>
+                                    <p:anim calcmode="lin" valueType="num">
+                                      <p:cBhvr>
+                                        <p:cTn id="14" dur="1000" fill="hold"/>
+                                        <p:tgtEl>
+                                          <p:spTgt spid="3">
+                                            <p:txEl>
+                                              <p:pRg st="2" end="2"/>
+                                            </p:txEl>
+                                          </p:spTgt>
+                                        </p:tgtEl>
+                                        <p:attrNameLst>
+                                          <p:attrName>ppt_y</p:attrName>
+                                        </p:attrNameLst>
+                                      </p:cBhvr>
+                                      <p:tavLst>
+                                        <p:tav tm="0">
+                                          <p:val>
+                                            <p:strVal val="#ppt_y+.1"/>
+                                          </p:val>
+                                        </p:tav>
+                                        <p:tav tm="100000">
+                                          <p:val>
+                                            <p:strVal val="#ppt_y"/>
+                                          </p:val>
+                                        </p:tav>
+                                      </p:tavLst>
+                                    </p:anim>
+                                  </p:childTnLst>
+                                </p:cTn>
+                              </p:par>
+                            </p:childTnLst>
+                          </p:cTn>
+                        </p:par>
+                      </p:childTnLst>
+                    </p:cTn>
+                  </p:par>
+                  <p:par>
+                    <p:cTn id="15" fill="hold">
+                      <p:stCondLst>
+                        <p:cond delay="indefinite"/>
+                      </p:stCondLst>
+                      <p:childTnLst>
+                        <p:par>
+                          <p:cTn id="16" fill="hold">
+                            <p:stCondLst>
+                              <p:cond delay="0"/>
+                            </p:stCondLst>
+                            <p:childTnLst>
+                              <p:par>
+                                <p:cTn id="17" presetID="42" presetClass="entr" presetSubtype="0" fill="hold" nodeType="clickEffect">
+                                  <p:stCondLst>
+                                    <p:cond delay="0"/>
+                                  </p:stCondLst>
+                                  <p:childTnLst>
+                                    <p:set>
+                                      <p:cBhvr>
+                                        <p:cTn id="18" dur="1" fill="hold">
+                                          <p:stCondLst>
+                                            <p:cond delay="0"/>
+                                          </p:stCondLst>
+                                        </p:cTn>
+                                        <p:tgtEl>
+                                          <p:spTgt spid="3">
+                                            <p:txEl>
+                                              <p:pRg st="1" end="1"/>
+                                            </p:txEl>
+                                          </p:spTgt>
+                                        </p:tgtEl>
+                                        <p:attrNameLst>
+                                          <p:attrName>style.visibility</p:attrName>
+                                        </p:attrNameLst>
+                                      </p:cBhvr>
+                                      <p:to>
+                                        <p:strVal val="visible"/>
+                                      </p:to>
+                                    </p:set>
+                                    <p:animEffect transition="in" filter="fade">
+                                      <p:cBhvr>
+                                        <p:cTn id="19" dur="1000"/>
+                                        <p:tgtEl>
+                                          <p:spTgt spid="3">
+                                            <p:txEl>
+                                              <p:pRg st="1" end="1"/>
+                                            </p:txEl>
+                                          </p:spTgt>
+                                        </p:tgtEl>
+                                      </p:cBhvr>
+                                    </p:animEffect>
+                                    <p:anim calcmode="lin" valueType="num">
+                                      <p:cBhvr>
+                                        <p:cTn id="20" dur="1000" fill="hold"/>
+                                        <p:tgtEl>
+                                          <p:spTgt spid="3">
+                                            <p:txEl>
+                                              <p:pRg st="1" end="1"/>
+                                            </p:txEl>
+                                          </p:spTgt>
+                                        </p:tgtEl>
+                                        <p:attrNameLst>
+                                          <p:attrName>ppt_x</p:attrName>
+                                        </p:attrNameLst>
+                                      </p:cBhvr>
+                                      <p:tavLst>
+                                        <p:tav tm="0">
+                                          <p:val>
+                                            <p:strVal val="#ppt_x"/>
+                                          </p:val>
+                                        </p:tav>
+                                        <p:tav tm="100000">
+                                          <p:val>
+                                            <p:strVal val="#ppt_x"/>
+                                          </p:val>
+                                        </p:tav>
+                                      </p:tavLst>
+                                    </p:anim>
+                                    <p:anim calcmode="lin" valueType="num">
+                                      <p:cBhvr>
+                                        <p:cTn id="21" dur="1000" fill="hold"/>
+                                        <p:tgtEl>
+                                          <p:spTgt spid="3">
+                                            <p:txEl>
+                                              <p:pRg st="1" end="1"/>
+                                            </p:txEl>
+                                          </p:spTgt>
+                                        </p:tgtEl>
+                                        <p:attrNameLst>
+                                          <p:attrName>ppt_y</p:attrName>
+                                        </p:attrNameLst>
+                                      </p:cBhvr>
+                                      <p:tavLst>
+                                        <p:tav tm="0">
+                                          <p:val>
+                                            <p:strVal val="#ppt_y+.1"/>
+                                          </p:val>
+                                        </p:tav>
+                                        <p:tav tm="100000">
+                                          <p:val>
+                                            <p:strVal val="#ppt_y"/>
+                                          </p:val>
+                                        </p:tav>
+                                      </p:tavLst>
+                                    </p:anim>
+                                  </p:childTnLst>
+                                </p:cTn>
+                              </p:par>
+                              <p:par>
+                                <p:cTn id="22" presetID="42" presetClass="entr" presetSubtype="0" fill="hold" nodeType="withEffect">
+                                  <p:stCondLst>
+                                    <p:cond delay="0"/>
+                                  </p:stCondLst>
+                                  <p:childTnLst>
+                                    <p:set>
+                                      <p:cBhvr>
+                                        <p:cTn id="23" dur="1" fill="hold">
+                                          <p:stCondLst>
+                                            <p:cond delay="0"/>
+                                          </p:stCondLst>
+                                        </p:cTn>
+                                        <p:tgtEl>
+                                          <p:spTgt spid="3">
+                                            <p:txEl>
+                                              <p:pRg st="3" end="3"/>
+                                            </p:txEl>
+                                          </p:spTgt>
+                                        </p:tgtEl>
+                                        <p:attrNameLst>
+                                          <p:attrName>style.visibility</p:attrName>
+                                        </p:attrNameLst>
+                                      </p:cBhvr>
+                                      <p:to>
+                                        <p:strVal val="visible"/>
+                                      </p:to>
+                                    </p:set>
+                                    <p:animEffect transition="in" filter="fade">
+                                      <p:cBhvr>
+                                        <p:cTn id="24" dur="1000"/>
+                                        <p:tgtEl>
+                                          <p:spTgt spid="3">
+                                            <p:txEl>
+                                              <p:pRg st="3" end="3"/>
+                                            </p:txEl>
+                                          </p:spTgt>
+                                        </p:tgtEl>
+                                      </p:cBhvr>
+                                    </p:animEffect>
+                                    <p:anim calcmode="lin" valueType="num">
+                                      <p:cBhvr>
+                                        <p:cTn id="25" dur="1000" fill="hold"/>
+                                        <p:tgtEl>
+                                          <p:spTgt spid="3">
+                                            <p:txEl>
+                                              <p:pRg st="3" end="3"/>
+                                            </p:txEl>
+                                          </p:spTgt>
+                                        </p:tgtEl>
+                                        <p:attrNameLst>
+                                          <p:attrName>ppt_x</p:attrName>
+                                        </p:attrNameLst>
+                                      </p:cBhvr>
+                                      <p:tavLst>
+                                        <p:tav tm="0">
+                                          <p:val>
+                                            <p:strVal val="#ppt_x"/>
+                                          </p:val>
+                                        </p:tav>
+                                        <p:tav tm="100000">
+                                          <p:val>
+                                            <p:strVal val="#ppt_x"/>
+                                          </p:val>
+                                        </p:tav>
+                                      </p:tavLst>
+                                    </p:anim>
+                                    <p:anim calcmode="lin" valueType="num">
+                                      <p:cBhvr>
+                                        <p:cTn id="26" dur="1000" fill="hold"/>
+                                        <p:tgtEl>
+                                          <p:spTgt spid="3">
+                                            <p:txEl>
+                                              <p:pRg st="3" end="3"/>
+                                            </p:txEl>
+                                          </p:spTgt>
+                                        </p:tgtEl>
+                                        <p:attrNameLst>
+                                          <p:attrName>ppt_y</p:attrName>
+                                        </p:attrNameLst>
+                                      </p:cBhvr>
+                                      <p:tavLst>
+                                        <p:tav tm="0">
+                                          <p:val>
+                                            <p:strVal val="#ppt_y+.1"/>
+                                          </p:val>
+                                        </p:tav>
+                                        <p:tav tm="100000">
+                                          <p:val>
+                                            <p:strVal val="#ppt_y"/>
+                                          </p:val>
+                                        </p:tav>
+                                      </p:tavLst>
+                                    </p:anim>
+                                  </p:childTnLst>
+                                </p:cTn>
+                              </p:par>
+                            </p:childTnLst>
+                          </p:cTn>
+                        </p:par>
+                      </p:childTnLst>
+                    </p:cTn>
+                  </p:par>
+                  <p:par>
+                    <p:cTn id="27" fill="hold">
+                      <p:stCondLst>
+                        <p:cond delay="indefinite"/>
+                      </p:stCondLst>
+                      <p:childTnLst>
+                        <p:par>
+                          <p:cTn id="28" fill="hold">
+                            <p:stCondLst>
+                              <p:cond delay="0"/>
+                            </p:stCondLst>
+                            <p:childTnLst>
+                              <p:par>
+                                <p:cTn id="29" presetID="42" presetClass="entr" presetSubtype="0" fill="hold" nodeType="clickEffect">
+                                  <p:stCondLst>
+                                    <p:cond delay="0"/>
+                                  </p:stCondLst>
+                                  <p:childTnLst>
+                                    <p:set>
+                                      <p:cBhvr>
+                                        <p:cTn id="30" dur="1" fill="hold">
+                                          <p:stCondLst>
+                                            <p:cond delay="0"/>
+                                          </p:stCondLst>
+                                        </p:cTn>
+                                        <p:tgtEl>
+                                          <p:spTgt spid="3">
+                                            <p:txEl>
+                                              <p:pRg st="4" end="4"/>
+                                            </p:txEl>
+                                          </p:spTgt>
+                                        </p:tgtEl>
+                                        <p:attrNameLst>
+                                          <p:attrName>style.visibility</p:attrName>
+                                        </p:attrNameLst>
+                                      </p:cBhvr>
+                                      <p:to>
+                                        <p:strVal val="visible"/>
+                                      </p:to>
+                                    </p:set>
+                                    <p:animEffect transition="in" filter="fade">
+                                      <p:cBhvr>
+                                        <p:cTn id="31" dur="1000"/>
+                                        <p:tgtEl>
+                                          <p:spTgt spid="3">
+                                            <p:txEl>
+                                              <p:pRg st="4" end="4"/>
+                                            </p:txEl>
+                                          </p:spTgt>
+                                        </p:tgtEl>
+                                      </p:cBhvr>
+                                    </p:animEffect>
+                                    <p:anim calcmode="lin" valueType="num">
+                                      <p:cBhvr>
+                                        <p:cTn id="32" dur="1000" fill="hold"/>
+                                        <p:tgtEl>
+                                          <p:spTgt spid="3">
+                                            <p:txEl>
+                                              <p:pRg st="4" end="4"/>
+                                            </p:txEl>
+                                          </p:spTgt>
+                                        </p:tgtEl>
+                                        <p:attrNameLst>
+                                          <p:attrName>ppt_x</p:attrName>
+                                        </p:attrNameLst>
+                                      </p:cBhvr>
+                                      <p:tavLst>
+                                        <p:tav tm="0">
+                                          <p:val>
+                                            <p:strVal val="#ppt_x"/>
+                                          </p:val>
+                                        </p:tav>
+                                        <p:tav tm="100000">
+                                          <p:val>
+                                            <p:strVal val="#ppt_x"/>
+                                          </p:val>
+                                        </p:tav>
+                                      </p:tavLst>
+                                    </p:anim>
+                                    <p:anim calcmode="lin" valueType="num">
+                                      <p:cBhvr>
+                                        <p:cTn id="33" dur="1000" fill="hold"/>
+                                        <p:tgtEl>
+                                          <p:spTgt spid="3">
+                                            <p:txEl>
+                                              <p:pRg st="4" end="4"/>
+                                            </p:txEl>
+                                          </p:spTgt>
+                                        </p:tgtEl>
+                                        <p:attrNameLst>
+                                          <p:attrName>ppt_y</p:attrName>
+                                        </p:attrNameLst>
+                                      </p:cBhvr>
+                                      <p:tavLst>
+                                        <p:tav tm="0">
+                                          <p:val>
+                                            <p:strVal val="#ppt_y+.1"/>
+                                          </p:val>
+                                        </p:tav>
+                                        <p:tav tm="100000">
+                                          <p:val>
+                                            <p:strVal val="#ppt_y"/>
+                                          </p:val>
+                                        </p:tav>
+                                      </p:tavLst>
+                                    </p:anim>
+                                  </p:childTnLst>
+                                </p:cTn>
+                              </p:par>
+                            </p:childTnLst>
+                          </p:cTn>
+                        </p:par>
+                      </p:childTnLst>
+                    </p:cTn>
+                  </p:par>
+                  <p:par>
+                    <p:cTn id="34" fill="hold">
+                      <p:stCondLst>
+                        <p:cond delay="indefinite"/>
+                      </p:stCondLst>
+                      <p:childTnLst>
+                        <p:par>
+                          <p:cTn id="35" fill="hold">
+                            <p:stCondLst>
+                              <p:cond delay="0"/>
+                            </p:stCondLst>
+                            <p:childTnLst>
+                              <p:par>
+                                <p:cTn id="36" presetID="42" presetClass="entr" presetSubtype="0" fill="hold" nodeType="clickEffect">
+                                  <p:stCondLst>
+                                    <p:cond delay="0"/>
+                                  </p:stCondLst>
+                                  <p:childTnLst>
+                                    <p:set>
+                                      <p:cBhvr>
+                                        <p:cTn id="37" dur="1" fill="hold">
+                                          <p:stCondLst>
+                                            <p:cond delay="0"/>
+                                          </p:stCondLst>
+                                        </p:cTn>
+                                        <p:tgtEl>
+                                          <p:spTgt spid="3">
+                                            <p:txEl>
+                                              <p:pRg st="5" end="5"/>
+                                            </p:txEl>
+                                          </p:spTgt>
+                                        </p:tgtEl>
+                                        <p:attrNameLst>
+                                          <p:attrName>style.visibility</p:attrName>
+                                        </p:attrNameLst>
+                                      </p:cBhvr>
+                                      <p:to>
+                                        <p:strVal val="visible"/>
+                                      </p:to>
+                                    </p:set>
+                                    <p:animEffect transition="in" filter="fade">
+                                      <p:cBhvr>
+                                        <p:cTn id="38" dur="1000"/>
+                                        <p:tgtEl>
+                                          <p:spTgt spid="3">
+                                            <p:txEl>
+                                              <p:pRg st="5" end="5"/>
+                                            </p:txEl>
+                                          </p:spTgt>
+                                        </p:tgtEl>
+                                      </p:cBhvr>
+                                    </p:animEffect>
+                                    <p:anim calcmode="lin" valueType="num">
+                                      <p:cBhvr>
+                                        <p:cTn id="39" dur="1000" fill="hold"/>
+                                        <p:tgtEl>
+                                          <p:spTgt spid="3">
+                                            <p:txEl>
+                                              <p:pRg st="5" end="5"/>
+                                            </p:txEl>
+                                          </p:spTgt>
+                                        </p:tgtEl>
+                                        <p:attrNameLst>
+                                          <p:attrName>ppt_x</p:attrName>
+                                        </p:attrNameLst>
+                                      </p:cBhvr>
+                                      <p:tavLst>
+                                        <p:tav tm="0">
+                                          <p:val>
+                                            <p:strVal val="#ppt_x"/>
+                                          </p:val>
+                                        </p:tav>
+                                        <p:tav tm="100000">
+                                          <p:val>
+                                            <p:strVal val="#ppt_x"/>
+                                          </p:val>
+                                        </p:tav>
+                                      </p:tavLst>
+                                    </p:anim>
+                                    <p:anim calcmode="lin" valueType="num">
+                                      <p:cBhvr>
+                                        <p:cTn id="40" dur="1000" fill="hold"/>
+                                        <p:tgtEl>
+                                          <p:spTgt spid="3">
+                                            <p:txEl>
+                                              <p:pRg st="5" end="5"/>
+                                            </p:txEl>
+                                          </p:spTgt>
+                                        </p:tgtEl>
+                                        <p:attrNameLst>
+                                          <p:attrName>ppt_y</p:attrName>
+                                        </p:attrNameLst>
+                                      </p:cBhvr>
+                                      <p:tavLst>
+                                        <p:tav tm="0">
+                                          <p:val>
+                                            <p:strVal val="#ppt_y+.1"/>
+                                          </p:val>
+                                        </p:tav>
+                                        <p:tav tm="100000">
+                                          <p:val>
+                                            <p:strVal val="#ppt_y"/>
+                                          </p:val>
+                                        </p:tav>
+                                      </p:tavLst>
+                                    </p:anim>
+                                  </p:childTnLst>
+                                </p:cTn>
+                              </p:par>
+                            </p:childTnLst>
+                          </p:cTn>
+                        </p:par>
+                      </p:childTnLst>
+                    </p:cTn>
+                  </p:par>
+                  <p:par>
+                    <p:cTn id="41" fill="hold">
+                      <p:stCondLst>
+                        <p:cond delay="indefinite"/>
+                      </p:stCondLst>
+                      <p:childTnLst>
+                        <p:par>
+                          <p:cTn id="42" fill="hold">
+                            <p:stCondLst>
+                              <p:cond delay="0"/>
+                            </p:stCondLst>
+                            <p:childTnLst>
+                              <p:par>
+                                <p:cTn id="43" presetID="42" presetClass="entr" presetSubtype="0" fill="hold" nodeType="clickEffect">
+                                  <p:stCondLst>
+                                    <p:cond delay="0"/>
+                                  </p:stCondLst>
+                                  <p:childTnLst>
+                                    <p:set>
+                                      <p:cBhvr>
+                                        <p:cTn id="44" dur="1" fill="hold">
+                                          <p:stCondLst>
+                                            <p:cond delay="0"/>
+                                          </p:stCondLst>
+                                        </p:cTn>
+                                        <p:tgtEl>
+                                          <p:spTgt spid="3">
+                                            <p:txEl>
+                                              <p:pRg st="6" end="6"/>
+                                            </p:txEl>
+                                          </p:spTgt>
+                                        </p:tgtEl>
+                                        <p:attrNameLst>
+                                          <p:attrName>style.visibility</p:attrName>
+                                        </p:attrNameLst>
+                                      </p:cBhvr>
+                                      <p:to>
+                                        <p:strVal val="visible"/>
+                                      </p:to>
+                                    </p:set>
+                                    <p:animEffect transition="in" filter="fade">
+                                      <p:cBhvr>
+                                        <p:cTn id="45" dur="1000"/>
+                                        <p:tgtEl>
+                                          <p:spTgt spid="3">
+                                            <p:txEl>
+                                              <p:pRg st="6" end="6"/>
+                                            </p:txEl>
+                                          </p:spTgt>
+                                        </p:tgtEl>
+                                      </p:cBhvr>
+                                    </p:animEffect>
+                                    <p:anim calcmode="lin" valueType="num">
+                                      <p:cBhvr>
+                                        <p:cTn id="46" dur="1000" fill="hold"/>
+                                        <p:tgtEl>
+                                          <p:spTgt spid="3">
+                                            <p:txEl>
+                                              <p:pRg st="6" end="6"/>
+                                            </p:txEl>
+                                          </p:spTgt>
+                                        </p:tgtEl>
+                                        <p:attrNameLst>
+                                          <p:attrName>ppt_x</p:attrName>
+                                        </p:attrNameLst>
+                                      </p:cBhvr>
+                                      <p:tavLst>
+                                        <p:tav tm="0">
+                                          <p:val>
+                                            <p:strVal val="#ppt_x"/>
+                                          </p:val>
+                                        </p:tav>
+                                        <p:tav tm="100000">
+                                          <p:val>
+                                            <p:strVal val="#ppt_x"/>
+                                          </p:val>
+                                        </p:tav>
+                                      </p:tavLst>
+                                    </p:anim>
+                                    <p:anim calcmode="lin" valueType="num">
+                                      <p:cBhvr>
+                                        <p:cTn id="47" dur="1000" fill="hold"/>
+                                        <p:tgtEl>
+                                          <p:spTgt spid="3">
+                                            <p:txEl>
+                                              <p:pRg st="6" end="6"/>
+                                            </p:txEl>
+                                          </p:spTgt>
+                                        </p:tgtEl>
+                                        <p:attrNameLst>
+                                          <p:attrName>ppt_y</p:attrName>
+                                        </p:attrNameLst>
+                                      </p:cBhvr>
+                                      <p:tavLst>
+                                        <p:tav tm="0">
+                                          <p:val>
+                                            <p:strVal val="#ppt_y+.1"/>
+                                          </p:val>
+                                        </p:tav>
+                                        <p:tav tm="100000">
+                                          <p:val>
+                                            <p:strVal val="#ppt_y"/>
+                                          </p:val>
+                                        </p:tav>
+                                      </p:tavLst>
+                                    </p:anim>
+                                  </p:childTnLst>
+                                </p:cTn>
+                              </p:par>
+                            </p:childTnLst>
+                          </p:cTn>
+                        </p:par>
+                      </p:childTnLst>
+                    </p:cTn>
+                  </p:par>
+                  <p:par>
+                    <p:cTn id="48" fill="hold">
+                      <p:stCondLst>
+                        <p:cond delay="indefinite"/>
+                      </p:stCondLst>
+                      <p:childTnLst>
+                        <p:par>
+                          <p:cTn id="49" fill="hold">
+                            <p:stCondLst>
+                              <p:cond delay="0"/>
+                            </p:stCondLst>
+                            <p:childTnLst>
+                              <p:par>
+                                <p:cTn id="50" presetID="42" presetClass="entr" presetSubtype="0" fill="hold" nodeType="clickEffect">
+                                  <p:stCondLst>
+                                    <p:cond delay="0"/>
+                                  </p:stCondLst>
+                                  <p:childTnLst>
+                                    <p:set>
+                                      <p:cBhvr>
+                                        <p:cTn id="51" dur="1" fill="hold">
+                                          <p:stCondLst>
+                                            <p:cond delay="0"/>
+                                          </p:stCondLst>
+                                        </p:cTn>
+                                        <p:tgtEl>
+                                          <p:spTgt spid="3">
+                                            <p:txEl>
+                                              <p:pRg st="7" end="7"/>
+                                            </p:txEl>
+                                          </p:spTgt>
+                                        </p:tgtEl>
+                                        <p:attrNameLst>
+                                          <p:attrName>style.visibility</p:attrName>
+                                        </p:attrNameLst>
+                                      </p:cBhvr>
+                                      <p:to>
+                                        <p:strVal val="visible"/>
+                                      </p:to>
+                                    </p:set>
+                                    <p:animEffect transition="in" filter="fade">
+                                      <p:cBhvr>
+                                        <p:cTn id="52" dur="1000"/>
+                                        <p:tgtEl>
+                                          <p:spTgt spid="3">
+                                            <p:txEl>
+                                              <p:pRg st="7" end="7"/>
+                                            </p:txEl>
+                                          </p:spTgt>
+                                        </p:tgtEl>
+                                      </p:cBhvr>
+                                    </p:animEffect>
+                                    <p:anim calcmode="lin" valueType="num">
+                                      <p:cBhvr>
+                                        <p:cTn id="53" dur="1000" fill="hold"/>
+                                        <p:tgtEl>
+                                          <p:spTgt spid="3">
+                                            <p:txEl>
+                                              <p:pRg st="7" end="7"/>
+                                            </p:txEl>
+                                          </p:spTgt>
+                                        </p:tgtEl>
+                                        <p:attrNameLst>
+                                          <p:attrName>ppt_x</p:attrName>
+                                        </p:attrNameLst>
+                                      </p:cBhvr>
+                                      <p:tavLst>
+                                        <p:tav tm="0">
+                                          <p:val>
+                                            <p:strVal val="#ppt_x"/>
+                                          </p:val>
+                                        </p:tav>
+                                        <p:tav tm="100000">
+                                          <p:val>
+                                            <p:strVal val="#ppt_x"/>
+                                          </p:val>
+                                        </p:tav>
+                                      </p:tavLst>
+                                    </p:anim>
+                                    <p:anim calcmode="lin" valueType="num">
+                                      <p:cBhvr>
+                                        <p:cTn id="54" dur="1000" fill="hold"/>
+                                        <p:tgtEl>
+                                          <p:spTgt spid="3">
+                                            <p:txEl>
+                                              <p:pRg st="7" end="7"/>
+                                            </p:txEl>
+                                          </p:spTgt>
+                                        </p:tgtEl>
+                                        <p:attrNameLst>
+                                          <p:attrName>ppt_y</p:attrName>
+                                        </p:attrNameLst>
+                                      </p:cBhvr>
+                                      <p:tavLst>
+                                        <p:tav tm="0">
+                                          <p:val>
+                                            <p:strVal val="#ppt_y+.1"/>
+                                          </p:val>
+                                        </p:tav>
+                                        <p:tav tm="100000">
+                                          <p:val>
+                                            <p:strVal val="#ppt_y"/>
+                                          </p:val>
+                                        </p:tav>
+                                      </p:tavLst>
+                                    </p:anim>
+                                  </p:childTnLst>
+                                </p:cTn>
+                              </p:par>
+                            </p:childTnLst>
+                          </p:cTn>
+                        </p:par>
+                      </p:childTnLst>
+                    </p:cTn>
+                  </p:par>
+                </p:childTnLst>
+              </p:cTn>
+              <p:prevCondLst>
+                <p:cond evt="onPrev" delay="0">
+                  <p:tgtEl>
+                    <p:sldTgt/>
+                  </p:tgtEl>
+                </p:cond>
+              </p:prevCondLst>
+              <p:nextCondLst>
+                <p:cond evt="onNext" delay="0">
+                  <p:tgtEl>
+                    <p:sldTgt/>
+                  </p:tgtEl>
+                </p:cond>
+              </p:nextCondLst>
+            </p:seq>
+          </p:childTnLst>
+        </p:cTn>
       </p:par>
     </p:tnLst>
   </p:timing>
@@ -3690,7 +5344,7 @@
           <a:p>
             <a:r>
               <a:rPr lang="en-US" dirty="0" smtClean="0"/>
-              <a:t>One time binding is 1.3</a:t>
+              <a:t>What about performance</a:t>
             </a:r>
             <a:endParaRPr lang="en-US" dirty="0"/>
           </a:p>
@@ -3711,6 +5365,63 @@
           <a:bodyPr/>
           <a:lstStyle/>
           <a:p>
+            <a:r>
+              <a:rPr lang="en-US" dirty="0" err="1" smtClean="0"/>
+              <a:t>AngularJs</a:t>
+            </a:r>
+            <a:r>
+              <a:rPr lang="en-US" dirty="0" smtClean="0"/>
+              <a:t> 1</a:t>
+            </a:r>
+          </a:p>
+          <a:p>
+            <a:pPr lvl="1"/>
+            <a:r>
+              <a:rPr lang="en-US" dirty="0" smtClean="0"/>
+              <a:t> Dirty checking on POJSO</a:t>
+            </a:r>
+          </a:p>
+          <a:p>
+            <a:r>
+              <a:rPr lang="en-US" dirty="0" err="1" smtClean="0"/>
+              <a:t>EmberJs</a:t>
+            </a:r>
+            <a:r>
+              <a:rPr lang="en-US" dirty="0" smtClean="0"/>
+              <a:t> &amp; </a:t>
+            </a:r>
+            <a:r>
+              <a:rPr lang="en-US" dirty="0" err="1" smtClean="0"/>
+              <a:t>BackboneJs</a:t>
+            </a:r>
+            <a:endParaRPr lang="en-US" dirty="0"/>
+          </a:p>
+          <a:p>
+            <a:pPr lvl="1"/>
+            <a:r>
+              <a:rPr lang="en-US" dirty="0" err="1" smtClean="0"/>
+              <a:t>Accessors</a:t>
+            </a:r>
+            <a:r>
+              <a:rPr lang="en-US" dirty="0" smtClean="0"/>
+              <a:t> (getter and setter) on wrapped objects.</a:t>
+            </a:r>
+          </a:p>
+          <a:p>
+            <a:r>
+              <a:rPr lang="en-US" dirty="0" err="1" smtClean="0"/>
+              <a:t>KnockoutJs</a:t>
+            </a:r>
+            <a:endParaRPr lang="en-US" dirty="0" smtClean="0"/>
+          </a:p>
+          <a:p>
+            <a:pPr lvl="1"/>
+            <a:r>
+              <a:rPr lang="en-US" dirty="0" smtClean="0"/>
+              <a:t>MVVM Observable pattern.</a:t>
+            </a:r>
+          </a:p>
+          <a:p>
             <a:endParaRPr lang="en-US" dirty="0"/>
           </a:p>
         </p:txBody>
@@ -3718,13 +5429,643 @@
     </p:spTree>
     <p:extLst>
       <p:ext uri="{BB962C8B-B14F-4D97-AF65-F5344CB8AC3E}">
-        <p14:creationId xmlns:p14="http://schemas.microsoft.com/office/powerpoint/2010/main" val="1094281243"/>
+        <p14:creationId xmlns:p14="http://schemas.microsoft.com/office/powerpoint/2010/main" val="3343677382"/>
       </p:ext>
     </p:extLst>
   </p:cSld>
   <p:clrMapOvr>
     <a:masterClrMapping/>
   </p:clrMapOvr>
+  <p:timing>
+    <p:tnLst>
+      <p:par>
+        <p:cTn id="1" dur="indefinite" restart="never" nodeType="tmRoot">
+          <p:childTnLst>
+            <p:seq concurrent="1" nextAc="seek">
+              <p:cTn id="2" dur="indefinite" nodeType="mainSeq">
+                <p:childTnLst>
+                  <p:par>
+                    <p:cTn id="3" fill="hold">
+                      <p:stCondLst>
+                        <p:cond delay="indefinite"/>
+                      </p:stCondLst>
+                      <p:childTnLst>
+                        <p:par>
+                          <p:cTn id="4" fill="hold">
+                            <p:stCondLst>
+                              <p:cond delay="0"/>
+                            </p:stCondLst>
+                            <p:childTnLst>
+                              <p:par>
+                                <p:cTn id="5" presetID="42" presetClass="entr" presetSubtype="0" fill="hold" nodeType="clickEffect">
+                                  <p:stCondLst>
+                                    <p:cond delay="0"/>
+                                  </p:stCondLst>
+                                  <p:childTnLst>
+                                    <p:set>
+                                      <p:cBhvr>
+                                        <p:cTn id="6" dur="1" fill="hold">
+                                          <p:stCondLst>
+                                            <p:cond delay="0"/>
+                                          </p:stCondLst>
+                                        </p:cTn>
+                                        <p:tgtEl>
+                                          <p:spTgt spid="3">
+                                            <p:txEl>
+                                              <p:pRg st="0" end="0"/>
+                                            </p:txEl>
+                                          </p:spTgt>
+                                        </p:tgtEl>
+                                        <p:attrNameLst>
+                                          <p:attrName>style.visibility</p:attrName>
+                                        </p:attrNameLst>
+                                      </p:cBhvr>
+                                      <p:to>
+                                        <p:strVal val="visible"/>
+                                      </p:to>
+                                    </p:set>
+                                    <p:animEffect transition="in" filter="fade">
+                                      <p:cBhvr>
+                                        <p:cTn id="7" dur="1000"/>
+                                        <p:tgtEl>
+                                          <p:spTgt spid="3">
+                                            <p:txEl>
+                                              <p:pRg st="0" end="0"/>
+                                            </p:txEl>
+                                          </p:spTgt>
+                                        </p:tgtEl>
+                                      </p:cBhvr>
+                                    </p:animEffect>
+                                    <p:anim calcmode="lin" valueType="num">
+                                      <p:cBhvr>
+                                        <p:cTn id="8" dur="1000" fill="hold"/>
+                                        <p:tgtEl>
+                                          <p:spTgt spid="3">
+                                            <p:txEl>
+                                              <p:pRg st="0" end="0"/>
+                                            </p:txEl>
+                                          </p:spTgt>
+                                        </p:tgtEl>
+                                        <p:attrNameLst>
+                                          <p:attrName>ppt_x</p:attrName>
+                                        </p:attrNameLst>
+                                      </p:cBhvr>
+                                      <p:tavLst>
+                                        <p:tav tm="0">
+                                          <p:val>
+                                            <p:strVal val="#ppt_x"/>
+                                          </p:val>
+                                        </p:tav>
+                                        <p:tav tm="100000">
+                                          <p:val>
+                                            <p:strVal val="#ppt_x"/>
+                                          </p:val>
+                                        </p:tav>
+                                      </p:tavLst>
+                                    </p:anim>
+                                    <p:anim calcmode="lin" valueType="num">
+                                      <p:cBhvr>
+                                        <p:cTn id="9" dur="1000" fill="hold"/>
+                                        <p:tgtEl>
+                                          <p:spTgt spid="3">
+                                            <p:txEl>
+                                              <p:pRg st="0" end="0"/>
+                                            </p:txEl>
+                                          </p:spTgt>
+                                        </p:tgtEl>
+                                        <p:attrNameLst>
+                                          <p:attrName>ppt_y</p:attrName>
+                                        </p:attrNameLst>
+                                      </p:cBhvr>
+                                      <p:tavLst>
+                                        <p:tav tm="0">
+                                          <p:val>
+                                            <p:strVal val="#ppt_y+.1"/>
+                                          </p:val>
+                                        </p:tav>
+                                        <p:tav tm="100000">
+                                          <p:val>
+                                            <p:strVal val="#ppt_y"/>
+                                          </p:val>
+                                        </p:tav>
+                                      </p:tavLst>
+                                    </p:anim>
+                                  </p:childTnLst>
+                                </p:cTn>
+                              </p:par>
+                              <p:par>
+                                <p:cTn id="10" presetID="42" presetClass="entr" presetSubtype="0" fill="hold" nodeType="withEffect">
+                                  <p:stCondLst>
+                                    <p:cond delay="0"/>
+                                  </p:stCondLst>
+                                  <p:childTnLst>
+                                    <p:set>
+                                      <p:cBhvr>
+                                        <p:cTn id="11" dur="1" fill="hold">
+                                          <p:stCondLst>
+                                            <p:cond delay="0"/>
+                                          </p:stCondLst>
+                                        </p:cTn>
+                                        <p:tgtEl>
+                                          <p:spTgt spid="3">
+                                            <p:txEl>
+                                              <p:pRg st="1" end="1"/>
+                                            </p:txEl>
+                                          </p:spTgt>
+                                        </p:tgtEl>
+                                        <p:attrNameLst>
+                                          <p:attrName>style.visibility</p:attrName>
+                                        </p:attrNameLst>
+                                      </p:cBhvr>
+                                      <p:to>
+                                        <p:strVal val="visible"/>
+                                      </p:to>
+                                    </p:set>
+                                    <p:animEffect transition="in" filter="fade">
+                                      <p:cBhvr>
+                                        <p:cTn id="12" dur="1000"/>
+                                        <p:tgtEl>
+                                          <p:spTgt spid="3">
+                                            <p:txEl>
+                                              <p:pRg st="1" end="1"/>
+                                            </p:txEl>
+                                          </p:spTgt>
+                                        </p:tgtEl>
+                                      </p:cBhvr>
+                                    </p:animEffect>
+                                    <p:anim calcmode="lin" valueType="num">
+                                      <p:cBhvr>
+                                        <p:cTn id="13" dur="1000" fill="hold"/>
+                                        <p:tgtEl>
+                                          <p:spTgt spid="3">
+                                            <p:txEl>
+                                              <p:pRg st="1" end="1"/>
+                                            </p:txEl>
+                                          </p:spTgt>
+                                        </p:tgtEl>
+                                        <p:attrNameLst>
+                                          <p:attrName>ppt_x</p:attrName>
+                                        </p:attrNameLst>
+                                      </p:cBhvr>
+                                      <p:tavLst>
+                                        <p:tav tm="0">
+                                          <p:val>
+                                            <p:strVal val="#ppt_x"/>
+                                          </p:val>
+                                        </p:tav>
+                                        <p:tav tm="100000">
+                                          <p:val>
+                                            <p:strVal val="#ppt_x"/>
+                                          </p:val>
+                                        </p:tav>
+                                      </p:tavLst>
+                                    </p:anim>
+                                    <p:anim calcmode="lin" valueType="num">
+                                      <p:cBhvr>
+                                        <p:cTn id="14" dur="1000" fill="hold"/>
+                                        <p:tgtEl>
+                                          <p:spTgt spid="3">
+                                            <p:txEl>
+                                              <p:pRg st="1" end="1"/>
+                                            </p:txEl>
+                                          </p:spTgt>
+                                        </p:tgtEl>
+                                        <p:attrNameLst>
+                                          <p:attrName>ppt_y</p:attrName>
+                                        </p:attrNameLst>
+                                      </p:cBhvr>
+                                      <p:tavLst>
+                                        <p:tav tm="0">
+                                          <p:val>
+                                            <p:strVal val="#ppt_y+.1"/>
+                                          </p:val>
+                                        </p:tav>
+                                        <p:tav tm="100000">
+                                          <p:val>
+                                            <p:strVal val="#ppt_y"/>
+                                          </p:val>
+                                        </p:tav>
+                                      </p:tavLst>
+                                    </p:anim>
+                                  </p:childTnLst>
+                                </p:cTn>
+                              </p:par>
+                              <p:par>
+                                <p:cTn id="15" presetID="42" presetClass="entr" presetSubtype="0" fill="hold" nodeType="withEffect">
+                                  <p:stCondLst>
+                                    <p:cond delay="0"/>
+                                  </p:stCondLst>
+                                  <p:childTnLst>
+                                    <p:set>
+                                      <p:cBhvr>
+                                        <p:cTn id="16" dur="1" fill="hold">
+                                          <p:stCondLst>
+                                            <p:cond delay="0"/>
+                                          </p:stCondLst>
+                                        </p:cTn>
+                                        <p:tgtEl>
+                                          <p:spTgt spid="3">
+                                            <p:txEl>
+                                              <p:pRg st="2" end="2"/>
+                                            </p:txEl>
+                                          </p:spTgt>
+                                        </p:tgtEl>
+                                        <p:attrNameLst>
+                                          <p:attrName>style.visibility</p:attrName>
+                                        </p:attrNameLst>
+                                      </p:cBhvr>
+                                      <p:to>
+                                        <p:strVal val="visible"/>
+                                      </p:to>
+                                    </p:set>
+                                    <p:animEffect transition="in" filter="fade">
+                                      <p:cBhvr>
+                                        <p:cTn id="17" dur="1000"/>
+                                        <p:tgtEl>
+                                          <p:spTgt spid="3">
+                                            <p:txEl>
+                                              <p:pRg st="2" end="2"/>
+                                            </p:txEl>
+                                          </p:spTgt>
+                                        </p:tgtEl>
+                                      </p:cBhvr>
+                                    </p:animEffect>
+                                    <p:anim calcmode="lin" valueType="num">
+                                      <p:cBhvr>
+                                        <p:cTn id="18" dur="1000" fill="hold"/>
+                                        <p:tgtEl>
+                                          <p:spTgt spid="3">
+                                            <p:txEl>
+                                              <p:pRg st="2" end="2"/>
+                                            </p:txEl>
+                                          </p:spTgt>
+                                        </p:tgtEl>
+                                        <p:attrNameLst>
+                                          <p:attrName>ppt_x</p:attrName>
+                                        </p:attrNameLst>
+                                      </p:cBhvr>
+                                      <p:tavLst>
+                                        <p:tav tm="0">
+                                          <p:val>
+                                            <p:strVal val="#ppt_x"/>
+                                          </p:val>
+                                        </p:tav>
+                                        <p:tav tm="100000">
+                                          <p:val>
+                                            <p:strVal val="#ppt_x"/>
+                                          </p:val>
+                                        </p:tav>
+                                      </p:tavLst>
+                                    </p:anim>
+                                    <p:anim calcmode="lin" valueType="num">
+                                      <p:cBhvr>
+                                        <p:cTn id="19" dur="1000" fill="hold"/>
+                                        <p:tgtEl>
+                                          <p:spTgt spid="3">
+                                            <p:txEl>
+                                              <p:pRg st="2" end="2"/>
+                                            </p:txEl>
+                                          </p:spTgt>
+                                        </p:tgtEl>
+                                        <p:attrNameLst>
+                                          <p:attrName>ppt_y</p:attrName>
+                                        </p:attrNameLst>
+                                      </p:cBhvr>
+                                      <p:tavLst>
+                                        <p:tav tm="0">
+                                          <p:val>
+                                            <p:strVal val="#ppt_y+.1"/>
+                                          </p:val>
+                                        </p:tav>
+                                        <p:tav tm="100000">
+                                          <p:val>
+                                            <p:strVal val="#ppt_y"/>
+                                          </p:val>
+                                        </p:tav>
+                                      </p:tavLst>
+                                    </p:anim>
+                                  </p:childTnLst>
+                                </p:cTn>
+                              </p:par>
+                              <p:par>
+                                <p:cTn id="20" presetID="42" presetClass="entr" presetSubtype="0" fill="hold" nodeType="withEffect">
+                                  <p:stCondLst>
+                                    <p:cond delay="0"/>
+                                  </p:stCondLst>
+                                  <p:childTnLst>
+                                    <p:set>
+                                      <p:cBhvr>
+                                        <p:cTn id="21" dur="1" fill="hold">
+                                          <p:stCondLst>
+                                            <p:cond delay="0"/>
+                                          </p:stCondLst>
+                                        </p:cTn>
+                                        <p:tgtEl>
+                                          <p:spTgt spid="3">
+                                            <p:txEl>
+                                              <p:pRg st="3" end="3"/>
+                                            </p:txEl>
+                                          </p:spTgt>
+                                        </p:tgtEl>
+                                        <p:attrNameLst>
+                                          <p:attrName>style.visibility</p:attrName>
+                                        </p:attrNameLst>
+                                      </p:cBhvr>
+                                      <p:to>
+                                        <p:strVal val="visible"/>
+                                      </p:to>
+                                    </p:set>
+                                    <p:animEffect transition="in" filter="fade">
+                                      <p:cBhvr>
+                                        <p:cTn id="22" dur="1000"/>
+                                        <p:tgtEl>
+                                          <p:spTgt spid="3">
+                                            <p:txEl>
+                                              <p:pRg st="3" end="3"/>
+                                            </p:txEl>
+                                          </p:spTgt>
+                                        </p:tgtEl>
+                                      </p:cBhvr>
+                                    </p:animEffect>
+                                    <p:anim calcmode="lin" valueType="num">
+                                      <p:cBhvr>
+                                        <p:cTn id="23" dur="1000" fill="hold"/>
+                                        <p:tgtEl>
+                                          <p:spTgt spid="3">
+                                            <p:txEl>
+                                              <p:pRg st="3" end="3"/>
+                                            </p:txEl>
+                                          </p:spTgt>
+                                        </p:tgtEl>
+                                        <p:attrNameLst>
+                                          <p:attrName>ppt_x</p:attrName>
+                                        </p:attrNameLst>
+                                      </p:cBhvr>
+                                      <p:tavLst>
+                                        <p:tav tm="0">
+                                          <p:val>
+                                            <p:strVal val="#ppt_x"/>
+                                          </p:val>
+                                        </p:tav>
+                                        <p:tav tm="100000">
+                                          <p:val>
+                                            <p:strVal val="#ppt_x"/>
+                                          </p:val>
+                                        </p:tav>
+                                      </p:tavLst>
+                                    </p:anim>
+                                    <p:anim calcmode="lin" valueType="num">
+                                      <p:cBhvr>
+                                        <p:cTn id="24" dur="1000" fill="hold"/>
+                                        <p:tgtEl>
+                                          <p:spTgt spid="3">
+                                            <p:txEl>
+                                              <p:pRg st="3" end="3"/>
+                                            </p:txEl>
+                                          </p:spTgt>
+                                        </p:tgtEl>
+                                        <p:attrNameLst>
+                                          <p:attrName>ppt_y</p:attrName>
+                                        </p:attrNameLst>
+                                      </p:cBhvr>
+                                      <p:tavLst>
+                                        <p:tav tm="0">
+                                          <p:val>
+                                            <p:strVal val="#ppt_y+.1"/>
+                                          </p:val>
+                                        </p:tav>
+                                        <p:tav tm="100000">
+                                          <p:val>
+                                            <p:strVal val="#ppt_y"/>
+                                          </p:val>
+                                        </p:tav>
+                                      </p:tavLst>
+                                    </p:anim>
+                                  </p:childTnLst>
+                                </p:cTn>
+                              </p:par>
+                              <p:par>
+                                <p:cTn id="25" presetID="42" presetClass="entr" presetSubtype="0" fill="hold" nodeType="withEffect">
+                                  <p:stCondLst>
+                                    <p:cond delay="0"/>
+                                  </p:stCondLst>
+                                  <p:childTnLst>
+                                    <p:set>
+                                      <p:cBhvr>
+                                        <p:cTn id="26" dur="1" fill="hold">
+                                          <p:stCondLst>
+                                            <p:cond delay="0"/>
+                                          </p:stCondLst>
+                                        </p:cTn>
+                                        <p:tgtEl>
+                                          <p:spTgt spid="3">
+                                            <p:txEl>
+                                              <p:pRg st="4" end="4"/>
+                                            </p:txEl>
+                                          </p:spTgt>
+                                        </p:tgtEl>
+                                        <p:attrNameLst>
+                                          <p:attrName>style.visibility</p:attrName>
+                                        </p:attrNameLst>
+                                      </p:cBhvr>
+                                      <p:to>
+                                        <p:strVal val="visible"/>
+                                      </p:to>
+                                    </p:set>
+                                    <p:animEffect transition="in" filter="fade">
+                                      <p:cBhvr>
+                                        <p:cTn id="27" dur="1000"/>
+                                        <p:tgtEl>
+                                          <p:spTgt spid="3">
+                                            <p:txEl>
+                                              <p:pRg st="4" end="4"/>
+                                            </p:txEl>
+                                          </p:spTgt>
+                                        </p:tgtEl>
+                                      </p:cBhvr>
+                                    </p:animEffect>
+                                    <p:anim calcmode="lin" valueType="num">
+                                      <p:cBhvr>
+                                        <p:cTn id="28" dur="1000" fill="hold"/>
+                                        <p:tgtEl>
+                                          <p:spTgt spid="3">
+                                            <p:txEl>
+                                              <p:pRg st="4" end="4"/>
+                                            </p:txEl>
+                                          </p:spTgt>
+                                        </p:tgtEl>
+                                        <p:attrNameLst>
+                                          <p:attrName>ppt_x</p:attrName>
+                                        </p:attrNameLst>
+                                      </p:cBhvr>
+                                      <p:tavLst>
+                                        <p:tav tm="0">
+                                          <p:val>
+                                            <p:strVal val="#ppt_x"/>
+                                          </p:val>
+                                        </p:tav>
+                                        <p:tav tm="100000">
+                                          <p:val>
+                                            <p:strVal val="#ppt_x"/>
+                                          </p:val>
+                                        </p:tav>
+                                      </p:tavLst>
+                                    </p:anim>
+                                    <p:anim calcmode="lin" valueType="num">
+                                      <p:cBhvr>
+                                        <p:cTn id="29" dur="1000" fill="hold"/>
+                                        <p:tgtEl>
+                                          <p:spTgt spid="3">
+                                            <p:txEl>
+                                              <p:pRg st="4" end="4"/>
+                                            </p:txEl>
+                                          </p:spTgt>
+                                        </p:tgtEl>
+                                        <p:attrNameLst>
+                                          <p:attrName>ppt_y</p:attrName>
+                                        </p:attrNameLst>
+                                      </p:cBhvr>
+                                      <p:tavLst>
+                                        <p:tav tm="0">
+                                          <p:val>
+                                            <p:strVal val="#ppt_y+.1"/>
+                                          </p:val>
+                                        </p:tav>
+                                        <p:tav tm="100000">
+                                          <p:val>
+                                            <p:strVal val="#ppt_y"/>
+                                          </p:val>
+                                        </p:tav>
+                                      </p:tavLst>
+                                    </p:anim>
+                                  </p:childTnLst>
+                                </p:cTn>
+                              </p:par>
+                              <p:par>
+                                <p:cTn id="30" presetID="42" presetClass="entr" presetSubtype="0" fill="hold" nodeType="withEffect">
+                                  <p:stCondLst>
+                                    <p:cond delay="0"/>
+                                  </p:stCondLst>
+                                  <p:childTnLst>
+                                    <p:set>
+                                      <p:cBhvr>
+                                        <p:cTn id="31" dur="1" fill="hold">
+                                          <p:stCondLst>
+                                            <p:cond delay="0"/>
+                                          </p:stCondLst>
+                                        </p:cTn>
+                                        <p:tgtEl>
+                                          <p:spTgt spid="3">
+                                            <p:txEl>
+                                              <p:pRg st="5" end="5"/>
+                                            </p:txEl>
+                                          </p:spTgt>
+                                        </p:tgtEl>
+                                        <p:attrNameLst>
+                                          <p:attrName>style.visibility</p:attrName>
+                                        </p:attrNameLst>
+                                      </p:cBhvr>
+                                      <p:to>
+                                        <p:strVal val="visible"/>
+                                      </p:to>
+                                    </p:set>
+                                    <p:animEffect transition="in" filter="fade">
+                                      <p:cBhvr>
+                                        <p:cTn id="32" dur="1000"/>
+                                        <p:tgtEl>
+                                          <p:spTgt spid="3">
+                                            <p:txEl>
+                                              <p:pRg st="5" end="5"/>
+                                            </p:txEl>
+                                          </p:spTgt>
+                                        </p:tgtEl>
+                                      </p:cBhvr>
+                                    </p:animEffect>
+                                    <p:anim calcmode="lin" valueType="num">
+                                      <p:cBhvr>
+                                        <p:cTn id="33" dur="1000" fill="hold"/>
+                                        <p:tgtEl>
+                                          <p:spTgt spid="3">
+                                            <p:txEl>
+                                              <p:pRg st="5" end="5"/>
+                                            </p:txEl>
+                                          </p:spTgt>
+                                        </p:tgtEl>
+                                        <p:attrNameLst>
+                                          <p:attrName>ppt_x</p:attrName>
+                                        </p:attrNameLst>
+                                      </p:cBhvr>
+                                      <p:tavLst>
+                                        <p:tav tm="0">
+                                          <p:val>
+                                            <p:strVal val="#ppt_x"/>
+                                          </p:val>
+                                        </p:tav>
+                                        <p:tav tm="100000">
+                                          <p:val>
+                                            <p:strVal val="#ppt_x"/>
+                                          </p:val>
+                                        </p:tav>
+                                      </p:tavLst>
+                                    </p:anim>
+                                    <p:anim calcmode="lin" valueType="num">
+                                      <p:cBhvr>
+                                        <p:cTn id="34" dur="1000" fill="hold"/>
+                                        <p:tgtEl>
+                                          <p:spTgt spid="3">
+                                            <p:txEl>
+                                              <p:pRg st="5" end="5"/>
+                                            </p:txEl>
+                                          </p:spTgt>
+                                        </p:tgtEl>
+                                        <p:attrNameLst>
+                                          <p:attrName>ppt_y</p:attrName>
+                                        </p:attrNameLst>
+                                      </p:cBhvr>
+                                      <p:tavLst>
+                                        <p:tav tm="0">
+                                          <p:val>
+                                            <p:strVal val="#ppt_y+.1"/>
+                                          </p:val>
+                                        </p:tav>
+                                        <p:tav tm="100000">
+                                          <p:val>
+                                            <p:strVal val="#ppt_y"/>
+                                          </p:val>
+                                        </p:tav>
+                                      </p:tavLst>
+                                    </p:anim>
+                                  </p:childTnLst>
+                                </p:cTn>
+                              </p:par>
+                            </p:childTnLst>
+                          </p:cTn>
+                        </p:par>
+                      </p:childTnLst>
+                    </p:cTn>
+                  </p:par>
+                </p:childTnLst>
+              </p:cTn>
+              <p:prevCondLst>
+                <p:cond evt="onPrev" delay="0">
+                  <p:tgtEl>
+                    <p:sldTgt/>
+                  </p:tgtEl>
+                </p:cond>
+              </p:prevCondLst>
+              <p:nextCondLst>
+                <p:cond evt="onNext" delay="0">
+                  <p:tgtEl>
+                    <p:sldTgt/>
+                  </p:tgtEl>
+                </p:cond>
+              </p:nextCondLst>
+            </p:seq>
+          </p:childTnLst>
+        </p:cTn>
+      </p:par>
+    </p:tnLst>
+  </p:timing>
 </p:sld>
 </file>
 
@@ -3757,14 +6098,12 @@
         </p:nvSpPr>
         <p:spPr/>
         <p:txBody>
-          <a:bodyPr>
-            <a:normAutofit/>
-          </a:bodyPr>
+          <a:bodyPr/>
           <a:lstStyle/>
           <a:p>
             <a:r>
-              <a:rPr lang="en-US" dirty="0" err="1" smtClean="0"/>
-              <a:t>KnockoutJs</a:t>
+              <a:rPr lang="en-US" dirty="0" smtClean="0"/>
+              <a:t>Demo</a:t>
             </a:r>
             <a:endParaRPr lang="en-US" dirty="0"/>
           </a:p>
@@ -3785,14 +6124,22 @@
           <a:bodyPr/>
           <a:lstStyle/>
           <a:p>
-            <a:endParaRPr lang="en-US" dirty="0"/>
+            <a:r>
+              <a:rPr lang="en-US" dirty="0" smtClean="0"/>
+              <a:t>Use ng-stats and chrome profile to analyze performance</a:t>
+            </a:r>
+            <a:r>
+              <a:rPr lang="en-US" dirty="0" smtClean="0"/>
+              <a:t>.</a:t>
+            </a:r>
+            <a:endParaRPr lang="en-US" dirty="0" smtClean="0"/>
           </a:p>
         </p:txBody>
       </p:sp>
     </p:spTree>
     <p:extLst>
       <p:ext uri="{BB962C8B-B14F-4D97-AF65-F5344CB8AC3E}">
-        <p14:creationId xmlns:p14="http://schemas.microsoft.com/office/powerpoint/2010/main" val="2256037046"/>
+        <p14:creationId xmlns:p14="http://schemas.microsoft.com/office/powerpoint/2010/main" val="1180368882"/>
       </p:ext>
     </p:extLst>
   </p:cSld>
@@ -3828,7 +6175,7 @@
       </p:grpSpPr>
       <p:sp>
         <p:nvSpPr>
-          <p:cNvPr id="2" name="Title 1"/>
+          <p:cNvPr id="2" name="标题 1"/>
           <p:cNvSpPr>
             <a:spLocks noGrp="1"/>
           </p:cNvSpPr>
@@ -3842,16 +6189,16 @@
           <a:lstStyle/>
           <a:p>
             <a:r>
-              <a:rPr lang="en-US" dirty="0" smtClean="0"/>
-              <a:t>Angular light</a:t>
-            </a:r>
-            <a:endParaRPr lang="en-US" dirty="0"/>
-          </a:p>
-        </p:txBody>
-      </p:sp>
-      <p:sp>
-        <p:nvSpPr>
-          <p:cNvPr id="3" name="Content Placeholder 2"/>
+              <a:rPr lang="zh-CN" altLang="en-US" dirty="0" smtClean="0"/>
+              <a:t>一些建议</a:t>
+            </a:r>
+            <a:endParaRPr lang="zh-CN" altLang="en-US" dirty="0"/>
+          </a:p>
+        </p:txBody>
+      </p:sp>
+      <p:sp>
+        <p:nvSpPr>
+          <p:cNvPr id="3" name="内容占位符 2"/>
           <p:cNvSpPr>
             <a:spLocks noGrp="1"/>
           </p:cNvSpPr>
@@ -3861,17 +6208,128 @@
         </p:nvSpPr>
         <p:spPr/>
         <p:txBody>
-          <a:bodyPr/>
+          <a:bodyPr>
+            <a:normAutofit lnSpcReduction="10000"/>
+          </a:bodyPr>
           <a:lstStyle/>
           <a:p>
-            <a:endParaRPr lang="en-US" dirty="0"/>
+            <a:r>
+              <a:rPr lang="zh-CN" altLang="en-US" dirty="0" smtClean="0"/>
+              <a:t>推荐使用 </a:t>
+            </a:r>
+            <a:r>
+              <a:rPr lang="en-US" altLang="zh-CN" dirty="0" err="1" smtClean="0"/>
+              <a:t>ui.router</a:t>
+            </a:r>
+            <a:r>
+              <a:rPr lang="zh-CN" altLang="en-US" dirty="0" smtClean="0"/>
+              <a:t>，</a:t>
+            </a:r>
+            <a:r>
+              <a:rPr lang="en-US" altLang="zh-CN" dirty="0" smtClean="0"/>
+              <a:t>once-text</a:t>
+            </a:r>
+          </a:p>
+          <a:p>
+            <a:r>
+              <a:rPr lang="zh-CN" altLang="en-US" dirty="0" smtClean="0"/>
+              <a:t>手机平台建议了解</a:t>
+            </a:r>
+            <a:r>
+              <a:rPr lang="en-US" altLang="zh-CN" dirty="0" smtClean="0"/>
+              <a:t>ironic</a:t>
+            </a:r>
+          </a:p>
+          <a:p>
+            <a:r>
+              <a:rPr lang="zh-CN" altLang="en-US" dirty="0"/>
+              <a:t>跨</a:t>
+            </a:r>
+            <a:r>
+              <a:rPr lang="zh-CN" altLang="en-US" dirty="0" smtClean="0"/>
+              <a:t>平台了解</a:t>
+            </a:r>
+            <a:r>
+              <a:rPr lang="en-US" altLang="zh-CN" dirty="0" smtClean="0"/>
+              <a:t>Cordova, </a:t>
+            </a:r>
+            <a:r>
+              <a:rPr lang="en-US" altLang="zh-CN" dirty="0" err="1" smtClean="0"/>
+              <a:t>Phonegap</a:t>
+            </a:r>
+            <a:r>
+              <a:rPr lang="en-US" altLang="zh-CN" dirty="0" smtClean="0"/>
+              <a:t>, RWD</a:t>
+            </a:r>
+          </a:p>
+          <a:p>
+            <a:r>
+              <a:rPr lang="zh-CN" altLang="en-US" dirty="0"/>
+              <a:t>多</a:t>
+            </a:r>
+            <a:r>
+              <a:rPr lang="zh-CN" altLang="en-US" dirty="0" smtClean="0"/>
+              <a:t>语言了解 </a:t>
+            </a:r>
+            <a:r>
+              <a:rPr lang="en-US" altLang="zh-CN" dirty="0" smtClean="0"/>
+              <a:t>angular-</a:t>
+            </a:r>
+            <a:r>
+              <a:rPr lang="en-US" altLang="zh-CN" dirty="0" err="1" smtClean="0"/>
+              <a:t>gettext</a:t>
+            </a:r>
+            <a:endParaRPr lang="en-US" altLang="zh-CN" dirty="0" smtClean="0"/>
+          </a:p>
+          <a:p>
+            <a:r>
+              <a:rPr lang="zh-CN" altLang="en-US" dirty="0" smtClean="0"/>
+              <a:t>推荐</a:t>
+            </a:r>
+            <a:r>
+              <a:rPr lang="en-US" altLang="zh-CN" dirty="0" smtClean="0"/>
+              <a:t>TDD</a:t>
+            </a:r>
+          </a:p>
+          <a:p>
+            <a:endParaRPr lang="en-US" altLang="zh-CN" dirty="0" smtClean="0"/>
+          </a:p>
+          <a:p>
+            <a:r>
+              <a:rPr lang="en-US" altLang="zh-CN" dirty="0" smtClean="0"/>
+              <a:t>Angular</a:t>
+            </a:r>
+            <a:r>
+              <a:rPr lang="zh-CN" altLang="en-US" dirty="0"/>
+              <a:t>水很深</a:t>
+            </a:r>
+            <a:r>
+              <a:rPr lang="zh-CN" altLang="en-US" dirty="0" smtClean="0"/>
+              <a:t>，最好</a:t>
+            </a:r>
+            <a:r>
+              <a:rPr lang="zh-CN" altLang="en-US" dirty="0"/>
+              <a:t>在项目开始的时候</a:t>
+            </a:r>
+            <a:r>
+              <a:rPr lang="zh-CN" altLang="en-US" dirty="0" smtClean="0"/>
+              <a:t>向人</a:t>
+            </a:r>
+            <a:r>
+              <a:rPr lang="zh-CN" altLang="en-US" dirty="0"/>
+              <a:t>咨询。</a:t>
+            </a:r>
+            <a:endParaRPr lang="en-US" altLang="zh-CN" dirty="0"/>
+          </a:p>
+          <a:p>
+            <a:endParaRPr lang="zh-CN" altLang="en-US" dirty="0"/>
           </a:p>
         </p:txBody>
       </p:sp>
     </p:spTree>
     <p:extLst>
       <p:ext uri="{BB962C8B-B14F-4D97-AF65-F5344CB8AC3E}">
-        <p14:creationId xmlns:p14="http://schemas.microsoft.com/office/powerpoint/2010/main" val="4262274923"/>
+        <p14:creationId xmlns:p14="http://schemas.microsoft.com/office/powerpoint/2010/main" val="3067032472"/>
       </p:ext>
     </p:extLst>
   </p:cSld>
@@ -3910,12 +6368,26 @@
         </p:nvSpPr>
         <p:spPr/>
         <p:txBody>
-          <a:bodyPr/>
+          <a:bodyPr>
+            <a:normAutofit fontScale="90000"/>
+          </a:bodyPr>
           <a:lstStyle/>
           <a:p>
             <a:r>
-              <a:rPr lang="en-US" dirty="0" smtClean="0"/>
-              <a:t>react</a:t>
+              <a:rPr lang="zh-CN" altLang="en-US" dirty="0" smtClean="0"/>
+              <a:t>前段框架的趋势和</a:t>
+            </a:r>
+            <a:r>
+              <a:rPr lang="en-US" altLang="zh-CN" dirty="0" smtClean="0"/>
+              <a:t>angular</a:t>
+            </a:r>
+            <a:r>
+              <a:rPr lang="zh-CN" altLang="en-US" dirty="0" smtClean="0"/>
+              <a:t>的未来</a:t>
+            </a:r>
+            <a:r>
+              <a:rPr lang="en-US" altLang="zh-CN" dirty="0" smtClean="0"/>
+              <a:t>	</a:t>
             </a:r>
             <a:endParaRPr lang="en-US" dirty="0"/>
           </a:p>
@@ -3936,14 +6408,32 @@
           <a:bodyPr/>
           <a:lstStyle/>
           <a:p>
-            <a:endParaRPr lang="en-US"/>
+            <a:r>
+              <a:rPr lang="zh-CN" altLang="en-US" dirty="0" smtClean="0"/>
+              <a:t>单向数据流</a:t>
+            </a:r>
+            <a:endParaRPr lang="en-US" altLang="zh-CN" dirty="0" smtClean="0"/>
+          </a:p>
+          <a:p>
+            <a:r>
+              <a:rPr lang="zh-CN" altLang="en-US" dirty="0" smtClean="0"/>
+              <a:t>拥抱组件化</a:t>
+            </a:r>
+            <a:endParaRPr lang="en-US" altLang="zh-CN" dirty="0"/>
+          </a:p>
+          <a:p>
+            <a:r>
+              <a:rPr lang="zh-CN" altLang="en-US" dirty="0" smtClean="0"/>
+              <a:t>从保姆变成导师。</a:t>
+            </a:r>
+            <a:endParaRPr lang="en-US" altLang="zh-CN" dirty="0" smtClean="0"/>
           </a:p>
         </p:txBody>
       </p:sp>
     </p:spTree>
     <p:extLst>
       <p:ext uri="{BB962C8B-B14F-4D97-AF65-F5344CB8AC3E}">
-        <p14:creationId xmlns:p14="http://schemas.microsoft.com/office/powerpoint/2010/main" val="3904843389"/>
+        <p14:creationId xmlns:p14="http://schemas.microsoft.com/office/powerpoint/2010/main" val="1218696869"/>
       </p:ext>
     </p:extLst>
   </p:cSld>
@@ -3953,7 +6443,7 @@
 </p:sld>
 </file>
 
-<file path=ppt/slides/slide17.xml><?xml version="1.0" encoding="utf-8"?>
+<file path=ppt/slides/slide2.xml><?xml version="1.0" encoding="utf-8"?>
 <p:sld xmlns:a="http://schemas.openxmlformats.org/drawingml/2006/main" xmlns:r="http://schemas.openxmlformats.org/officeDocument/2006/relationships" xmlns:p="http://schemas.openxmlformats.org/presentationml/2006/main">
   <p:cSld>
     <p:spTree>
@@ -3972,7 +6462,7 @@
       </p:grpSpPr>
       <p:sp>
         <p:nvSpPr>
-          <p:cNvPr id="2" name="Title 1"/>
+          <p:cNvPr id="2" name="标题 1"/>
           <p:cNvSpPr>
             <a:spLocks noGrp="1"/>
           </p:cNvSpPr>
@@ -3986,16 +6476,15 @@
           <a:lstStyle/>
           <a:p>
             <a:r>
-              <a:rPr lang="en-US" dirty="0" smtClean="0"/>
-              <a:t>Ember.js</a:t>
-            </a:r>
-            <a:endParaRPr lang="en-US" dirty="0"/>
-          </a:p>
-        </p:txBody>
-      </p:sp>
-      <p:sp>
-        <p:nvSpPr>
-          <p:cNvPr id="3" name="Content Placeholder 2"/>
+              <a:rPr lang="zh-CN" altLang="en-US" dirty="0"/>
+              <a:t>自我介绍</a:t>
+            </a:r>
+          </a:p>
+        </p:txBody>
+      </p:sp>
+      <p:sp>
+        <p:nvSpPr>
+          <p:cNvPr id="3" name="内容占位符 2"/>
           <p:cNvSpPr>
             <a:spLocks noGrp="1"/>
           </p:cNvSpPr>
@@ -4005,17 +6494,166 @@
         </p:nvSpPr>
         <p:spPr/>
         <p:txBody>
-          <a:bodyPr/>
+          <a:bodyPr>
+            <a:normAutofit fontScale="85000" lnSpcReduction="10000"/>
+          </a:bodyPr>
           <a:lstStyle/>
           <a:p>
-            <a:endParaRPr lang="en-US"/>
+            <a:r>
+              <a:rPr lang="zh-CN" altLang="en-US" dirty="0" smtClean="0"/>
+              <a:t>蔡斯杰  </a:t>
+            </a:r>
+            <a:endParaRPr lang="en-US" altLang="zh-CN" dirty="0" smtClean="0"/>
+          </a:p>
+          <a:p>
+            <a:r>
+              <a:rPr lang="en-US" altLang="zh-CN" dirty="0" smtClean="0"/>
+              <a:t>2010</a:t>
+            </a:r>
+            <a:r>
+              <a:rPr lang="zh-CN" altLang="en-US" dirty="0" smtClean="0"/>
+              <a:t>年开始工作，积累了一些前段开发的基础，树形结构组件，事件驱动，绘图。</a:t>
+            </a:r>
+            <a:endParaRPr lang="en-US" altLang="zh-CN" dirty="0" smtClean="0"/>
+          </a:p>
+          <a:p>
+            <a:r>
+              <a:rPr lang="en-US" altLang="zh-CN" dirty="0" smtClean="0"/>
+              <a:t>2013</a:t>
+            </a:r>
+            <a:r>
+              <a:rPr lang="zh-CN" altLang="en-US" dirty="0" smtClean="0"/>
+              <a:t>年首次接触</a:t>
+            </a:r>
+            <a:r>
+              <a:rPr lang="en-US" altLang="zh-CN" dirty="0" smtClean="0"/>
+              <a:t>angular</a:t>
+            </a:r>
+            <a:r>
+              <a:rPr lang="zh-CN" altLang="en-US" dirty="0" smtClean="0"/>
+              <a:t>，喜出望外，爸爸再与不用教我用</a:t>
+            </a:r>
+            <a:r>
+              <a:rPr lang="en-US" altLang="zh-CN" dirty="0" err="1" smtClean="0"/>
+              <a:t>jQuery</a:t>
+            </a:r>
+            <a:r>
+              <a:rPr lang="zh-CN" altLang="en-US" dirty="0" smtClean="0"/>
+              <a:t>。</a:t>
+            </a:r>
+            <a:endParaRPr lang="en-US" altLang="zh-CN" dirty="0" smtClean="0"/>
+          </a:p>
+          <a:p>
+            <a:r>
+              <a:rPr lang="zh-CN" altLang="en-US" dirty="0"/>
+              <a:t>半知半</a:t>
+            </a:r>
+            <a:r>
+              <a:rPr lang="zh-CN" altLang="en-US" dirty="0" smtClean="0"/>
+              <a:t>解的使用</a:t>
+            </a:r>
+            <a:r>
+              <a:rPr lang="en-US" altLang="zh-CN" dirty="0" smtClean="0"/>
+              <a:t>angular</a:t>
+            </a:r>
+            <a:r>
+              <a:rPr lang="zh-CN" altLang="en-US" dirty="0"/>
+              <a:t>半</a:t>
+            </a:r>
+            <a:r>
+              <a:rPr lang="zh-CN" altLang="en-US" dirty="0" smtClean="0"/>
+              <a:t>年，开始抱怨各种坑。</a:t>
+            </a:r>
+            <a:endParaRPr lang="en-US" altLang="zh-CN" dirty="0" smtClean="0"/>
+          </a:p>
+          <a:p>
+            <a:r>
+              <a:rPr lang="en-US" altLang="zh-CN" dirty="0" smtClean="0"/>
+              <a:t>2014</a:t>
+            </a:r>
+            <a:r>
+              <a:rPr lang="zh-CN" altLang="en-US" dirty="0" smtClean="0"/>
+              <a:t>开始开发使用</a:t>
+            </a:r>
+            <a:r>
+              <a:rPr lang="en-US" altLang="zh-CN" dirty="0" smtClean="0"/>
+              <a:t>angular</a:t>
+            </a:r>
+            <a:r>
+              <a:rPr lang="zh-CN" altLang="en-US" dirty="0" smtClean="0"/>
+              <a:t>组件，了解</a:t>
+            </a:r>
+            <a:r>
+              <a:rPr lang="en-US" altLang="zh-CN" dirty="0" smtClean="0"/>
+              <a:t>angular</a:t>
+            </a:r>
+            <a:r>
+              <a:rPr lang="zh-CN" altLang="en-US" dirty="0" smtClean="0"/>
+              <a:t>的一些机制，攻克性能</a:t>
+            </a:r>
+            <a:r>
+              <a:rPr lang="en-US" altLang="zh-CN" dirty="0" smtClean="0"/>
+              <a:t>bug</a:t>
+            </a:r>
+            <a:r>
+              <a:rPr lang="zh-CN" altLang="en-US" dirty="0" smtClean="0"/>
+              <a:t>。</a:t>
+            </a:r>
+            <a:endParaRPr lang="en-US" altLang="zh-CN" dirty="0" smtClean="0"/>
+          </a:p>
+          <a:p>
+            <a:r>
+              <a:rPr lang="zh-CN" altLang="en-US" dirty="0" smtClean="0"/>
+              <a:t>理解</a:t>
+            </a:r>
+            <a:r>
+              <a:rPr lang="en-US" altLang="zh-CN" dirty="0" smtClean="0"/>
+              <a:t>digest</a:t>
+            </a:r>
+            <a:r>
+              <a:rPr lang="zh-CN" altLang="en-US" dirty="0" smtClean="0"/>
+              <a:t>，</a:t>
+            </a:r>
+            <a:r>
+              <a:rPr lang="en-US" altLang="zh-CN" dirty="0" smtClean="0"/>
+              <a:t>watch</a:t>
+            </a:r>
+            <a:r>
+              <a:rPr lang="zh-CN" altLang="en-US" dirty="0" smtClean="0"/>
+              <a:t>，</a:t>
+            </a:r>
+            <a:r>
+              <a:rPr lang="en-US" altLang="zh-CN" dirty="0" smtClean="0"/>
+              <a:t>scope</a:t>
+            </a:r>
+            <a:r>
+              <a:rPr lang="zh-CN" altLang="en-US" dirty="0" smtClean="0"/>
+              <a:t>，积累</a:t>
+            </a:r>
+            <a:r>
+              <a:rPr lang="en-US" altLang="zh-CN" dirty="0" smtClean="0"/>
+              <a:t>hybrid mobile app</a:t>
+            </a:r>
+            <a:r>
+              <a:rPr lang="zh-CN" altLang="en-US" dirty="0" smtClean="0"/>
+              <a:t>经验，分享（北京</a:t>
+            </a:r>
+            <a:r>
+              <a:rPr lang="en-US" altLang="zh-CN" dirty="0" smtClean="0"/>
+              <a:t>angular</a:t>
+            </a:r>
+            <a:r>
+              <a:rPr lang="zh-CN" altLang="en-US" dirty="0" smtClean="0"/>
+              <a:t>见面会）和提供咨询。</a:t>
+            </a:r>
+            <a:endParaRPr lang="en-US" altLang="zh-CN" dirty="0" smtClean="0"/>
           </a:p>
         </p:txBody>
       </p:sp>
     </p:spTree>
     <p:extLst>
       <p:ext uri="{BB962C8B-B14F-4D97-AF65-F5344CB8AC3E}">
-        <p14:creationId xmlns:p14="http://schemas.microsoft.com/office/powerpoint/2010/main" val="1218696869"/>
+        <p14:creationId xmlns:p14="http://schemas.microsoft.com/office/powerpoint/2010/main" val="753091941"/>
       </p:ext>
     </p:extLst>
   </p:cSld>
@@ -4025,7 +6663,343 @@
 </p:sld>
 </file>
 
-<file path=ppt/slides/slide2.xml><?xml version="1.0" encoding="utf-8"?>
+<file path=ppt/slides/slide3.xml><?xml version="1.0" encoding="utf-8"?>
+<p:sld xmlns:a="http://schemas.openxmlformats.org/drawingml/2006/main" xmlns:r="http://schemas.openxmlformats.org/officeDocument/2006/relationships" xmlns:p="http://schemas.openxmlformats.org/presentationml/2006/main">
+  <p:cSld>
+    <p:spTree>
+      <p:nvGrpSpPr>
+        <p:cNvPr id="1" name=""/>
+        <p:cNvGrpSpPr/>
+        <p:nvPr/>
+      </p:nvGrpSpPr>
+      <p:grpSpPr>
+        <a:xfrm>
+          <a:off x="0" y="0"/>
+          <a:ext cx="0" cy="0"/>
+          <a:chOff x="0" y="0"/>
+          <a:chExt cx="0" cy="0"/>
+        </a:xfrm>
+      </p:grpSpPr>
+      <p:sp>
+        <p:nvSpPr>
+          <p:cNvPr id="2" name="标题 1"/>
+          <p:cNvSpPr>
+            <a:spLocks noGrp="1"/>
+          </p:cNvSpPr>
+          <p:nvPr>
+            <p:ph type="title"/>
+          </p:nvPr>
+        </p:nvSpPr>
+        <p:spPr/>
+        <p:txBody>
+          <a:bodyPr/>
+          <a:lstStyle/>
+          <a:p>
+            <a:r>
+              <a:rPr lang="zh-CN" altLang="en-US" dirty="0" smtClean="0"/>
+              <a:t>关于本次分享</a:t>
+            </a:r>
+            <a:endParaRPr lang="zh-CN" altLang="en-US" dirty="0"/>
+          </a:p>
+        </p:txBody>
+      </p:sp>
+      <p:sp>
+        <p:nvSpPr>
+          <p:cNvPr id="3" name="内容占位符 2"/>
+          <p:cNvSpPr>
+            <a:spLocks noGrp="1"/>
+          </p:cNvSpPr>
+          <p:nvPr>
+            <p:ph idx="1"/>
+          </p:nvPr>
+        </p:nvSpPr>
+        <p:spPr/>
+        <p:txBody>
+          <a:bodyPr/>
+          <a:lstStyle/>
+          <a:p>
+            <a:r>
+              <a:rPr lang="zh-CN" altLang="en-US" dirty="0" smtClean="0"/>
+              <a:t>偏难。这次分享主题是反馈最好的一个。</a:t>
+            </a:r>
+            <a:endParaRPr lang="en-US" altLang="zh-CN" dirty="0" smtClean="0"/>
+          </a:p>
+          <a:p>
+            <a:r>
+              <a:rPr lang="zh-CN" altLang="en-US" dirty="0"/>
+              <a:t>以</a:t>
+            </a:r>
+            <a:r>
+              <a:rPr lang="zh-CN" altLang="en-US" dirty="0" smtClean="0"/>
+              <a:t>理解为主，资深</a:t>
+            </a:r>
+            <a:r>
+              <a:rPr lang="en-US" altLang="zh-CN" dirty="0" smtClean="0"/>
+              <a:t>angular</a:t>
+            </a:r>
+            <a:r>
+              <a:rPr lang="zh-CN" altLang="en-US" dirty="0" smtClean="0"/>
+              <a:t>可以复习功课。</a:t>
+            </a:r>
+            <a:endParaRPr lang="en-US" altLang="zh-CN" dirty="0" smtClean="0"/>
+          </a:p>
+          <a:p>
+            <a:r>
+              <a:rPr lang="zh-CN" altLang="en-US" dirty="0"/>
+              <a:t>会</a:t>
+            </a:r>
+            <a:r>
+              <a:rPr lang="zh-CN" altLang="en-US" dirty="0" smtClean="0"/>
+              <a:t>从最基本的知识导出</a:t>
+            </a:r>
+            <a:r>
+              <a:rPr lang="en-US" altLang="zh-CN" dirty="0" smtClean="0"/>
+              <a:t>angular</a:t>
+            </a:r>
+            <a:r>
+              <a:rPr lang="zh-CN" altLang="en-US" dirty="0" smtClean="0"/>
+              <a:t>的核心机制，多讲为什么而不是怎么做。</a:t>
+            </a:r>
+            <a:endParaRPr lang="en-US" altLang="zh-CN" dirty="0" smtClean="0"/>
+          </a:p>
+          <a:p>
+            <a:endParaRPr lang="en-US" altLang="zh-CN" dirty="0" smtClean="0"/>
+          </a:p>
+        </p:txBody>
+      </p:sp>
+    </p:spTree>
+    <p:extLst>
+      <p:ext uri="{BB962C8B-B14F-4D97-AF65-F5344CB8AC3E}">
+        <p14:creationId xmlns:p14="http://schemas.microsoft.com/office/powerpoint/2010/main" val="98294321"/>
+      </p:ext>
+    </p:extLst>
+  </p:cSld>
+  <p:clrMapOvr>
+    <a:masterClrMapping/>
+  </p:clrMapOvr>
+</p:sld>
+</file>
+
+<file path=ppt/slides/slide4.xml><?xml version="1.0" encoding="utf-8"?>
+<p:sld xmlns:a="http://schemas.openxmlformats.org/drawingml/2006/main" xmlns:r="http://schemas.openxmlformats.org/officeDocument/2006/relationships" xmlns:p="http://schemas.openxmlformats.org/presentationml/2006/main">
+  <p:cSld>
+    <p:spTree>
+      <p:nvGrpSpPr>
+        <p:cNvPr id="1" name=""/>
+        <p:cNvGrpSpPr/>
+        <p:nvPr/>
+      </p:nvGrpSpPr>
+      <p:grpSpPr>
+        <a:xfrm>
+          <a:off x="0" y="0"/>
+          <a:ext cx="0" cy="0"/>
+          <a:chOff x="0" y="0"/>
+          <a:chExt cx="0" cy="0"/>
+        </a:xfrm>
+      </p:grpSpPr>
+      <p:sp>
+        <p:nvSpPr>
+          <p:cNvPr id="2" name="标题 1"/>
+          <p:cNvSpPr>
+            <a:spLocks noGrp="1"/>
+          </p:cNvSpPr>
+          <p:nvPr>
+            <p:ph type="title"/>
+          </p:nvPr>
+        </p:nvSpPr>
+        <p:spPr/>
+        <p:txBody>
+          <a:bodyPr/>
+          <a:lstStyle/>
+          <a:p>
+            <a:r>
+              <a:rPr lang="en-US" altLang="zh-CN" dirty="0" smtClean="0"/>
+              <a:t>angular</a:t>
+            </a:r>
+            <a:r>
+              <a:rPr lang="zh-CN" altLang="en-US" dirty="0" smtClean="0"/>
+              <a:t>主要概念（设计初衷）</a:t>
+            </a:r>
+            <a:endParaRPr lang="zh-CN" altLang="en-US" dirty="0"/>
+          </a:p>
+        </p:txBody>
+      </p:sp>
+      <p:sp>
+        <p:nvSpPr>
+          <p:cNvPr id="3" name="内容占位符 2"/>
+          <p:cNvSpPr>
+            <a:spLocks noGrp="1"/>
+          </p:cNvSpPr>
+          <p:nvPr>
+            <p:ph idx="1"/>
+          </p:nvPr>
+        </p:nvSpPr>
+        <p:spPr/>
+        <p:txBody>
+          <a:bodyPr/>
+          <a:lstStyle/>
+          <a:p>
+            <a:r>
+              <a:rPr lang="en-US" altLang="zh-CN" dirty="0"/>
+              <a:t>POJO</a:t>
+            </a:r>
+            <a:r>
+              <a:rPr lang="zh-CN" altLang="en-US" dirty="0"/>
+              <a:t>双向绑定</a:t>
+            </a:r>
+            <a:endParaRPr lang="en-US" altLang="zh-CN" dirty="0"/>
+          </a:p>
+          <a:p>
+            <a:r>
+              <a:rPr lang="en-US" altLang="zh-CN" dirty="0"/>
+              <a:t>TDD</a:t>
+            </a:r>
+          </a:p>
+          <a:p>
+            <a:r>
+              <a:rPr lang="en-US" altLang="zh-CN" dirty="0" smtClean="0"/>
+              <a:t>MVC</a:t>
+            </a:r>
+          </a:p>
+          <a:p>
+            <a:r>
+              <a:rPr lang="en-US" altLang="zh-CN" dirty="0" smtClean="0"/>
+              <a:t>SPA</a:t>
+            </a:r>
+          </a:p>
+          <a:p>
+            <a:r>
+              <a:rPr lang="zh-CN" altLang="en-US" dirty="0" smtClean="0"/>
+              <a:t>支持组件化开发</a:t>
+            </a:r>
+            <a:endParaRPr lang="en-US" altLang="zh-CN" dirty="0" smtClean="0"/>
+          </a:p>
+          <a:p>
+            <a:endParaRPr lang="zh-CN" altLang="en-US" dirty="0"/>
+          </a:p>
+        </p:txBody>
+      </p:sp>
+    </p:spTree>
+    <p:extLst>
+      <p:ext uri="{BB962C8B-B14F-4D97-AF65-F5344CB8AC3E}">
+        <p14:creationId xmlns:p14="http://schemas.microsoft.com/office/powerpoint/2010/main" val="2973466284"/>
+      </p:ext>
+    </p:extLst>
+  </p:cSld>
+  <p:clrMapOvr>
+    <a:masterClrMapping/>
+  </p:clrMapOvr>
+</p:sld>
+</file>
+
+<file path=ppt/slides/slide5.xml><?xml version="1.0" encoding="utf-8"?>
+<p:sld xmlns:a="http://schemas.openxmlformats.org/drawingml/2006/main" xmlns:r="http://schemas.openxmlformats.org/officeDocument/2006/relationships" xmlns:p="http://schemas.openxmlformats.org/presentationml/2006/main">
+  <p:cSld>
+    <p:spTree>
+      <p:nvGrpSpPr>
+        <p:cNvPr id="1" name=""/>
+        <p:cNvGrpSpPr/>
+        <p:nvPr/>
+      </p:nvGrpSpPr>
+      <p:grpSpPr>
+        <a:xfrm>
+          <a:off x="0" y="0"/>
+          <a:ext cx="0" cy="0"/>
+          <a:chOff x="0" y="0"/>
+          <a:chExt cx="0" cy="0"/>
+        </a:xfrm>
+      </p:grpSpPr>
+      <p:sp>
+        <p:nvSpPr>
+          <p:cNvPr id="2" name="标题 1"/>
+          <p:cNvSpPr>
+            <a:spLocks noGrp="1"/>
+          </p:cNvSpPr>
+          <p:nvPr>
+            <p:ph type="title"/>
+          </p:nvPr>
+        </p:nvSpPr>
+        <p:spPr/>
+        <p:txBody>
+          <a:bodyPr/>
+          <a:lstStyle/>
+          <a:p>
+            <a:r>
+              <a:rPr lang="en-US" altLang="zh-CN" dirty="0" smtClean="0"/>
+              <a:t>Angular</a:t>
+            </a:r>
+            <a:r>
+              <a:rPr lang="zh-CN" altLang="en-US" dirty="0" smtClean="0"/>
+              <a:t>核心机制</a:t>
+            </a:r>
+            <a:endParaRPr lang="zh-CN" altLang="en-US" dirty="0"/>
+          </a:p>
+        </p:txBody>
+      </p:sp>
+      <p:sp>
+        <p:nvSpPr>
+          <p:cNvPr id="3" name="内容占位符 2"/>
+          <p:cNvSpPr>
+            <a:spLocks noGrp="1"/>
+          </p:cNvSpPr>
+          <p:nvPr>
+            <p:ph idx="1"/>
+          </p:nvPr>
+        </p:nvSpPr>
+        <p:spPr/>
+        <p:txBody>
+          <a:bodyPr/>
+          <a:lstStyle/>
+          <a:p>
+            <a:r>
+              <a:rPr lang="en-US" altLang="zh-CN" dirty="0" smtClean="0"/>
+              <a:t>Compile (</a:t>
+            </a:r>
+            <a:r>
+              <a:rPr lang="zh-CN" altLang="en-US" dirty="0"/>
+              <a:t>上船</a:t>
+            </a:r>
+            <a:r>
+              <a:rPr lang="zh-CN" altLang="en-US" dirty="0" smtClean="0"/>
+              <a:t>）</a:t>
+            </a:r>
+            <a:endParaRPr lang="en-US" altLang="zh-CN" dirty="0" smtClean="0"/>
+          </a:p>
+          <a:p>
+            <a:r>
+              <a:rPr lang="en-US" altLang="zh-CN" b="1" dirty="0" smtClean="0"/>
+              <a:t>Digest</a:t>
+            </a:r>
+            <a:r>
+              <a:rPr lang="zh-CN" altLang="en-US" b="1" dirty="0" smtClean="0"/>
+              <a:t> </a:t>
+            </a:r>
+            <a:r>
+              <a:rPr lang="en-US" altLang="zh-CN" b="1" dirty="0" smtClean="0"/>
+              <a:t>Cycle </a:t>
+            </a:r>
+            <a:r>
+              <a:rPr lang="zh-CN" altLang="en-US" b="1" dirty="0" smtClean="0"/>
+              <a:t>（发动机）</a:t>
+            </a:r>
+            <a:endParaRPr lang="en-US" altLang="zh-CN" b="1" dirty="0" smtClean="0"/>
+          </a:p>
+        </p:txBody>
+      </p:sp>
+    </p:spTree>
+    <p:extLst>
+      <p:ext uri="{BB962C8B-B14F-4D97-AF65-F5344CB8AC3E}">
+        <p14:creationId xmlns:p14="http://schemas.microsoft.com/office/powerpoint/2010/main" val="1532284585"/>
+      </p:ext>
+    </p:extLst>
+  </p:cSld>
+  <p:clrMapOvr>
+    <a:masterClrMapping/>
+  </p:clrMapOvr>
+</p:sld>
+</file>
+
+<file path=ppt/slides/slide6.xml><?xml version="1.0" encoding="utf-8"?>
 <p:sld xmlns:a="http://schemas.openxmlformats.org/drawingml/2006/main" xmlns:r="http://schemas.openxmlformats.org/officeDocument/2006/relationships" xmlns:p="http://schemas.openxmlformats.org/presentationml/2006/main">
   <p:cSld>
     <p:spTree>
@@ -6577,7 +9551,7 @@
 </p:sld>
 </file>
 
-<file path=ppt/slides/slide3.xml><?xml version="1.0" encoding="utf-8"?>
+<file path=ppt/slides/slide7.xml><?xml version="1.0" encoding="utf-8"?>
 <p:sld xmlns:a="http://schemas.openxmlformats.org/drawingml/2006/main" xmlns:r="http://schemas.openxmlformats.org/officeDocument/2006/relationships" xmlns:p="http://schemas.openxmlformats.org/presentationml/2006/main">
   <p:cSld>
     <p:spTree>
@@ -6666,7 +9640,7 @@
 </p:sld>
 </file>
 
-<file path=ppt/slides/slide4.xml><?xml version="1.0" encoding="utf-8"?>
+<file path=ppt/slides/slide8.xml><?xml version="1.0" encoding="utf-8"?>
 <p:sld xmlns:a="http://schemas.openxmlformats.org/drawingml/2006/main" xmlns:r="http://schemas.openxmlformats.org/officeDocument/2006/relationships" xmlns:p="http://schemas.openxmlformats.org/presentationml/2006/main">
   <p:cSld>
     <p:spTree>
@@ -6685,6 +9659,82 @@
       </p:grpSpPr>
       <p:sp>
         <p:nvSpPr>
+          <p:cNvPr id="2" name="标题 1"/>
+          <p:cNvSpPr>
+            <a:spLocks noGrp="1"/>
+          </p:cNvSpPr>
+          <p:nvPr>
+            <p:ph type="title"/>
+          </p:nvPr>
+        </p:nvSpPr>
+        <p:spPr/>
+        <p:txBody>
+          <a:bodyPr/>
+          <a:lstStyle/>
+          <a:p>
+            <a:r>
+              <a:rPr lang="zh-CN" altLang="en-US" dirty="0" smtClean="0"/>
+              <a:t>再进一步分析之前</a:t>
+            </a:r>
+            <a:r>
+              <a:rPr lang="en-US" altLang="zh-CN" dirty="0" smtClean="0"/>
+              <a:t>…</a:t>
+            </a:r>
+            <a:endParaRPr lang="zh-CN" altLang="en-US" dirty="0"/>
+          </a:p>
+        </p:txBody>
+      </p:sp>
+      <p:sp>
+        <p:nvSpPr>
+          <p:cNvPr id="3" name="内容占位符 2"/>
+          <p:cNvSpPr>
+            <a:spLocks noGrp="1"/>
+          </p:cNvSpPr>
+          <p:nvPr>
+            <p:ph idx="1"/>
+          </p:nvPr>
+        </p:nvSpPr>
+        <p:spPr/>
+        <p:txBody>
+          <a:bodyPr/>
+          <a:lstStyle/>
+          <a:p>
+            <a:endParaRPr lang="zh-CN" altLang="en-US"/>
+          </a:p>
+        </p:txBody>
+      </p:sp>
+    </p:spTree>
+    <p:extLst>
+      <p:ext uri="{BB962C8B-B14F-4D97-AF65-F5344CB8AC3E}">
+        <p14:creationId xmlns:p14="http://schemas.microsoft.com/office/powerpoint/2010/main" val="1915748885"/>
+      </p:ext>
+    </p:extLst>
+  </p:cSld>
+  <p:clrMapOvr>
+    <a:masterClrMapping/>
+  </p:clrMapOvr>
+</p:sld>
+</file>
+
+<file path=ppt/slides/slide9.xml><?xml version="1.0" encoding="utf-8"?>
+<p:sld xmlns:a="http://schemas.openxmlformats.org/drawingml/2006/main" xmlns:r="http://schemas.openxmlformats.org/officeDocument/2006/relationships" xmlns:p="http://schemas.openxmlformats.org/presentationml/2006/main">
+  <p:cSld>
+    <p:spTree>
+      <p:nvGrpSpPr>
+        <p:cNvPr id="1" name=""/>
+        <p:cNvGrpSpPr/>
+        <p:nvPr/>
+      </p:nvGrpSpPr>
+      <p:grpSpPr>
+        <a:xfrm>
+          <a:off x="0" y="0"/>
+          <a:ext cx="0" cy="0"/>
+          <a:chOff x="0" y="0"/>
+          <a:chExt cx="0" cy="0"/>
+        </a:xfrm>
+      </p:grpSpPr>
+      <p:sp>
+        <p:nvSpPr>
           <p:cNvPr id="2" name="Title 1"/>
           <p:cNvSpPr>
             <a:spLocks noGrp="1"/>
@@ -6777,7 +9827,7 @@
       </p:sp>
       <p:pic>
         <p:nvPicPr>
-          <p:cNvPr id="1028" name="Picture 4"/>
+          <p:cNvPr id="1026" name="Picture 2"/>
           <p:cNvPicPr>
             <a:picLocks noChangeAspect="1" noChangeArrowheads="1"/>
           </p:cNvPicPr>
@@ -6798,8 +9848,8 @@
         </p:blipFill>
         <p:spPr bwMode="auto">
           <a:xfrm>
-            <a:off x="1042986" y="2667000"/>
-            <a:ext cx="7058025" cy="4352925"/>
+            <a:off x="609600" y="2514600"/>
+            <a:ext cx="7648575" cy="4914900"/>
           </a:xfrm>
           <a:prstGeom prst="rect">
             <a:avLst/>
@@ -6808,6 +9858,7 @@
           <a:ln>
             <a:noFill/>
           </a:ln>
+          <a:effectLst/>
           <a:extLst>
             <a:ext uri="{909E8E84-426E-40DD-AFC4-6F175D3DCCD1}">
               <a14:hiddenFill xmlns:a14="http://schemas.microsoft.com/office/drawing/2010/main">
@@ -6825,6 +9876,15 @@
                 <a:headEnd/>
                 <a:tailEnd/>
               </a14:hiddenLine>
+            </a:ext>
+            <a:ext uri="{AF507438-7753-43E0-B8FC-AC1667EBCBE1}">
+              <a14:hiddenEffects xmlns:a14="http://schemas.microsoft.com/office/drawing/2010/main">
+                <a:effectLst>
+                  <a:outerShdw dist="35921" dir="2700000" algn="ctr" rotWithShape="0">
+                    <a:schemeClr val="bg2"/>
+                  </a:outerShdw>
+                </a:effectLst>
+              </a14:hiddenEffects>
             </a:ext>
           </a:extLst>
         </p:spPr>
@@ -7077,59 +10137,6 @@
                       </p:childTnLst>
                     </p:cTn>
                   </p:par>
-                  <p:par>
-                    <p:cTn id="17" fill="hold">
-                      <p:stCondLst>
-                        <p:cond delay="indefinite"/>
-                      </p:stCondLst>
-                      <p:childTnLst>
-                        <p:par>
-                          <p:cTn id="18" fill="hold">
-                            <p:stCondLst>
-                              <p:cond delay="0"/>
-                            </p:stCondLst>
-                            <p:childTnLst>
-                              <p:par>
-                                <p:cTn id="19" presetID="21" presetClass="entr" presetSubtype="1" fill="hold" nodeType="clickEffect">
-                                  <p:stCondLst>
-                                    <p:cond delay="0"/>
-                                  </p:stCondLst>
-                                  <p:childTnLst>
-                                    <p:set>
-                                      <p:cBhvr>
-                                        <p:cTn id="20" dur="1" fill="hold">
-                                          <p:stCondLst>
-                                            <p:cond delay="0"/>
-                                          </p:stCondLst>
-                                        </p:cTn>
-                                        <p:tgtEl>
-                                          <p:spTgt spid="1028"/>
-                                        </p:tgtEl>
-                                        <p:attrNameLst>
-                                          <p:attrName>style.visibility</p:attrName>
-                                        </p:attrNameLst>
-                                      </p:cBhvr>
-                                      <p:to>
-                                        <p:strVal val="visible"/>
-                                      </p:to>
-                                    </p:set>
-                                    <p:animEffect transition="in" filter="wheel(1)">
-                                      <p:cBhvr>
-                                        <p:cTn id="21" dur="2000"/>
-                                        <p:tgtEl>
-                                          <p:spTgt spid="1028"/>
-                                        </p:tgtEl>
-                                      </p:cBhvr>
-                                    </p:animEffect>
-                                  </p:childTnLst>
-                                </p:cTn>
-                              </p:par>
-                            </p:childTnLst>
-                          </p:cTn>
-                        </p:par>
-                      </p:childTnLst>
-                    </p:cTn>
-                  </p:par>
                 </p:childTnLst>
               </p:cTn>
               <p:prevCondLst>
@@ -7154,2705 +10161,6 @@
     <p:bldLst>
       <p:bldP spid="3" grpId="0" build="p"/>
     </p:bldLst>
-  </p:timing>
-</p:sld>
-</file>
-
-<file path=ppt/slides/slide5.xml><?xml version="1.0" encoding="utf-8"?>
-<p:sld xmlns:a="http://schemas.openxmlformats.org/drawingml/2006/main" xmlns:r="http://schemas.openxmlformats.org/officeDocument/2006/relationships" xmlns:p="http://schemas.openxmlformats.org/presentationml/2006/main">
-  <p:cSld>
-    <p:spTree>
-      <p:nvGrpSpPr>
-        <p:cNvPr id="1" name=""/>
-        <p:cNvGrpSpPr/>
-        <p:nvPr/>
-      </p:nvGrpSpPr>
-      <p:grpSpPr>
-        <a:xfrm>
-          <a:off x="0" y="0"/>
-          <a:ext cx="0" cy="0"/>
-          <a:chOff x="0" y="0"/>
-          <a:chExt cx="0" cy="0"/>
-        </a:xfrm>
-      </p:grpSpPr>
-      <p:sp>
-        <p:nvSpPr>
-          <p:cNvPr id="2" name="Title 1"/>
-          <p:cNvSpPr>
-            <a:spLocks noGrp="1"/>
-          </p:cNvSpPr>
-          <p:nvPr>
-            <p:ph type="title"/>
-          </p:nvPr>
-        </p:nvSpPr>
-        <p:spPr/>
-        <p:txBody>
-          <a:bodyPr/>
-          <a:lstStyle/>
-          <a:p>
-            <a:r>
-              <a:rPr lang="en-US" dirty="0" smtClean="0"/>
-              <a:t>Cons and Pros</a:t>
-            </a:r>
-            <a:endParaRPr lang="en-US" dirty="0"/>
-          </a:p>
-        </p:txBody>
-      </p:sp>
-      <p:sp>
-        <p:nvSpPr>
-          <p:cNvPr id="3" name="Content Placeholder 2"/>
-          <p:cNvSpPr>
-            <a:spLocks noGrp="1"/>
-          </p:cNvSpPr>
-          <p:nvPr>
-            <p:ph idx="1"/>
-          </p:nvPr>
-        </p:nvSpPr>
-        <p:spPr/>
-        <p:txBody>
-          <a:bodyPr>
-            <a:normAutofit fontScale="92500" lnSpcReduction="20000"/>
-          </a:bodyPr>
-          <a:lstStyle/>
-          <a:p>
-            <a:r>
-              <a:rPr lang="en-US" smtClean="0"/>
-              <a:t>Pros</a:t>
-            </a:r>
-            <a:endParaRPr lang="en-US" dirty="0" smtClean="0"/>
-          </a:p>
-          <a:p>
-            <a:pPr marL="0" indent="0">
-              <a:buNone/>
-            </a:pPr>
-            <a:r>
-              <a:rPr lang="en-US" dirty="0" smtClean="0"/>
-              <a:t>Easier syntax when using POJO</a:t>
-            </a:r>
-          </a:p>
-          <a:p>
-            <a:r>
-              <a:rPr lang="en-US" dirty="0" smtClean="0"/>
-              <a:t>Cons</a:t>
-            </a:r>
-          </a:p>
-          <a:p>
-            <a:pPr marL="0" indent="0">
-              <a:buNone/>
-            </a:pPr>
-            <a:r>
-              <a:rPr lang="en-US" dirty="0" smtClean="0"/>
-              <a:t>Unsuitable for high frequency callbacks/ large number of models.</a:t>
-            </a:r>
-          </a:p>
-          <a:p>
-            <a:pPr marL="0" indent="0">
-              <a:buNone/>
-            </a:pPr>
-            <a:r>
-              <a:rPr lang="en-US" dirty="0" smtClean="0"/>
-              <a:t>two-way </a:t>
-            </a:r>
-            <a:r>
-              <a:rPr lang="en-US" dirty="0"/>
-              <a:t>data bindings lead to cascading updates, where changing one data model led to another data model updating, making it very difficult to predict what would change as the result of a single user interaction.</a:t>
-            </a:r>
-            <a:endParaRPr lang="en-US" dirty="0"/>
-          </a:p>
-        </p:txBody>
-      </p:sp>
-    </p:spTree>
-    <p:extLst>
-      <p:ext uri="{BB962C8B-B14F-4D97-AF65-F5344CB8AC3E}">
-        <p14:creationId xmlns:p14="http://schemas.microsoft.com/office/powerpoint/2010/main" val="385289163"/>
-      </p:ext>
-    </p:extLst>
-  </p:cSld>
-  <p:clrMapOvr>
-    <a:masterClrMapping/>
-  </p:clrMapOvr>
-  <p:timing>
-    <p:tnLst>
-      <p:par>
-        <p:cTn id="1" dur="indefinite" restart="never" nodeType="tmRoot">
-          <p:childTnLst>
-            <p:seq concurrent="1" nextAc="seek">
-              <p:cTn id="2" dur="indefinite" nodeType="mainSeq">
-                <p:childTnLst>
-                  <p:par>
-                    <p:cTn id="3" fill="hold">
-                      <p:stCondLst>
-                        <p:cond delay="indefinite"/>
-                      </p:stCondLst>
-                      <p:childTnLst>
-                        <p:par>
-                          <p:cTn id="4" fill="hold">
-                            <p:stCondLst>
-                              <p:cond delay="0"/>
-                            </p:stCondLst>
-                            <p:childTnLst>
-                              <p:par>
-                                <p:cTn id="5" presetID="42" presetClass="entr" presetSubtype="0" fill="hold" nodeType="clickEffect">
-                                  <p:stCondLst>
-                                    <p:cond delay="0"/>
-                                  </p:stCondLst>
-                                  <p:childTnLst>
-                                    <p:set>
-                                      <p:cBhvr>
-                                        <p:cTn id="6" dur="1" fill="hold">
-                                          <p:stCondLst>
-                                            <p:cond delay="0"/>
-                                          </p:stCondLst>
-                                        </p:cTn>
-                                        <p:tgtEl>
-                                          <p:spTgt spid="3">
-                                            <p:txEl>
-                                              <p:pRg st="1" end="1"/>
-                                            </p:txEl>
-                                          </p:spTgt>
-                                        </p:tgtEl>
-                                        <p:attrNameLst>
-                                          <p:attrName>style.visibility</p:attrName>
-                                        </p:attrNameLst>
-                                      </p:cBhvr>
-                                      <p:to>
-                                        <p:strVal val="visible"/>
-                                      </p:to>
-                                    </p:set>
-                                    <p:animEffect transition="in" filter="fade">
-                                      <p:cBhvr>
-                                        <p:cTn id="7" dur="1000"/>
-                                        <p:tgtEl>
-                                          <p:spTgt spid="3">
-                                            <p:txEl>
-                                              <p:pRg st="1" end="1"/>
-                                            </p:txEl>
-                                          </p:spTgt>
-                                        </p:tgtEl>
-                                      </p:cBhvr>
-                                    </p:animEffect>
-                                    <p:anim calcmode="lin" valueType="num">
-                                      <p:cBhvr>
-                                        <p:cTn id="8" dur="1000" fill="hold"/>
-                                        <p:tgtEl>
-                                          <p:spTgt spid="3">
-                                            <p:txEl>
-                                              <p:pRg st="1" end="1"/>
-                                            </p:txEl>
-                                          </p:spTgt>
-                                        </p:tgtEl>
-                                        <p:attrNameLst>
-                                          <p:attrName>ppt_x</p:attrName>
-                                        </p:attrNameLst>
-                                      </p:cBhvr>
-                                      <p:tavLst>
-                                        <p:tav tm="0">
-                                          <p:val>
-                                            <p:strVal val="#ppt_x"/>
-                                          </p:val>
-                                        </p:tav>
-                                        <p:tav tm="100000">
-                                          <p:val>
-                                            <p:strVal val="#ppt_x"/>
-                                          </p:val>
-                                        </p:tav>
-                                      </p:tavLst>
-                                    </p:anim>
-                                    <p:anim calcmode="lin" valueType="num">
-                                      <p:cBhvr>
-                                        <p:cTn id="9" dur="1000" fill="hold"/>
-                                        <p:tgtEl>
-                                          <p:spTgt spid="3">
-                                            <p:txEl>
-                                              <p:pRg st="1" end="1"/>
-                                            </p:txEl>
-                                          </p:spTgt>
-                                        </p:tgtEl>
-                                        <p:attrNameLst>
-                                          <p:attrName>ppt_y</p:attrName>
-                                        </p:attrNameLst>
-                                      </p:cBhvr>
-                                      <p:tavLst>
-                                        <p:tav tm="0">
-                                          <p:val>
-                                            <p:strVal val="#ppt_y+.1"/>
-                                          </p:val>
-                                        </p:tav>
-                                        <p:tav tm="100000">
-                                          <p:val>
-                                            <p:strVal val="#ppt_y"/>
-                                          </p:val>
-                                        </p:tav>
-                                      </p:tavLst>
-                                    </p:anim>
-                                  </p:childTnLst>
-                                </p:cTn>
-                              </p:par>
-                            </p:childTnLst>
-                          </p:cTn>
-                        </p:par>
-                      </p:childTnLst>
-                    </p:cTn>
-                  </p:par>
-                  <p:par>
-                    <p:cTn id="10" fill="hold">
-                      <p:stCondLst>
-                        <p:cond delay="indefinite"/>
-                      </p:stCondLst>
-                      <p:childTnLst>
-                        <p:par>
-                          <p:cTn id="11" fill="hold">
-                            <p:stCondLst>
-                              <p:cond delay="0"/>
-                            </p:stCondLst>
-                            <p:childTnLst>
-                              <p:par>
-                                <p:cTn id="12" presetID="42" presetClass="entr" presetSubtype="0" fill="hold" nodeType="clickEffect">
-                                  <p:stCondLst>
-                                    <p:cond delay="0"/>
-                                  </p:stCondLst>
-                                  <p:childTnLst>
-                                    <p:set>
-                                      <p:cBhvr>
-                                        <p:cTn id="13" dur="1" fill="hold">
-                                          <p:stCondLst>
-                                            <p:cond delay="0"/>
-                                          </p:stCondLst>
-                                        </p:cTn>
-                                        <p:tgtEl>
-                                          <p:spTgt spid="3">
-                                            <p:txEl>
-                                              <p:pRg st="0" end="0"/>
-                                            </p:txEl>
-                                          </p:spTgt>
-                                        </p:tgtEl>
-                                        <p:attrNameLst>
-                                          <p:attrName>style.visibility</p:attrName>
-                                        </p:attrNameLst>
-                                      </p:cBhvr>
-                                      <p:to>
-                                        <p:strVal val="visible"/>
-                                      </p:to>
-                                    </p:set>
-                                    <p:animEffect transition="in" filter="fade">
-                                      <p:cBhvr>
-                                        <p:cTn id="14" dur="1000"/>
-                                        <p:tgtEl>
-                                          <p:spTgt spid="3">
-                                            <p:txEl>
-                                              <p:pRg st="0" end="0"/>
-                                            </p:txEl>
-                                          </p:spTgt>
-                                        </p:tgtEl>
-                                      </p:cBhvr>
-                                    </p:animEffect>
-                                    <p:anim calcmode="lin" valueType="num">
-                                      <p:cBhvr>
-                                        <p:cTn id="15" dur="1000" fill="hold"/>
-                                        <p:tgtEl>
-                                          <p:spTgt spid="3">
-                                            <p:txEl>
-                                              <p:pRg st="0" end="0"/>
-                                            </p:txEl>
-                                          </p:spTgt>
-                                        </p:tgtEl>
-                                        <p:attrNameLst>
-                                          <p:attrName>ppt_x</p:attrName>
-                                        </p:attrNameLst>
-                                      </p:cBhvr>
-                                      <p:tavLst>
-                                        <p:tav tm="0">
-                                          <p:val>
-                                            <p:strVal val="#ppt_x"/>
-                                          </p:val>
-                                        </p:tav>
-                                        <p:tav tm="100000">
-                                          <p:val>
-                                            <p:strVal val="#ppt_x"/>
-                                          </p:val>
-                                        </p:tav>
-                                      </p:tavLst>
-                                    </p:anim>
-                                    <p:anim calcmode="lin" valueType="num">
-                                      <p:cBhvr>
-                                        <p:cTn id="16" dur="1000" fill="hold"/>
-                                        <p:tgtEl>
-                                          <p:spTgt spid="3">
-                                            <p:txEl>
-                                              <p:pRg st="0" end="0"/>
-                                            </p:txEl>
-                                          </p:spTgt>
-                                        </p:tgtEl>
-                                        <p:attrNameLst>
-                                          <p:attrName>ppt_y</p:attrName>
-                                        </p:attrNameLst>
-                                      </p:cBhvr>
-                                      <p:tavLst>
-                                        <p:tav tm="0">
-                                          <p:val>
-                                            <p:strVal val="#ppt_y+.1"/>
-                                          </p:val>
-                                        </p:tav>
-                                        <p:tav tm="100000">
-                                          <p:val>
-                                            <p:strVal val="#ppt_y"/>
-                                          </p:val>
-                                        </p:tav>
-                                      </p:tavLst>
-                                    </p:anim>
-                                  </p:childTnLst>
-                                </p:cTn>
-                              </p:par>
-                            </p:childTnLst>
-                          </p:cTn>
-                        </p:par>
-                      </p:childTnLst>
-                    </p:cTn>
-                  </p:par>
-                  <p:par>
-                    <p:cTn id="17" fill="hold">
-                      <p:stCondLst>
-                        <p:cond delay="indefinite"/>
-                      </p:stCondLst>
-                      <p:childTnLst>
-                        <p:par>
-                          <p:cTn id="18" fill="hold">
-                            <p:stCondLst>
-                              <p:cond delay="0"/>
-                            </p:stCondLst>
-                            <p:childTnLst>
-                              <p:par>
-                                <p:cTn id="19" presetID="42" presetClass="entr" presetSubtype="0" fill="hold" nodeType="clickEffect">
-                                  <p:stCondLst>
-                                    <p:cond delay="0"/>
-                                  </p:stCondLst>
-                                  <p:childTnLst>
-                                    <p:set>
-                                      <p:cBhvr>
-                                        <p:cTn id="20" dur="1" fill="hold">
-                                          <p:stCondLst>
-                                            <p:cond delay="0"/>
-                                          </p:stCondLst>
-                                        </p:cTn>
-                                        <p:tgtEl>
-                                          <p:spTgt spid="3">
-                                            <p:txEl>
-                                              <p:pRg st="2" end="2"/>
-                                            </p:txEl>
-                                          </p:spTgt>
-                                        </p:tgtEl>
-                                        <p:attrNameLst>
-                                          <p:attrName>style.visibility</p:attrName>
-                                        </p:attrNameLst>
-                                      </p:cBhvr>
-                                      <p:to>
-                                        <p:strVal val="visible"/>
-                                      </p:to>
-                                    </p:set>
-                                    <p:animEffect transition="in" filter="fade">
-                                      <p:cBhvr>
-                                        <p:cTn id="21" dur="1000"/>
-                                        <p:tgtEl>
-                                          <p:spTgt spid="3">
-                                            <p:txEl>
-                                              <p:pRg st="2" end="2"/>
-                                            </p:txEl>
-                                          </p:spTgt>
-                                        </p:tgtEl>
-                                      </p:cBhvr>
-                                    </p:animEffect>
-                                    <p:anim calcmode="lin" valueType="num">
-                                      <p:cBhvr>
-                                        <p:cTn id="22" dur="1000" fill="hold"/>
-                                        <p:tgtEl>
-                                          <p:spTgt spid="3">
-                                            <p:txEl>
-                                              <p:pRg st="2" end="2"/>
-                                            </p:txEl>
-                                          </p:spTgt>
-                                        </p:tgtEl>
-                                        <p:attrNameLst>
-                                          <p:attrName>ppt_x</p:attrName>
-                                        </p:attrNameLst>
-                                      </p:cBhvr>
-                                      <p:tavLst>
-                                        <p:tav tm="0">
-                                          <p:val>
-                                            <p:strVal val="#ppt_x"/>
-                                          </p:val>
-                                        </p:tav>
-                                        <p:tav tm="100000">
-                                          <p:val>
-                                            <p:strVal val="#ppt_x"/>
-                                          </p:val>
-                                        </p:tav>
-                                      </p:tavLst>
-                                    </p:anim>
-                                    <p:anim calcmode="lin" valueType="num">
-                                      <p:cBhvr>
-                                        <p:cTn id="23" dur="1000" fill="hold"/>
-                                        <p:tgtEl>
-                                          <p:spTgt spid="3">
-                                            <p:txEl>
-                                              <p:pRg st="2" end="2"/>
-                                            </p:txEl>
-                                          </p:spTgt>
-                                        </p:tgtEl>
-                                        <p:attrNameLst>
-                                          <p:attrName>ppt_y</p:attrName>
-                                        </p:attrNameLst>
-                                      </p:cBhvr>
-                                      <p:tavLst>
-                                        <p:tav tm="0">
-                                          <p:val>
-                                            <p:strVal val="#ppt_y+.1"/>
-                                          </p:val>
-                                        </p:tav>
-                                        <p:tav tm="100000">
-                                          <p:val>
-                                            <p:strVal val="#ppt_y"/>
-                                          </p:val>
-                                        </p:tav>
-                                      </p:tavLst>
-                                    </p:anim>
-                                  </p:childTnLst>
-                                </p:cTn>
-                              </p:par>
-                            </p:childTnLst>
-                          </p:cTn>
-                        </p:par>
-                      </p:childTnLst>
-                    </p:cTn>
-                  </p:par>
-                  <p:par>
-                    <p:cTn id="24" fill="hold">
-                      <p:stCondLst>
-                        <p:cond delay="indefinite"/>
-                      </p:stCondLst>
-                      <p:childTnLst>
-                        <p:par>
-                          <p:cTn id="25" fill="hold">
-                            <p:stCondLst>
-                              <p:cond delay="0"/>
-                            </p:stCondLst>
-                            <p:childTnLst>
-                              <p:par>
-                                <p:cTn id="26" presetID="42" presetClass="entr" presetSubtype="0" fill="hold" nodeType="clickEffect">
-                                  <p:stCondLst>
-                                    <p:cond delay="0"/>
-                                  </p:stCondLst>
-                                  <p:childTnLst>
-                                    <p:set>
-                                      <p:cBhvr>
-                                        <p:cTn id="27" dur="1" fill="hold">
-                                          <p:stCondLst>
-                                            <p:cond delay="0"/>
-                                          </p:stCondLst>
-                                        </p:cTn>
-                                        <p:tgtEl>
-                                          <p:spTgt spid="3">
-                                            <p:txEl>
-                                              <p:pRg st="3" end="3"/>
-                                            </p:txEl>
-                                          </p:spTgt>
-                                        </p:tgtEl>
-                                        <p:attrNameLst>
-                                          <p:attrName>style.visibility</p:attrName>
-                                        </p:attrNameLst>
-                                      </p:cBhvr>
-                                      <p:to>
-                                        <p:strVal val="visible"/>
-                                      </p:to>
-                                    </p:set>
-                                    <p:animEffect transition="in" filter="fade">
-                                      <p:cBhvr>
-                                        <p:cTn id="28" dur="1000"/>
-                                        <p:tgtEl>
-                                          <p:spTgt spid="3">
-                                            <p:txEl>
-                                              <p:pRg st="3" end="3"/>
-                                            </p:txEl>
-                                          </p:spTgt>
-                                        </p:tgtEl>
-                                      </p:cBhvr>
-                                    </p:animEffect>
-                                    <p:anim calcmode="lin" valueType="num">
-                                      <p:cBhvr>
-                                        <p:cTn id="29" dur="1000" fill="hold"/>
-                                        <p:tgtEl>
-                                          <p:spTgt spid="3">
-                                            <p:txEl>
-                                              <p:pRg st="3" end="3"/>
-                                            </p:txEl>
-                                          </p:spTgt>
-                                        </p:tgtEl>
-                                        <p:attrNameLst>
-                                          <p:attrName>ppt_x</p:attrName>
-                                        </p:attrNameLst>
-                                      </p:cBhvr>
-                                      <p:tavLst>
-                                        <p:tav tm="0">
-                                          <p:val>
-                                            <p:strVal val="#ppt_x"/>
-                                          </p:val>
-                                        </p:tav>
-                                        <p:tav tm="100000">
-                                          <p:val>
-                                            <p:strVal val="#ppt_x"/>
-                                          </p:val>
-                                        </p:tav>
-                                      </p:tavLst>
-                                    </p:anim>
-                                    <p:anim calcmode="lin" valueType="num">
-                                      <p:cBhvr>
-                                        <p:cTn id="30" dur="1000" fill="hold"/>
-                                        <p:tgtEl>
-                                          <p:spTgt spid="3">
-                                            <p:txEl>
-                                              <p:pRg st="3" end="3"/>
-                                            </p:txEl>
-                                          </p:spTgt>
-                                        </p:tgtEl>
-                                        <p:attrNameLst>
-                                          <p:attrName>ppt_y</p:attrName>
-                                        </p:attrNameLst>
-                                      </p:cBhvr>
-                                      <p:tavLst>
-                                        <p:tav tm="0">
-                                          <p:val>
-                                            <p:strVal val="#ppt_y+.1"/>
-                                          </p:val>
-                                        </p:tav>
-                                        <p:tav tm="100000">
-                                          <p:val>
-                                            <p:strVal val="#ppt_y"/>
-                                          </p:val>
-                                        </p:tav>
-                                      </p:tavLst>
-                                    </p:anim>
-                                  </p:childTnLst>
-                                </p:cTn>
-                              </p:par>
-                            </p:childTnLst>
-                          </p:cTn>
-                        </p:par>
-                      </p:childTnLst>
-                    </p:cTn>
-                  </p:par>
-                  <p:par>
-                    <p:cTn id="31" fill="hold">
-                      <p:stCondLst>
-                        <p:cond delay="indefinite"/>
-                      </p:stCondLst>
-                      <p:childTnLst>
-                        <p:par>
-                          <p:cTn id="32" fill="hold">
-                            <p:stCondLst>
-                              <p:cond delay="0"/>
-                            </p:stCondLst>
-                            <p:childTnLst>
-                              <p:par>
-                                <p:cTn id="33" presetID="42" presetClass="entr" presetSubtype="0" fill="hold" nodeType="clickEffect">
-                                  <p:stCondLst>
-                                    <p:cond delay="0"/>
-                                  </p:stCondLst>
-                                  <p:childTnLst>
-                                    <p:set>
-                                      <p:cBhvr>
-                                        <p:cTn id="34" dur="1" fill="hold">
-                                          <p:stCondLst>
-                                            <p:cond delay="0"/>
-                                          </p:stCondLst>
-                                        </p:cTn>
-                                        <p:tgtEl>
-                                          <p:spTgt spid="3">
-                                            <p:txEl>
-                                              <p:pRg st="4" end="4"/>
-                                            </p:txEl>
-                                          </p:spTgt>
-                                        </p:tgtEl>
-                                        <p:attrNameLst>
-                                          <p:attrName>style.visibility</p:attrName>
-                                        </p:attrNameLst>
-                                      </p:cBhvr>
-                                      <p:to>
-                                        <p:strVal val="visible"/>
-                                      </p:to>
-                                    </p:set>
-                                    <p:animEffect transition="in" filter="fade">
-                                      <p:cBhvr>
-                                        <p:cTn id="35" dur="1000"/>
-                                        <p:tgtEl>
-                                          <p:spTgt spid="3">
-                                            <p:txEl>
-                                              <p:pRg st="4" end="4"/>
-                                            </p:txEl>
-                                          </p:spTgt>
-                                        </p:tgtEl>
-                                      </p:cBhvr>
-                                    </p:animEffect>
-                                    <p:anim calcmode="lin" valueType="num">
-                                      <p:cBhvr>
-                                        <p:cTn id="36" dur="1000" fill="hold"/>
-                                        <p:tgtEl>
-                                          <p:spTgt spid="3">
-                                            <p:txEl>
-                                              <p:pRg st="4" end="4"/>
-                                            </p:txEl>
-                                          </p:spTgt>
-                                        </p:tgtEl>
-                                        <p:attrNameLst>
-                                          <p:attrName>ppt_x</p:attrName>
-                                        </p:attrNameLst>
-                                      </p:cBhvr>
-                                      <p:tavLst>
-                                        <p:tav tm="0">
-                                          <p:val>
-                                            <p:strVal val="#ppt_x"/>
-                                          </p:val>
-                                        </p:tav>
-                                        <p:tav tm="100000">
-                                          <p:val>
-                                            <p:strVal val="#ppt_x"/>
-                                          </p:val>
-                                        </p:tav>
-                                      </p:tavLst>
-                                    </p:anim>
-                                    <p:anim calcmode="lin" valueType="num">
-                                      <p:cBhvr>
-                                        <p:cTn id="37" dur="1000" fill="hold"/>
-                                        <p:tgtEl>
-                                          <p:spTgt spid="3">
-                                            <p:txEl>
-                                              <p:pRg st="4" end="4"/>
-                                            </p:txEl>
-                                          </p:spTgt>
-                                        </p:tgtEl>
-                                        <p:attrNameLst>
-                                          <p:attrName>ppt_y</p:attrName>
-                                        </p:attrNameLst>
-                                      </p:cBhvr>
-                                      <p:tavLst>
-                                        <p:tav tm="0">
-                                          <p:val>
-                                            <p:strVal val="#ppt_y+.1"/>
-                                          </p:val>
-                                        </p:tav>
-                                        <p:tav tm="100000">
-                                          <p:val>
-                                            <p:strVal val="#ppt_y"/>
-                                          </p:val>
-                                        </p:tav>
-                                      </p:tavLst>
-                                    </p:anim>
-                                  </p:childTnLst>
-                                </p:cTn>
-                              </p:par>
-                            </p:childTnLst>
-                          </p:cTn>
-                        </p:par>
-                      </p:childTnLst>
-                    </p:cTn>
-                  </p:par>
-                </p:childTnLst>
-              </p:cTn>
-              <p:prevCondLst>
-                <p:cond evt="onPrev" delay="0">
-                  <p:tgtEl>
-                    <p:sldTgt/>
-                  </p:tgtEl>
-                </p:cond>
-              </p:prevCondLst>
-              <p:nextCondLst>
-                <p:cond evt="onNext" delay="0">
-                  <p:tgtEl>
-                    <p:sldTgt/>
-                  </p:tgtEl>
-                </p:cond>
-              </p:nextCondLst>
-            </p:seq>
-          </p:childTnLst>
-        </p:cTn>
-      </p:par>
-    </p:tnLst>
-  </p:timing>
-</p:sld>
-</file>
-
-<file path=ppt/slides/slide6.xml><?xml version="1.0" encoding="utf-8"?>
-<p:sld xmlns:a="http://schemas.openxmlformats.org/drawingml/2006/main" xmlns:r="http://schemas.openxmlformats.org/officeDocument/2006/relationships" xmlns:p="http://schemas.openxmlformats.org/presentationml/2006/main">
-  <p:cSld>
-    <p:spTree>
-      <p:nvGrpSpPr>
-        <p:cNvPr id="1" name=""/>
-        <p:cNvGrpSpPr/>
-        <p:nvPr/>
-      </p:nvGrpSpPr>
-      <p:grpSpPr>
-        <a:xfrm>
-          <a:off x="0" y="0"/>
-          <a:ext cx="0" cy="0"/>
-          <a:chOff x="0" y="0"/>
-          <a:chExt cx="0" cy="0"/>
-        </a:xfrm>
-      </p:grpSpPr>
-      <p:sp>
-        <p:nvSpPr>
-          <p:cNvPr id="2" name="Title 1"/>
-          <p:cNvSpPr>
-            <a:spLocks noGrp="1"/>
-          </p:cNvSpPr>
-          <p:nvPr>
-            <p:ph type="title"/>
-          </p:nvPr>
-        </p:nvSpPr>
-        <p:spPr/>
-        <p:txBody>
-          <a:bodyPr/>
-          <a:lstStyle/>
-          <a:p>
-            <a:r>
-              <a:rPr lang="en-US" dirty="0" smtClean="0"/>
-              <a:t>Questions</a:t>
-            </a:r>
-            <a:endParaRPr lang="en-US" dirty="0"/>
-          </a:p>
-        </p:txBody>
-      </p:sp>
-      <p:sp>
-        <p:nvSpPr>
-          <p:cNvPr id="3" name="Content Placeholder 2"/>
-          <p:cNvSpPr>
-            <a:spLocks noGrp="1"/>
-          </p:cNvSpPr>
-          <p:nvPr>
-            <p:ph idx="1"/>
-          </p:nvPr>
-        </p:nvSpPr>
-        <p:spPr/>
-        <p:txBody>
-          <a:bodyPr/>
-          <a:lstStyle/>
-          <a:p>
-            <a:r>
-              <a:rPr lang="en-US" dirty="0" smtClean="0"/>
-              <a:t>What event will trigger $apply?</a:t>
-            </a:r>
-          </a:p>
-          <a:p>
-            <a:pPr lvl="1"/>
-            <a:r>
-              <a:rPr lang="en-US" dirty="0" smtClean="0"/>
-              <a:t>$timeout</a:t>
-            </a:r>
-          </a:p>
-          <a:p>
-            <a:pPr lvl="1"/>
-            <a:r>
-              <a:rPr lang="en-US" dirty="0" smtClean="0"/>
-              <a:t>ng-action ( ng-click, ng-</a:t>
-            </a:r>
-            <a:r>
-              <a:rPr lang="en-US" dirty="0" err="1" smtClean="0"/>
-              <a:t>keydown</a:t>
-            </a:r>
-            <a:r>
-              <a:rPr lang="en-US" dirty="0" smtClean="0"/>
-              <a:t>…)</a:t>
-            </a:r>
-          </a:p>
-          <a:p>
-            <a:pPr lvl="1"/>
-            <a:r>
-              <a:rPr lang="en-US" dirty="0"/>
-              <a:t>i</a:t>
-            </a:r>
-            <a:r>
-              <a:rPr lang="en-US" dirty="0" smtClean="0"/>
-              <a:t>nput text element with ng-model</a:t>
-            </a:r>
-          </a:p>
-          <a:p>
-            <a:r>
-              <a:rPr lang="en-US" dirty="0" smtClean="0"/>
-              <a:t>How to measure performance?</a:t>
-            </a:r>
-          </a:p>
-          <a:p>
-            <a:pPr lvl="1"/>
-            <a:r>
-              <a:rPr lang="en-US" dirty="0" smtClean="0"/>
-              <a:t>hard to predict, c * ?</a:t>
-            </a:r>
-          </a:p>
-          <a:p>
-            <a:r>
-              <a:rPr lang="en-US" dirty="0" smtClean="0"/>
-              <a:t>When should we use $apply our self?</a:t>
-            </a:r>
-          </a:p>
-          <a:p>
-            <a:r>
-              <a:rPr lang="en-US" dirty="0" smtClean="0"/>
-              <a:t>Different between digest and apply?</a:t>
-            </a:r>
-          </a:p>
-          <a:p>
-            <a:endParaRPr lang="en-US" dirty="0"/>
-          </a:p>
-        </p:txBody>
-      </p:sp>
-    </p:spTree>
-    <p:extLst>
-      <p:ext uri="{BB962C8B-B14F-4D97-AF65-F5344CB8AC3E}">
-        <p14:creationId xmlns:p14="http://schemas.microsoft.com/office/powerpoint/2010/main" val="1401335724"/>
-      </p:ext>
-    </p:extLst>
-  </p:cSld>
-  <p:clrMapOvr>
-    <a:masterClrMapping/>
-  </p:clrMapOvr>
-  <p:timing>
-    <p:tnLst>
-      <p:par>
-        <p:cTn id="1" dur="indefinite" restart="never" nodeType="tmRoot">
-          <p:childTnLst>
-            <p:seq concurrent="1" nextAc="seek">
-              <p:cTn id="2" dur="indefinite" nodeType="mainSeq">
-                <p:childTnLst>
-                  <p:par>
-                    <p:cTn id="3" fill="hold">
-                      <p:stCondLst>
-                        <p:cond delay="indefinite"/>
-                      </p:stCondLst>
-                      <p:childTnLst>
-                        <p:par>
-                          <p:cTn id="4" fill="hold">
-                            <p:stCondLst>
-                              <p:cond delay="0"/>
-                            </p:stCondLst>
-                            <p:childTnLst>
-                              <p:par>
-                                <p:cTn id="5" presetID="42" presetClass="entr" presetSubtype="0" fill="hold" nodeType="clickEffect">
-                                  <p:stCondLst>
-                                    <p:cond delay="0"/>
-                                  </p:stCondLst>
-                                  <p:childTnLst>
-                                    <p:set>
-                                      <p:cBhvr>
-                                        <p:cTn id="6" dur="1" fill="hold">
-                                          <p:stCondLst>
-                                            <p:cond delay="0"/>
-                                          </p:stCondLst>
-                                        </p:cTn>
-                                        <p:tgtEl>
-                                          <p:spTgt spid="3">
-                                            <p:txEl>
-                                              <p:pRg st="0" end="0"/>
-                                            </p:txEl>
-                                          </p:spTgt>
-                                        </p:tgtEl>
-                                        <p:attrNameLst>
-                                          <p:attrName>style.visibility</p:attrName>
-                                        </p:attrNameLst>
-                                      </p:cBhvr>
-                                      <p:to>
-                                        <p:strVal val="visible"/>
-                                      </p:to>
-                                    </p:set>
-                                    <p:animEffect transition="in" filter="fade">
-                                      <p:cBhvr>
-                                        <p:cTn id="7" dur="1000"/>
-                                        <p:tgtEl>
-                                          <p:spTgt spid="3">
-                                            <p:txEl>
-                                              <p:pRg st="0" end="0"/>
-                                            </p:txEl>
-                                          </p:spTgt>
-                                        </p:tgtEl>
-                                      </p:cBhvr>
-                                    </p:animEffect>
-                                    <p:anim calcmode="lin" valueType="num">
-                                      <p:cBhvr>
-                                        <p:cTn id="8" dur="1000" fill="hold"/>
-                                        <p:tgtEl>
-                                          <p:spTgt spid="3">
-                                            <p:txEl>
-                                              <p:pRg st="0" end="0"/>
-                                            </p:txEl>
-                                          </p:spTgt>
-                                        </p:tgtEl>
-                                        <p:attrNameLst>
-                                          <p:attrName>ppt_x</p:attrName>
-                                        </p:attrNameLst>
-                                      </p:cBhvr>
-                                      <p:tavLst>
-                                        <p:tav tm="0">
-                                          <p:val>
-                                            <p:strVal val="#ppt_x"/>
-                                          </p:val>
-                                        </p:tav>
-                                        <p:tav tm="100000">
-                                          <p:val>
-                                            <p:strVal val="#ppt_x"/>
-                                          </p:val>
-                                        </p:tav>
-                                      </p:tavLst>
-                                    </p:anim>
-                                    <p:anim calcmode="lin" valueType="num">
-                                      <p:cBhvr>
-                                        <p:cTn id="9" dur="1000" fill="hold"/>
-                                        <p:tgtEl>
-                                          <p:spTgt spid="3">
-                                            <p:txEl>
-                                              <p:pRg st="0" end="0"/>
-                                            </p:txEl>
-                                          </p:spTgt>
-                                        </p:tgtEl>
-                                        <p:attrNameLst>
-                                          <p:attrName>ppt_y</p:attrName>
-                                        </p:attrNameLst>
-                                      </p:cBhvr>
-                                      <p:tavLst>
-                                        <p:tav tm="0">
-                                          <p:val>
-                                            <p:strVal val="#ppt_y+.1"/>
-                                          </p:val>
-                                        </p:tav>
-                                        <p:tav tm="100000">
-                                          <p:val>
-                                            <p:strVal val="#ppt_y"/>
-                                          </p:val>
-                                        </p:tav>
-                                      </p:tavLst>
-                                    </p:anim>
-                                  </p:childTnLst>
-                                </p:cTn>
-                              </p:par>
-                              <p:par>
-                                <p:cTn id="10" presetID="42" presetClass="entr" presetSubtype="0" fill="hold" nodeType="withEffect">
-                                  <p:stCondLst>
-                                    <p:cond delay="0"/>
-                                  </p:stCondLst>
-                                  <p:childTnLst>
-                                    <p:set>
-                                      <p:cBhvr>
-                                        <p:cTn id="11" dur="1" fill="hold">
-                                          <p:stCondLst>
-                                            <p:cond delay="0"/>
-                                          </p:stCondLst>
-                                        </p:cTn>
-                                        <p:tgtEl>
-                                          <p:spTgt spid="3">
-                                            <p:txEl>
-                                              <p:pRg st="2" end="2"/>
-                                            </p:txEl>
-                                          </p:spTgt>
-                                        </p:tgtEl>
-                                        <p:attrNameLst>
-                                          <p:attrName>style.visibility</p:attrName>
-                                        </p:attrNameLst>
-                                      </p:cBhvr>
-                                      <p:to>
-                                        <p:strVal val="visible"/>
-                                      </p:to>
-                                    </p:set>
-                                    <p:animEffect transition="in" filter="fade">
-                                      <p:cBhvr>
-                                        <p:cTn id="12" dur="1000"/>
-                                        <p:tgtEl>
-                                          <p:spTgt spid="3">
-                                            <p:txEl>
-                                              <p:pRg st="2" end="2"/>
-                                            </p:txEl>
-                                          </p:spTgt>
-                                        </p:tgtEl>
-                                      </p:cBhvr>
-                                    </p:animEffect>
-                                    <p:anim calcmode="lin" valueType="num">
-                                      <p:cBhvr>
-                                        <p:cTn id="13" dur="1000" fill="hold"/>
-                                        <p:tgtEl>
-                                          <p:spTgt spid="3">
-                                            <p:txEl>
-                                              <p:pRg st="2" end="2"/>
-                                            </p:txEl>
-                                          </p:spTgt>
-                                        </p:tgtEl>
-                                        <p:attrNameLst>
-                                          <p:attrName>ppt_x</p:attrName>
-                                        </p:attrNameLst>
-                                      </p:cBhvr>
-                                      <p:tavLst>
-                                        <p:tav tm="0">
-                                          <p:val>
-                                            <p:strVal val="#ppt_x"/>
-                                          </p:val>
-                                        </p:tav>
-                                        <p:tav tm="100000">
-                                          <p:val>
-                                            <p:strVal val="#ppt_x"/>
-                                          </p:val>
-                                        </p:tav>
-                                      </p:tavLst>
-                                    </p:anim>
-                                    <p:anim calcmode="lin" valueType="num">
-                                      <p:cBhvr>
-                                        <p:cTn id="14" dur="1000" fill="hold"/>
-                                        <p:tgtEl>
-                                          <p:spTgt spid="3">
-                                            <p:txEl>
-                                              <p:pRg st="2" end="2"/>
-                                            </p:txEl>
-                                          </p:spTgt>
-                                        </p:tgtEl>
-                                        <p:attrNameLst>
-                                          <p:attrName>ppt_y</p:attrName>
-                                        </p:attrNameLst>
-                                      </p:cBhvr>
-                                      <p:tavLst>
-                                        <p:tav tm="0">
-                                          <p:val>
-                                            <p:strVal val="#ppt_y+.1"/>
-                                          </p:val>
-                                        </p:tav>
-                                        <p:tav tm="100000">
-                                          <p:val>
-                                            <p:strVal val="#ppt_y"/>
-                                          </p:val>
-                                        </p:tav>
-                                      </p:tavLst>
-                                    </p:anim>
-                                  </p:childTnLst>
-                                </p:cTn>
-                              </p:par>
-                            </p:childTnLst>
-                          </p:cTn>
-                        </p:par>
-                      </p:childTnLst>
-                    </p:cTn>
-                  </p:par>
-                  <p:par>
-                    <p:cTn id="15" fill="hold">
-                      <p:stCondLst>
-                        <p:cond delay="indefinite"/>
-                      </p:stCondLst>
-                      <p:childTnLst>
-                        <p:par>
-                          <p:cTn id="16" fill="hold">
-                            <p:stCondLst>
-                              <p:cond delay="0"/>
-                            </p:stCondLst>
-                            <p:childTnLst>
-                              <p:par>
-                                <p:cTn id="17" presetID="42" presetClass="entr" presetSubtype="0" fill="hold" nodeType="clickEffect">
-                                  <p:stCondLst>
-                                    <p:cond delay="0"/>
-                                  </p:stCondLst>
-                                  <p:childTnLst>
-                                    <p:set>
-                                      <p:cBhvr>
-                                        <p:cTn id="18" dur="1" fill="hold">
-                                          <p:stCondLst>
-                                            <p:cond delay="0"/>
-                                          </p:stCondLst>
-                                        </p:cTn>
-                                        <p:tgtEl>
-                                          <p:spTgt spid="3">
-                                            <p:txEl>
-                                              <p:pRg st="1" end="1"/>
-                                            </p:txEl>
-                                          </p:spTgt>
-                                        </p:tgtEl>
-                                        <p:attrNameLst>
-                                          <p:attrName>style.visibility</p:attrName>
-                                        </p:attrNameLst>
-                                      </p:cBhvr>
-                                      <p:to>
-                                        <p:strVal val="visible"/>
-                                      </p:to>
-                                    </p:set>
-                                    <p:animEffect transition="in" filter="fade">
-                                      <p:cBhvr>
-                                        <p:cTn id="19" dur="1000"/>
-                                        <p:tgtEl>
-                                          <p:spTgt spid="3">
-                                            <p:txEl>
-                                              <p:pRg st="1" end="1"/>
-                                            </p:txEl>
-                                          </p:spTgt>
-                                        </p:tgtEl>
-                                      </p:cBhvr>
-                                    </p:animEffect>
-                                    <p:anim calcmode="lin" valueType="num">
-                                      <p:cBhvr>
-                                        <p:cTn id="20" dur="1000" fill="hold"/>
-                                        <p:tgtEl>
-                                          <p:spTgt spid="3">
-                                            <p:txEl>
-                                              <p:pRg st="1" end="1"/>
-                                            </p:txEl>
-                                          </p:spTgt>
-                                        </p:tgtEl>
-                                        <p:attrNameLst>
-                                          <p:attrName>ppt_x</p:attrName>
-                                        </p:attrNameLst>
-                                      </p:cBhvr>
-                                      <p:tavLst>
-                                        <p:tav tm="0">
-                                          <p:val>
-                                            <p:strVal val="#ppt_x"/>
-                                          </p:val>
-                                        </p:tav>
-                                        <p:tav tm="100000">
-                                          <p:val>
-                                            <p:strVal val="#ppt_x"/>
-                                          </p:val>
-                                        </p:tav>
-                                      </p:tavLst>
-                                    </p:anim>
-                                    <p:anim calcmode="lin" valueType="num">
-                                      <p:cBhvr>
-                                        <p:cTn id="21" dur="1000" fill="hold"/>
-                                        <p:tgtEl>
-                                          <p:spTgt spid="3">
-                                            <p:txEl>
-                                              <p:pRg st="1" end="1"/>
-                                            </p:txEl>
-                                          </p:spTgt>
-                                        </p:tgtEl>
-                                        <p:attrNameLst>
-                                          <p:attrName>ppt_y</p:attrName>
-                                        </p:attrNameLst>
-                                      </p:cBhvr>
-                                      <p:tavLst>
-                                        <p:tav tm="0">
-                                          <p:val>
-                                            <p:strVal val="#ppt_y+.1"/>
-                                          </p:val>
-                                        </p:tav>
-                                        <p:tav tm="100000">
-                                          <p:val>
-                                            <p:strVal val="#ppt_y"/>
-                                          </p:val>
-                                        </p:tav>
-                                      </p:tavLst>
-                                    </p:anim>
-                                  </p:childTnLst>
-                                </p:cTn>
-                              </p:par>
-                              <p:par>
-                                <p:cTn id="22" presetID="42" presetClass="entr" presetSubtype="0" fill="hold" nodeType="withEffect">
-                                  <p:stCondLst>
-                                    <p:cond delay="0"/>
-                                  </p:stCondLst>
-                                  <p:childTnLst>
-                                    <p:set>
-                                      <p:cBhvr>
-                                        <p:cTn id="23" dur="1" fill="hold">
-                                          <p:stCondLst>
-                                            <p:cond delay="0"/>
-                                          </p:stCondLst>
-                                        </p:cTn>
-                                        <p:tgtEl>
-                                          <p:spTgt spid="3">
-                                            <p:txEl>
-                                              <p:pRg st="3" end="3"/>
-                                            </p:txEl>
-                                          </p:spTgt>
-                                        </p:tgtEl>
-                                        <p:attrNameLst>
-                                          <p:attrName>style.visibility</p:attrName>
-                                        </p:attrNameLst>
-                                      </p:cBhvr>
-                                      <p:to>
-                                        <p:strVal val="visible"/>
-                                      </p:to>
-                                    </p:set>
-                                    <p:animEffect transition="in" filter="fade">
-                                      <p:cBhvr>
-                                        <p:cTn id="24" dur="1000"/>
-                                        <p:tgtEl>
-                                          <p:spTgt spid="3">
-                                            <p:txEl>
-                                              <p:pRg st="3" end="3"/>
-                                            </p:txEl>
-                                          </p:spTgt>
-                                        </p:tgtEl>
-                                      </p:cBhvr>
-                                    </p:animEffect>
-                                    <p:anim calcmode="lin" valueType="num">
-                                      <p:cBhvr>
-                                        <p:cTn id="25" dur="1000" fill="hold"/>
-                                        <p:tgtEl>
-                                          <p:spTgt spid="3">
-                                            <p:txEl>
-                                              <p:pRg st="3" end="3"/>
-                                            </p:txEl>
-                                          </p:spTgt>
-                                        </p:tgtEl>
-                                        <p:attrNameLst>
-                                          <p:attrName>ppt_x</p:attrName>
-                                        </p:attrNameLst>
-                                      </p:cBhvr>
-                                      <p:tavLst>
-                                        <p:tav tm="0">
-                                          <p:val>
-                                            <p:strVal val="#ppt_x"/>
-                                          </p:val>
-                                        </p:tav>
-                                        <p:tav tm="100000">
-                                          <p:val>
-                                            <p:strVal val="#ppt_x"/>
-                                          </p:val>
-                                        </p:tav>
-                                      </p:tavLst>
-                                    </p:anim>
-                                    <p:anim calcmode="lin" valueType="num">
-                                      <p:cBhvr>
-                                        <p:cTn id="26" dur="1000" fill="hold"/>
-                                        <p:tgtEl>
-                                          <p:spTgt spid="3">
-                                            <p:txEl>
-                                              <p:pRg st="3" end="3"/>
-                                            </p:txEl>
-                                          </p:spTgt>
-                                        </p:tgtEl>
-                                        <p:attrNameLst>
-                                          <p:attrName>ppt_y</p:attrName>
-                                        </p:attrNameLst>
-                                      </p:cBhvr>
-                                      <p:tavLst>
-                                        <p:tav tm="0">
-                                          <p:val>
-                                            <p:strVal val="#ppt_y+.1"/>
-                                          </p:val>
-                                        </p:tav>
-                                        <p:tav tm="100000">
-                                          <p:val>
-                                            <p:strVal val="#ppt_y"/>
-                                          </p:val>
-                                        </p:tav>
-                                      </p:tavLst>
-                                    </p:anim>
-                                  </p:childTnLst>
-                                </p:cTn>
-                              </p:par>
-                            </p:childTnLst>
-                          </p:cTn>
-                        </p:par>
-                      </p:childTnLst>
-                    </p:cTn>
-                  </p:par>
-                  <p:par>
-                    <p:cTn id="27" fill="hold">
-                      <p:stCondLst>
-                        <p:cond delay="indefinite"/>
-                      </p:stCondLst>
-                      <p:childTnLst>
-                        <p:par>
-                          <p:cTn id="28" fill="hold">
-                            <p:stCondLst>
-                              <p:cond delay="0"/>
-                            </p:stCondLst>
-                            <p:childTnLst>
-                              <p:par>
-                                <p:cTn id="29" presetID="42" presetClass="entr" presetSubtype="0" fill="hold" nodeType="clickEffect">
-                                  <p:stCondLst>
-                                    <p:cond delay="0"/>
-                                  </p:stCondLst>
-                                  <p:childTnLst>
-                                    <p:set>
-                                      <p:cBhvr>
-                                        <p:cTn id="30" dur="1" fill="hold">
-                                          <p:stCondLst>
-                                            <p:cond delay="0"/>
-                                          </p:stCondLst>
-                                        </p:cTn>
-                                        <p:tgtEl>
-                                          <p:spTgt spid="3">
-                                            <p:txEl>
-                                              <p:pRg st="4" end="4"/>
-                                            </p:txEl>
-                                          </p:spTgt>
-                                        </p:tgtEl>
-                                        <p:attrNameLst>
-                                          <p:attrName>style.visibility</p:attrName>
-                                        </p:attrNameLst>
-                                      </p:cBhvr>
-                                      <p:to>
-                                        <p:strVal val="visible"/>
-                                      </p:to>
-                                    </p:set>
-                                    <p:animEffect transition="in" filter="fade">
-                                      <p:cBhvr>
-                                        <p:cTn id="31" dur="1000"/>
-                                        <p:tgtEl>
-                                          <p:spTgt spid="3">
-                                            <p:txEl>
-                                              <p:pRg st="4" end="4"/>
-                                            </p:txEl>
-                                          </p:spTgt>
-                                        </p:tgtEl>
-                                      </p:cBhvr>
-                                    </p:animEffect>
-                                    <p:anim calcmode="lin" valueType="num">
-                                      <p:cBhvr>
-                                        <p:cTn id="32" dur="1000" fill="hold"/>
-                                        <p:tgtEl>
-                                          <p:spTgt spid="3">
-                                            <p:txEl>
-                                              <p:pRg st="4" end="4"/>
-                                            </p:txEl>
-                                          </p:spTgt>
-                                        </p:tgtEl>
-                                        <p:attrNameLst>
-                                          <p:attrName>ppt_x</p:attrName>
-                                        </p:attrNameLst>
-                                      </p:cBhvr>
-                                      <p:tavLst>
-                                        <p:tav tm="0">
-                                          <p:val>
-                                            <p:strVal val="#ppt_x"/>
-                                          </p:val>
-                                        </p:tav>
-                                        <p:tav tm="100000">
-                                          <p:val>
-                                            <p:strVal val="#ppt_x"/>
-                                          </p:val>
-                                        </p:tav>
-                                      </p:tavLst>
-                                    </p:anim>
-                                    <p:anim calcmode="lin" valueType="num">
-                                      <p:cBhvr>
-                                        <p:cTn id="33" dur="1000" fill="hold"/>
-                                        <p:tgtEl>
-                                          <p:spTgt spid="3">
-                                            <p:txEl>
-                                              <p:pRg st="4" end="4"/>
-                                            </p:txEl>
-                                          </p:spTgt>
-                                        </p:tgtEl>
-                                        <p:attrNameLst>
-                                          <p:attrName>ppt_y</p:attrName>
-                                        </p:attrNameLst>
-                                      </p:cBhvr>
-                                      <p:tavLst>
-                                        <p:tav tm="0">
-                                          <p:val>
-                                            <p:strVal val="#ppt_y+.1"/>
-                                          </p:val>
-                                        </p:tav>
-                                        <p:tav tm="100000">
-                                          <p:val>
-                                            <p:strVal val="#ppt_y"/>
-                                          </p:val>
-                                        </p:tav>
-                                      </p:tavLst>
-                                    </p:anim>
-                                  </p:childTnLst>
-                                </p:cTn>
-                              </p:par>
-                            </p:childTnLst>
-                          </p:cTn>
-                        </p:par>
-                      </p:childTnLst>
-                    </p:cTn>
-                  </p:par>
-                  <p:par>
-                    <p:cTn id="34" fill="hold">
-                      <p:stCondLst>
-                        <p:cond delay="indefinite"/>
-                      </p:stCondLst>
-                      <p:childTnLst>
-                        <p:par>
-                          <p:cTn id="35" fill="hold">
-                            <p:stCondLst>
-                              <p:cond delay="0"/>
-                            </p:stCondLst>
-                            <p:childTnLst>
-                              <p:par>
-                                <p:cTn id="36" presetID="42" presetClass="entr" presetSubtype="0" fill="hold" nodeType="clickEffect">
-                                  <p:stCondLst>
-                                    <p:cond delay="0"/>
-                                  </p:stCondLst>
-                                  <p:childTnLst>
-                                    <p:set>
-                                      <p:cBhvr>
-                                        <p:cTn id="37" dur="1" fill="hold">
-                                          <p:stCondLst>
-                                            <p:cond delay="0"/>
-                                          </p:stCondLst>
-                                        </p:cTn>
-                                        <p:tgtEl>
-                                          <p:spTgt spid="3">
-                                            <p:txEl>
-                                              <p:pRg st="5" end="5"/>
-                                            </p:txEl>
-                                          </p:spTgt>
-                                        </p:tgtEl>
-                                        <p:attrNameLst>
-                                          <p:attrName>style.visibility</p:attrName>
-                                        </p:attrNameLst>
-                                      </p:cBhvr>
-                                      <p:to>
-                                        <p:strVal val="visible"/>
-                                      </p:to>
-                                    </p:set>
-                                    <p:animEffect transition="in" filter="fade">
-                                      <p:cBhvr>
-                                        <p:cTn id="38" dur="1000"/>
-                                        <p:tgtEl>
-                                          <p:spTgt spid="3">
-                                            <p:txEl>
-                                              <p:pRg st="5" end="5"/>
-                                            </p:txEl>
-                                          </p:spTgt>
-                                        </p:tgtEl>
-                                      </p:cBhvr>
-                                    </p:animEffect>
-                                    <p:anim calcmode="lin" valueType="num">
-                                      <p:cBhvr>
-                                        <p:cTn id="39" dur="1000" fill="hold"/>
-                                        <p:tgtEl>
-                                          <p:spTgt spid="3">
-                                            <p:txEl>
-                                              <p:pRg st="5" end="5"/>
-                                            </p:txEl>
-                                          </p:spTgt>
-                                        </p:tgtEl>
-                                        <p:attrNameLst>
-                                          <p:attrName>ppt_x</p:attrName>
-                                        </p:attrNameLst>
-                                      </p:cBhvr>
-                                      <p:tavLst>
-                                        <p:tav tm="0">
-                                          <p:val>
-                                            <p:strVal val="#ppt_x"/>
-                                          </p:val>
-                                        </p:tav>
-                                        <p:tav tm="100000">
-                                          <p:val>
-                                            <p:strVal val="#ppt_x"/>
-                                          </p:val>
-                                        </p:tav>
-                                      </p:tavLst>
-                                    </p:anim>
-                                    <p:anim calcmode="lin" valueType="num">
-                                      <p:cBhvr>
-                                        <p:cTn id="40" dur="1000" fill="hold"/>
-                                        <p:tgtEl>
-                                          <p:spTgt spid="3">
-                                            <p:txEl>
-                                              <p:pRg st="5" end="5"/>
-                                            </p:txEl>
-                                          </p:spTgt>
-                                        </p:tgtEl>
-                                        <p:attrNameLst>
-                                          <p:attrName>ppt_y</p:attrName>
-                                        </p:attrNameLst>
-                                      </p:cBhvr>
-                                      <p:tavLst>
-                                        <p:tav tm="0">
-                                          <p:val>
-                                            <p:strVal val="#ppt_y+.1"/>
-                                          </p:val>
-                                        </p:tav>
-                                        <p:tav tm="100000">
-                                          <p:val>
-                                            <p:strVal val="#ppt_y"/>
-                                          </p:val>
-                                        </p:tav>
-                                      </p:tavLst>
-                                    </p:anim>
-                                  </p:childTnLst>
-                                </p:cTn>
-                              </p:par>
-                            </p:childTnLst>
-                          </p:cTn>
-                        </p:par>
-                      </p:childTnLst>
-                    </p:cTn>
-                  </p:par>
-                  <p:par>
-                    <p:cTn id="41" fill="hold">
-                      <p:stCondLst>
-                        <p:cond delay="indefinite"/>
-                      </p:stCondLst>
-                      <p:childTnLst>
-                        <p:par>
-                          <p:cTn id="42" fill="hold">
-                            <p:stCondLst>
-                              <p:cond delay="0"/>
-                            </p:stCondLst>
-                            <p:childTnLst>
-                              <p:par>
-                                <p:cTn id="43" presetID="42" presetClass="entr" presetSubtype="0" fill="hold" nodeType="clickEffect">
-                                  <p:stCondLst>
-                                    <p:cond delay="0"/>
-                                  </p:stCondLst>
-                                  <p:childTnLst>
-                                    <p:set>
-                                      <p:cBhvr>
-                                        <p:cTn id="44" dur="1" fill="hold">
-                                          <p:stCondLst>
-                                            <p:cond delay="0"/>
-                                          </p:stCondLst>
-                                        </p:cTn>
-                                        <p:tgtEl>
-                                          <p:spTgt spid="3">
-                                            <p:txEl>
-                                              <p:pRg st="6" end="6"/>
-                                            </p:txEl>
-                                          </p:spTgt>
-                                        </p:tgtEl>
-                                        <p:attrNameLst>
-                                          <p:attrName>style.visibility</p:attrName>
-                                        </p:attrNameLst>
-                                      </p:cBhvr>
-                                      <p:to>
-                                        <p:strVal val="visible"/>
-                                      </p:to>
-                                    </p:set>
-                                    <p:animEffect transition="in" filter="fade">
-                                      <p:cBhvr>
-                                        <p:cTn id="45" dur="1000"/>
-                                        <p:tgtEl>
-                                          <p:spTgt spid="3">
-                                            <p:txEl>
-                                              <p:pRg st="6" end="6"/>
-                                            </p:txEl>
-                                          </p:spTgt>
-                                        </p:tgtEl>
-                                      </p:cBhvr>
-                                    </p:animEffect>
-                                    <p:anim calcmode="lin" valueType="num">
-                                      <p:cBhvr>
-                                        <p:cTn id="46" dur="1000" fill="hold"/>
-                                        <p:tgtEl>
-                                          <p:spTgt spid="3">
-                                            <p:txEl>
-                                              <p:pRg st="6" end="6"/>
-                                            </p:txEl>
-                                          </p:spTgt>
-                                        </p:tgtEl>
-                                        <p:attrNameLst>
-                                          <p:attrName>ppt_x</p:attrName>
-                                        </p:attrNameLst>
-                                      </p:cBhvr>
-                                      <p:tavLst>
-                                        <p:tav tm="0">
-                                          <p:val>
-                                            <p:strVal val="#ppt_x"/>
-                                          </p:val>
-                                        </p:tav>
-                                        <p:tav tm="100000">
-                                          <p:val>
-                                            <p:strVal val="#ppt_x"/>
-                                          </p:val>
-                                        </p:tav>
-                                      </p:tavLst>
-                                    </p:anim>
-                                    <p:anim calcmode="lin" valueType="num">
-                                      <p:cBhvr>
-                                        <p:cTn id="47" dur="1000" fill="hold"/>
-                                        <p:tgtEl>
-                                          <p:spTgt spid="3">
-                                            <p:txEl>
-                                              <p:pRg st="6" end="6"/>
-                                            </p:txEl>
-                                          </p:spTgt>
-                                        </p:tgtEl>
-                                        <p:attrNameLst>
-                                          <p:attrName>ppt_y</p:attrName>
-                                        </p:attrNameLst>
-                                      </p:cBhvr>
-                                      <p:tavLst>
-                                        <p:tav tm="0">
-                                          <p:val>
-                                            <p:strVal val="#ppt_y+.1"/>
-                                          </p:val>
-                                        </p:tav>
-                                        <p:tav tm="100000">
-                                          <p:val>
-                                            <p:strVal val="#ppt_y"/>
-                                          </p:val>
-                                        </p:tav>
-                                      </p:tavLst>
-                                    </p:anim>
-                                  </p:childTnLst>
-                                </p:cTn>
-                              </p:par>
-                            </p:childTnLst>
-                          </p:cTn>
-                        </p:par>
-                      </p:childTnLst>
-                    </p:cTn>
-                  </p:par>
-                  <p:par>
-                    <p:cTn id="48" fill="hold">
-                      <p:stCondLst>
-                        <p:cond delay="indefinite"/>
-                      </p:stCondLst>
-                      <p:childTnLst>
-                        <p:par>
-                          <p:cTn id="49" fill="hold">
-                            <p:stCondLst>
-                              <p:cond delay="0"/>
-                            </p:stCondLst>
-                            <p:childTnLst>
-                              <p:par>
-                                <p:cTn id="50" presetID="42" presetClass="entr" presetSubtype="0" fill="hold" nodeType="clickEffect">
-                                  <p:stCondLst>
-                                    <p:cond delay="0"/>
-                                  </p:stCondLst>
-                                  <p:childTnLst>
-                                    <p:set>
-                                      <p:cBhvr>
-                                        <p:cTn id="51" dur="1" fill="hold">
-                                          <p:stCondLst>
-                                            <p:cond delay="0"/>
-                                          </p:stCondLst>
-                                        </p:cTn>
-                                        <p:tgtEl>
-                                          <p:spTgt spid="3">
-                                            <p:txEl>
-                                              <p:pRg st="7" end="7"/>
-                                            </p:txEl>
-                                          </p:spTgt>
-                                        </p:tgtEl>
-                                        <p:attrNameLst>
-                                          <p:attrName>style.visibility</p:attrName>
-                                        </p:attrNameLst>
-                                      </p:cBhvr>
-                                      <p:to>
-                                        <p:strVal val="visible"/>
-                                      </p:to>
-                                    </p:set>
-                                    <p:animEffect transition="in" filter="fade">
-                                      <p:cBhvr>
-                                        <p:cTn id="52" dur="1000"/>
-                                        <p:tgtEl>
-                                          <p:spTgt spid="3">
-                                            <p:txEl>
-                                              <p:pRg st="7" end="7"/>
-                                            </p:txEl>
-                                          </p:spTgt>
-                                        </p:tgtEl>
-                                      </p:cBhvr>
-                                    </p:animEffect>
-                                    <p:anim calcmode="lin" valueType="num">
-                                      <p:cBhvr>
-                                        <p:cTn id="53" dur="1000" fill="hold"/>
-                                        <p:tgtEl>
-                                          <p:spTgt spid="3">
-                                            <p:txEl>
-                                              <p:pRg st="7" end="7"/>
-                                            </p:txEl>
-                                          </p:spTgt>
-                                        </p:tgtEl>
-                                        <p:attrNameLst>
-                                          <p:attrName>ppt_x</p:attrName>
-                                        </p:attrNameLst>
-                                      </p:cBhvr>
-                                      <p:tavLst>
-                                        <p:tav tm="0">
-                                          <p:val>
-                                            <p:strVal val="#ppt_x"/>
-                                          </p:val>
-                                        </p:tav>
-                                        <p:tav tm="100000">
-                                          <p:val>
-                                            <p:strVal val="#ppt_x"/>
-                                          </p:val>
-                                        </p:tav>
-                                      </p:tavLst>
-                                    </p:anim>
-                                    <p:anim calcmode="lin" valueType="num">
-                                      <p:cBhvr>
-                                        <p:cTn id="54" dur="1000" fill="hold"/>
-                                        <p:tgtEl>
-                                          <p:spTgt spid="3">
-                                            <p:txEl>
-                                              <p:pRg st="7" end="7"/>
-                                            </p:txEl>
-                                          </p:spTgt>
-                                        </p:tgtEl>
-                                        <p:attrNameLst>
-                                          <p:attrName>ppt_y</p:attrName>
-                                        </p:attrNameLst>
-                                      </p:cBhvr>
-                                      <p:tavLst>
-                                        <p:tav tm="0">
-                                          <p:val>
-                                            <p:strVal val="#ppt_y+.1"/>
-                                          </p:val>
-                                        </p:tav>
-                                        <p:tav tm="100000">
-                                          <p:val>
-                                            <p:strVal val="#ppt_y"/>
-                                          </p:val>
-                                        </p:tav>
-                                      </p:tavLst>
-                                    </p:anim>
-                                  </p:childTnLst>
-                                </p:cTn>
-                              </p:par>
-                            </p:childTnLst>
-                          </p:cTn>
-                        </p:par>
-                      </p:childTnLst>
-                    </p:cTn>
-                  </p:par>
-                </p:childTnLst>
-              </p:cTn>
-              <p:prevCondLst>
-                <p:cond evt="onPrev" delay="0">
-                  <p:tgtEl>
-                    <p:sldTgt/>
-                  </p:tgtEl>
-                </p:cond>
-              </p:prevCondLst>
-              <p:nextCondLst>
-                <p:cond evt="onNext" delay="0">
-                  <p:tgtEl>
-                    <p:sldTgt/>
-                  </p:tgtEl>
-                </p:cond>
-              </p:nextCondLst>
-            </p:seq>
-          </p:childTnLst>
-        </p:cTn>
-      </p:par>
-    </p:tnLst>
-  </p:timing>
-</p:sld>
-</file>
-
-<file path=ppt/slides/slide7.xml><?xml version="1.0" encoding="utf-8"?>
-<p:sld xmlns:a="http://schemas.openxmlformats.org/drawingml/2006/main" xmlns:r="http://schemas.openxmlformats.org/officeDocument/2006/relationships" xmlns:p="http://schemas.openxmlformats.org/presentationml/2006/main">
-  <p:cSld>
-    <p:spTree>
-      <p:nvGrpSpPr>
-        <p:cNvPr id="1" name=""/>
-        <p:cNvGrpSpPr/>
-        <p:nvPr/>
-      </p:nvGrpSpPr>
-      <p:grpSpPr>
-        <a:xfrm>
-          <a:off x="0" y="0"/>
-          <a:ext cx="0" cy="0"/>
-          <a:chOff x="0" y="0"/>
-          <a:chExt cx="0" cy="0"/>
-        </a:xfrm>
-      </p:grpSpPr>
-      <p:sp>
-        <p:nvSpPr>
-          <p:cNvPr id="2" name="Title 1"/>
-          <p:cNvSpPr>
-            <a:spLocks noGrp="1"/>
-          </p:cNvSpPr>
-          <p:nvPr>
-            <p:ph type="title"/>
-          </p:nvPr>
-        </p:nvSpPr>
-        <p:spPr/>
-        <p:txBody>
-          <a:bodyPr/>
-          <a:lstStyle/>
-          <a:p>
-            <a:r>
-              <a:rPr lang="en-US" dirty="0" smtClean="0"/>
-              <a:t>What about performance</a:t>
-            </a:r>
-            <a:endParaRPr lang="en-US" dirty="0"/>
-          </a:p>
-        </p:txBody>
-      </p:sp>
-      <p:sp>
-        <p:nvSpPr>
-          <p:cNvPr id="3" name="Content Placeholder 2"/>
-          <p:cNvSpPr>
-            <a:spLocks noGrp="1"/>
-          </p:cNvSpPr>
-          <p:nvPr>
-            <p:ph idx="1"/>
-          </p:nvPr>
-        </p:nvSpPr>
-        <p:spPr/>
-        <p:txBody>
-          <a:bodyPr/>
-          <a:lstStyle/>
-          <a:p>
-            <a:r>
-              <a:rPr lang="en-US" dirty="0" err="1" smtClean="0"/>
-              <a:t>AngularJs</a:t>
-            </a:r>
-            <a:r>
-              <a:rPr lang="en-US" dirty="0" smtClean="0"/>
-              <a:t> 1</a:t>
-            </a:r>
-          </a:p>
-          <a:p>
-            <a:pPr lvl="1"/>
-            <a:r>
-              <a:rPr lang="en-US" dirty="0" smtClean="0"/>
-              <a:t> Dirty checking on POJSO</a:t>
-            </a:r>
-          </a:p>
-          <a:p>
-            <a:r>
-              <a:rPr lang="en-US" dirty="0" err="1" smtClean="0"/>
-              <a:t>EmberJs</a:t>
-            </a:r>
-            <a:r>
-              <a:rPr lang="en-US" dirty="0" smtClean="0"/>
-              <a:t> &amp; </a:t>
-            </a:r>
-            <a:r>
-              <a:rPr lang="en-US" dirty="0" err="1" smtClean="0"/>
-              <a:t>BackboneJs</a:t>
-            </a:r>
-            <a:endParaRPr lang="en-US" dirty="0"/>
-          </a:p>
-          <a:p>
-            <a:pPr lvl="1"/>
-            <a:r>
-              <a:rPr lang="en-US" dirty="0" err="1" smtClean="0"/>
-              <a:t>Accessors</a:t>
-            </a:r>
-            <a:r>
-              <a:rPr lang="en-US" dirty="0" smtClean="0"/>
-              <a:t> (getter and setter) on wrapped objects.</a:t>
-            </a:r>
-          </a:p>
-          <a:p>
-            <a:r>
-              <a:rPr lang="en-US" dirty="0" err="1" smtClean="0"/>
-              <a:t>KnockoutJs</a:t>
-            </a:r>
-            <a:endParaRPr lang="en-US" dirty="0" smtClean="0"/>
-          </a:p>
-          <a:p>
-            <a:pPr lvl="1"/>
-            <a:r>
-              <a:rPr lang="en-US" dirty="0" smtClean="0"/>
-              <a:t>MVVM Observable pattern.</a:t>
-            </a:r>
-            <a:endParaRPr lang="en-US" dirty="0" smtClean="0"/>
-          </a:p>
-          <a:p>
-            <a:endParaRPr lang="en-US" dirty="0"/>
-          </a:p>
-        </p:txBody>
-      </p:sp>
-    </p:spTree>
-    <p:extLst>
-      <p:ext uri="{BB962C8B-B14F-4D97-AF65-F5344CB8AC3E}">
-        <p14:creationId xmlns:p14="http://schemas.microsoft.com/office/powerpoint/2010/main" val="3343677382"/>
-      </p:ext>
-    </p:extLst>
-  </p:cSld>
-  <p:clrMapOvr>
-    <a:masterClrMapping/>
-  </p:clrMapOvr>
-  <p:timing>
-    <p:tnLst>
-      <p:par>
-        <p:cTn id="1" dur="indefinite" restart="never" nodeType="tmRoot">
-          <p:childTnLst>
-            <p:seq concurrent="1" nextAc="seek">
-              <p:cTn id="2" dur="indefinite" nodeType="mainSeq">
-                <p:childTnLst>
-                  <p:par>
-                    <p:cTn id="3" fill="hold">
-                      <p:stCondLst>
-                        <p:cond delay="indefinite"/>
-                      </p:stCondLst>
-                      <p:childTnLst>
-                        <p:par>
-                          <p:cTn id="4" fill="hold">
-                            <p:stCondLst>
-                              <p:cond delay="0"/>
-                            </p:stCondLst>
-                            <p:childTnLst>
-                              <p:par>
-                                <p:cTn id="5" presetID="42" presetClass="entr" presetSubtype="0" fill="hold" nodeType="clickEffect">
-                                  <p:stCondLst>
-                                    <p:cond delay="0"/>
-                                  </p:stCondLst>
-                                  <p:childTnLst>
-                                    <p:set>
-                                      <p:cBhvr>
-                                        <p:cTn id="6" dur="1" fill="hold">
-                                          <p:stCondLst>
-                                            <p:cond delay="0"/>
-                                          </p:stCondLst>
-                                        </p:cTn>
-                                        <p:tgtEl>
-                                          <p:spTgt spid="3">
-                                            <p:txEl>
-                                              <p:pRg st="0" end="0"/>
-                                            </p:txEl>
-                                          </p:spTgt>
-                                        </p:tgtEl>
-                                        <p:attrNameLst>
-                                          <p:attrName>style.visibility</p:attrName>
-                                        </p:attrNameLst>
-                                      </p:cBhvr>
-                                      <p:to>
-                                        <p:strVal val="visible"/>
-                                      </p:to>
-                                    </p:set>
-                                    <p:animEffect transition="in" filter="fade">
-                                      <p:cBhvr>
-                                        <p:cTn id="7" dur="1000"/>
-                                        <p:tgtEl>
-                                          <p:spTgt spid="3">
-                                            <p:txEl>
-                                              <p:pRg st="0" end="0"/>
-                                            </p:txEl>
-                                          </p:spTgt>
-                                        </p:tgtEl>
-                                      </p:cBhvr>
-                                    </p:animEffect>
-                                    <p:anim calcmode="lin" valueType="num">
-                                      <p:cBhvr>
-                                        <p:cTn id="8" dur="1000" fill="hold"/>
-                                        <p:tgtEl>
-                                          <p:spTgt spid="3">
-                                            <p:txEl>
-                                              <p:pRg st="0" end="0"/>
-                                            </p:txEl>
-                                          </p:spTgt>
-                                        </p:tgtEl>
-                                        <p:attrNameLst>
-                                          <p:attrName>ppt_x</p:attrName>
-                                        </p:attrNameLst>
-                                      </p:cBhvr>
-                                      <p:tavLst>
-                                        <p:tav tm="0">
-                                          <p:val>
-                                            <p:strVal val="#ppt_x"/>
-                                          </p:val>
-                                        </p:tav>
-                                        <p:tav tm="100000">
-                                          <p:val>
-                                            <p:strVal val="#ppt_x"/>
-                                          </p:val>
-                                        </p:tav>
-                                      </p:tavLst>
-                                    </p:anim>
-                                    <p:anim calcmode="lin" valueType="num">
-                                      <p:cBhvr>
-                                        <p:cTn id="9" dur="1000" fill="hold"/>
-                                        <p:tgtEl>
-                                          <p:spTgt spid="3">
-                                            <p:txEl>
-                                              <p:pRg st="0" end="0"/>
-                                            </p:txEl>
-                                          </p:spTgt>
-                                        </p:tgtEl>
-                                        <p:attrNameLst>
-                                          <p:attrName>ppt_y</p:attrName>
-                                        </p:attrNameLst>
-                                      </p:cBhvr>
-                                      <p:tavLst>
-                                        <p:tav tm="0">
-                                          <p:val>
-                                            <p:strVal val="#ppt_y+.1"/>
-                                          </p:val>
-                                        </p:tav>
-                                        <p:tav tm="100000">
-                                          <p:val>
-                                            <p:strVal val="#ppt_y"/>
-                                          </p:val>
-                                        </p:tav>
-                                      </p:tavLst>
-                                    </p:anim>
-                                  </p:childTnLst>
-                                </p:cTn>
-                              </p:par>
-                              <p:par>
-                                <p:cTn id="10" presetID="42" presetClass="entr" presetSubtype="0" fill="hold" nodeType="withEffect">
-                                  <p:stCondLst>
-                                    <p:cond delay="0"/>
-                                  </p:stCondLst>
-                                  <p:childTnLst>
-                                    <p:set>
-                                      <p:cBhvr>
-                                        <p:cTn id="11" dur="1" fill="hold">
-                                          <p:stCondLst>
-                                            <p:cond delay="0"/>
-                                          </p:stCondLst>
-                                        </p:cTn>
-                                        <p:tgtEl>
-                                          <p:spTgt spid="3">
-                                            <p:txEl>
-                                              <p:pRg st="1" end="1"/>
-                                            </p:txEl>
-                                          </p:spTgt>
-                                        </p:tgtEl>
-                                        <p:attrNameLst>
-                                          <p:attrName>style.visibility</p:attrName>
-                                        </p:attrNameLst>
-                                      </p:cBhvr>
-                                      <p:to>
-                                        <p:strVal val="visible"/>
-                                      </p:to>
-                                    </p:set>
-                                    <p:animEffect transition="in" filter="fade">
-                                      <p:cBhvr>
-                                        <p:cTn id="12" dur="1000"/>
-                                        <p:tgtEl>
-                                          <p:spTgt spid="3">
-                                            <p:txEl>
-                                              <p:pRg st="1" end="1"/>
-                                            </p:txEl>
-                                          </p:spTgt>
-                                        </p:tgtEl>
-                                      </p:cBhvr>
-                                    </p:animEffect>
-                                    <p:anim calcmode="lin" valueType="num">
-                                      <p:cBhvr>
-                                        <p:cTn id="13" dur="1000" fill="hold"/>
-                                        <p:tgtEl>
-                                          <p:spTgt spid="3">
-                                            <p:txEl>
-                                              <p:pRg st="1" end="1"/>
-                                            </p:txEl>
-                                          </p:spTgt>
-                                        </p:tgtEl>
-                                        <p:attrNameLst>
-                                          <p:attrName>ppt_x</p:attrName>
-                                        </p:attrNameLst>
-                                      </p:cBhvr>
-                                      <p:tavLst>
-                                        <p:tav tm="0">
-                                          <p:val>
-                                            <p:strVal val="#ppt_x"/>
-                                          </p:val>
-                                        </p:tav>
-                                        <p:tav tm="100000">
-                                          <p:val>
-                                            <p:strVal val="#ppt_x"/>
-                                          </p:val>
-                                        </p:tav>
-                                      </p:tavLst>
-                                    </p:anim>
-                                    <p:anim calcmode="lin" valueType="num">
-                                      <p:cBhvr>
-                                        <p:cTn id="14" dur="1000" fill="hold"/>
-                                        <p:tgtEl>
-                                          <p:spTgt spid="3">
-                                            <p:txEl>
-                                              <p:pRg st="1" end="1"/>
-                                            </p:txEl>
-                                          </p:spTgt>
-                                        </p:tgtEl>
-                                        <p:attrNameLst>
-                                          <p:attrName>ppt_y</p:attrName>
-                                        </p:attrNameLst>
-                                      </p:cBhvr>
-                                      <p:tavLst>
-                                        <p:tav tm="0">
-                                          <p:val>
-                                            <p:strVal val="#ppt_y+.1"/>
-                                          </p:val>
-                                        </p:tav>
-                                        <p:tav tm="100000">
-                                          <p:val>
-                                            <p:strVal val="#ppt_y"/>
-                                          </p:val>
-                                        </p:tav>
-                                      </p:tavLst>
-                                    </p:anim>
-                                  </p:childTnLst>
-                                </p:cTn>
-                              </p:par>
-                              <p:par>
-                                <p:cTn id="15" presetID="42" presetClass="entr" presetSubtype="0" fill="hold" nodeType="withEffect">
-                                  <p:stCondLst>
-                                    <p:cond delay="0"/>
-                                  </p:stCondLst>
-                                  <p:childTnLst>
-                                    <p:set>
-                                      <p:cBhvr>
-                                        <p:cTn id="16" dur="1" fill="hold">
-                                          <p:stCondLst>
-                                            <p:cond delay="0"/>
-                                          </p:stCondLst>
-                                        </p:cTn>
-                                        <p:tgtEl>
-                                          <p:spTgt spid="3">
-                                            <p:txEl>
-                                              <p:pRg st="2" end="2"/>
-                                            </p:txEl>
-                                          </p:spTgt>
-                                        </p:tgtEl>
-                                        <p:attrNameLst>
-                                          <p:attrName>style.visibility</p:attrName>
-                                        </p:attrNameLst>
-                                      </p:cBhvr>
-                                      <p:to>
-                                        <p:strVal val="visible"/>
-                                      </p:to>
-                                    </p:set>
-                                    <p:animEffect transition="in" filter="fade">
-                                      <p:cBhvr>
-                                        <p:cTn id="17" dur="1000"/>
-                                        <p:tgtEl>
-                                          <p:spTgt spid="3">
-                                            <p:txEl>
-                                              <p:pRg st="2" end="2"/>
-                                            </p:txEl>
-                                          </p:spTgt>
-                                        </p:tgtEl>
-                                      </p:cBhvr>
-                                    </p:animEffect>
-                                    <p:anim calcmode="lin" valueType="num">
-                                      <p:cBhvr>
-                                        <p:cTn id="18" dur="1000" fill="hold"/>
-                                        <p:tgtEl>
-                                          <p:spTgt spid="3">
-                                            <p:txEl>
-                                              <p:pRg st="2" end="2"/>
-                                            </p:txEl>
-                                          </p:spTgt>
-                                        </p:tgtEl>
-                                        <p:attrNameLst>
-                                          <p:attrName>ppt_x</p:attrName>
-                                        </p:attrNameLst>
-                                      </p:cBhvr>
-                                      <p:tavLst>
-                                        <p:tav tm="0">
-                                          <p:val>
-                                            <p:strVal val="#ppt_x"/>
-                                          </p:val>
-                                        </p:tav>
-                                        <p:tav tm="100000">
-                                          <p:val>
-                                            <p:strVal val="#ppt_x"/>
-                                          </p:val>
-                                        </p:tav>
-                                      </p:tavLst>
-                                    </p:anim>
-                                    <p:anim calcmode="lin" valueType="num">
-                                      <p:cBhvr>
-                                        <p:cTn id="19" dur="1000" fill="hold"/>
-                                        <p:tgtEl>
-                                          <p:spTgt spid="3">
-                                            <p:txEl>
-                                              <p:pRg st="2" end="2"/>
-                                            </p:txEl>
-                                          </p:spTgt>
-                                        </p:tgtEl>
-                                        <p:attrNameLst>
-                                          <p:attrName>ppt_y</p:attrName>
-                                        </p:attrNameLst>
-                                      </p:cBhvr>
-                                      <p:tavLst>
-                                        <p:tav tm="0">
-                                          <p:val>
-                                            <p:strVal val="#ppt_y+.1"/>
-                                          </p:val>
-                                        </p:tav>
-                                        <p:tav tm="100000">
-                                          <p:val>
-                                            <p:strVal val="#ppt_y"/>
-                                          </p:val>
-                                        </p:tav>
-                                      </p:tavLst>
-                                    </p:anim>
-                                  </p:childTnLst>
-                                </p:cTn>
-                              </p:par>
-                              <p:par>
-                                <p:cTn id="20" presetID="42" presetClass="entr" presetSubtype="0" fill="hold" nodeType="withEffect">
-                                  <p:stCondLst>
-                                    <p:cond delay="0"/>
-                                  </p:stCondLst>
-                                  <p:childTnLst>
-                                    <p:set>
-                                      <p:cBhvr>
-                                        <p:cTn id="21" dur="1" fill="hold">
-                                          <p:stCondLst>
-                                            <p:cond delay="0"/>
-                                          </p:stCondLst>
-                                        </p:cTn>
-                                        <p:tgtEl>
-                                          <p:spTgt spid="3">
-                                            <p:txEl>
-                                              <p:pRg st="3" end="3"/>
-                                            </p:txEl>
-                                          </p:spTgt>
-                                        </p:tgtEl>
-                                        <p:attrNameLst>
-                                          <p:attrName>style.visibility</p:attrName>
-                                        </p:attrNameLst>
-                                      </p:cBhvr>
-                                      <p:to>
-                                        <p:strVal val="visible"/>
-                                      </p:to>
-                                    </p:set>
-                                    <p:animEffect transition="in" filter="fade">
-                                      <p:cBhvr>
-                                        <p:cTn id="22" dur="1000"/>
-                                        <p:tgtEl>
-                                          <p:spTgt spid="3">
-                                            <p:txEl>
-                                              <p:pRg st="3" end="3"/>
-                                            </p:txEl>
-                                          </p:spTgt>
-                                        </p:tgtEl>
-                                      </p:cBhvr>
-                                    </p:animEffect>
-                                    <p:anim calcmode="lin" valueType="num">
-                                      <p:cBhvr>
-                                        <p:cTn id="23" dur="1000" fill="hold"/>
-                                        <p:tgtEl>
-                                          <p:spTgt spid="3">
-                                            <p:txEl>
-                                              <p:pRg st="3" end="3"/>
-                                            </p:txEl>
-                                          </p:spTgt>
-                                        </p:tgtEl>
-                                        <p:attrNameLst>
-                                          <p:attrName>ppt_x</p:attrName>
-                                        </p:attrNameLst>
-                                      </p:cBhvr>
-                                      <p:tavLst>
-                                        <p:tav tm="0">
-                                          <p:val>
-                                            <p:strVal val="#ppt_x"/>
-                                          </p:val>
-                                        </p:tav>
-                                        <p:tav tm="100000">
-                                          <p:val>
-                                            <p:strVal val="#ppt_x"/>
-                                          </p:val>
-                                        </p:tav>
-                                      </p:tavLst>
-                                    </p:anim>
-                                    <p:anim calcmode="lin" valueType="num">
-                                      <p:cBhvr>
-                                        <p:cTn id="24" dur="1000" fill="hold"/>
-                                        <p:tgtEl>
-                                          <p:spTgt spid="3">
-                                            <p:txEl>
-                                              <p:pRg st="3" end="3"/>
-                                            </p:txEl>
-                                          </p:spTgt>
-                                        </p:tgtEl>
-                                        <p:attrNameLst>
-                                          <p:attrName>ppt_y</p:attrName>
-                                        </p:attrNameLst>
-                                      </p:cBhvr>
-                                      <p:tavLst>
-                                        <p:tav tm="0">
-                                          <p:val>
-                                            <p:strVal val="#ppt_y+.1"/>
-                                          </p:val>
-                                        </p:tav>
-                                        <p:tav tm="100000">
-                                          <p:val>
-                                            <p:strVal val="#ppt_y"/>
-                                          </p:val>
-                                        </p:tav>
-                                      </p:tavLst>
-                                    </p:anim>
-                                  </p:childTnLst>
-                                </p:cTn>
-                              </p:par>
-                              <p:par>
-                                <p:cTn id="25" presetID="42" presetClass="entr" presetSubtype="0" fill="hold" nodeType="withEffect">
-                                  <p:stCondLst>
-                                    <p:cond delay="0"/>
-                                  </p:stCondLst>
-                                  <p:childTnLst>
-                                    <p:set>
-                                      <p:cBhvr>
-                                        <p:cTn id="26" dur="1" fill="hold">
-                                          <p:stCondLst>
-                                            <p:cond delay="0"/>
-                                          </p:stCondLst>
-                                        </p:cTn>
-                                        <p:tgtEl>
-                                          <p:spTgt spid="3">
-                                            <p:txEl>
-                                              <p:pRg st="4" end="4"/>
-                                            </p:txEl>
-                                          </p:spTgt>
-                                        </p:tgtEl>
-                                        <p:attrNameLst>
-                                          <p:attrName>style.visibility</p:attrName>
-                                        </p:attrNameLst>
-                                      </p:cBhvr>
-                                      <p:to>
-                                        <p:strVal val="visible"/>
-                                      </p:to>
-                                    </p:set>
-                                    <p:animEffect transition="in" filter="fade">
-                                      <p:cBhvr>
-                                        <p:cTn id="27" dur="1000"/>
-                                        <p:tgtEl>
-                                          <p:spTgt spid="3">
-                                            <p:txEl>
-                                              <p:pRg st="4" end="4"/>
-                                            </p:txEl>
-                                          </p:spTgt>
-                                        </p:tgtEl>
-                                      </p:cBhvr>
-                                    </p:animEffect>
-                                    <p:anim calcmode="lin" valueType="num">
-                                      <p:cBhvr>
-                                        <p:cTn id="28" dur="1000" fill="hold"/>
-                                        <p:tgtEl>
-                                          <p:spTgt spid="3">
-                                            <p:txEl>
-                                              <p:pRg st="4" end="4"/>
-                                            </p:txEl>
-                                          </p:spTgt>
-                                        </p:tgtEl>
-                                        <p:attrNameLst>
-                                          <p:attrName>ppt_x</p:attrName>
-                                        </p:attrNameLst>
-                                      </p:cBhvr>
-                                      <p:tavLst>
-                                        <p:tav tm="0">
-                                          <p:val>
-                                            <p:strVal val="#ppt_x"/>
-                                          </p:val>
-                                        </p:tav>
-                                        <p:tav tm="100000">
-                                          <p:val>
-                                            <p:strVal val="#ppt_x"/>
-                                          </p:val>
-                                        </p:tav>
-                                      </p:tavLst>
-                                    </p:anim>
-                                    <p:anim calcmode="lin" valueType="num">
-                                      <p:cBhvr>
-                                        <p:cTn id="29" dur="1000" fill="hold"/>
-                                        <p:tgtEl>
-                                          <p:spTgt spid="3">
-                                            <p:txEl>
-                                              <p:pRg st="4" end="4"/>
-                                            </p:txEl>
-                                          </p:spTgt>
-                                        </p:tgtEl>
-                                        <p:attrNameLst>
-                                          <p:attrName>ppt_y</p:attrName>
-                                        </p:attrNameLst>
-                                      </p:cBhvr>
-                                      <p:tavLst>
-                                        <p:tav tm="0">
-                                          <p:val>
-                                            <p:strVal val="#ppt_y+.1"/>
-                                          </p:val>
-                                        </p:tav>
-                                        <p:tav tm="100000">
-                                          <p:val>
-                                            <p:strVal val="#ppt_y"/>
-                                          </p:val>
-                                        </p:tav>
-                                      </p:tavLst>
-                                    </p:anim>
-                                  </p:childTnLst>
-                                </p:cTn>
-                              </p:par>
-                              <p:par>
-                                <p:cTn id="30" presetID="42" presetClass="entr" presetSubtype="0" fill="hold" nodeType="withEffect">
-                                  <p:stCondLst>
-                                    <p:cond delay="0"/>
-                                  </p:stCondLst>
-                                  <p:childTnLst>
-                                    <p:set>
-                                      <p:cBhvr>
-                                        <p:cTn id="31" dur="1" fill="hold">
-                                          <p:stCondLst>
-                                            <p:cond delay="0"/>
-                                          </p:stCondLst>
-                                        </p:cTn>
-                                        <p:tgtEl>
-                                          <p:spTgt spid="3">
-                                            <p:txEl>
-                                              <p:pRg st="5" end="5"/>
-                                            </p:txEl>
-                                          </p:spTgt>
-                                        </p:tgtEl>
-                                        <p:attrNameLst>
-                                          <p:attrName>style.visibility</p:attrName>
-                                        </p:attrNameLst>
-                                      </p:cBhvr>
-                                      <p:to>
-                                        <p:strVal val="visible"/>
-                                      </p:to>
-                                    </p:set>
-                                    <p:animEffect transition="in" filter="fade">
-                                      <p:cBhvr>
-                                        <p:cTn id="32" dur="1000"/>
-                                        <p:tgtEl>
-                                          <p:spTgt spid="3">
-                                            <p:txEl>
-                                              <p:pRg st="5" end="5"/>
-                                            </p:txEl>
-                                          </p:spTgt>
-                                        </p:tgtEl>
-                                      </p:cBhvr>
-                                    </p:animEffect>
-                                    <p:anim calcmode="lin" valueType="num">
-                                      <p:cBhvr>
-                                        <p:cTn id="33" dur="1000" fill="hold"/>
-                                        <p:tgtEl>
-                                          <p:spTgt spid="3">
-                                            <p:txEl>
-                                              <p:pRg st="5" end="5"/>
-                                            </p:txEl>
-                                          </p:spTgt>
-                                        </p:tgtEl>
-                                        <p:attrNameLst>
-                                          <p:attrName>ppt_x</p:attrName>
-                                        </p:attrNameLst>
-                                      </p:cBhvr>
-                                      <p:tavLst>
-                                        <p:tav tm="0">
-                                          <p:val>
-                                            <p:strVal val="#ppt_x"/>
-                                          </p:val>
-                                        </p:tav>
-                                        <p:tav tm="100000">
-                                          <p:val>
-                                            <p:strVal val="#ppt_x"/>
-                                          </p:val>
-                                        </p:tav>
-                                      </p:tavLst>
-                                    </p:anim>
-                                    <p:anim calcmode="lin" valueType="num">
-                                      <p:cBhvr>
-                                        <p:cTn id="34" dur="1000" fill="hold"/>
-                                        <p:tgtEl>
-                                          <p:spTgt spid="3">
-                                            <p:txEl>
-                                              <p:pRg st="5" end="5"/>
-                                            </p:txEl>
-                                          </p:spTgt>
-                                        </p:tgtEl>
-                                        <p:attrNameLst>
-                                          <p:attrName>ppt_y</p:attrName>
-                                        </p:attrNameLst>
-                                      </p:cBhvr>
-                                      <p:tavLst>
-                                        <p:tav tm="0">
-                                          <p:val>
-                                            <p:strVal val="#ppt_y+.1"/>
-                                          </p:val>
-                                        </p:tav>
-                                        <p:tav tm="100000">
-                                          <p:val>
-                                            <p:strVal val="#ppt_y"/>
-                                          </p:val>
-                                        </p:tav>
-                                      </p:tavLst>
-                                    </p:anim>
-                                  </p:childTnLst>
-                                </p:cTn>
-                              </p:par>
-                            </p:childTnLst>
-                          </p:cTn>
-                        </p:par>
-                      </p:childTnLst>
-                    </p:cTn>
-                  </p:par>
-                </p:childTnLst>
-              </p:cTn>
-              <p:prevCondLst>
-                <p:cond evt="onPrev" delay="0">
-                  <p:tgtEl>
-                    <p:sldTgt/>
-                  </p:tgtEl>
-                </p:cond>
-              </p:prevCondLst>
-              <p:nextCondLst>
-                <p:cond evt="onNext" delay="0">
-                  <p:tgtEl>
-                    <p:sldTgt/>
-                  </p:tgtEl>
-                </p:cond>
-              </p:nextCondLst>
-            </p:seq>
-          </p:childTnLst>
-        </p:cTn>
-      </p:par>
-    </p:tnLst>
-  </p:timing>
-</p:sld>
-</file>
-
-<file path=ppt/slides/slide8.xml><?xml version="1.0" encoding="utf-8"?>
-<p:sld xmlns:a="http://schemas.openxmlformats.org/drawingml/2006/main" xmlns:r="http://schemas.openxmlformats.org/officeDocument/2006/relationships" xmlns:p="http://schemas.openxmlformats.org/presentationml/2006/main">
-  <p:cSld>
-    <p:spTree>
-      <p:nvGrpSpPr>
-        <p:cNvPr id="1" name=""/>
-        <p:cNvGrpSpPr/>
-        <p:nvPr/>
-      </p:nvGrpSpPr>
-      <p:grpSpPr>
-        <a:xfrm>
-          <a:off x="0" y="0"/>
-          <a:ext cx="0" cy="0"/>
-          <a:chOff x="0" y="0"/>
-          <a:chExt cx="0" cy="0"/>
-        </a:xfrm>
-      </p:grpSpPr>
-      <p:sp>
-        <p:nvSpPr>
-          <p:cNvPr id="2" name="Title 1"/>
-          <p:cNvSpPr>
-            <a:spLocks noGrp="1"/>
-          </p:cNvSpPr>
-          <p:nvPr>
-            <p:ph type="title"/>
-          </p:nvPr>
-        </p:nvSpPr>
-        <p:spPr/>
-        <p:txBody>
-          <a:bodyPr/>
-          <a:lstStyle/>
-          <a:p>
-            <a:r>
-              <a:rPr lang="en-US" dirty="0" smtClean="0"/>
-              <a:t>Demo</a:t>
-            </a:r>
-            <a:endParaRPr lang="en-US" dirty="0"/>
-          </a:p>
-        </p:txBody>
-      </p:sp>
-      <p:sp>
-        <p:nvSpPr>
-          <p:cNvPr id="3" name="Content Placeholder 2"/>
-          <p:cNvSpPr>
-            <a:spLocks noGrp="1"/>
-          </p:cNvSpPr>
-          <p:nvPr>
-            <p:ph idx="1"/>
-          </p:nvPr>
-        </p:nvSpPr>
-        <p:spPr/>
-        <p:txBody>
-          <a:bodyPr/>
-          <a:lstStyle/>
-          <a:p>
-            <a:r>
-              <a:rPr lang="en-US" dirty="0" smtClean="0"/>
-              <a:t>Use ng-stats and chrome profile to analyze performance.</a:t>
-            </a:r>
-          </a:p>
-          <a:p>
-            <a:r>
-              <a:rPr lang="en-US" dirty="0" smtClean="0"/>
-              <a:t>Use one time binding in 1.3 </a:t>
-            </a:r>
-            <a:r>
-              <a:rPr lang="en-US" dirty="0" err="1" smtClean="0"/>
-              <a:t>higer</a:t>
-            </a:r>
-            <a:r>
-              <a:rPr lang="en-US" dirty="0" smtClean="0"/>
-              <a:t>, or </a:t>
-            </a:r>
-            <a:r>
-              <a:rPr lang="en-US" dirty="0"/>
-              <a:t>use angular </a:t>
-            </a:r>
-            <a:r>
-              <a:rPr lang="en-US" dirty="0" smtClean="0"/>
-              <a:t>angular-once which is very powerful.</a:t>
-            </a:r>
-            <a:endParaRPr lang="en-US" dirty="0"/>
-          </a:p>
-        </p:txBody>
-      </p:sp>
-    </p:spTree>
-    <p:extLst>
-      <p:ext uri="{BB962C8B-B14F-4D97-AF65-F5344CB8AC3E}">
-        <p14:creationId xmlns:p14="http://schemas.microsoft.com/office/powerpoint/2010/main" val="1180368882"/>
-      </p:ext>
-    </p:extLst>
-  </p:cSld>
-  <p:clrMapOvr>
-    <a:masterClrMapping/>
-  </p:clrMapOvr>
-  <p:timing>
-    <p:tnLst>
-      <p:par>
-        <p:cTn id="1" dur="indefinite" restart="never" nodeType="tmRoot"/>
-      </p:par>
-    </p:tnLst>
-  </p:timing>
-</p:sld>
-</file>
-
-<file path=ppt/slides/slide9.xml><?xml version="1.0" encoding="utf-8"?>
-<p:sld xmlns:a="http://schemas.openxmlformats.org/drawingml/2006/main" xmlns:r="http://schemas.openxmlformats.org/officeDocument/2006/relationships" xmlns:p="http://schemas.openxmlformats.org/presentationml/2006/main">
-  <p:cSld>
-    <p:spTree>
-      <p:nvGrpSpPr>
-        <p:cNvPr id="1" name=""/>
-        <p:cNvGrpSpPr/>
-        <p:nvPr/>
-      </p:nvGrpSpPr>
-      <p:grpSpPr>
-        <a:xfrm>
-          <a:off x="0" y="0"/>
-          <a:ext cx="0" cy="0"/>
-          <a:chOff x="0" y="0"/>
-          <a:chExt cx="0" cy="0"/>
-        </a:xfrm>
-      </p:grpSpPr>
-      <p:sp>
-        <p:nvSpPr>
-          <p:cNvPr id="2" name="Title 1"/>
-          <p:cNvSpPr>
-            <a:spLocks noGrp="1"/>
-          </p:cNvSpPr>
-          <p:nvPr>
-            <p:ph type="title"/>
-          </p:nvPr>
-        </p:nvSpPr>
-        <p:spPr>
-          <a:xfrm>
-            <a:off x="457200" y="2209800"/>
-            <a:ext cx="8229600" cy="1143000"/>
-          </a:xfrm>
-        </p:spPr>
-        <p:txBody>
-          <a:bodyPr>
-            <a:normAutofit/>
-          </a:bodyPr>
-          <a:lstStyle/>
-          <a:p>
-            <a:endParaRPr lang="en-US" dirty="0"/>
-          </a:p>
-        </p:txBody>
-      </p:sp>
-    </p:spTree>
-    <p:extLst>
-      <p:ext uri="{BB962C8B-B14F-4D97-AF65-F5344CB8AC3E}">
-        <p14:creationId xmlns:p14="http://schemas.microsoft.com/office/powerpoint/2010/main" val="1658834202"/>
-      </p:ext>
-    </p:extLst>
-  </p:cSld>
-  <p:clrMapOvr>
-    <a:masterClrMapping/>
-  </p:clrMapOvr>
-  <p:timing>
-    <p:tnLst>
-      <p:par>
-        <p:cTn id="1" dur="indefinite" restart="never" nodeType="tmRoot"/>
-      </p:par>
-    </p:tnLst>
   </p:timing>
 </p:sld>
 </file>

--- a/angular1.x核心机制分析及性能实战.pptx
+++ b/angular1.x核心机制分析及性能实战.pptx
@@ -10,17 +10,16 @@
     <p:sldId id="275" r:id="rId4"/>
     <p:sldId id="276" r:id="rId5"/>
     <p:sldId id="277" r:id="rId6"/>
-    <p:sldId id="265" r:id="rId7"/>
-    <p:sldId id="266" r:id="rId8"/>
-    <p:sldId id="278" r:id="rId9"/>
-    <p:sldId id="269" r:id="rId10"/>
-    <p:sldId id="280" r:id="rId11"/>
-    <p:sldId id="270" r:id="rId12"/>
-    <p:sldId id="271" r:id="rId13"/>
-    <p:sldId id="267" r:id="rId14"/>
-    <p:sldId id="272" r:id="rId15"/>
-    <p:sldId id="279" r:id="rId16"/>
-    <p:sldId id="264" r:id="rId17"/>
+    <p:sldId id="266" r:id="rId7"/>
+    <p:sldId id="278" r:id="rId8"/>
+    <p:sldId id="269" r:id="rId9"/>
+    <p:sldId id="270" r:id="rId10"/>
+    <p:sldId id="271" r:id="rId11"/>
+    <p:sldId id="267" r:id="rId12"/>
+    <p:sldId id="272" r:id="rId13"/>
+    <p:sldId id="279" r:id="rId14"/>
+    <p:sldId id="280" r:id="rId15"/>
+    <p:sldId id="264" r:id="rId16"/>
   </p:sldIdLst>
   <p:sldSz cx="9144000" cy="6858000" type="screen4x3"/>
   <p:notesSz cx="6858000" cy="9144000"/>
@@ -304,7 +303,7 @@
             <a:fld id="{1D8BD707-D9CF-40AE-B4C6-C98DA3205C09}" type="datetimeFigureOut">
               <a:rPr lang="en-US" smtClean="0"/>
               <a:pPr/>
-              <a:t>7/16/2015</a:t>
+              <a:t>7/20/2015</a:t>
             </a:fld>
             <a:endParaRPr lang="en-US"/>
           </a:p>
@@ -471,7 +470,7 @@
             <a:fld id="{1D8BD707-D9CF-40AE-B4C6-C98DA3205C09}" type="datetimeFigureOut">
               <a:rPr lang="en-US" smtClean="0"/>
               <a:pPr/>
-              <a:t>7/16/2015</a:t>
+              <a:t>7/20/2015</a:t>
             </a:fld>
             <a:endParaRPr lang="en-US"/>
           </a:p>
@@ -648,7 +647,7 @@
             <a:fld id="{1D8BD707-D9CF-40AE-B4C6-C98DA3205C09}" type="datetimeFigureOut">
               <a:rPr lang="en-US" smtClean="0"/>
               <a:pPr/>
-              <a:t>7/16/2015</a:t>
+              <a:t>7/20/2015</a:t>
             </a:fld>
             <a:endParaRPr lang="en-US"/>
           </a:p>
@@ -815,7 +814,7 @@
             <a:fld id="{1D8BD707-D9CF-40AE-B4C6-C98DA3205C09}" type="datetimeFigureOut">
               <a:rPr lang="en-US" smtClean="0"/>
               <a:pPr/>
-              <a:t>7/16/2015</a:t>
+              <a:t>7/20/2015</a:t>
             </a:fld>
             <a:endParaRPr lang="en-US"/>
           </a:p>
@@ -1058,7 +1057,7 @@
             <a:fld id="{1D8BD707-D9CF-40AE-B4C6-C98DA3205C09}" type="datetimeFigureOut">
               <a:rPr lang="en-US" smtClean="0"/>
               <a:pPr/>
-              <a:t>7/16/2015</a:t>
+              <a:t>7/20/2015</a:t>
             </a:fld>
             <a:endParaRPr lang="en-US"/>
           </a:p>
@@ -1343,7 +1342,7 @@
             <a:fld id="{1D8BD707-D9CF-40AE-B4C6-C98DA3205C09}" type="datetimeFigureOut">
               <a:rPr lang="en-US" smtClean="0"/>
               <a:pPr/>
-              <a:t>7/16/2015</a:t>
+              <a:t>7/20/2015</a:t>
             </a:fld>
             <a:endParaRPr lang="en-US"/>
           </a:p>
@@ -1762,7 +1761,7 @@
             <a:fld id="{1D8BD707-D9CF-40AE-B4C6-C98DA3205C09}" type="datetimeFigureOut">
               <a:rPr lang="en-US" smtClean="0"/>
               <a:pPr/>
-              <a:t>7/16/2015</a:t>
+              <a:t>7/20/2015</a:t>
             </a:fld>
             <a:endParaRPr lang="en-US"/>
           </a:p>
@@ -1877,7 +1876,7 @@
             <a:fld id="{1D8BD707-D9CF-40AE-B4C6-C98DA3205C09}" type="datetimeFigureOut">
               <a:rPr lang="en-US" smtClean="0"/>
               <a:pPr/>
-              <a:t>7/16/2015</a:t>
+              <a:t>7/20/2015</a:t>
             </a:fld>
             <a:endParaRPr lang="en-US"/>
           </a:p>
@@ -1969,7 +1968,7 @@
             <a:fld id="{1D8BD707-D9CF-40AE-B4C6-C98DA3205C09}" type="datetimeFigureOut">
               <a:rPr lang="en-US" smtClean="0"/>
               <a:pPr/>
-              <a:t>7/16/2015</a:t>
+              <a:t>7/20/2015</a:t>
             </a:fld>
             <a:endParaRPr lang="en-US"/>
           </a:p>
@@ -2243,7 +2242,7 @@
             <a:fld id="{1D8BD707-D9CF-40AE-B4C6-C98DA3205C09}" type="datetimeFigureOut">
               <a:rPr lang="en-US" smtClean="0"/>
               <a:pPr/>
-              <a:t>7/16/2015</a:t>
+              <a:t>7/20/2015</a:t>
             </a:fld>
             <a:endParaRPr lang="en-US"/>
           </a:p>
@@ -2493,7 +2492,7 @@
             <a:fld id="{1D8BD707-D9CF-40AE-B4C6-C98DA3205C09}" type="datetimeFigureOut">
               <a:rPr lang="en-US" smtClean="0"/>
               <a:pPr/>
-              <a:t>7/16/2015</a:t>
+              <a:t>7/20/2015</a:t>
             </a:fld>
             <a:endParaRPr lang="en-US"/>
           </a:p>
@@ -2703,7 +2702,7 @@
             <a:fld id="{1D8BD707-D9CF-40AE-B4C6-C98DA3205C09}" type="datetimeFigureOut">
               <a:rPr lang="en-US" smtClean="0"/>
               <a:pPr/>
-              <a:t>7/16/2015</a:t>
+              <a:t>7/20/2015</a:t>
             </a:fld>
             <a:endParaRPr lang="en-US"/>
           </a:p>
@@ -3159,407 +3158,6 @@
       </p:grpSpPr>
       <p:sp>
         <p:nvSpPr>
-          <p:cNvPr id="2" name="标题 1"/>
-          <p:cNvSpPr>
-            <a:spLocks noGrp="1"/>
-          </p:cNvSpPr>
-          <p:nvPr>
-            <p:ph type="title"/>
-          </p:nvPr>
-        </p:nvSpPr>
-        <p:spPr/>
-        <p:txBody>
-          <a:bodyPr/>
-          <a:lstStyle/>
-          <a:p>
-            <a:endParaRPr lang="zh-CN" altLang="en-US"/>
-          </a:p>
-        </p:txBody>
-      </p:sp>
-      <p:sp>
-        <p:nvSpPr>
-          <p:cNvPr id="3" name="内容占位符 2"/>
-          <p:cNvSpPr>
-            <a:spLocks noGrp="1"/>
-          </p:cNvSpPr>
-          <p:nvPr>
-            <p:ph idx="1"/>
-          </p:nvPr>
-        </p:nvSpPr>
-        <p:spPr/>
-        <p:txBody>
-          <a:bodyPr>
-            <a:normAutofit fontScale="32500" lnSpcReduction="20000"/>
-          </a:bodyPr>
-          <a:lstStyle/>
-          <a:p>
-            <a:r>
-              <a:rPr lang="en-US" altLang="zh-CN" dirty="0"/>
-              <a:t>$('#button').</a:t>
-            </a:r>
-            <a:r>
-              <a:rPr lang="en-US" altLang="zh-CN" dirty="0" err="1"/>
-              <a:t>onClick</a:t>
-            </a:r>
-            <a:r>
-              <a:rPr lang="en-US" altLang="zh-CN" dirty="0"/>
-              <a:t>(function(){</a:t>
-            </a:r>
-          </a:p>
-          <a:p>
-            <a:r>
-              <a:rPr lang="en-US" altLang="zh-CN" dirty="0"/>
-              <a:t>	(function apply(</a:t>
-            </a:r>
-            <a:r>
-              <a:rPr lang="en-US" altLang="zh-CN" dirty="0" err="1"/>
-              <a:t>expr</a:t>
-            </a:r>
-            <a:r>
-              <a:rPr lang="en-US" altLang="zh-CN" dirty="0"/>
-              <a:t>){</a:t>
-            </a:r>
-          </a:p>
-          <a:p>
-            <a:r>
-              <a:rPr lang="en-US" altLang="zh-CN" dirty="0"/>
-              <a:t>		try {</a:t>
-            </a:r>
-          </a:p>
-          <a:p>
-            <a:r>
-              <a:rPr lang="en-US" altLang="zh-CN" dirty="0"/>
-              <a:t>			//</a:t>
-            </a:r>
-            <a:r>
-              <a:rPr lang="en-US" altLang="zh-CN" dirty="0" err="1"/>
-              <a:t>beginPhase</a:t>
-            </a:r>
-            <a:r>
-              <a:rPr lang="en-US" altLang="zh-CN" dirty="0"/>
-              <a:t>('$apply');</a:t>
-            </a:r>
-          </a:p>
-          <a:p>
-            <a:r>
-              <a:rPr lang="en-US" altLang="zh-CN" dirty="0"/>
-              <a:t>			this.$</a:t>
-            </a:r>
-            <a:r>
-              <a:rPr lang="en-US" altLang="zh-CN" dirty="0" err="1"/>
-              <a:t>eval</a:t>
-            </a:r>
-            <a:r>
-              <a:rPr lang="en-US" altLang="zh-CN" dirty="0"/>
-              <a:t>(</a:t>
-            </a:r>
-            <a:r>
-              <a:rPr lang="en-US" altLang="zh-CN" dirty="0" err="1"/>
-              <a:t>expr</a:t>
-            </a:r>
-            <a:r>
-              <a:rPr lang="en-US" altLang="zh-CN" dirty="0"/>
-              <a:t>);</a:t>
-            </a:r>
-          </a:p>
-          <a:p>
-            <a:r>
-              <a:rPr lang="en-US" altLang="zh-CN" dirty="0"/>
-              <a:t>		} finally { </a:t>
-            </a:r>
-          </a:p>
-          <a:p>
-            <a:r>
-              <a:rPr lang="en-US" altLang="zh-CN" dirty="0"/>
-              <a:t>			// ignore catch</a:t>
-            </a:r>
-          </a:p>
-          <a:p>
-            <a:r>
-              <a:rPr lang="en-US" altLang="zh-CN" dirty="0"/>
-              <a:t>			// </a:t>
-            </a:r>
-            <a:r>
-              <a:rPr lang="en-US" altLang="zh-CN" dirty="0" err="1"/>
-              <a:t>clearPhase</a:t>
-            </a:r>
-            <a:r>
-              <a:rPr lang="en-US" altLang="zh-CN" dirty="0"/>
-              <a:t>();</a:t>
-            </a:r>
-          </a:p>
-          <a:p>
-            <a:r>
-              <a:rPr lang="en-US" altLang="zh-CN" dirty="0"/>
-              <a:t>			$</a:t>
-            </a:r>
-            <a:r>
-              <a:rPr lang="en-US" altLang="zh-CN" dirty="0" err="1"/>
-              <a:t>rootScope</a:t>
-            </a:r>
-            <a:r>
-              <a:rPr lang="en-US" altLang="zh-CN" dirty="0"/>
-              <a:t>.$digest();</a:t>
-            </a:r>
-          </a:p>
-          <a:p>
-            <a:r>
-              <a:rPr lang="en-US" altLang="zh-CN" dirty="0"/>
-              <a:t>		}</a:t>
-            </a:r>
-          </a:p>
-          <a:p>
-            <a:r>
-              <a:rPr lang="en-US" altLang="zh-CN" dirty="0"/>
-              <a:t>	})();</a:t>
-            </a:r>
-          </a:p>
-          <a:p>
-            <a:r>
-              <a:rPr lang="en-US" altLang="zh-CN" dirty="0"/>
-              <a:t>})</a:t>
-            </a:r>
-          </a:p>
-          <a:p>
-            <a:r>
-              <a:rPr lang="en-US" altLang="zh-CN" dirty="0"/>
-              <a:t>$</a:t>
-            </a:r>
-            <a:r>
-              <a:rPr lang="en-US" altLang="zh-CN" dirty="0" err="1"/>
-              <a:t>rootScope</a:t>
-            </a:r>
-            <a:r>
-              <a:rPr lang="en-US" altLang="zh-CN" dirty="0"/>
-              <a:t>.$digest = function(){</a:t>
-            </a:r>
-          </a:p>
-          <a:p>
-            <a:r>
-              <a:rPr lang="en-US" altLang="zh-CN" dirty="0"/>
-              <a:t> 	// </a:t>
-            </a:r>
-            <a:r>
-              <a:rPr lang="en-US" altLang="zh-CN" dirty="0" err="1"/>
-              <a:t>beginPhase</a:t>
-            </a:r>
-            <a:r>
-              <a:rPr lang="en-US" altLang="zh-CN" dirty="0"/>
-              <a:t>('$apply');</a:t>
-            </a:r>
-          </a:p>
-          <a:p>
-            <a:r>
-              <a:rPr lang="en-US" altLang="zh-CN" dirty="0"/>
-              <a:t> 	// </a:t>
-            </a:r>
-            <a:r>
-              <a:rPr lang="en-US" altLang="zh-CN" dirty="0" err="1"/>
-              <a:t>applyAsync</a:t>
-            </a:r>
-            <a:r>
-              <a:rPr lang="en-US" altLang="zh-CN" dirty="0"/>
-              <a:t> </a:t>
-            </a:r>
-            <a:r>
-              <a:rPr lang="zh-CN" altLang="en-US" dirty="0"/>
-              <a:t>省略不讲</a:t>
-            </a:r>
-          </a:p>
-          <a:p>
-            <a:endParaRPr lang="zh-CN" altLang="en-US" dirty="0"/>
-          </a:p>
-          <a:p>
-            <a:r>
-              <a:rPr lang="zh-CN" altLang="en-US" dirty="0"/>
-              <a:t>	</a:t>
-            </a:r>
-            <a:r>
-              <a:rPr lang="en-US" altLang="zh-CN" dirty="0" err="1"/>
-              <a:t>var</a:t>
-            </a:r>
-            <a:r>
-              <a:rPr lang="en-US" altLang="zh-CN" dirty="0"/>
-              <a:t> </a:t>
-            </a:r>
-            <a:r>
-              <a:rPr lang="en-US" altLang="zh-CN" dirty="0" err="1"/>
-              <a:t>asyncQueue</a:t>
-            </a:r>
-            <a:r>
-              <a:rPr lang="en-US" altLang="zh-CN" dirty="0"/>
-              <a:t>, </a:t>
-            </a:r>
-            <a:r>
-              <a:rPr lang="en-US" altLang="zh-CN" dirty="0" err="1"/>
-              <a:t>isDirty</a:t>
-            </a:r>
-            <a:r>
-              <a:rPr lang="en-US" altLang="zh-CN" dirty="0"/>
-              <a:t>;</a:t>
-            </a:r>
-          </a:p>
-          <a:p>
-            <a:r>
-              <a:rPr lang="en-US" altLang="zh-CN" dirty="0"/>
-              <a:t>	do {</a:t>
-            </a:r>
-          </a:p>
-          <a:p>
-            <a:r>
-              <a:rPr lang="en-US" altLang="zh-CN" dirty="0"/>
-              <a:t>		</a:t>
-            </a:r>
-            <a:r>
-              <a:rPr lang="en-US" altLang="zh-CN" dirty="0" err="1"/>
-              <a:t>asyncQueue</a:t>
-            </a:r>
-            <a:r>
-              <a:rPr lang="en-US" altLang="zh-CN" dirty="0"/>
-              <a:t> = </a:t>
-            </a:r>
-            <a:r>
-              <a:rPr lang="en-US" altLang="zh-CN" dirty="0" err="1"/>
-              <a:t>runScheduleTasks</a:t>
-            </a:r>
-            <a:r>
-              <a:rPr lang="en-US" altLang="zh-CN" dirty="0"/>
-              <a:t>(); // run all $</a:t>
-            </a:r>
-            <a:r>
-              <a:rPr lang="en-US" altLang="zh-CN" dirty="0" err="1"/>
-              <a:t>evalAsync</a:t>
-            </a:r>
-            <a:r>
-              <a:rPr lang="en-US" altLang="zh-CN" dirty="0"/>
-              <a:t> functions!!</a:t>
-            </a:r>
-          </a:p>
-          <a:p>
-            <a:endParaRPr lang="en-US" altLang="zh-CN" dirty="0"/>
-          </a:p>
-          <a:p>
-            <a:r>
-              <a:rPr lang="en-US" altLang="zh-CN" dirty="0"/>
-              <a:t>		</a:t>
-            </a:r>
-            <a:r>
-              <a:rPr lang="en-US" altLang="zh-CN" dirty="0" err="1"/>
-              <a:t>isDirty</a:t>
-            </a:r>
-            <a:r>
-              <a:rPr lang="en-US" altLang="zh-CN" dirty="0"/>
-              <a:t> = </a:t>
-            </a:r>
-            <a:r>
-              <a:rPr lang="en-US" altLang="zh-CN" dirty="0" err="1"/>
-              <a:t>traverseScopesLoop_to_dirtyCheck_allWatchers_and_excuteCallBack</a:t>
-            </a:r>
-            <a:r>
-              <a:rPr lang="en-US" altLang="zh-CN" dirty="0"/>
-              <a:t>();</a:t>
-            </a:r>
-          </a:p>
-          <a:p>
-            <a:r>
-              <a:rPr lang="en-US" altLang="zh-CN" dirty="0"/>
-              <a:t>	}</a:t>
-            </a:r>
-          </a:p>
-          <a:p>
-            <a:r>
-              <a:rPr lang="en-US" altLang="zh-CN" dirty="0"/>
-              <a:t>	while(</a:t>
-            </a:r>
-            <a:r>
-              <a:rPr lang="en-US" altLang="zh-CN" dirty="0" err="1"/>
-              <a:t>isDirty</a:t>
-            </a:r>
-            <a:r>
-              <a:rPr lang="en-US" altLang="zh-CN" dirty="0"/>
-              <a:t> || </a:t>
-            </a:r>
-            <a:r>
-              <a:rPr lang="en-US" altLang="zh-CN" dirty="0" err="1"/>
-              <a:t>asyncQueue.length</a:t>
-            </a:r>
-            <a:r>
-              <a:rPr lang="en-US" altLang="zh-CN" dirty="0"/>
-              <a:t>)</a:t>
-            </a:r>
-          </a:p>
-          <a:p>
-            <a:endParaRPr lang="en-US" altLang="zh-CN" dirty="0"/>
-          </a:p>
-          <a:p>
-            <a:r>
-              <a:rPr lang="en-US" altLang="zh-CN" dirty="0"/>
-              <a:t>	</a:t>
-            </a:r>
-            <a:r>
-              <a:rPr lang="en-US" altLang="zh-CN" dirty="0" err="1"/>
-              <a:t>runPostDigestTask</a:t>
-            </a:r>
-            <a:r>
-              <a:rPr lang="en-US" altLang="zh-CN" dirty="0"/>
-              <a:t>(); // including event, animation classes.</a:t>
-            </a:r>
-          </a:p>
-          <a:p>
-            <a:r>
-              <a:rPr lang="en-US" altLang="zh-CN" dirty="0"/>
-              <a:t>	// </a:t>
-            </a:r>
-            <a:r>
-              <a:rPr lang="en-US" altLang="zh-CN" dirty="0" err="1"/>
-              <a:t>clearPhase</a:t>
-            </a:r>
-            <a:r>
-              <a:rPr lang="en-US" altLang="zh-CN" dirty="0"/>
-              <a:t>();</a:t>
-            </a:r>
-          </a:p>
-          <a:p>
-            <a:r>
-              <a:rPr lang="en-US" altLang="zh-CN" dirty="0"/>
-              <a:t>}</a:t>
-            </a:r>
-            <a:endParaRPr lang="zh-CN" altLang="en-US" dirty="0"/>
-          </a:p>
-        </p:txBody>
-      </p:sp>
-    </p:spTree>
-    <p:extLst>
-      <p:ext uri="{BB962C8B-B14F-4D97-AF65-F5344CB8AC3E}">
-        <p14:creationId xmlns:p14="http://schemas.microsoft.com/office/powerpoint/2010/main" val="974762731"/>
-      </p:ext>
-    </p:extLst>
-  </p:cSld>
-  <p:clrMapOvr>
-    <a:masterClrMapping/>
-  </p:clrMapOvr>
-</p:sld>
-</file>
-
-<file path=ppt/slides/slide11.xml><?xml version="1.0" encoding="utf-8"?>
-<p:sld xmlns:a="http://schemas.openxmlformats.org/drawingml/2006/main" xmlns:r="http://schemas.openxmlformats.org/officeDocument/2006/relationships" xmlns:p="http://schemas.openxmlformats.org/presentationml/2006/main">
-  <p:cSld>
-    <p:spTree>
-      <p:nvGrpSpPr>
-        <p:cNvPr id="1" name=""/>
-        <p:cNvGrpSpPr/>
-        <p:nvPr/>
-      </p:nvGrpSpPr>
-      <p:grpSpPr>
-        <a:xfrm>
-          <a:off x="0" y="0"/>
-          <a:ext cx="0" cy="0"/>
-          <a:chOff x="0" y="0"/>
-          <a:chExt cx="0" cy="0"/>
-        </a:xfrm>
-      </p:grpSpPr>
-      <p:sp>
-        <p:nvSpPr>
           <p:cNvPr id="2" name="Title 1"/>
           <p:cNvSpPr>
             <a:spLocks noGrp="1"/>
@@ -3575,7 +3173,7 @@
           <a:p>
             <a:r>
               <a:rPr lang="en-US" dirty="0" smtClean="0"/>
-              <a:t>Cons and Pros</a:t>
+              <a:t>Questions</a:t>
             </a:r>
             <a:endParaRPr lang="en-US" dirty="0"/>
           </a:p>
@@ -3593,59 +3191,81 @@
         </p:nvSpPr>
         <p:spPr/>
         <p:txBody>
-          <a:bodyPr>
-            <a:normAutofit fontScale="92500" lnSpcReduction="20000"/>
-          </a:bodyPr>
+          <a:bodyPr/>
           <a:lstStyle/>
           <a:p>
             <a:r>
               <a:rPr lang="en-US" dirty="0" smtClean="0"/>
-              <a:t>Pros</a:t>
-            </a:r>
-          </a:p>
-          <a:p>
-            <a:pPr marL="0" indent="0">
-              <a:buNone/>
-            </a:pPr>
+              <a:t>What event will trigger $apply?</a:t>
+            </a:r>
+          </a:p>
+          <a:p>
+            <a:pPr lvl="1"/>
             <a:r>
               <a:rPr lang="en-US" dirty="0" smtClean="0"/>
-              <a:t>Easier syntax when using POJO</a:t>
-            </a:r>
-          </a:p>
-          <a:p>
+              <a:t>$timeout</a:t>
+            </a:r>
+          </a:p>
+          <a:p>
+            <a:pPr lvl="1"/>
             <a:r>
               <a:rPr lang="en-US" dirty="0" smtClean="0"/>
-              <a:t>Cons</a:t>
-            </a:r>
-          </a:p>
-          <a:p>
-            <a:pPr marL="0" indent="0">
-              <a:buNone/>
-            </a:pPr>
+              <a:t>ng-action ( ng-click, </a:t>
+            </a:r>
+            <a:r>
+              <a:rPr lang="en-US" dirty="0" err="1" smtClean="0"/>
+              <a:t>ng-keydown</a:t>
+            </a:r>
             <a:r>
               <a:rPr lang="en-US" dirty="0" smtClean="0"/>
-              <a:t>Unsuitable for high frequency callbacks/ large number of models.</a:t>
-            </a:r>
-          </a:p>
-          <a:p>
-            <a:pPr marL="0" indent="0">
-              <a:buNone/>
-            </a:pPr>
+              <a:t>…)</a:t>
+            </a:r>
+          </a:p>
+          <a:p>
+            <a:pPr lvl="1"/>
+            <a:r>
+              <a:rPr lang="en-US" dirty="0"/>
+              <a:t>i</a:t>
+            </a:r>
             <a:r>
               <a:rPr lang="en-US" dirty="0" smtClean="0"/>
-              <a:t>two-way </a:t>
-            </a:r>
-            <a:r>
-              <a:rPr lang="en-US" dirty="0"/>
-              <a:t>data bindings lead to cascading updates, where changing one data model led to another data model updating, making it very difficult to predict what would change as the result of a single user interaction.</a:t>
-            </a:r>
+              <a:t>nput text element with ng-model</a:t>
+            </a:r>
+          </a:p>
+          <a:p>
+            <a:r>
+              <a:rPr lang="en-US" dirty="0" smtClean="0"/>
+              <a:t>How to measure performance?</a:t>
+            </a:r>
+          </a:p>
+          <a:p>
+            <a:pPr lvl="1"/>
+            <a:r>
+              <a:rPr lang="en-US" dirty="0" smtClean="0"/>
+              <a:t>hard to predict, c * ?</a:t>
+            </a:r>
+          </a:p>
+          <a:p>
+            <a:r>
+              <a:rPr lang="en-US" dirty="0" smtClean="0"/>
+              <a:t>When should we use $apply our self?</a:t>
+            </a:r>
+          </a:p>
+          <a:p>
+            <a:r>
+              <a:rPr lang="en-US" dirty="0" smtClean="0"/>
+              <a:t>Different between digest and apply?</a:t>
+            </a:r>
+          </a:p>
+          <a:p>
+            <a:endParaRPr lang="en-US" dirty="0"/>
           </a:p>
         </p:txBody>
       </p:sp>
     </p:spTree>
     <p:extLst>
       <p:ext uri="{BB962C8B-B14F-4D97-AF65-F5344CB8AC3E}">
-        <p14:creationId xmlns:p14="http://schemas.microsoft.com/office/powerpoint/2010/main" val="385289163"/>
+        <p14:creationId xmlns:p14="http://schemas.microsoft.com/office/powerpoint/2010/main" val="1401335724"/>
       </p:ext>
     </p:extLst>
   </p:cSld>
@@ -3688,7 +3308,7 @@
                                         <p:tgtEl>
                                           <p:spTgt spid="3">
                                             <p:txEl>
-                                              <p:pRg st="1" end="1"/>
+                                              <p:pRg st="0" end="0"/>
                                             </p:txEl>
                                           </p:spTgt>
                                         </p:tgtEl>
@@ -3706,7 +3326,7 @@
                                         <p:tgtEl>
                                           <p:spTgt spid="3">
                                             <p:txEl>
-                                              <p:pRg st="1" end="1"/>
+                                              <p:pRg st="0" end="0"/>
                                             </p:txEl>
                                           </p:spTgt>
                                         </p:tgtEl>
@@ -3718,7 +3338,7 @@
                                         <p:tgtEl>
                                           <p:spTgt spid="3">
                                             <p:txEl>
-                                              <p:pRg st="1" end="1"/>
+                                              <p:pRg st="0" end="0"/>
                                             </p:txEl>
                                           </p:spTgt>
                                         </p:tgtEl>
@@ -3745,7 +3365,104 @@
                                         <p:tgtEl>
                                           <p:spTgt spid="3">
                                             <p:txEl>
-                                              <p:pRg st="1" end="1"/>
+                                              <p:pRg st="0" end="0"/>
+                                            </p:txEl>
+                                          </p:spTgt>
+                                        </p:tgtEl>
+                                        <p:attrNameLst>
+                                          <p:attrName>ppt_y</p:attrName>
+                                        </p:attrNameLst>
+                                      </p:cBhvr>
+                                      <p:tavLst>
+                                        <p:tav tm="0">
+                                          <p:val>
+                                            <p:strVal val="#ppt_y+.1"/>
+                                          </p:val>
+                                        </p:tav>
+                                        <p:tav tm="100000">
+                                          <p:val>
+                                            <p:strVal val="#ppt_y"/>
+                                          </p:val>
+                                        </p:tav>
+                                      </p:tavLst>
+                                    </p:anim>
+                                  </p:childTnLst>
+                                </p:cTn>
+                              </p:par>
+                              <p:par>
+                                <p:cTn id="10" presetID="42" presetClass="entr" presetSubtype="0" fill="hold" nodeType="withEffect">
+                                  <p:stCondLst>
+                                    <p:cond delay="0"/>
+                                  </p:stCondLst>
+                                  <p:childTnLst>
+                                    <p:set>
+                                      <p:cBhvr>
+                                        <p:cTn id="11" dur="1" fill="hold">
+                                          <p:stCondLst>
+                                            <p:cond delay="0"/>
+                                          </p:stCondLst>
+                                        </p:cTn>
+                                        <p:tgtEl>
+                                          <p:spTgt spid="3">
+                                            <p:txEl>
+                                              <p:pRg st="2" end="2"/>
+                                            </p:txEl>
+                                          </p:spTgt>
+                                        </p:tgtEl>
+                                        <p:attrNameLst>
+                                          <p:attrName>style.visibility</p:attrName>
+                                        </p:attrNameLst>
+                                      </p:cBhvr>
+                                      <p:to>
+                                        <p:strVal val="visible"/>
+                                      </p:to>
+                                    </p:set>
+                                    <p:animEffect transition="in" filter="fade">
+                                      <p:cBhvr>
+                                        <p:cTn id="12" dur="1000"/>
+                                        <p:tgtEl>
+                                          <p:spTgt spid="3">
+                                            <p:txEl>
+                                              <p:pRg st="2" end="2"/>
+                                            </p:txEl>
+                                          </p:spTgt>
+                                        </p:tgtEl>
+                                      </p:cBhvr>
+                                    </p:animEffect>
+                                    <p:anim calcmode="lin" valueType="num">
+                                      <p:cBhvr>
+                                        <p:cTn id="13" dur="1000" fill="hold"/>
+                                        <p:tgtEl>
+                                          <p:spTgt spid="3">
+                                            <p:txEl>
+                                              <p:pRg st="2" end="2"/>
+                                            </p:txEl>
+                                          </p:spTgt>
+                                        </p:tgtEl>
+                                        <p:attrNameLst>
+                                          <p:attrName>ppt_x</p:attrName>
+                                        </p:attrNameLst>
+                                      </p:cBhvr>
+                                      <p:tavLst>
+                                        <p:tav tm="0">
+                                          <p:val>
+                                            <p:strVal val="#ppt_x"/>
+                                          </p:val>
+                                        </p:tav>
+                                        <p:tav tm="100000">
+                                          <p:val>
+                                            <p:strVal val="#ppt_x"/>
+                                          </p:val>
+                                        </p:tav>
+                                      </p:tavLst>
+                                    </p:anim>
+                                    <p:anim calcmode="lin" valueType="num">
+                                      <p:cBhvr>
+                                        <p:cTn id="14" dur="1000" fill="hold"/>
+                                        <p:tgtEl>
+                                          <p:spTgt spid="3">
+                                            <p:txEl>
+                                              <p:pRg st="2" end="2"/>
                                             </p:txEl>
                                           </p:spTgt>
                                         </p:tgtEl>
@@ -3776,26 +3493,26 @@
                     </p:cTn>
                   </p:par>
                   <p:par>
-                    <p:cTn id="10" fill="hold">
+                    <p:cTn id="15" fill="hold">
                       <p:stCondLst>
                         <p:cond delay="indefinite"/>
                       </p:stCondLst>
                       <p:childTnLst>
                         <p:par>
-                          <p:cTn id="11" fill="hold">
+                          <p:cTn id="16" fill="hold">
                             <p:stCondLst>
                               <p:cond delay="0"/>
                             </p:stCondLst>
                             <p:childTnLst>
                               <p:par>
-                                <p:cTn id="12" presetID="42" presetClass="entr" presetSubtype="0" fill="hold" nodeType="clickEffect">
+                                <p:cTn id="17" presetID="42" presetClass="entr" presetSubtype="0" fill="hold" nodeType="clickEffect">
                                   <p:stCondLst>
                                     <p:cond delay="0"/>
                                   </p:stCondLst>
                                   <p:childTnLst>
                                     <p:set>
                                       <p:cBhvr>
-                                        <p:cTn id="13" dur="1" fill="hold">
+                                        <p:cTn id="18" dur="1" fill="hold">
                                           <p:stCondLst>
                                             <p:cond delay="0"/>
                                           </p:stCondLst>
@@ -3803,7 +3520,7 @@
                                         <p:tgtEl>
                                           <p:spTgt spid="3">
                                             <p:txEl>
-                                              <p:pRg st="0" end="0"/>
+                                              <p:pRg st="1" end="1"/>
                                             </p:txEl>
                                           </p:spTgt>
                                         </p:tgtEl>
@@ -3817,11 +3534,11 @@
                                     </p:set>
                                     <p:animEffect transition="in" filter="fade">
                                       <p:cBhvr>
-                                        <p:cTn id="14" dur="1000"/>
+                                        <p:cTn id="19" dur="1000"/>
                                         <p:tgtEl>
                                           <p:spTgt spid="3">
                                             <p:txEl>
-                                              <p:pRg st="0" end="0"/>
+                                              <p:pRg st="1" end="1"/>
                                             </p:txEl>
                                           </p:spTgt>
                                         </p:tgtEl>
@@ -3829,11 +3546,11 @@
                                     </p:animEffect>
                                     <p:anim calcmode="lin" valueType="num">
                                       <p:cBhvr>
-                                        <p:cTn id="15" dur="1000" fill="hold"/>
+                                        <p:cTn id="20" dur="1000" fill="hold"/>
                                         <p:tgtEl>
                                           <p:spTgt spid="3">
                                             <p:txEl>
-                                              <p:pRg st="0" end="0"/>
+                                              <p:pRg st="1" end="1"/>
                                             </p:txEl>
                                           </p:spTgt>
                                         </p:tgtEl>
@@ -3856,11 +3573,108 @@
                                     </p:anim>
                                     <p:anim calcmode="lin" valueType="num">
                                       <p:cBhvr>
-                                        <p:cTn id="16" dur="1000" fill="hold"/>
+                                        <p:cTn id="21" dur="1000" fill="hold"/>
                                         <p:tgtEl>
                                           <p:spTgt spid="3">
                                             <p:txEl>
-                                              <p:pRg st="0" end="0"/>
+                                              <p:pRg st="1" end="1"/>
+                                            </p:txEl>
+                                          </p:spTgt>
+                                        </p:tgtEl>
+                                        <p:attrNameLst>
+                                          <p:attrName>ppt_y</p:attrName>
+                                        </p:attrNameLst>
+                                      </p:cBhvr>
+                                      <p:tavLst>
+                                        <p:tav tm="0">
+                                          <p:val>
+                                            <p:strVal val="#ppt_y+.1"/>
+                                          </p:val>
+                                        </p:tav>
+                                        <p:tav tm="100000">
+                                          <p:val>
+                                            <p:strVal val="#ppt_y"/>
+                                          </p:val>
+                                        </p:tav>
+                                      </p:tavLst>
+                                    </p:anim>
+                                  </p:childTnLst>
+                                </p:cTn>
+                              </p:par>
+                              <p:par>
+                                <p:cTn id="22" presetID="42" presetClass="entr" presetSubtype="0" fill="hold" nodeType="withEffect">
+                                  <p:stCondLst>
+                                    <p:cond delay="0"/>
+                                  </p:stCondLst>
+                                  <p:childTnLst>
+                                    <p:set>
+                                      <p:cBhvr>
+                                        <p:cTn id="23" dur="1" fill="hold">
+                                          <p:stCondLst>
+                                            <p:cond delay="0"/>
+                                          </p:stCondLst>
+                                        </p:cTn>
+                                        <p:tgtEl>
+                                          <p:spTgt spid="3">
+                                            <p:txEl>
+                                              <p:pRg st="3" end="3"/>
+                                            </p:txEl>
+                                          </p:spTgt>
+                                        </p:tgtEl>
+                                        <p:attrNameLst>
+                                          <p:attrName>style.visibility</p:attrName>
+                                        </p:attrNameLst>
+                                      </p:cBhvr>
+                                      <p:to>
+                                        <p:strVal val="visible"/>
+                                      </p:to>
+                                    </p:set>
+                                    <p:animEffect transition="in" filter="fade">
+                                      <p:cBhvr>
+                                        <p:cTn id="24" dur="1000"/>
+                                        <p:tgtEl>
+                                          <p:spTgt spid="3">
+                                            <p:txEl>
+                                              <p:pRg st="3" end="3"/>
+                                            </p:txEl>
+                                          </p:spTgt>
+                                        </p:tgtEl>
+                                      </p:cBhvr>
+                                    </p:animEffect>
+                                    <p:anim calcmode="lin" valueType="num">
+                                      <p:cBhvr>
+                                        <p:cTn id="25" dur="1000" fill="hold"/>
+                                        <p:tgtEl>
+                                          <p:spTgt spid="3">
+                                            <p:txEl>
+                                              <p:pRg st="3" end="3"/>
+                                            </p:txEl>
+                                          </p:spTgt>
+                                        </p:tgtEl>
+                                        <p:attrNameLst>
+                                          <p:attrName>ppt_x</p:attrName>
+                                        </p:attrNameLst>
+                                      </p:cBhvr>
+                                      <p:tavLst>
+                                        <p:tav tm="0">
+                                          <p:val>
+                                            <p:strVal val="#ppt_x"/>
+                                          </p:val>
+                                        </p:tav>
+                                        <p:tav tm="100000">
+                                          <p:val>
+                                            <p:strVal val="#ppt_x"/>
+                                          </p:val>
+                                        </p:tav>
+                                      </p:tavLst>
+                                    </p:anim>
+                                    <p:anim calcmode="lin" valueType="num">
+                                      <p:cBhvr>
+                                        <p:cTn id="26" dur="1000" fill="hold"/>
+                                        <p:tgtEl>
+                                          <p:spTgt spid="3">
+                                            <p:txEl>
+                                              <p:pRg st="3" end="3"/>
                                             </p:txEl>
                                           </p:spTgt>
                                         </p:tgtEl>
@@ -3891,26 +3705,26 @@
                     </p:cTn>
                   </p:par>
                   <p:par>
-                    <p:cTn id="17" fill="hold">
+                    <p:cTn id="27" fill="hold">
                       <p:stCondLst>
                         <p:cond delay="indefinite"/>
                       </p:stCondLst>
                       <p:childTnLst>
                         <p:par>
-                          <p:cTn id="18" fill="hold">
+                          <p:cTn id="28" fill="hold">
                             <p:stCondLst>
                               <p:cond delay="0"/>
                             </p:stCondLst>
                             <p:childTnLst>
                               <p:par>
-                                <p:cTn id="19" presetID="42" presetClass="entr" presetSubtype="0" fill="hold" nodeType="clickEffect">
+                                <p:cTn id="29" presetID="42" presetClass="entr" presetSubtype="0" fill="hold" nodeType="clickEffect">
                                   <p:stCondLst>
                                     <p:cond delay="0"/>
                                   </p:stCondLst>
                                   <p:childTnLst>
                                     <p:set>
                                       <p:cBhvr>
-                                        <p:cTn id="20" dur="1" fill="hold">
+                                        <p:cTn id="30" dur="1" fill="hold">
                                           <p:stCondLst>
                                             <p:cond delay="0"/>
                                           </p:stCondLst>
@@ -3918,7 +3732,7 @@
                                         <p:tgtEl>
                                           <p:spTgt spid="3">
                                             <p:txEl>
-                                              <p:pRg st="2" end="2"/>
+                                              <p:pRg st="4" end="4"/>
                                             </p:txEl>
                                           </p:spTgt>
                                         </p:tgtEl>
@@ -3932,11 +3746,11 @@
                                     </p:set>
                                     <p:animEffect transition="in" filter="fade">
                                       <p:cBhvr>
-                                        <p:cTn id="21" dur="1000"/>
+                                        <p:cTn id="31" dur="1000"/>
                                         <p:tgtEl>
                                           <p:spTgt spid="3">
                                             <p:txEl>
-                                              <p:pRg st="2" end="2"/>
+                                              <p:pRg st="4" end="4"/>
                                             </p:txEl>
                                           </p:spTgt>
                                         </p:tgtEl>
@@ -3944,11 +3758,11 @@
                                     </p:animEffect>
                                     <p:anim calcmode="lin" valueType="num">
                                       <p:cBhvr>
-                                        <p:cTn id="22" dur="1000" fill="hold"/>
+                                        <p:cTn id="32" dur="1000" fill="hold"/>
                                         <p:tgtEl>
                                           <p:spTgt spid="3">
                                             <p:txEl>
-                                              <p:pRg st="2" end="2"/>
+                                              <p:pRg st="4" end="4"/>
                                             </p:txEl>
                                           </p:spTgt>
                                         </p:tgtEl>
@@ -3971,11 +3785,11 @@
                                     </p:anim>
                                     <p:anim calcmode="lin" valueType="num">
                                       <p:cBhvr>
-                                        <p:cTn id="23" dur="1000" fill="hold"/>
+                                        <p:cTn id="33" dur="1000" fill="hold"/>
                                         <p:tgtEl>
                                           <p:spTgt spid="3">
                                             <p:txEl>
-                                              <p:pRg st="2" end="2"/>
+                                              <p:pRg st="4" end="4"/>
                                             </p:txEl>
                                           </p:spTgt>
                                         </p:tgtEl>
@@ -4006,26 +3820,26 @@
                     </p:cTn>
                   </p:par>
                   <p:par>
-                    <p:cTn id="24" fill="hold">
+                    <p:cTn id="34" fill="hold">
                       <p:stCondLst>
                         <p:cond delay="indefinite"/>
                       </p:stCondLst>
                       <p:childTnLst>
                         <p:par>
-                          <p:cTn id="25" fill="hold">
+                          <p:cTn id="35" fill="hold">
                             <p:stCondLst>
                               <p:cond delay="0"/>
                             </p:stCondLst>
                             <p:childTnLst>
                               <p:par>
-                                <p:cTn id="26" presetID="42" presetClass="entr" presetSubtype="0" fill="hold" nodeType="clickEffect">
+                                <p:cTn id="36" presetID="42" presetClass="entr" presetSubtype="0" fill="hold" nodeType="clickEffect">
                                   <p:stCondLst>
                                     <p:cond delay="0"/>
                                   </p:stCondLst>
                                   <p:childTnLst>
                                     <p:set>
                                       <p:cBhvr>
-                                        <p:cTn id="27" dur="1" fill="hold">
+                                        <p:cTn id="37" dur="1" fill="hold">
                                           <p:stCondLst>
                                             <p:cond delay="0"/>
                                           </p:stCondLst>
@@ -4033,7 +3847,7 @@
                                         <p:tgtEl>
                                           <p:spTgt spid="3">
                                             <p:txEl>
-                                              <p:pRg st="3" end="3"/>
+                                              <p:pRg st="5" end="5"/>
                                             </p:txEl>
                                           </p:spTgt>
                                         </p:tgtEl>
@@ -4047,11 +3861,11 @@
                                     </p:set>
                                     <p:animEffect transition="in" filter="fade">
                                       <p:cBhvr>
-                                        <p:cTn id="28" dur="1000"/>
+                                        <p:cTn id="38" dur="1000"/>
                                         <p:tgtEl>
                                           <p:spTgt spid="3">
                                             <p:txEl>
-                                              <p:pRg st="3" end="3"/>
+                                              <p:pRg st="5" end="5"/>
                                             </p:txEl>
                                           </p:spTgt>
                                         </p:tgtEl>
@@ -4059,11 +3873,11 @@
                                     </p:animEffect>
                                     <p:anim calcmode="lin" valueType="num">
                                       <p:cBhvr>
-                                        <p:cTn id="29" dur="1000" fill="hold"/>
+                                        <p:cTn id="39" dur="1000" fill="hold"/>
                                         <p:tgtEl>
                                           <p:spTgt spid="3">
                                             <p:txEl>
-                                              <p:pRg st="3" end="3"/>
+                                              <p:pRg st="5" end="5"/>
                                             </p:txEl>
                                           </p:spTgt>
                                         </p:tgtEl>
@@ -4086,11 +3900,11 @@
                                     </p:anim>
                                     <p:anim calcmode="lin" valueType="num">
                                       <p:cBhvr>
-                                        <p:cTn id="30" dur="1000" fill="hold"/>
+                                        <p:cTn id="40" dur="1000" fill="hold"/>
                                         <p:tgtEl>
                                           <p:spTgt spid="3">
                                             <p:txEl>
-                                              <p:pRg st="3" end="3"/>
+                                              <p:pRg st="5" end="5"/>
                                             </p:txEl>
                                           </p:spTgt>
                                         </p:tgtEl>
@@ -4121,26 +3935,803 @@
                     </p:cTn>
                   </p:par>
                   <p:par>
-                    <p:cTn id="31" fill="hold">
+                    <p:cTn id="41" fill="hold">
                       <p:stCondLst>
                         <p:cond delay="indefinite"/>
                       </p:stCondLst>
                       <p:childTnLst>
                         <p:par>
-                          <p:cTn id="32" fill="hold">
+                          <p:cTn id="42" fill="hold">
                             <p:stCondLst>
                               <p:cond delay="0"/>
                             </p:stCondLst>
                             <p:childTnLst>
                               <p:par>
-                                <p:cTn id="33" presetID="42" presetClass="entr" presetSubtype="0" fill="hold" nodeType="clickEffect">
+                                <p:cTn id="43" presetID="42" presetClass="entr" presetSubtype="0" fill="hold" nodeType="clickEffect">
                                   <p:stCondLst>
                                     <p:cond delay="0"/>
                                   </p:stCondLst>
                                   <p:childTnLst>
                                     <p:set>
                                       <p:cBhvr>
-                                        <p:cTn id="34" dur="1" fill="hold">
+                                        <p:cTn id="44" dur="1" fill="hold">
+                                          <p:stCondLst>
+                                            <p:cond delay="0"/>
+                                          </p:stCondLst>
+                                        </p:cTn>
+                                        <p:tgtEl>
+                                          <p:spTgt spid="3">
+                                            <p:txEl>
+                                              <p:pRg st="6" end="6"/>
+                                            </p:txEl>
+                                          </p:spTgt>
+                                        </p:tgtEl>
+                                        <p:attrNameLst>
+                                          <p:attrName>style.visibility</p:attrName>
+                                        </p:attrNameLst>
+                                      </p:cBhvr>
+                                      <p:to>
+                                        <p:strVal val="visible"/>
+                                      </p:to>
+                                    </p:set>
+                                    <p:animEffect transition="in" filter="fade">
+                                      <p:cBhvr>
+                                        <p:cTn id="45" dur="1000"/>
+                                        <p:tgtEl>
+                                          <p:spTgt spid="3">
+                                            <p:txEl>
+                                              <p:pRg st="6" end="6"/>
+                                            </p:txEl>
+                                          </p:spTgt>
+                                        </p:tgtEl>
+                                      </p:cBhvr>
+                                    </p:animEffect>
+                                    <p:anim calcmode="lin" valueType="num">
+                                      <p:cBhvr>
+                                        <p:cTn id="46" dur="1000" fill="hold"/>
+                                        <p:tgtEl>
+                                          <p:spTgt spid="3">
+                                            <p:txEl>
+                                              <p:pRg st="6" end="6"/>
+                                            </p:txEl>
+                                          </p:spTgt>
+                                        </p:tgtEl>
+                                        <p:attrNameLst>
+                                          <p:attrName>ppt_x</p:attrName>
+                                        </p:attrNameLst>
+                                      </p:cBhvr>
+                                      <p:tavLst>
+                                        <p:tav tm="0">
+                                          <p:val>
+                                            <p:strVal val="#ppt_x"/>
+                                          </p:val>
+                                        </p:tav>
+                                        <p:tav tm="100000">
+                                          <p:val>
+                                            <p:strVal val="#ppt_x"/>
+                                          </p:val>
+                                        </p:tav>
+                                      </p:tavLst>
+                                    </p:anim>
+                                    <p:anim calcmode="lin" valueType="num">
+                                      <p:cBhvr>
+                                        <p:cTn id="47" dur="1000" fill="hold"/>
+                                        <p:tgtEl>
+                                          <p:spTgt spid="3">
+                                            <p:txEl>
+                                              <p:pRg st="6" end="6"/>
+                                            </p:txEl>
+                                          </p:spTgt>
+                                        </p:tgtEl>
+                                        <p:attrNameLst>
+                                          <p:attrName>ppt_y</p:attrName>
+                                        </p:attrNameLst>
+                                      </p:cBhvr>
+                                      <p:tavLst>
+                                        <p:tav tm="0">
+                                          <p:val>
+                                            <p:strVal val="#ppt_y+.1"/>
+                                          </p:val>
+                                        </p:tav>
+                                        <p:tav tm="100000">
+                                          <p:val>
+                                            <p:strVal val="#ppt_y"/>
+                                          </p:val>
+                                        </p:tav>
+                                      </p:tavLst>
+                                    </p:anim>
+                                  </p:childTnLst>
+                                </p:cTn>
+                              </p:par>
+                            </p:childTnLst>
+                          </p:cTn>
+                        </p:par>
+                      </p:childTnLst>
+                    </p:cTn>
+                  </p:par>
+                  <p:par>
+                    <p:cTn id="48" fill="hold">
+                      <p:stCondLst>
+                        <p:cond delay="indefinite"/>
+                      </p:stCondLst>
+                      <p:childTnLst>
+                        <p:par>
+                          <p:cTn id="49" fill="hold">
+                            <p:stCondLst>
+                              <p:cond delay="0"/>
+                            </p:stCondLst>
+                            <p:childTnLst>
+                              <p:par>
+                                <p:cTn id="50" presetID="42" presetClass="entr" presetSubtype="0" fill="hold" nodeType="clickEffect">
+                                  <p:stCondLst>
+                                    <p:cond delay="0"/>
+                                  </p:stCondLst>
+                                  <p:childTnLst>
+                                    <p:set>
+                                      <p:cBhvr>
+                                        <p:cTn id="51" dur="1" fill="hold">
+                                          <p:stCondLst>
+                                            <p:cond delay="0"/>
+                                          </p:stCondLst>
+                                        </p:cTn>
+                                        <p:tgtEl>
+                                          <p:spTgt spid="3">
+                                            <p:txEl>
+                                              <p:pRg st="7" end="7"/>
+                                            </p:txEl>
+                                          </p:spTgt>
+                                        </p:tgtEl>
+                                        <p:attrNameLst>
+                                          <p:attrName>style.visibility</p:attrName>
+                                        </p:attrNameLst>
+                                      </p:cBhvr>
+                                      <p:to>
+                                        <p:strVal val="visible"/>
+                                      </p:to>
+                                    </p:set>
+                                    <p:animEffect transition="in" filter="fade">
+                                      <p:cBhvr>
+                                        <p:cTn id="52" dur="1000"/>
+                                        <p:tgtEl>
+                                          <p:spTgt spid="3">
+                                            <p:txEl>
+                                              <p:pRg st="7" end="7"/>
+                                            </p:txEl>
+                                          </p:spTgt>
+                                        </p:tgtEl>
+                                      </p:cBhvr>
+                                    </p:animEffect>
+                                    <p:anim calcmode="lin" valueType="num">
+                                      <p:cBhvr>
+                                        <p:cTn id="53" dur="1000" fill="hold"/>
+                                        <p:tgtEl>
+                                          <p:spTgt spid="3">
+                                            <p:txEl>
+                                              <p:pRg st="7" end="7"/>
+                                            </p:txEl>
+                                          </p:spTgt>
+                                        </p:tgtEl>
+                                        <p:attrNameLst>
+                                          <p:attrName>ppt_x</p:attrName>
+                                        </p:attrNameLst>
+                                      </p:cBhvr>
+                                      <p:tavLst>
+                                        <p:tav tm="0">
+                                          <p:val>
+                                            <p:strVal val="#ppt_x"/>
+                                          </p:val>
+                                        </p:tav>
+                                        <p:tav tm="100000">
+                                          <p:val>
+                                            <p:strVal val="#ppt_x"/>
+                                          </p:val>
+                                        </p:tav>
+                                      </p:tavLst>
+                                    </p:anim>
+                                    <p:anim calcmode="lin" valueType="num">
+                                      <p:cBhvr>
+                                        <p:cTn id="54" dur="1000" fill="hold"/>
+                                        <p:tgtEl>
+                                          <p:spTgt spid="3">
+                                            <p:txEl>
+                                              <p:pRg st="7" end="7"/>
+                                            </p:txEl>
+                                          </p:spTgt>
+                                        </p:tgtEl>
+                                        <p:attrNameLst>
+                                          <p:attrName>ppt_y</p:attrName>
+                                        </p:attrNameLst>
+                                      </p:cBhvr>
+                                      <p:tavLst>
+                                        <p:tav tm="0">
+                                          <p:val>
+                                            <p:strVal val="#ppt_y+.1"/>
+                                          </p:val>
+                                        </p:tav>
+                                        <p:tav tm="100000">
+                                          <p:val>
+                                            <p:strVal val="#ppt_y"/>
+                                          </p:val>
+                                        </p:tav>
+                                      </p:tavLst>
+                                    </p:anim>
+                                  </p:childTnLst>
+                                </p:cTn>
+                              </p:par>
+                            </p:childTnLst>
+                          </p:cTn>
+                        </p:par>
+                      </p:childTnLst>
+                    </p:cTn>
+                  </p:par>
+                </p:childTnLst>
+              </p:cTn>
+              <p:prevCondLst>
+                <p:cond evt="onPrev" delay="0">
+                  <p:tgtEl>
+                    <p:sldTgt/>
+                  </p:tgtEl>
+                </p:cond>
+              </p:prevCondLst>
+              <p:nextCondLst>
+                <p:cond evt="onNext" delay="0">
+                  <p:tgtEl>
+                    <p:sldTgt/>
+                  </p:tgtEl>
+                </p:cond>
+              </p:nextCondLst>
+            </p:seq>
+          </p:childTnLst>
+        </p:cTn>
+      </p:par>
+    </p:tnLst>
+  </p:timing>
+</p:sld>
+</file>
+
+<file path=ppt/slides/slide11.xml><?xml version="1.0" encoding="utf-8"?>
+<p:sld xmlns:a="http://schemas.openxmlformats.org/drawingml/2006/main" xmlns:r="http://schemas.openxmlformats.org/officeDocument/2006/relationships" xmlns:p="http://schemas.openxmlformats.org/presentationml/2006/main">
+  <p:cSld>
+    <p:spTree>
+      <p:nvGrpSpPr>
+        <p:cNvPr id="1" name=""/>
+        <p:cNvGrpSpPr/>
+        <p:nvPr/>
+      </p:nvGrpSpPr>
+      <p:grpSpPr>
+        <a:xfrm>
+          <a:off x="0" y="0"/>
+          <a:ext cx="0" cy="0"/>
+          <a:chOff x="0" y="0"/>
+          <a:chExt cx="0" cy="0"/>
+        </a:xfrm>
+      </p:grpSpPr>
+      <p:sp>
+        <p:nvSpPr>
+          <p:cNvPr id="2" name="Title 1"/>
+          <p:cNvSpPr>
+            <a:spLocks noGrp="1"/>
+          </p:cNvSpPr>
+          <p:nvPr>
+            <p:ph type="title"/>
+          </p:nvPr>
+        </p:nvSpPr>
+        <p:spPr/>
+        <p:txBody>
+          <a:bodyPr/>
+          <a:lstStyle/>
+          <a:p>
+            <a:r>
+              <a:rPr lang="en-US" dirty="0" smtClean="0"/>
+              <a:t>What about performance</a:t>
+            </a:r>
+            <a:endParaRPr lang="en-US" dirty="0"/>
+          </a:p>
+        </p:txBody>
+      </p:sp>
+      <p:sp>
+        <p:nvSpPr>
+          <p:cNvPr id="3" name="Content Placeholder 2"/>
+          <p:cNvSpPr>
+            <a:spLocks noGrp="1"/>
+          </p:cNvSpPr>
+          <p:nvPr>
+            <p:ph idx="1"/>
+          </p:nvPr>
+        </p:nvSpPr>
+        <p:spPr/>
+        <p:txBody>
+          <a:bodyPr/>
+          <a:lstStyle/>
+          <a:p>
+            <a:r>
+              <a:rPr lang="en-US" dirty="0" err="1" smtClean="0"/>
+              <a:t>AngularJs</a:t>
+            </a:r>
+            <a:r>
+              <a:rPr lang="en-US" dirty="0" smtClean="0"/>
+              <a:t> 1</a:t>
+            </a:r>
+          </a:p>
+          <a:p>
+            <a:pPr lvl="1"/>
+            <a:r>
+              <a:rPr lang="en-US" dirty="0" smtClean="0"/>
+              <a:t> Dirty checking on POJSO</a:t>
+            </a:r>
+          </a:p>
+          <a:p>
+            <a:r>
+              <a:rPr lang="en-US" dirty="0" err="1" smtClean="0"/>
+              <a:t>EmberJs</a:t>
+            </a:r>
+            <a:r>
+              <a:rPr lang="en-US" dirty="0" smtClean="0"/>
+              <a:t> &amp; </a:t>
+            </a:r>
+            <a:r>
+              <a:rPr lang="en-US" dirty="0" err="1" smtClean="0"/>
+              <a:t>BackboneJs</a:t>
+            </a:r>
+            <a:endParaRPr lang="en-US" dirty="0"/>
+          </a:p>
+          <a:p>
+            <a:pPr lvl="1"/>
+            <a:r>
+              <a:rPr lang="en-US" dirty="0" err="1" smtClean="0"/>
+              <a:t>Accessors</a:t>
+            </a:r>
+            <a:r>
+              <a:rPr lang="en-US" dirty="0" smtClean="0"/>
+              <a:t> (getter and setter) on wrapped objects.</a:t>
+            </a:r>
+          </a:p>
+          <a:p>
+            <a:r>
+              <a:rPr lang="en-US" dirty="0" err="1" smtClean="0"/>
+              <a:t>KnockoutJs</a:t>
+            </a:r>
+            <a:endParaRPr lang="en-US" dirty="0" smtClean="0"/>
+          </a:p>
+          <a:p>
+            <a:pPr lvl="1"/>
+            <a:r>
+              <a:rPr lang="en-US" dirty="0" smtClean="0"/>
+              <a:t>MVVM Observable pattern.</a:t>
+            </a:r>
+          </a:p>
+          <a:p>
+            <a:endParaRPr lang="en-US" dirty="0"/>
+          </a:p>
+        </p:txBody>
+      </p:sp>
+    </p:spTree>
+    <p:extLst>
+      <p:ext uri="{BB962C8B-B14F-4D97-AF65-F5344CB8AC3E}">
+        <p14:creationId xmlns:p14="http://schemas.microsoft.com/office/powerpoint/2010/main" val="3343677382"/>
+      </p:ext>
+    </p:extLst>
+  </p:cSld>
+  <p:clrMapOvr>
+    <a:masterClrMapping/>
+  </p:clrMapOvr>
+  <p:timing>
+    <p:tnLst>
+      <p:par>
+        <p:cTn id="1" dur="indefinite" restart="never" nodeType="tmRoot">
+          <p:childTnLst>
+            <p:seq concurrent="1" nextAc="seek">
+              <p:cTn id="2" dur="indefinite" nodeType="mainSeq">
+                <p:childTnLst>
+                  <p:par>
+                    <p:cTn id="3" fill="hold">
+                      <p:stCondLst>
+                        <p:cond delay="indefinite"/>
+                      </p:stCondLst>
+                      <p:childTnLst>
+                        <p:par>
+                          <p:cTn id="4" fill="hold">
+                            <p:stCondLst>
+                              <p:cond delay="0"/>
+                            </p:stCondLst>
+                            <p:childTnLst>
+                              <p:par>
+                                <p:cTn id="5" presetID="42" presetClass="entr" presetSubtype="0" fill="hold" nodeType="clickEffect">
+                                  <p:stCondLst>
+                                    <p:cond delay="0"/>
+                                  </p:stCondLst>
+                                  <p:childTnLst>
+                                    <p:set>
+                                      <p:cBhvr>
+                                        <p:cTn id="6" dur="1" fill="hold">
+                                          <p:stCondLst>
+                                            <p:cond delay="0"/>
+                                          </p:stCondLst>
+                                        </p:cTn>
+                                        <p:tgtEl>
+                                          <p:spTgt spid="3">
+                                            <p:txEl>
+                                              <p:pRg st="0" end="0"/>
+                                            </p:txEl>
+                                          </p:spTgt>
+                                        </p:tgtEl>
+                                        <p:attrNameLst>
+                                          <p:attrName>style.visibility</p:attrName>
+                                        </p:attrNameLst>
+                                      </p:cBhvr>
+                                      <p:to>
+                                        <p:strVal val="visible"/>
+                                      </p:to>
+                                    </p:set>
+                                    <p:animEffect transition="in" filter="fade">
+                                      <p:cBhvr>
+                                        <p:cTn id="7" dur="1000"/>
+                                        <p:tgtEl>
+                                          <p:spTgt spid="3">
+                                            <p:txEl>
+                                              <p:pRg st="0" end="0"/>
+                                            </p:txEl>
+                                          </p:spTgt>
+                                        </p:tgtEl>
+                                      </p:cBhvr>
+                                    </p:animEffect>
+                                    <p:anim calcmode="lin" valueType="num">
+                                      <p:cBhvr>
+                                        <p:cTn id="8" dur="1000" fill="hold"/>
+                                        <p:tgtEl>
+                                          <p:spTgt spid="3">
+                                            <p:txEl>
+                                              <p:pRg st="0" end="0"/>
+                                            </p:txEl>
+                                          </p:spTgt>
+                                        </p:tgtEl>
+                                        <p:attrNameLst>
+                                          <p:attrName>ppt_x</p:attrName>
+                                        </p:attrNameLst>
+                                      </p:cBhvr>
+                                      <p:tavLst>
+                                        <p:tav tm="0">
+                                          <p:val>
+                                            <p:strVal val="#ppt_x"/>
+                                          </p:val>
+                                        </p:tav>
+                                        <p:tav tm="100000">
+                                          <p:val>
+                                            <p:strVal val="#ppt_x"/>
+                                          </p:val>
+                                        </p:tav>
+                                      </p:tavLst>
+                                    </p:anim>
+                                    <p:anim calcmode="lin" valueType="num">
+                                      <p:cBhvr>
+                                        <p:cTn id="9" dur="1000" fill="hold"/>
+                                        <p:tgtEl>
+                                          <p:spTgt spid="3">
+                                            <p:txEl>
+                                              <p:pRg st="0" end="0"/>
+                                            </p:txEl>
+                                          </p:spTgt>
+                                        </p:tgtEl>
+                                        <p:attrNameLst>
+                                          <p:attrName>ppt_y</p:attrName>
+                                        </p:attrNameLst>
+                                      </p:cBhvr>
+                                      <p:tavLst>
+                                        <p:tav tm="0">
+                                          <p:val>
+                                            <p:strVal val="#ppt_y+.1"/>
+                                          </p:val>
+                                        </p:tav>
+                                        <p:tav tm="100000">
+                                          <p:val>
+                                            <p:strVal val="#ppt_y"/>
+                                          </p:val>
+                                        </p:tav>
+                                      </p:tavLst>
+                                    </p:anim>
+                                  </p:childTnLst>
+                                </p:cTn>
+                              </p:par>
+                              <p:par>
+                                <p:cTn id="10" presetID="42" presetClass="entr" presetSubtype="0" fill="hold" nodeType="withEffect">
+                                  <p:stCondLst>
+                                    <p:cond delay="0"/>
+                                  </p:stCondLst>
+                                  <p:childTnLst>
+                                    <p:set>
+                                      <p:cBhvr>
+                                        <p:cTn id="11" dur="1" fill="hold">
+                                          <p:stCondLst>
+                                            <p:cond delay="0"/>
+                                          </p:stCondLst>
+                                        </p:cTn>
+                                        <p:tgtEl>
+                                          <p:spTgt spid="3">
+                                            <p:txEl>
+                                              <p:pRg st="1" end="1"/>
+                                            </p:txEl>
+                                          </p:spTgt>
+                                        </p:tgtEl>
+                                        <p:attrNameLst>
+                                          <p:attrName>style.visibility</p:attrName>
+                                        </p:attrNameLst>
+                                      </p:cBhvr>
+                                      <p:to>
+                                        <p:strVal val="visible"/>
+                                      </p:to>
+                                    </p:set>
+                                    <p:animEffect transition="in" filter="fade">
+                                      <p:cBhvr>
+                                        <p:cTn id="12" dur="1000"/>
+                                        <p:tgtEl>
+                                          <p:spTgt spid="3">
+                                            <p:txEl>
+                                              <p:pRg st="1" end="1"/>
+                                            </p:txEl>
+                                          </p:spTgt>
+                                        </p:tgtEl>
+                                      </p:cBhvr>
+                                    </p:animEffect>
+                                    <p:anim calcmode="lin" valueType="num">
+                                      <p:cBhvr>
+                                        <p:cTn id="13" dur="1000" fill="hold"/>
+                                        <p:tgtEl>
+                                          <p:spTgt spid="3">
+                                            <p:txEl>
+                                              <p:pRg st="1" end="1"/>
+                                            </p:txEl>
+                                          </p:spTgt>
+                                        </p:tgtEl>
+                                        <p:attrNameLst>
+                                          <p:attrName>ppt_x</p:attrName>
+                                        </p:attrNameLst>
+                                      </p:cBhvr>
+                                      <p:tavLst>
+                                        <p:tav tm="0">
+                                          <p:val>
+                                            <p:strVal val="#ppt_x"/>
+                                          </p:val>
+                                        </p:tav>
+                                        <p:tav tm="100000">
+                                          <p:val>
+                                            <p:strVal val="#ppt_x"/>
+                                          </p:val>
+                                        </p:tav>
+                                      </p:tavLst>
+                                    </p:anim>
+                                    <p:anim calcmode="lin" valueType="num">
+                                      <p:cBhvr>
+                                        <p:cTn id="14" dur="1000" fill="hold"/>
+                                        <p:tgtEl>
+                                          <p:spTgt spid="3">
+                                            <p:txEl>
+                                              <p:pRg st="1" end="1"/>
+                                            </p:txEl>
+                                          </p:spTgt>
+                                        </p:tgtEl>
+                                        <p:attrNameLst>
+                                          <p:attrName>ppt_y</p:attrName>
+                                        </p:attrNameLst>
+                                      </p:cBhvr>
+                                      <p:tavLst>
+                                        <p:tav tm="0">
+                                          <p:val>
+                                            <p:strVal val="#ppt_y+.1"/>
+                                          </p:val>
+                                        </p:tav>
+                                        <p:tav tm="100000">
+                                          <p:val>
+                                            <p:strVal val="#ppt_y"/>
+                                          </p:val>
+                                        </p:tav>
+                                      </p:tavLst>
+                                    </p:anim>
+                                  </p:childTnLst>
+                                </p:cTn>
+                              </p:par>
+                              <p:par>
+                                <p:cTn id="15" presetID="42" presetClass="entr" presetSubtype="0" fill="hold" nodeType="withEffect">
+                                  <p:stCondLst>
+                                    <p:cond delay="0"/>
+                                  </p:stCondLst>
+                                  <p:childTnLst>
+                                    <p:set>
+                                      <p:cBhvr>
+                                        <p:cTn id="16" dur="1" fill="hold">
+                                          <p:stCondLst>
+                                            <p:cond delay="0"/>
+                                          </p:stCondLst>
+                                        </p:cTn>
+                                        <p:tgtEl>
+                                          <p:spTgt spid="3">
+                                            <p:txEl>
+                                              <p:pRg st="2" end="2"/>
+                                            </p:txEl>
+                                          </p:spTgt>
+                                        </p:tgtEl>
+                                        <p:attrNameLst>
+                                          <p:attrName>style.visibility</p:attrName>
+                                        </p:attrNameLst>
+                                      </p:cBhvr>
+                                      <p:to>
+                                        <p:strVal val="visible"/>
+                                      </p:to>
+                                    </p:set>
+                                    <p:animEffect transition="in" filter="fade">
+                                      <p:cBhvr>
+                                        <p:cTn id="17" dur="1000"/>
+                                        <p:tgtEl>
+                                          <p:spTgt spid="3">
+                                            <p:txEl>
+                                              <p:pRg st="2" end="2"/>
+                                            </p:txEl>
+                                          </p:spTgt>
+                                        </p:tgtEl>
+                                      </p:cBhvr>
+                                    </p:animEffect>
+                                    <p:anim calcmode="lin" valueType="num">
+                                      <p:cBhvr>
+                                        <p:cTn id="18" dur="1000" fill="hold"/>
+                                        <p:tgtEl>
+                                          <p:spTgt spid="3">
+                                            <p:txEl>
+                                              <p:pRg st="2" end="2"/>
+                                            </p:txEl>
+                                          </p:spTgt>
+                                        </p:tgtEl>
+                                        <p:attrNameLst>
+                                          <p:attrName>ppt_x</p:attrName>
+                                        </p:attrNameLst>
+                                      </p:cBhvr>
+                                      <p:tavLst>
+                                        <p:tav tm="0">
+                                          <p:val>
+                                            <p:strVal val="#ppt_x"/>
+                                          </p:val>
+                                        </p:tav>
+                                        <p:tav tm="100000">
+                                          <p:val>
+                                            <p:strVal val="#ppt_x"/>
+                                          </p:val>
+                                        </p:tav>
+                                      </p:tavLst>
+                                    </p:anim>
+                                    <p:anim calcmode="lin" valueType="num">
+                                      <p:cBhvr>
+                                        <p:cTn id="19" dur="1000" fill="hold"/>
+                                        <p:tgtEl>
+                                          <p:spTgt spid="3">
+                                            <p:txEl>
+                                              <p:pRg st="2" end="2"/>
+                                            </p:txEl>
+                                          </p:spTgt>
+                                        </p:tgtEl>
+                                        <p:attrNameLst>
+                                          <p:attrName>ppt_y</p:attrName>
+                                        </p:attrNameLst>
+                                      </p:cBhvr>
+                                      <p:tavLst>
+                                        <p:tav tm="0">
+                                          <p:val>
+                                            <p:strVal val="#ppt_y+.1"/>
+                                          </p:val>
+                                        </p:tav>
+                                        <p:tav tm="100000">
+                                          <p:val>
+                                            <p:strVal val="#ppt_y"/>
+                                          </p:val>
+                                        </p:tav>
+                                      </p:tavLst>
+                                    </p:anim>
+                                  </p:childTnLst>
+                                </p:cTn>
+                              </p:par>
+                              <p:par>
+                                <p:cTn id="20" presetID="42" presetClass="entr" presetSubtype="0" fill="hold" nodeType="withEffect">
+                                  <p:stCondLst>
+                                    <p:cond delay="0"/>
+                                  </p:stCondLst>
+                                  <p:childTnLst>
+                                    <p:set>
+                                      <p:cBhvr>
+                                        <p:cTn id="21" dur="1" fill="hold">
+                                          <p:stCondLst>
+                                            <p:cond delay="0"/>
+                                          </p:stCondLst>
+                                        </p:cTn>
+                                        <p:tgtEl>
+                                          <p:spTgt spid="3">
+                                            <p:txEl>
+                                              <p:pRg st="3" end="3"/>
+                                            </p:txEl>
+                                          </p:spTgt>
+                                        </p:tgtEl>
+                                        <p:attrNameLst>
+                                          <p:attrName>style.visibility</p:attrName>
+                                        </p:attrNameLst>
+                                      </p:cBhvr>
+                                      <p:to>
+                                        <p:strVal val="visible"/>
+                                      </p:to>
+                                    </p:set>
+                                    <p:animEffect transition="in" filter="fade">
+                                      <p:cBhvr>
+                                        <p:cTn id="22" dur="1000"/>
+                                        <p:tgtEl>
+                                          <p:spTgt spid="3">
+                                            <p:txEl>
+                                              <p:pRg st="3" end="3"/>
+                                            </p:txEl>
+                                          </p:spTgt>
+                                        </p:tgtEl>
+                                      </p:cBhvr>
+                                    </p:animEffect>
+                                    <p:anim calcmode="lin" valueType="num">
+                                      <p:cBhvr>
+                                        <p:cTn id="23" dur="1000" fill="hold"/>
+                                        <p:tgtEl>
+                                          <p:spTgt spid="3">
+                                            <p:txEl>
+                                              <p:pRg st="3" end="3"/>
+                                            </p:txEl>
+                                          </p:spTgt>
+                                        </p:tgtEl>
+                                        <p:attrNameLst>
+                                          <p:attrName>ppt_x</p:attrName>
+                                        </p:attrNameLst>
+                                      </p:cBhvr>
+                                      <p:tavLst>
+                                        <p:tav tm="0">
+                                          <p:val>
+                                            <p:strVal val="#ppt_x"/>
+                                          </p:val>
+                                        </p:tav>
+                                        <p:tav tm="100000">
+                                          <p:val>
+                                            <p:strVal val="#ppt_x"/>
+                                          </p:val>
+                                        </p:tav>
+                                      </p:tavLst>
+                                    </p:anim>
+                                    <p:anim calcmode="lin" valueType="num">
+                                      <p:cBhvr>
+                                        <p:cTn id="24" dur="1000" fill="hold"/>
+                                        <p:tgtEl>
+                                          <p:spTgt spid="3">
+                                            <p:txEl>
+                                              <p:pRg st="3" end="3"/>
+                                            </p:txEl>
+                                          </p:spTgt>
+                                        </p:tgtEl>
+                                        <p:attrNameLst>
+                                          <p:attrName>ppt_y</p:attrName>
+                                        </p:attrNameLst>
+                                      </p:cBhvr>
+                                      <p:tavLst>
+                                        <p:tav tm="0">
+                                          <p:val>
+                                            <p:strVal val="#ppt_y+.1"/>
+                                          </p:val>
+                                        </p:tav>
+                                        <p:tav tm="100000">
+                                          <p:val>
+                                            <p:strVal val="#ppt_y"/>
+                                          </p:val>
+                                        </p:tav>
+                                      </p:tavLst>
+                                    </p:anim>
+                                  </p:childTnLst>
+                                </p:cTn>
+                              </p:par>
+                              <p:par>
+                                <p:cTn id="25" presetID="42" presetClass="entr" presetSubtype="0" fill="hold" nodeType="withEffect">
+                                  <p:stCondLst>
+                                    <p:cond delay="0"/>
+                                  </p:stCondLst>
+                                  <p:childTnLst>
+                                    <p:set>
+                                      <p:cBhvr>
+                                        <p:cTn id="26" dur="1" fill="hold">
                                           <p:stCondLst>
                                             <p:cond delay="0"/>
                                           </p:stCondLst>
@@ -4162,7 +4753,7 @@
                                     </p:set>
                                     <p:animEffect transition="in" filter="fade">
                                       <p:cBhvr>
-                                        <p:cTn id="35" dur="1000"/>
+                                        <p:cTn id="27" dur="1000"/>
                                         <p:tgtEl>
                                           <p:spTgt spid="3">
                                             <p:txEl>
@@ -4174,7 +4765,7 @@
                                     </p:animEffect>
                                     <p:anim calcmode="lin" valueType="num">
                                       <p:cBhvr>
-                                        <p:cTn id="36" dur="1000" fill="hold"/>
+                                        <p:cTn id="28" dur="1000" fill="hold"/>
                                         <p:tgtEl>
                                           <p:spTgt spid="3">
                                             <p:txEl>
@@ -4201,11 +4792,108 @@
                                     </p:anim>
                                     <p:anim calcmode="lin" valueType="num">
                                       <p:cBhvr>
-                                        <p:cTn id="37" dur="1000" fill="hold"/>
+                                        <p:cTn id="29" dur="1000" fill="hold"/>
                                         <p:tgtEl>
                                           <p:spTgt spid="3">
                                             <p:txEl>
                                               <p:pRg st="4" end="4"/>
+                                            </p:txEl>
+                                          </p:spTgt>
+                                        </p:tgtEl>
+                                        <p:attrNameLst>
+                                          <p:attrName>ppt_y</p:attrName>
+                                        </p:attrNameLst>
+                                      </p:cBhvr>
+                                      <p:tavLst>
+                                        <p:tav tm="0">
+                                          <p:val>
+                                            <p:strVal val="#ppt_y+.1"/>
+                                          </p:val>
+                                        </p:tav>
+                                        <p:tav tm="100000">
+                                          <p:val>
+                                            <p:strVal val="#ppt_y"/>
+                                          </p:val>
+                                        </p:tav>
+                                      </p:tavLst>
+                                    </p:anim>
+                                  </p:childTnLst>
+                                </p:cTn>
+                              </p:par>
+                              <p:par>
+                                <p:cTn id="30" presetID="42" presetClass="entr" presetSubtype="0" fill="hold" nodeType="withEffect">
+                                  <p:stCondLst>
+                                    <p:cond delay="0"/>
+                                  </p:stCondLst>
+                                  <p:childTnLst>
+                                    <p:set>
+                                      <p:cBhvr>
+                                        <p:cTn id="31" dur="1" fill="hold">
+                                          <p:stCondLst>
+                                            <p:cond delay="0"/>
+                                          </p:stCondLst>
+                                        </p:cTn>
+                                        <p:tgtEl>
+                                          <p:spTgt spid="3">
+                                            <p:txEl>
+                                              <p:pRg st="5" end="5"/>
+                                            </p:txEl>
+                                          </p:spTgt>
+                                        </p:tgtEl>
+                                        <p:attrNameLst>
+                                          <p:attrName>style.visibility</p:attrName>
+                                        </p:attrNameLst>
+                                      </p:cBhvr>
+                                      <p:to>
+                                        <p:strVal val="visible"/>
+                                      </p:to>
+                                    </p:set>
+                                    <p:animEffect transition="in" filter="fade">
+                                      <p:cBhvr>
+                                        <p:cTn id="32" dur="1000"/>
+                                        <p:tgtEl>
+                                          <p:spTgt spid="3">
+                                            <p:txEl>
+                                              <p:pRg st="5" end="5"/>
+                                            </p:txEl>
+                                          </p:spTgt>
+                                        </p:tgtEl>
+                                      </p:cBhvr>
+                                    </p:animEffect>
+                                    <p:anim calcmode="lin" valueType="num">
+                                      <p:cBhvr>
+                                        <p:cTn id="33" dur="1000" fill="hold"/>
+                                        <p:tgtEl>
+                                          <p:spTgt spid="3">
+                                            <p:txEl>
+                                              <p:pRg st="5" end="5"/>
+                                            </p:txEl>
+                                          </p:spTgt>
+                                        </p:tgtEl>
+                                        <p:attrNameLst>
+                                          <p:attrName>ppt_x</p:attrName>
+                                        </p:attrNameLst>
+                                      </p:cBhvr>
+                                      <p:tavLst>
+                                        <p:tav tm="0">
+                                          <p:val>
+                                            <p:strVal val="#ppt_x"/>
+                                          </p:val>
+                                        </p:tav>
+                                        <p:tav tm="100000">
+                                          <p:val>
+                                            <p:strVal val="#ppt_x"/>
+                                          </p:val>
+                                        </p:tav>
+                                      </p:tavLst>
+                                    </p:anim>
+                                    <p:anim calcmode="lin" valueType="num">
+                                      <p:cBhvr>
+                                        <p:cTn id="34" dur="1000" fill="hold"/>
+                                        <p:tgtEl>
+                                          <p:spTgt spid="3">
+                                            <p:txEl>
+                                              <p:pRg st="5" end="5"/>
                                             </p:txEl>
                                           </p:spTgt>
                                         </p:tgtEl>
@@ -4294,7 +4982,7 @@
           <a:p>
             <a:r>
               <a:rPr lang="en-US" dirty="0" smtClean="0"/>
-              <a:t>Questions</a:t>
+              <a:t>Demo</a:t>
             </a:r>
             <a:endParaRPr lang="en-US" dirty="0"/>
           </a:p>
@@ -4317,76 +5005,15 @@
           <a:p>
             <a:r>
               <a:rPr lang="en-US" dirty="0" smtClean="0"/>
-              <a:t>What event will trigger $apply?</a:t>
-            </a:r>
-          </a:p>
-          <a:p>
-            <a:pPr lvl="1"/>
-            <a:r>
-              <a:rPr lang="en-US" dirty="0" smtClean="0"/>
-              <a:t>$timeout</a:t>
-            </a:r>
-          </a:p>
-          <a:p>
-            <a:pPr lvl="1"/>
-            <a:r>
-              <a:rPr lang="en-US" dirty="0" smtClean="0"/>
-              <a:t>ng-action ( ng-click, ng-</a:t>
-            </a:r>
-            <a:r>
-              <a:rPr lang="en-US" dirty="0" err="1" smtClean="0"/>
-              <a:t>keydown</a:t>
-            </a:r>
-            <a:r>
-              <a:rPr lang="en-US" dirty="0" smtClean="0"/>
-              <a:t>…)</a:t>
-            </a:r>
-          </a:p>
-          <a:p>
-            <a:pPr lvl="1"/>
-            <a:r>
-              <a:rPr lang="en-US" dirty="0"/>
-              <a:t>i</a:t>
-            </a:r>
-            <a:r>
-              <a:rPr lang="en-US" dirty="0" smtClean="0"/>
-              <a:t>nput text element with ng-model</a:t>
-            </a:r>
-          </a:p>
-          <a:p>
-            <a:r>
-              <a:rPr lang="en-US" dirty="0" smtClean="0"/>
-              <a:t>How to measure performance?</a:t>
-            </a:r>
-          </a:p>
-          <a:p>
-            <a:pPr lvl="1"/>
-            <a:r>
-              <a:rPr lang="en-US" dirty="0" smtClean="0"/>
-              <a:t>hard to predict, c * ?</a:t>
-            </a:r>
-          </a:p>
-          <a:p>
-            <a:r>
-              <a:rPr lang="en-US" dirty="0" smtClean="0"/>
-              <a:t>When should we use $apply our self?</a:t>
-            </a:r>
-          </a:p>
-          <a:p>
-            <a:r>
-              <a:rPr lang="en-US" dirty="0" smtClean="0"/>
-              <a:t>Different between digest and apply?</a:t>
-            </a:r>
-          </a:p>
-          <a:p>
-            <a:endParaRPr lang="en-US" dirty="0"/>
+              <a:t>Use ng-stats and chrome profile to analyze performance.</a:t>
+            </a:r>
           </a:p>
         </p:txBody>
       </p:sp>
     </p:spTree>
     <p:extLst>
       <p:ext uri="{BB962C8B-B14F-4D97-AF65-F5344CB8AC3E}">
-        <p14:creationId xmlns:p14="http://schemas.microsoft.com/office/powerpoint/2010/main" val="1401335724"/>
+        <p14:creationId xmlns:p14="http://schemas.microsoft.com/office/powerpoint/2010/main" val="1180368882"/>
       </p:ext>
     </p:extLst>
   </p:cSld>
@@ -4396,914 +5023,7 @@
   <p:timing>
     <p:tnLst>
       <p:par>
-        <p:cTn id="1" dur="indefinite" restart="never" nodeType="tmRoot">
-          <p:childTnLst>
-            <p:seq concurrent="1" nextAc="seek">
-              <p:cTn id="2" dur="indefinite" nodeType="mainSeq">
-                <p:childTnLst>
-                  <p:par>
-                    <p:cTn id="3" fill="hold">
-                      <p:stCondLst>
-                        <p:cond delay="indefinite"/>
-                      </p:stCondLst>
-                      <p:childTnLst>
-                        <p:par>
-                          <p:cTn id="4" fill="hold">
-                            <p:stCondLst>
-                              <p:cond delay="0"/>
-                            </p:stCondLst>
-                            <p:childTnLst>
-                              <p:par>
-                                <p:cTn id="5" presetID="42" presetClass="entr" presetSubtype="0" fill="hold" nodeType="clickEffect">
-                                  <p:stCondLst>
-                                    <p:cond delay="0"/>
-                                  </p:stCondLst>
-                                  <p:childTnLst>
-                                    <p:set>
-                                      <p:cBhvr>
-                                        <p:cTn id="6" dur="1" fill="hold">
-                                          <p:stCondLst>
-                                            <p:cond delay="0"/>
-                                          </p:stCondLst>
-                                        </p:cTn>
-                                        <p:tgtEl>
-                                          <p:spTgt spid="3">
-                                            <p:txEl>
-                                              <p:pRg st="0" end="0"/>
-                                            </p:txEl>
-                                          </p:spTgt>
-                                        </p:tgtEl>
-                                        <p:attrNameLst>
-                                          <p:attrName>style.visibility</p:attrName>
-                                        </p:attrNameLst>
-                                      </p:cBhvr>
-                                      <p:to>
-                                        <p:strVal val="visible"/>
-                                      </p:to>
-                                    </p:set>
-                                    <p:animEffect transition="in" filter="fade">
-                                      <p:cBhvr>
-                                        <p:cTn id="7" dur="1000"/>
-                                        <p:tgtEl>
-                                          <p:spTgt spid="3">
-                                            <p:txEl>
-                                              <p:pRg st="0" end="0"/>
-                                            </p:txEl>
-                                          </p:spTgt>
-                                        </p:tgtEl>
-                                      </p:cBhvr>
-                                    </p:animEffect>
-                                    <p:anim calcmode="lin" valueType="num">
-                                      <p:cBhvr>
-                                        <p:cTn id="8" dur="1000" fill="hold"/>
-                                        <p:tgtEl>
-                                          <p:spTgt spid="3">
-                                            <p:txEl>
-                                              <p:pRg st="0" end="0"/>
-                                            </p:txEl>
-                                          </p:spTgt>
-                                        </p:tgtEl>
-                                        <p:attrNameLst>
-                                          <p:attrName>ppt_x</p:attrName>
-                                        </p:attrNameLst>
-                                      </p:cBhvr>
-                                      <p:tavLst>
-                                        <p:tav tm="0">
-                                          <p:val>
-                                            <p:strVal val="#ppt_x"/>
-                                          </p:val>
-                                        </p:tav>
-                                        <p:tav tm="100000">
-                                          <p:val>
-                                            <p:strVal val="#ppt_x"/>
-                                          </p:val>
-                                        </p:tav>
-                                      </p:tavLst>
-                                    </p:anim>
-                                    <p:anim calcmode="lin" valueType="num">
-                                      <p:cBhvr>
-                                        <p:cTn id="9" dur="1000" fill="hold"/>
-                                        <p:tgtEl>
-                                          <p:spTgt spid="3">
-                                            <p:txEl>
-                                              <p:pRg st="0" end="0"/>
-                                            </p:txEl>
-                                          </p:spTgt>
-                                        </p:tgtEl>
-                                        <p:attrNameLst>
-                                          <p:attrName>ppt_y</p:attrName>
-                                        </p:attrNameLst>
-                                      </p:cBhvr>
-                                      <p:tavLst>
-                                        <p:tav tm="0">
-                                          <p:val>
-                                            <p:strVal val="#ppt_y+.1"/>
-                                          </p:val>
-                                        </p:tav>
-                                        <p:tav tm="100000">
-                                          <p:val>
-                                            <p:strVal val="#ppt_y"/>
-                                          </p:val>
-                                        </p:tav>
-                                      </p:tavLst>
-                                    </p:anim>
-                                  </p:childTnLst>
-                                </p:cTn>
-                              </p:par>
-                              <p:par>
-                                <p:cTn id="10" presetID="42" presetClass="entr" presetSubtype="0" fill="hold" nodeType="withEffect">
-                                  <p:stCondLst>
-                                    <p:cond delay="0"/>
-                                  </p:stCondLst>
-                                  <p:childTnLst>
-                                    <p:set>
-                                      <p:cBhvr>
-                                        <p:cTn id="11" dur="1" fill="hold">
-                                          <p:stCondLst>
-                                            <p:cond delay="0"/>
-                                          </p:stCondLst>
-                                        </p:cTn>
-                                        <p:tgtEl>
-                                          <p:spTgt spid="3">
-                                            <p:txEl>
-                                              <p:pRg st="2" end="2"/>
-                                            </p:txEl>
-                                          </p:spTgt>
-                                        </p:tgtEl>
-                                        <p:attrNameLst>
-                                          <p:attrName>style.visibility</p:attrName>
-                                        </p:attrNameLst>
-                                      </p:cBhvr>
-                                      <p:to>
-                                        <p:strVal val="visible"/>
-                                      </p:to>
-                                    </p:set>
-                                    <p:animEffect transition="in" filter="fade">
-                                      <p:cBhvr>
-                                        <p:cTn id="12" dur="1000"/>
-                                        <p:tgtEl>
-                                          <p:spTgt spid="3">
-                                            <p:txEl>
-                                              <p:pRg st="2" end="2"/>
-                                            </p:txEl>
-                                          </p:spTgt>
-                                        </p:tgtEl>
-                                      </p:cBhvr>
-                                    </p:animEffect>
-                                    <p:anim calcmode="lin" valueType="num">
-                                      <p:cBhvr>
-                                        <p:cTn id="13" dur="1000" fill="hold"/>
-                                        <p:tgtEl>
-                                          <p:spTgt spid="3">
-                                            <p:txEl>
-                                              <p:pRg st="2" end="2"/>
-                                            </p:txEl>
-                                          </p:spTgt>
-                                        </p:tgtEl>
-                                        <p:attrNameLst>
-                                          <p:attrName>ppt_x</p:attrName>
-                                        </p:attrNameLst>
-                                      </p:cBhvr>
-                                      <p:tavLst>
-                                        <p:tav tm="0">
-                                          <p:val>
-                                            <p:strVal val="#ppt_x"/>
-                                          </p:val>
-                                        </p:tav>
-                                        <p:tav tm="100000">
-                                          <p:val>
-                                            <p:strVal val="#ppt_x"/>
-                                          </p:val>
-                                        </p:tav>
-                                      </p:tavLst>
-                                    </p:anim>
-                                    <p:anim calcmode="lin" valueType="num">
-                                      <p:cBhvr>
-                                        <p:cTn id="14" dur="1000" fill="hold"/>
-                                        <p:tgtEl>
-                                          <p:spTgt spid="3">
-                                            <p:txEl>
-                                              <p:pRg st="2" end="2"/>
-                                            </p:txEl>
-                                          </p:spTgt>
-                                        </p:tgtEl>
-                                        <p:attrNameLst>
-                                          <p:attrName>ppt_y</p:attrName>
-                                        </p:attrNameLst>
-                                      </p:cBhvr>
-                                      <p:tavLst>
-                                        <p:tav tm="0">
-                                          <p:val>
-                                            <p:strVal val="#ppt_y+.1"/>
-                                          </p:val>
-                                        </p:tav>
-                                        <p:tav tm="100000">
-                                          <p:val>
-                                            <p:strVal val="#ppt_y"/>
-                                          </p:val>
-                                        </p:tav>
-                                      </p:tavLst>
-                                    </p:anim>
-                                  </p:childTnLst>
-                                </p:cTn>
-                              </p:par>
-                            </p:childTnLst>
-                          </p:cTn>
-                        </p:par>
-                      </p:childTnLst>
-                    </p:cTn>
-                  </p:par>
-                  <p:par>
-                    <p:cTn id="15" fill="hold">
-                      <p:stCondLst>
-                        <p:cond delay="indefinite"/>
-                      </p:stCondLst>
-                      <p:childTnLst>
-                        <p:par>
-                          <p:cTn id="16" fill="hold">
-                            <p:stCondLst>
-                              <p:cond delay="0"/>
-                            </p:stCondLst>
-                            <p:childTnLst>
-                              <p:par>
-                                <p:cTn id="17" presetID="42" presetClass="entr" presetSubtype="0" fill="hold" nodeType="clickEffect">
-                                  <p:stCondLst>
-                                    <p:cond delay="0"/>
-                                  </p:stCondLst>
-                                  <p:childTnLst>
-                                    <p:set>
-                                      <p:cBhvr>
-                                        <p:cTn id="18" dur="1" fill="hold">
-                                          <p:stCondLst>
-                                            <p:cond delay="0"/>
-                                          </p:stCondLst>
-                                        </p:cTn>
-                                        <p:tgtEl>
-                                          <p:spTgt spid="3">
-                                            <p:txEl>
-                                              <p:pRg st="1" end="1"/>
-                                            </p:txEl>
-                                          </p:spTgt>
-                                        </p:tgtEl>
-                                        <p:attrNameLst>
-                                          <p:attrName>style.visibility</p:attrName>
-                                        </p:attrNameLst>
-                                      </p:cBhvr>
-                                      <p:to>
-                                        <p:strVal val="visible"/>
-                                      </p:to>
-                                    </p:set>
-                                    <p:animEffect transition="in" filter="fade">
-                                      <p:cBhvr>
-                                        <p:cTn id="19" dur="1000"/>
-                                        <p:tgtEl>
-                                          <p:spTgt spid="3">
-                                            <p:txEl>
-                                              <p:pRg st="1" end="1"/>
-                                            </p:txEl>
-                                          </p:spTgt>
-                                        </p:tgtEl>
-                                      </p:cBhvr>
-                                    </p:animEffect>
-                                    <p:anim calcmode="lin" valueType="num">
-                                      <p:cBhvr>
-                                        <p:cTn id="20" dur="1000" fill="hold"/>
-                                        <p:tgtEl>
-                                          <p:spTgt spid="3">
-                                            <p:txEl>
-                                              <p:pRg st="1" end="1"/>
-                                            </p:txEl>
-                                          </p:spTgt>
-                                        </p:tgtEl>
-                                        <p:attrNameLst>
-                                          <p:attrName>ppt_x</p:attrName>
-                                        </p:attrNameLst>
-                                      </p:cBhvr>
-                                      <p:tavLst>
-                                        <p:tav tm="0">
-                                          <p:val>
-                                            <p:strVal val="#ppt_x"/>
-                                          </p:val>
-                                        </p:tav>
-                                        <p:tav tm="100000">
-                                          <p:val>
-                                            <p:strVal val="#ppt_x"/>
-                                          </p:val>
-                                        </p:tav>
-                                      </p:tavLst>
-                                    </p:anim>
-                                    <p:anim calcmode="lin" valueType="num">
-                                      <p:cBhvr>
-                                        <p:cTn id="21" dur="1000" fill="hold"/>
-                                        <p:tgtEl>
-                                          <p:spTgt spid="3">
-                                            <p:txEl>
-                                              <p:pRg st="1" end="1"/>
-                                            </p:txEl>
-                                          </p:spTgt>
-                                        </p:tgtEl>
-                                        <p:attrNameLst>
-                                          <p:attrName>ppt_y</p:attrName>
-                                        </p:attrNameLst>
-                                      </p:cBhvr>
-                                      <p:tavLst>
-                                        <p:tav tm="0">
-                                          <p:val>
-                                            <p:strVal val="#ppt_y+.1"/>
-                                          </p:val>
-                                        </p:tav>
-                                        <p:tav tm="100000">
-                                          <p:val>
-                                            <p:strVal val="#ppt_y"/>
-                                          </p:val>
-                                        </p:tav>
-                                      </p:tavLst>
-                                    </p:anim>
-                                  </p:childTnLst>
-                                </p:cTn>
-                              </p:par>
-                              <p:par>
-                                <p:cTn id="22" presetID="42" presetClass="entr" presetSubtype="0" fill="hold" nodeType="withEffect">
-                                  <p:stCondLst>
-                                    <p:cond delay="0"/>
-                                  </p:stCondLst>
-                                  <p:childTnLst>
-                                    <p:set>
-                                      <p:cBhvr>
-                                        <p:cTn id="23" dur="1" fill="hold">
-                                          <p:stCondLst>
-                                            <p:cond delay="0"/>
-                                          </p:stCondLst>
-                                        </p:cTn>
-                                        <p:tgtEl>
-                                          <p:spTgt spid="3">
-                                            <p:txEl>
-                                              <p:pRg st="3" end="3"/>
-                                            </p:txEl>
-                                          </p:spTgt>
-                                        </p:tgtEl>
-                                        <p:attrNameLst>
-                                          <p:attrName>style.visibility</p:attrName>
-                                        </p:attrNameLst>
-                                      </p:cBhvr>
-                                      <p:to>
-                                        <p:strVal val="visible"/>
-                                      </p:to>
-                                    </p:set>
-                                    <p:animEffect transition="in" filter="fade">
-                                      <p:cBhvr>
-                                        <p:cTn id="24" dur="1000"/>
-                                        <p:tgtEl>
-                                          <p:spTgt spid="3">
-                                            <p:txEl>
-                                              <p:pRg st="3" end="3"/>
-                                            </p:txEl>
-                                          </p:spTgt>
-                                        </p:tgtEl>
-                                      </p:cBhvr>
-                                    </p:animEffect>
-                                    <p:anim calcmode="lin" valueType="num">
-                                      <p:cBhvr>
-                                        <p:cTn id="25" dur="1000" fill="hold"/>
-                                        <p:tgtEl>
-                                          <p:spTgt spid="3">
-                                            <p:txEl>
-                                              <p:pRg st="3" end="3"/>
-                                            </p:txEl>
-                                          </p:spTgt>
-                                        </p:tgtEl>
-                                        <p:attrNameLst>
-                                          <p:attrName>ppt_x</p:attrName>
-                                        </p:attrNameLst>
-                                      </p:cBhvr>
-                                      <p:tavLst>
-                                        <p:tav tm="0">
-                                          <p:val>
-                                            <p:strVal val="#ppt_x"/>
-                                          </p:val>
-                                        </p:tav>
-                                        <p:tav tm="100000">
-                                          <p:val>
-                                            <p:strVal val="#ppt_x"/>
-                                          </p:val>
-                                        </p:tav>
-                                      </p:tavLst>
-                                    </p:anim>
-                                    <p:anim calcmode="lin" valueType="num">
-                                      <p:cBhvr>
-                                        <p:cTn id="26" dur="1000" fill="hold"/>
-                                        <p:tgtEl>
-                                          <p:spTgt spid="3">
-                                            <p:txEl>
-                                              <p:pRg st="3" end="3"/>
-                                            </p:txEl>
-                                          </p:spTgt>
-                                        </p:tgtEl>
-                                        <p:attrNameLst>
-                                          <p:attrName>ppt_y</p:attrName>
-                                        </p:attrNameLst>
-                                      </p:cBhvr>
-                                      <p:tavLst>
-                                        <p:tav tm="0">
-                                          <p:val>
-                                            <p:strVal val="#ppt_y+.1"/>
-                                          </p:val>
-                                        </p:tav>
-                                        <p:tav tm="100000">
-                                          <p:val>
-                                            <p:strVal val="#ppt_y"/>
-                                          </p:val>
-                                        </p:tav>
-                                      </p:tavLst>
-                                    </p:anim>
-                                  </p:childTnLst>
-                                </p:cTn>
-                              </p:par>
-                            </p:childTnLst>
-                          </p:cTn>
-                        </p:par>
-                      </p:childTnLst>
-                    </p:cTn>
-                  </p:par>
-                  <p:par>
-                    <p:cTn id="27" fill="hold">
-                      <p:stCondLst>
-                        <p:cond delay="indefinite"/>
-                      </p:stCondLst>
-                      <p:childTnLst>
-                        <p:par>
-                          <p:cTn id="28" fill="hold">
-                            <p:stCondLst>
-                              <p:cond delay="0"/>
-                            </p:stCondLst>
-                            <p:childTnLst>
-                              <p:par>
-                                <p:cTn id="29" presetID="42" presetClass="entr" presetSubtype="0" fill="hold" nodeType="clickEffect">
-                                  <p:stCondLst>
-                                    <p:cond delay="0"/>
-                                  </p:stCondLst>
-                                  <p:childTnLst>
-                                    <p:set>
-                                      <p:cBhvr>
-                                        <p:cTn id="30" dur="1" fill="hold">
-                                          <p:stCondLst>
-                                            <p:cond delay="0"/>
-                                          </p:stCondLst>
-                                        </p:cTn>
-                                        <p:tgtEl>
-                                          <p:spTgt spid="3">
-                                            <p:txEl>
-                                              <p:pRg st="4" end="4"/>
-                                            </p:txEl>
-                                          </p:spTgt>
-                                        </p:tgtEl>
-                                        <p:attrNameLst>
-                                          <p:attrName>style.visibility</p:attrName>
-                                        </p:attrNameLst>
-                                      </p:cBhvr>
-                                      <p:to>
-                                        <p:strVal val="visible"/>
-                                      </p:to>
-                                    </p:set>
-                                    <p:animEffect transition="in" filter="fade">
-                                      <p:cBhvr>
-                                        <p:cTn id="31" dur="1000"/>
-                                        <p:tgtEl>
-                                          <p:spTgt spid="3">
-                                            <p:txEl>
-                                              <p:pRg st="4" end="4"/>
-                                            </p:txEl>
-                                          </p:spTgt>
-                                        </p:tgtEl>
-                                      </p:cBhvr>
-                                    </p:animEffect>
-                                    <p:anim calcmode="lin" valueType="num">
-                                      <p:cBhvr>
-                                        <p:cTn id="32" dur="1000" fill="hold"/>
-                                        <p:tgtEl>
-                                          <p:spTgt spid="3">
-                                            <p:txEl>
-                                              <p:pRg st="4" end="4"/>
-                                            </p:txEl>
-                                          </p:spTgt>
-                                        </p:tgtEl>
-                                        <p:attrNameLst>
-                                          <p:attrName>ppt_x</p:attrName>
-                                        </p:attrNameLst>
-                                      </p:cBhvr>
-                                      <p:tavLst>
-                                        <p:tav tm="0">
-                                          <p:val>
-                                            <p:strVal val="#ppt_x"/>
-                                          </p:val>
-                                        </p:tav>
-                                        <p:tav tm="100000">
-                                          <p:val>
-                                            <p:strVal val="#ppt_x"/>
-                                          </p:val>
-                                        </p:tav>
-                                      </p:tavLst>
-                                    </p:anim>
-                                    <p:anim calcmode="lin" valueType="num">
-                                      <p:cBhvr>
-                                        <p:cTn id="33" dur="1000" fill="hold"/>
-                                        <p:tgtEl>
-                                          <p:spTgt spid="3">
-                                            <p:txEl>
-                                              <p:pRg st="4" end="4"/>
-                                            </p:txEl>
-                                          </p:spTgt>
-                                        </p:tgtEl>
-                                        <p:attrNameLst>
-                                          <p:attrName>ppt_y</p:attrName>
-                                        </p:attrNameLst>
-                                      </p:cBhvr>
-                                      <p:tavLst>
-                                        <p:tav tm="0">
-                                          <p:val>
-                                            <p:strVal val="#ppt_y+.1"/>
-                                          </p:val>
-                                        </p:tav>
-                                        <p:tav tm="100000">
-                                          <p:val>
-                                            <p:strVal val="#ppt_y"/>
-                                          </p:val>
-                                        </p:tav>
-                                      </p:tavLst>
-                                    </p:anim>
-                                  </p:childTnLst>
-                                </p:cTn>
-                              </p:par>
-                            </p:childTnLst>
-                          </p:cTn>
-                        </p:par>
-                      </p:childTnLst>
-                    </p:cTn>
-                  </p:par>
-                  <p:par>
-                    <p:cTn id="34" fill="hold">
-                      <p:stCondLst>
-                        <p:cond delay="indefinite"/>
-                      </p:stCondLst>
-                      <p:childTnLst>
-                        <p:par>
-                          <p:cTn id="35" fill="hold">
-                            <p:stCondLst>
-                              <p:cond delay="0"/>
-                            </p:stCondLst>
-                            <p:childTnLst>
-                              <p:par>
-                                <p:cTn id="36" presetID="42" presetClass="entr" presetSubtype="0" fill="hold" nodeType="clickEffect">
-                                  <p:stCondLst>
-                                    <p:cond delay="0"/>
-                                  </p:stCondLst>
-                                  <p:childTnLst>
-                                    <p:set>
-                                      <p:cBhvr>
-                                        <p:cTn id="37" dur="1" fill="hold">
-                                          <p:stCondLst>
-                                            <p:cond delay="0"/>
-                                          </p:stCondLst>
-                                        </p:cTn>
-                                        <p:tgtEl>
-                                          <p:spTgt spid="3">
-                                            <p:txEl>
-                                              <p:pRg st="5" end="5"/>
-                                            </p:txEl>
-                                          </p:spTgt>
-                                        </p:tgtEl>
-                                        <p:attrNameLst>
-                                          <p:attrName>style.visibility</p:attrName>
-                                        </p:attrNameLst>
-                                      </p:cBhvr>
-                                      <p:to>
-                                        <p:strVal val="visible"/>
-                                      </p:to>
-                                    </p:set>
-                                    <p:animEffect transition="in" filter="fade">
-                                      <p:cBhvr>
-                                        <p:cTn id="38" dur="1000"/>
-                                        <p:tgtEl>
-                                          <p:spTgt spid="3">
-                                            <p:txEl>
-                                              <p:pRg st="5" end="5"/>
-                                            </p:txEl>
-                                          </p:spTgt>
-                                        </p:tgtEl>
-                                      </p:cBhvr>
-                                    </p:animEffect>
-                                    <p:anim calcmode="lin" valueType="num">
-                                      <p:cBhvr>
-                                        <p:cTn id="39" dur="1000" fill="hold"/>
-                                        <p:tgtEl>
-                                          <p:spTgt spid="3">
-                                            <p:txEl>
-                                              <p:pRg st="5" end="5"/>
-                                            </p:txEl>
-                                          </p:spTgt>
-                                        </p:tgtEl>
-                                        <p:attrNameLst>
-                                          <p:attrName>ppt_x</p:attrName>
-                                        </p:attrNameLst>
-                                      </p:cBhvr>
-                                      <p:tavLst>
-                                        <p:tav tm="0">
-                                          <p:val>
-                                            <p:strVal val="#ppt_x"/>
-                                          </p:val>
-                                        </p:tav>
-                                        <p:tav tm="100000">
-                                          <p:val>
-                                            <p:strVal val="#ppt_x"/>
-                                          </p:val>
-                                        </p:tav>
-                                      </p:tavLst>
-                                    </p:anim>
-                                    <p:anim calcmode="lin" valueType="num">
-                                      <p:cBhvr>
-                                        <p:cTn id="40" dur="1000" fill="hold"/>
-                                        <p:tgtEl>
-                                          <p:spTgt spid="3">
-                                            <p:txEl>
-                                              <p:pRg st="5" end="5"/>
-                                            </p:txEl>
-                                          </p:spTgt>
-                                        </p:tgtEl>
-                                        <p:attrNameLst>
-                                          <p:attrName>ppt_y</p:attrName>
-                                        </p:attrNameLst>
-                                      </p:cBhvr>
-                                      <p:tavLst>
-                                        <p:tav tm="0">
-                                          <p:val>
-                                            <p:strVal val="#ppt_y+.1"/>
-                                          </p:val>
-                                        </p:tav>
-                                        <p:tav tm="100000">
-                                          <p:val>
-                                            <p:strVal val="#ppt_y"/>
-                                          </p:val>
-                                        </p:tav>
-                                      </p:tavLst>
-                                    </p:anim>
-                                  </p:childTnLst>
-                                </p:cTn>
-                              </p:par>
-                            </p:childTnLst>
-                          </p:cTn>
-                        </p:par>
-                      </p:childTnLst>
-                    </p:cTn>
-                  </p:par>
-                  <p:par>
-                    <p:cTn id="41" fill="hold">
-                      <p:stCondLst>
-                        <p:cond delay="indefinite"/>
-                      </p:stCondLst>
-                      <p:childTnLst>
-                        <p:par>
-                          <p:cTn id="42" fill="hold">
-                            <p:stCondLst>
-                              <p:cond delay="0"/>
-                            </p:stCondLst>
-                            <p:childTnLst>
-                              <p:par>
-                                <p:cTn id="43" presetID="42" presetClass="entr" presetSubtype="0" fill="hold" nodeType="clickEffect">
-                                  <p:stCondLst>
-                                    <p:cond delay="0"/>
-                                  </p:stCondLst>
-                                  <p:childTnLst>
-                                    <p:set>
-                                      <p:cBhvr>
-                                        <p:cTn id="44" dur="1" fill="hold">
-                                          <p:stCondLst>
-                                            <p:cond delay="0"/>
-                                          </p:stCondLst>
-                                        </p:cTn>
-                                        <p:tgtEl>
-                                          <p:spTgt spid="3">
-                                            <p:txEl>
-                                              <p:pRg st="6" end="6"/>
-                                            </p:txEl>
-                                          </p:spTgt>
-                                        </p:tgtEl>
-                                        <p:attrNameLst>
-                                          <p:attrName>style.visibility</p:attrName>
-                                        </p:attrNameLst>
-                                      </p:cBhvr>
-                                      <p:to>
-                                        <p:strVal val="visible"/>
-                                      </p:to>
-                                    </p:set>
-                                    <p:animEffect transition="in" filter="fade">
-                                      <p:cBhvr>
-                                        <p:cTn id="45" dur="1000"/>
-                                        <p:tgtEl>
-                                          <p:spTgt spid="3">
-                                            <p:txEl>
-                                              <p:pRg st="6" end="6"/>
-                                            </p:txEl>
-                                          </p:spTgt>
-                                        </p:tgtEl>
-                                      </p:cBhvr>
-                                    </p:animEffect>
-                                    <p:anim calcmode="lin" valueType="num">
-                                      <p:cBhvr>
-                                        <p:cTn id="46" dur="1000" fill="hold"/>
-                                        <p:tgtEl>
-                                          <p:spTgt spid="3">
-                                            <p:txEl>
-                                              <p:pRg st="6" end="6"/>
-                                            </p:txEl>
-                                          </p:spTgt>
-                                        </p:tgtEl>
-                                        <p:attrNameLst>
-                                          <p:attrName>ppt_x</p:attrName>
-                                        </p:attrNameLst>
-                                      </p:cBhvr>
-                                      <p:tavLst>
-                                        <p:tav tm="0">
-                                          <p:val>
-                                            <p:strVal val="#ppt_x"/>
-                                          </p:val>
-                                        </p:tav>
-                                        <p:tav tm="100000">
-                                          <p:val>
-                                            <p:strVal val="#ppt_x"/>
-                                          </p:val>
-                                        </p:tav>
-                                      </p:tavLst>
-                                    </p:anim>
-                                    <p:anim calcmode="lin" valueType="num">
-                                      <p:cBhvr>
-                                        <p:cTn id="47" dur="1000" fill="hold"/>
-                                        <p:tgtEl>
-                                          <p:spTgt spid="3">
-                                            <p:txEl>
-                                              <p:pRg st="6" end="6"/>
-                                            </p:txEl>
-                                          </p:spTgt>
-                                        </p:tgtEl>
-                                        <p:attrNameLst>
-                                          <p:attrName>ppt_y</p:attrName>
-                                        </p:attrNameLst>
-                                      </p:cBhvr>
-                                      <p:tavLst>
-                                        <p:tav tm="0">
-                                          <p:val>
-                                            <p:strVal val="#ppt_y+.1"/>
-                                          </p:val>
-                                        </p:tav>
-                                        <p:tav tm="100000">
-                                          <p:val>
-                                            <p:strVal val="#ppt_y"/>
-                                          </p:val>
-                                        </p:tav>
-                                      </p:tavLst>
-                                    </p:anim>
-                                  </p:childTnLst>
-                                </p:cTn>
-                              </p:par>
-                            </p:childTnLst>
-                          </p:cTn>
-                        </p:par>
-                      </p:childTnLst>
-                    </p:cTn>
-                  </p:par>
-                  <p:par>
-                    <p:cTn id="48" fill="hold">
-                      <p:stCondLst>
-                        <p:cond delay="indefinite"/>
-                      </p:stCondLst>
-                      <p:childTnLst>
-                        <p:par>
-                          <p:cTn id="49" fill="hold">
-                            <p:stCondLst>
-                              <p:cond delay="0"/>
-                            </p:stCondLst>
-                            <p:childTnLst>
-                              <p:par>
-                                <p:cTn id="50" presetID="42" presetClass="entr" presetSubtype="0" fill="hold" nodeType="clickEffect">
-                                  <p:stCondLst>
-                                    <p:cond delay="0"/>
-                                  </p:stCondLst>
-                                  <p:childTnLst>
-                                    <p:set>
-                                      <p:cBhvr>
-                                        <p:cTn id="51" dur="1" fill="hold">
-                                          <p:stCondLst>
-                                            <p:cond delay="0"/>
-                                          </p:stCondLst>
-                                        </p:cTn>
-                                        <p:tgtEl>
-                                          <p:spTgt spid="3">
-                                            <p:txEl>
-                                              <p:pRg st="7" end="7"/>
-                                            </p:txEl>
-                                          </p:spTgt>
-                                        </p:tgtEl>
-                                        <p:attrNameLst>
-                                          <p:attrName>style.visibility</p:attrName>
-                                        </p:attrNameLst>
-                                      </p:cBhvr>
-                                      <p:to>
-                                        <p:strVal val="visible"/>
-                                      </p:to>
-                                    </p:set>
-                                    <p:animEffect transition="in" filter="fade">
-                                      <p:cBhvr>
-                                        <p:cTn id="52" dur="1000"/>
-                                        <p:tgtEl>
-                                          <p:spTgt spid="3">
-                                            <p:txEl>
-                                              <p:pRg st="7" end="7"/>
-                                            </p:txEl>
-                                          </p:spTgt>
-                                        </p:tgtEl>
-                                      </p:cBhvr>
-                                    </p:animEffect>
-                                    <p:anim calcmode="lin" valueType="num">
-                                      <p:cBhvr>
-                                        <p:cTn id="53" dur="1000" fill="hold"/>
-                                        <p:tgtEl>
-                                          <p:spTgt spid="3">
-                                            <p:txEl>
-                                              <p:pRg st="7" end="7"/>
-                                            </p:txEl>
-                                          </p:spTgt>
-                                        </p:tgtEl>
-                                        <p:attrNameLst>
-                                          <p:attrName>ppt_x</p:attrName>
-                                        </p:attrNameLst>
-                                      </p:cBhvr>
-                                      <p:tavLst>
-                                        <p:tav tm="0">
-                                          <p:val>
-                                            <p:strVal val="#ppt_x"/>
-                                          </p:val>
-                                        </p:tav>
-                                        <p:tav tm="100000">
-                                          <p:val>
-                                            <p:strVal val="#ppt_x"/>
-                                          </p:val>
-                                        </p:tav>
-                                      </p:tavLst>
-                                    </p:anim>
-                                    <p:anim calcmode="lin" valueType="num">
-                                      <p:cBhvr>
-                                        <p:cTn id="54" dur="1000" fill="hold"/>
-                                        <p:tgtEl>
-                                          <p:spTgt spid="3">
-                                            <p:txEl>
-                                              <p:pRg st="7" end="7"/>
-                                            </p:txEl>
-                                          </p:spTgt>
-                                        </p:tgtEl>
-                                        <p:attrNameLst>
-                                          <p:attrName>ppt_y</p:attrName>
-                                        </p:attrNameLst>
-                                      </p:cBhvr>
-                                      <p:tavLst>
-                                        <p:tav tm="0">
-                                          <p:val>
-                                            <p:strVal val="#ppt_y+.1"/>
-                                          </p:val>
-                                        </p:tav>
-                                        <p:tav tm="100000">
-                                          <p:val>
-                                            <p:strVal val="#ppt_y"/>
-                                          </p:val>
-                                        </p:tav>
-                                      </p:tavLst>
-                                    </p:anim>
-                                  </p:childTnLst>
-                                </p:cTn>
-                              </p:par>
-                            </p:childTnLst>
-                          </p:cTn>
-                        </p:par>
-                      </p:childTnLst>
-                    </p:cTn>
-                  </p:par>
-                </p:childTnLst>
-              </p:cTn>
-              <p:prevCondLst>
-                <p:cond evt="onPrev" delay="0">
-                  <p:tgtEl>
-                    <p:sldTgt/>
-                  </p:tgtEl>
-                </p:cond>
-              </p:prevCondLst>
-              <p:nextCondLst>
-                <p:cond evt="onNext" delay="0">
-                  <p:tgtEl>
-                    <p:sldTgt/>
-                  </p:tgtEl>
-                </p:cond>
-              </p:nextCondLst>
-            </p:seq>
-          </p:childTnLst>
-        </p:cTn>
+        <p:cTn id="1" dur="indefinite" restart="never" nodeType="tmRoot"/>
       </p:par>
     </p:tnLst>
   </p:timing>
@@ -5329,852 +5049,6 @@
       </p:grpSpPr>
       <p:sp>
         <p:nvSpPr>
-          <p:cNvPr id="2" name="Title 1"/>
-          <p:cNvSpPr>
-            <a:spLocks noGrp="1"/>
-          </p:cNvSpPr>
-          <p:nvPr>
-            <p:ph type="title"/>
-          </p:nvPr>
-        </p:nvSpPr>
-        <p:spPr/>
-        <p:txBody>
-          <a:bodyPr/>
-          <a:lstStyle/>
-          <a:p>
-            <a:r>
-              <a:rPr lang="en-US" dirty="0" smtClean="0"/>
-              <a:t>What about performance</a:t>
-            </a:r>
-            <a:endParaRPr lang="en-US" dirty="0"/>
-          </a:p>
-        </p:txBody>
-      </p:sp>
-      <p:sp>
-        <p:nvSpPr>
-          <p:cNvPr id="3" name="Content Placeholder 2"/>
-          <p:cNvSpPr>
-            <a:spLocks noGrp="1"/>
-          </p:cNvSpPr>
-          <p:nvPr>
-            <p:ph idx="1"/>
-          </p:nvPr>
-        </p:nvSpPr>
-        <p:spPr/>
-        <p:txBody>
-          <a:bodyPr/>
-          <a:lstStyle/>
-          <a:p>
-            <a:r>
-              <a:rPr lang="en-US" dirty="0" err="1" smtClean="0"/>
-              <a:t>AngularJs</a:t>
-            </a:r>
-            <a:r>
-              <a:rPr lang="en-US" dirty="0" smtClean="0"/>
-              <a:t> 1</a:t>
-            </a:r>
-          </a:p>
-          <a:p>
-            <a:pPr lvl="1"/>
-            <a:r>
-              <a:rPr lang="en-US" dirty="0" smtClean="0"/>
-              <a:t> Dirty checking on POJSO</a:t>
-            </a:r>
-          </a:p>
-          <a:p>
-            <a:r>
-              <a:rPr lang="en-US" dirty="0" err="1" smtClean="0"/>
-              <a:t>EmberJs</a:t>
-            </a:r>
-            <a:r>
-              <a:rPr lang="en-US" dirty="0" smtClean="0"/>
-              <a:t> &amp; </a:t>
-            </a:r>
-            <a:r>
-              <a:rPr lang="en-US" dirty="0" err="1" smtClean="0"/>
-              <a:t>BackboneJs</a:t>
-            </a:r>
-            <a:endParaRPr lang="en-US" dirty="0"/>
-          </a:p>
-          <a:p>
-            <a:pPr lvl="1"/>
-            <a:r>
-              <a:rPr lang="en-US" dirty="0" err="1" smtClean="0"/>
-              <a:t>Accessors</a:t>
-            </a:r>
-            <a:r>
-              <a:rPr lang="en-US" dirty="0" smtClean="0"/>
-              <a:t> (getter and setter) on wrapped objects.</a:t>
-            </a:r>
-          </a:p>
-          <a:p>
-            <a:r>
-              <a:rPr lang="en-US" dirty="0" err="1" smtClean="0"/>
-              <a:t>KnockoutJs</a:t>
-            </a:r>
-            <a:endParaRPr lang="en-US" dirty="0" smtClean="0"/>
-          </a:p>
-          <a:p>
-            <a:pPr lvl="1"/>
-            <a:r>
-              <a:rPr lang="en-US" dirty="0" smtClean="0"/>
-              <a:t>MVVM Observable pattern.</a:t>
-            </a:r>
-          </a:p>
-          <a:p>
-            <a:endParaRPr lang="en-US" dirty="0"/>
-          </a:p>
-        </p:txBody>
-      </p:sp>
-    </p:spTree>
-    <p:extLst>
-      <p:ext uri="{BB962C8B-B14F-4D97-AF65-F5344CB8AC3E}">
-        <p14:creationId xmlns:p14="http://schemas.microsoft.com/office/powerpoint/2010/main" val="3343677382"/>
-      </p:ext>
-    </p:extLst>
-  </p:cSld>
-  <p:clrMapOvr>
-    <a:masterClrMapping/>
-  </p:clrMapOvr>
-  <p:timing>
-    <p:tnLst>
-      <p:par>
-        <p:cTn id="1" dur="indefinite" restart="never" nodeType="tmRoot">
-          <p:childTnLst>
-            <p:seq concurrent="1" nextAc="seek">
-              <p:cTn id="2" dur="indefinite" nodeType="mainSeq">
-                <p:childTnLst>
-                  <p:par>
-                    <p:cTn id="3" fill="hold">
-                      <p:stCondLst>
-                        <p:cond delay="indefinite"/>
-                      </p:stCondLst>
-                      <p:childTnLst>
-                        <p:par>
-                          <p:cTn id="4" fill="hold">
-                            <p:stCondLst>
-                              <p:cond delay="0"/>
-                            </p:stCondLst>
-                            <p:childTnLst>
-                              <p:par>
-                                <p:cTn id="5" presetID="42" presetClass="entr" presetSubtype="0" fill="hold" nodeType="clickEffect">
-                                  <p:stCondLst>
-                                    <p:cond delay="0"/>
-                                  </p:stCondLst>
-                                  <p:childTnLst>
-                                    <p:set>
-                                      <p:cBhvr>
-                                        <p:cTn id="6" dur="1" fill="hold">
-                                          <p:stCondLst>
-                                            <p:cond delay="0"/>
-                                          </p:stCondLst>
-                                        </p:cTn>
-                                        <p:tgtEl>
-                                          <p:spTgt spid="3">
-                                            <p:txEl>
-                                              <p:pRg st="0" end="0"/>
-                                            </p:txEl>
-                                          </p:spTgt>
-                                        </p:tgtEl>
-                                        <p:attrNameLst>
-                                          <p:attrName>style.visibility</p:attrName>
-                                        </p:attrNameLst>
-                                      </p:cBhvr>
-                                      <p:to>
-                                        <p:strVal val="visible"/>
-                                      </p:to>
-                                    </p:set>
-                                    <p:animEffect transition="in" filter="fade">
-                                      <p:cBhvr>
-                                        <p:cTn id="7" dur="1000"/>
-                                        <p:tgtEl>
-                                          <p:spTgt spid="3">
-                                            <p:txEl>
-                                              <p:pRg st="0" end="0"/>
-                                            </p:txEl>
-                                          </p:spTgt>
-                                        </p:tgtEl>
-                                      </p:cBhvr>
-                                    </p:animEffect>
-                                    <p:anim calcmode="lin" valueType="num">
-                                      <p:cBhvr>
-                                        <p:cTn id="8" dur="1000" fill="hold"/>
-                                        <p:tgtEl>
-                                          <p:spTgt spid="3">
-                                            <p:txEl>
-                                              <p:pRg st="0" end="0"/>
-                                            </p:txEl>
-                                          </p:spTgt>
-                                        </p:tgtEl>
-                                        <p:attrNameLst>
-                                          <p:attrName>ppt_x</p:attrName>
-                                        </p:attrNameLst>
-                                      </p:cBhvr>
-                                      <p:tavLst>
-                                        <p:tav tm="0">
-                                          <p:val>
-                                            <p:strVal val="#ppt_x"/>
-                                          </p:val>
-                                        </p:tav>
-                                        <p:tav tm="100000">
-                                          <p:val>
-                                            <p:strVal val="#ppt_x"/>
-                                          </p:val>
-                                        </p:tav>
-                                      </p:tavLst>
-                                    </p:anim>
-                                    <p:anim calcmode="lin" valueType="num">
-                                      <p:cBhvr>
-                                        <p:cTn id="9" dur="1000" fill="hold"/>
-                                        <p:tgtEl>
-                                          <p:spTgt spid="3">
-                                            <p:txEl>
-                                              <p:pRg st="0" end="0"/>
-                                            </p:txEl>
-                                          </p:spTgt>
-                                        </p:tgtEl>
-                                        <p:attrNameLst>
-                                          <p:attrName>ppt_y</p:attrName>
-                                        </p:attrNameLst>
-                                      </p:cBhvr>
-                                      <p:tavLst>
-                                        <p:tav tm="0">
-                                          <p:val>
-                                            <p:strVal val="#ppt_y+.1"/>
-                                          </p:val>
-                                        </p:tav>
-                                        <p:tav tm="100000">
-                                          <p:val>
-                                            <p:strVal val="#ppt_y"/>
-                                          </p:val>
-                                        </p:tav>
-                                      </p:tavLst>
-                                    </p:anim>
-                                  </p:childTnLst>
-                                </p:cTn>
-                              </p:par>
-                              <p:par>
-                                <p:cTn id="10" presetID="42" presetClass="entr" presetSubtype="0" fill="hold" nodeType="withEffect">
-                                  <p:stCondLst>
-                                    <p:cond delay="0"/>
-                                  </p:stCondLst>
-                                  <p:childTnLst>
-                                    <p:set>
-                                      <p:cBhvr>
-                                        <p:cTn id="11" dur="1" fill="hold">
-                                          <p:stCondLst>
-                                            <p:cond delay="0"/>
-                                          </p:stCondLst>
-                                        </p:cTn>
-                                        <p:tgtEl>
-                                          <p:spTgt spid="3">
-                                            <p:txEl>
-                                              <p:pRg st="1" end="1"/>
-                                            </p:txEl>
-                                          </p:spTgt>
-                                        </p:tgtEl>
-                                        <p:attrNameLst>
-                                          <p:attrName>style.visibility</p:attrName>
-                                        </p:attrNameLst>
-                                      </p:cBhvr>
-                                      <p:to>
-                                        <p:strVal val="visible"/>
-                                      </p:to>
-                                    </p:set>
-                                    <p:animEffect transition="in" filter="fade">
-                                      <p:cBhvr>
-                                        <p:cTn id="12" dur="1000"/>
-                                        <p:tgtEl>
-                                          <p:spTgt spid="3">
-                                            <p:txEl>
-                                              <p:pRg st="1" end="1"/>
-                                            </p:txEl>
-                                          </p:spTgt>
-                                        </p:tgtEl>
-                                      </p:cBhvr>
-                                    </p:animEffect>
-                                    <p:anim calcmode="lin" valueType="num">
-                                      <p:cBhvr>
-                                        <p:cTn id="13" dur="1000" fill="hold"/>
-                                        <p:tgtEl>
-                                          <p:spTgt spid="3">
-                                            <p:txEl>
-                                              <p:pRg st="1" end="1"/>
-                                            </p:txEl>
-                                          </p:spTgt>
-                                        </p:tgtEl>
-                                        <p:attrNameLst>
-                                          <p:attrName>ppt_x</p:attrName>
-                                        </p:attrNameLst>
-                                      </p:cBhvr>
-                                      <p:tavLst>
-                                        <p:tav tm="0">
-                                          <p:val>
-                                            <p:strVal val="#ppt_x"/>
-                                          </p:val>
-                                        </p:tav>
-                                        <p:tav tm="100000">
-                                          <p:val>
-                                            <p:strVal val="#ppt_x"/>
-                                          </p:val>
-                                        </p:tav>
-                                      </p:tavLst>
-                                    </p:anim>
-                                    <p:anim calcmode="lin" valueType="num">
-                                      <p:cBhvr>
-                                        <p:cTn id="14" dur="1000" fill="hold"/>
-                                        <p:tgtEl>
-                                          <p:spTgt spid="3">
-                                            <p:txEl>
-                                              <p:pRg st="1" end="1"/>
-                                            </p:txEl>
-                                          </p:spTgt>
-                                        </p:tgtEl>
-                                        <p:attrNameLst>
-                                          <p:attrName>ppt_y</p:attrName>
-                                        </p:attrNameLst>
-                                      </p:cBhvr>
-                                      <p:tavLst>
-                                        <p:tav tm="0">
-                                          <p:val>
-                                            <p:strVal val="#ppt_y+.1"/>
-                                          </p:val>
-                                        </p:tav>
-                                        <p:tav tm="100000">
-                                          <p:val>
-                                            <p:strVal val="#ppt_y"/>
-                                          </p:val>
-                                        </p:tav>
-                                      </p:tavLst>
-                                    </p:anim>
-                                  </p:childTnLst>
-                                </p:cTn>
-                              </p:par>
-                              <p:par>
-                                <p:cTn id="15" presetID="42" presetClass="entr" presetSubtype="0" fill="hold" nodeType="withEffect">
-                                  <p:stCondLst>
-                                    <p:cond delay="0"/>
-                                  </p:stCondLst>
-                                  <p:childTnLst>
-                                    <p:set>
-                                      <p:cBhvr>
-                                        <p:cTn id="16" dur="1" fill="hold">
-                                          <p:stCondLst>
-                                            <p:cond delay="0"/>
-                                          </p:stCondLst>
-                                        </p:cTn>
-                                        <p:tgtEl>
-                                          <p:spTgt spid="3">
-                                            <p:txEl>
-                                              <p:pRg st="2" end="2"/>
-                                            </p:txEl>
-                                          </p:spTgt>
-                                        </p:tgtEl>
-                                        <p:attrNameLst>
-                                          <p:attrName>style.visibility</p:attrName>
-                                        </p:attrNameLst>
-                                      </p:cBhvr>
-                                      <p:to>
-                                        <p:strVal val="visible"/>
-                                      </p:to>
-                                    </p:set>
-                                    <p:animEffect transition="in" filter="fade">
-                                      <p:cBhvr>
-                                        <p:cTn id="17" dur="1000"/>
-                                        <p:tgtEl>
-                                          <p:spTgt spid="3">
-                                            <p:txEl>
-                                              <p:pRg st="2" end="2"/>
-                                            </p:txEl>
-                                          </p:spTgt>
-                                        </p:tgtEl>
-                                      </p:cBhvr>
-                                    </p:animEffect>
-                                    <p:anim calcmode="lin" valueType="num">
-                                      <p:cBhvr>
-                                        <p:cTn id="18" dur="1000" fill="hold"/>
-                                        <p:tgtEl>
-                                          <p:spTgt spid="3">
-                                            <p:txEl>
-                                              <p:pRg st="2" end="2"/>
-                                            </p:txEl>
-                                          </p:spTgt>
-                                        </p:tgtEl>
-                                        <p:attrNameLst>
-                                          <p:attrName>ppt_x</p:attrName>
-                                        </p:attrNameLst>
-                                      </p:cBhvr>
-                                      <p:tavLst>
-                                        <p:tav tm="0">
-                                          <p:val>
-                                            <p:strVal val="#ppt_x"/>
-                                          </p:val>
-                                        </p:tav>
-                                        <p:tav tm="100000">
-                                          <p:val>
-                                            <p:strVal val="#ppt_x"/>
-                                          </p:val>
-                                        </p:tav>
-                                      </p:tavLst>
-                                    </p:anim>
-                                    <p:anim calcmode="lin" valueType="num">
-                                      <p:cBhvr>
-                                        <p:cTn id="19" dur="1000" fill="hold"/>
-                                        <p:tgtEl>
-                                          <p:spTgt spid="3">
-                                            <p:txEl>
-                                              <p:pRg st="2" end="2"/>
-                                            </p:txEl>
-                                          </p:spTgt>
-                                        </p:tgtEl>
-                                        <p:attrNameLst>
-                                          <p:attrName>ppt_y</p:attrName>
-                                        </p:attrNameLst>
-                                      </p:cBhvr>
-                                      <p:tavLst>
-                                        <p:tav tm="0">
-                                          <p:val>
-                                            <p:strVal val="#ppt_y+.1"/>
-                                          </p:val>
-                                        </p:tav>
-                                        <p:tav tm="100000">
-                                          <p:val>
-                                            <p:strVal val="#ppt_y"/>
-                                          </p:val>
-                                        </p:tav>
-                                      </p:tavLst>
-                                    </p:anim>
-                                  </p:childTnLst>
-                                </p:cTn>
-                              </p:par>
-                              <p:par>
-                                <p:cTn id="20" presetID="42" presetClass="entr" presetSubtype="0" fill="hold" nodeType="withEffect">
-                                  <p:stCondLst>
-                                    <p:cond delay="0"/>
-                                  </p:stCondLst>
-                                  <p:childTnLst>
-                                    <p:set>
-                                      <p:cBhvr>
-                                        <p:cTn id="21" dur="1" fill="hold">
-                                          <p:stCondLst>
-                                            <p:cond delay="0"/>
-                                          </p:stCondLst>
-                                        </p:cTn>
-                                        <p:tgtEl>
-                                          <p:spTgt spid="3">
-                                            <p:txEl>
-                                              <p:pRg st="3" end="3"/>
-                                            </p:txEl>
-                                          </p:spTgt>
-                                        </p:tgtEl>
-                                        <p:attrNameLst>
-                                          <p:attrName>style.visibility</p:attrName>
-                                        </p:attrNameLst>
-                                      </p:cBhvr>
-                                      <p:to>
-                                        <p:strVal val="visible"/>
-                                      </p:to>
-                                    </p:set>
-                                    <p:animEffect transition="in" filter="fade">
-                                      <p:cBhvr>
-                                        <p:cTn id="22" dur="1000"/>
-                                        <p:tgtEl>
-                                          <p:spTgt spid="3">
-                                            <p:txEl>
-                                              <p:pRg st="3" end="3"/>
-                                            </p:txEl>
-                                          </p:spTgt>
-                                        </p:tgtEl>
-                                      </p:cBhvr>
-                                    </p:animEffect>
-                                    <p:anim calcmode="lin" valueType="num">
-                                      <p:cBhvr>
-                                        <p:cTn id="23" dur="1000" fill="hold"/>
-                                        <p:tgtEl>
-                                          <p:spTgt spid="3">
-                                            <p:txEl>
-                                              <p:pRg st="3" end="3"/>
-                                            </p:txEl>
-                                          </p:spTgt>
-                                        </p:tgtEl>
-                                        <p:attrNameLst>
-                                          <p:attrName>ppt_x</p:attrName>
-                                        </p:attrNameLst>
-                                      </p:cBhvr>
-                                      <p:tavLst>
-                                        <p:tav tm="0">
-                                          <p:val>
-                                            <p:strVal val="#ppt_x"/>
-                                          </p:val>
-                                        </p:tav>
-                                        <p:tav tm="100000">
-                                          <p:val>
-                                            <p:strVal val="#ppt_x"/>
-                                          </p:val>
-                                        </p:tav>
-                                      </p:tavLst>
-                                    </p:anim>
-                                    <p:anim calcmode="lin" valueType="num">
-                                      <p:cBhvr>
-                                        <p:cTn id="24" dur="1000" fill="hold"/>
-                                        <p:tgtEl>
-                                          <p:spTgt spid="3">
-                                            <p:txEl>
-                                              <p:pRg st="3" end="3"/>
-                                            </p:txEl>
-                                          </p:spTgt>
-                                        </p:tgtEl>
-                                        <p:attrNameLst>
-                                          <p:attrName>ppt_y</p:attrName>
-                                        </p:attrNameLst>
-                                      </p:cBhvr>
-                                      <p:tavLst>
-                                        <p:tav tm="0">
-                                          <p:val>
-                                            <p:strVal val="#ppt_y+.1"/>
-                                          </p:val>
-                                        </p:tav>
-                                        <p:tav tm="100000">
-                                          <p:val>
-                                            <p:strVal val="#ppt_y"/>
-                                          </p:val>
-                                        </p:tav>
-                                      </p:tavLst>
-                                    </p:anim>
-                                  </p:childTnLst>
-                                </p:cTn>
-                              </p:par>
-                              <p:par>
-                                <p:cTn id="25" presetID="42" presetClass="entr" presetSubtype="0" fill="hold" nodeType="withEffect">
-                                  <p:stCondLst>
-                                    <p:cond delay="0"/>
-                                  </p:stCondLst>
-                                  <p:childTnLst>
-                                    <p:set>
-                                      <p:cBhvr>
-                                        <p:cTn id="26" dur="1" fill="hold">
-                                          <p:stCondLst>
-                                            <p:cond delay="0"/>
-                                          </p:stCondLst>
-                                        </p:cTn>
-                                        <p:tgtEl>
-                                          <p:spTgt spid="3">
-                                            <p:txEl>
-                                              <p:pRg st="4" end="4"/>
-                                            </p:txEl>
-                                          </p:spTgt>
-                                        </p:tgtEl>
-                                        <p:attrNameLst>
-                                          <p:attrName>style.visibility</p:attrName>
-                                        </p:attrNameLst>
-                                      </p:cBhvr>
-                                      <p:to>
-                                        <p:strVal val="visible"/>
-                                      </p:to>
-                                    </p:set>
-                                    <p:animEffect transition="in" filter="fade">
-                                      <p:cBhvr>
-                                        <p:cTn id="27" dur="1000"/>
-                                        <p:tgtEl>
-                                          <p:spTgt spid="3">
-                                            <p:txEl>
-                                              <p:pRg st="4" end="4"/>
-                                            </p:txEl>
-                                          </p:spTgt>
-                                        </p:tgtEl>
-                                      </p:cBhvr>
-                                    </p:animEffect>
-                                    <p:anim calcmode="lin" valueType="num">
-                                      <p:cBhvr>
-                                        <p:cTn id="28" dur="1000" fill="hold"/>
-                                        <p:tgtEl>
-                                          <p:spTgt spid="3">
-                                            <p:txEl>
-                                              <p:pRg st="4" end="4"/>
-                                            </p:txEl>
-                                          </p:spTgt>
-                                        </p:tgtEl>
-                                        <p:attrNameLst>
-                                          <p:attrName>ppt_x</p:attrName>
-                                        </p:attrNameLst>
-                                      </p:cBhvr>
-                                      <p:tavLst>
-                                        <p:tav tm="0">
-                                          <p:val>
-                                            <p:strVal val="#ppt_x"/>
-                                          </p:val>
-                                        </p:tav>
-                                        <p:tav tm="100000">
-                                          <p:val>
-                                            <p:strVal val="#ppt_x"/>
-                                          </p:val>
-                                        </p:tav>
-                                      </p:tavLst>
-                                    </p:anim>
-                                    <p:anim calcmode="lin" valueType="num">
-                                      <p:cBhvr>
-                                        <p:cTn id="29" dur="1000" fill="hold"/>
-                                        <p:tgtEl>
-                                          <p:spTgt spid="3">
-                                            <p:txEl>
-                                              <p:pRg st="4" end="4"/>
-                                            </p:txEl>
-                                          </p:spTgt>
-                                        </p:tgtEl>
-                                        <p:attrNameLst>
-                                          <p:attrName>ppt_y</p:attrName>
-                                        </p:attrNameLst>
-                                      </p:cBhvr>
-                                      <p:tavLst>
-                                        <p:tav tm="0">
-                                          <p:val>
-                                            <p:strVal val="#ppt_y+.1"/>
-                                          </p:val>
-                                        </p:tav>
-                                        <p:tav tm="100000">
-                                          <p:val>
-                                            <p:strVal val="#ppt_y"/>
-                                          </p:val>
-                                        </p:tav>
-                                      </p:tavLst>
-                                    </p:anim>
-                                  </p:childTnLst>
-                                </p:cTn>
-                              </p:par>
-                              <p:par>
-                                <p:cTn id="30" presetID="42" presetClass="entr" presetSubtype="0" fill="hold" nodeType="withEffect">
-                                  <p:stCondLst>
-                                    <p:cond delay="0"/>
-                                  </p:stCondLst>
-                                  <p:childTnLst>
-                                    <p:set>
-                                      <p:cBhvr>
-                                        <p:cTn id="31" dur="1" fill="hold">
-                                          <p:stCondLst>
-                                            <p:cond delay="0"/>
-                                          </p:stCondLst>
-                                        </p:cTn>
-                                        <p:tgtEl>
-                                          <p:spTgt spid="3">
-                                            <p:txEl>
-                                              <p:pRg st="5" end="5"/>
-                                            </p:txEl>
-                                          </p:spTgt>
-                                        </p:tgtEl>
-                                        <p:attrNameLst>
-                                          <p:attrName>style.visibility</p:attrName>
-                                        </p:attrNameLst>
-                                      </p:cBhvr>
-                                      <p:to>
-                                        <p:strVal val="visible"/>
-                                      </p:to>
-                                    </p:set>
-                                    <p:animEffect transition="in" filter="fade">
-                                      <p:cBhvr>
-                                        <p:cTn id="32" dur="1000"/>
-                                        <p:tgtEl>
-                                          <p:spTgt spid="3">
-                                            <p:txEl>
-                                              <p:pRg st="5" end="5"/>
-                                            </p:txEl>
-                                          </p:spTgt>
-                                        </p:tgtEl>
-                                      </p:cBhvr>
-                                    </p:animEffect>
-                                    <p:anim calcmode="lin" valueType="num">
-                                      <p:cBhvr>
-                                        <p:cTn id="33" dur="1000" fill="hold"/>
-                                        <p:tgtEl>
-                                          <p:spTgt spid="3">
-                                            <p:txEl>
-                                              <p:pRg st="5" end="5"/>
-                                            </p:txEl>
-                                          </p:spTgt>
-                                        </p:tgtEl>
-                                        <p:attrNameLst>
-                                          <p:attrName>ppt_x</p:attrName>
-                                        </p:attrNameLst>
-                                      </p:cBhvr>
-                                      <p:tavLst>
-                                        <p:tav tm="0">
-                                          <p:val>
-                                            <p:strVal val="#ppt_x"/>
-                                          </p:val>
-                                        </p:tav>
-                                        <p:tav tm="100000">
-                                          <p:val>
-                                            <p:strVal val="#ppt_x"/>
-                                          </p:val>
-                                        </p:tav>
-                                      </p:tavLst>
-                                    </p:anim>
-                                    <p:anim calcmode="lin" valueType="num">
-                                      <p:cBhvr>
-                                        <p:cTn id="34" dur="1000" fill="hold"/>
-                                        <p:tgtEl>
-                                          <p:spTgt spid="3">
-                                            <p:txEl>
-                                              <p:pRg st="5" end="5"/>
-                                            </p:txEl>
-                                          </p:spTgt>
-                                        </p:tgtEl>
-                                        <p:attrNameLst>
-                                          <p:attrName>ppt_y</p:attrName>
-                                        </p:attrNameLst>
-                                      </p:cBhvr>
-                                      <p:tavLst>
-                                        <p:tav tm="0">
-                                          <p:val>
-                                            <p:strVal val="#ppt_y+.1"/>
-                                          </p:val>
-                                        </p:tav>
-                                        <p:tav tm="100000">
-                                          <p:val>
-                                            <p:strVal val="#ppt_y"/>
-                                          </p:val>
-                                        </p:tav>
-                                      </p:tavLst>
-                                    </p:anim>
-                                  </p:childTnLst>
-                                </p:cTn>
-                              </p:par>
-                            </p:childTnLst>
-                          </p:cTn>
-                        </p:par>
-                      </p:childTnLst>
-                    </p:cTn>
-                  </p:par>
-                </p:childTnLst>
-              </p:cTn>
-              <p:prevCondLst>
-                <p:cond evt="onPrev" delay="0">
-                  <p:tgtEl>
-                    <p:sldTgt/>
-                  </p:tgtEl>
-                </p:cond>
-              </p:prevCondLst>
-              <p:nextCondLst>
-                <p:cond evt="onNext" delay="0">
-                  <p:tgtEl>
-                    <p:sldTgt/>
-                  </p:tgtEl>
-                </p:cond>
-              </p:nextCondLst>
-            </p:seq>
-          </p:childTnLst>
-        </p:cTn>
-      </p:par>
-    </p:tnLst>
-  </p:timing>
-</p:sld>
-</file>
-
-<file path=ppt/slides/slide14.xml><?xml version="1.0" encoding="utf-8"?>
-<p:sld xmlns:a="http://schemas.openxmlformats.org/drawingml/2006/main" xmlns:r="http://schemas.openxmlformats.org/officeDocument/2006/relationships" xmlns:p="http://schemas.openxmlformats.org/presentationml/2006/main">
-  <p:cSld>
-    <p:spTree>
-      <p:nvGrpSpPr>
-        <p:cNvPr id="1" name=""/>
-        <p:cNvGrpSpPr/>
-        <p:nvPr/>
-      </p:nvGrpSpPr>
-      <p:grpSpPr>
-        <a:xfrm>
-          <a:off x="0" y="0"/>
-          <a:ext cx="0" cy="0"/>
-          <a:chOff x="0" y="0"/>
-          <a:chExt cx="0" cy="0"/>
-        </a:xfrm>
-      </p:grpSpPr>
-      <p:sp>
-        <p:nvSpPr>
-          <p:cNvPr id="2" name="Title 1"/>
-          <p:cNvSpPr>
-            <a:spLocks noGrp="1"/>
-          </p:cNvSpPr>
-          <p:nvPr>
-            <p:ph type="title"/>
-          </p:nvPr>
-        </p:nvSpPr>
-        <p:spPr/>
-        <p:txBody>
-          <a:bodyPr/>
-          <a:lstStyle/>
-          <a:p>
-            <a:r>
-              <a:rPr lang="en-US" dirty="0" smtClean="0"/>
-              <a:t>Demo</a:t>
-            </a:r>
-            <a:endParaRPr lang="en-US" dirty="0"/>
-          </a:p>
-        </p:txBody>
-      </p:sp>
-      <p:sp>
-        <p:nvSpPr>
-          <p:cNvPr id="3" name="Content Placeholder 2"/>
-          <p:cNvSpPr>
-            <a:spLocks noGrp="1"/>
-          </p:cNvSpPr>
-          <p:nvPr>
-            <p:ph idx="1"/>
-          </p:nvPr>
-        </p:nvSpPr>
-        <p:spPr/>
-        <p:txBody>
-          <a:bodyPr/>
-          <a:lstStyle/>
-          <a:p>
-            <a:r>
-              <a:rPr lang="en-US" dirty="0" smtClean="0"/>
-              <a:t>Use ng-stats and chrome profile to analyze performance</a:t>
-            </a:r>
-            <a:r>
-              <a:rPr lang="en-US" dirty="0" smtClean="0"/>
-              <a:t>.</a:t>
-            </a:r>
-            <a:endParaRPr lang="en-US" dirty="0" smtClean="0"/>
-          </a:p>
-        </p:txBody>
-      </p:sp>
-    </p:spTree>
-    <p:extLst>
-      <p:ext uri="{BB962C8B-B14F-4D97-AF65-F5344CB8AC3E}">
-        <p14:creationId xmlns:p14="http://schemas.microsoft.com/office/powerpoint/2010/main" val="1180368882"/>
-      </p:ext>
-    </p:extLst>
-  </p:cSld>
-  <p:clrMapOvr>
-    <a:masterClrMapping/>
-  </p:clrMapOvr>
-  <p:timing>
-    <p:tnLst>
-      <p:par>
-        <p:cTn id="1" dur="indefinite" restart="never" nodeType="tmRoot"/>
-      </p:par>
-    </p:tnLst>
-  </p:timing>
-</p:sld>
-</file>
-
-<file path=ppt/slides/slide15.xml><?xml version="1.0" encoding="utf-8"?>
-<p:sld xmlns:a="http://schemas.openxmlformats.org/drawingml/2006/main" xmlns:r="http://schemas.openxmlformats.org/officeDocument/2006/relationships" xmlns:p="http://schemas.openxmlformats.org/presentationml/2006/main">
-  <p:cSld>
-    <p:spTree>
-      <p:nvGrpSpPr>
-        <p:cNvPr id="1" name=""/>
-        <p:cNvGrpSpPr/>
-        <p:nvPr/>
-      </p:nvGrpSpPr>
-      <p:grpSpPr>
-        <a:xfrm>
-          <a:off x="0" y="0"/>
-          <a:ext cx="0" cy="0"/>
-          <a:chOff x="0" y="0"/>
-          <a:chExt cx="0" cy="0"/>
-        </a:xfrm>
-      </p:grpSpPr>
-      <p:sp>
-        <p:nvSpPr>
           <p:cNvPr id="2" name="标题 1"/>
           <p:cNvSpPr>
             <a:spLocks noGrp="1"/>
@@ -6339,667 +5213,7 @@
 </p:sld>
 </file>
 
-<file path=ppt/slides/slide16.xml><?xml version="1.0" encoding="utf-8"?>
-<p:sld xmlns:a="http://schemas.openxmlformats.org/drawingml/2006/main" xmlns:r="http://schemas.openxmlformats.org/officeDocument/2006/relationships" xmlns:p="http://schemas.openxmlformats.org/presentationml/2006/main">
-  <p:cSld>
-    <p:spTree>
-      <p:nvGrpSpPr>
-        <p:cNvPr id="1" name=""/>
-        <p:cNvGrpSpPr/>
-        <p:nvPr/>
-      </p:nvGrpSpPr>
-      <p:grpSpPr>
-        <a:xfrm>
-          <a:off x="0" y="0"/>
-          <a:ext cx="0" cy="0"/>
-          <a:chOff x="0" y="0"/>
-          <a:chExt cx="0" cy="0"/>
-        </a:xfrm>
-      </p:grpSpPr>
-      <p:sp>
-        <p:nvSpPr>
-          <p:cNvPr id="2" name="Title 1"/>
-          <p:cNvSpPr>
-            <a:spLocks noGrp="1"/>
-          </p:cNvSpPr>
-          <p:nvPr>
-            <p:ph type="title"/>
-          </p:nvPr>
-        </p:nvSpPr>
-        <p:spPr/>
-        <p:txBody>
-          <a:bodyPr>
-            <a:normAutofit fontScale="90000"/>
-          </a:bodyPr>
-          <a:lstStyle/>
-          <a:p>
-            <a:r>
-              <a:rPr lang="zh-CN" altLang="en-US" dirty="0" smtClean="0"/>
-              <a:t>前段框架的趋势和</a:t>
-            </a:r>
-            <a:r>
-              <a:rPr lang="en-US" altLang="zh-CN" dirty="0" smtClean="0"/>
-              <a:t>angular</a:t>
-            </a:r>
-            <a:r>
-              <a:rPr lang="zh-CN" altLang="en-US" dirty="0" smtClean="0"/>
-              <a:t>的未来</a:t>
-            </a:r>
-            <a:r>
-              <a:rPr lang="en-US" altLang="zh-CN" dirty="0" smtClean="0"/>
-              <a:t>	</a:t>
-            </a:r>
-            <a:endParaRPr lang="en-US" dirty="0"/>
-          </a:p>
-        </p:txBody>
-      </p:sp>
-      <p:sp>
-        <p:nvSpPr>
-          <p:cNvPr id="3" name="Content Placeholder 2"/>
-          <p:cNvSpPr>
-            <a:spLocks noGrp="1"/>
-          </p:cNvSpPr>
-          <p:nvPr>
-            <p:ph idx="1"/>
-          </p:nvPr>
-        </p:nvSpPr>
-        <p:spPr/>
-        <p:txBody>
-          <a:bodyPr/>
-          <a:lstStyle/>
-          <a:p>
-            <a:r>
-              <a:rPr lang="zh-CN" altLang="en-US" dirty="0" smtClean="0"/>
-              <a:t>单向数据流</a:t>
-            </a:r>
-            <a:endParaRPr lang="en-US" altLang="zh-CN" dirty="0" smtClean="0"/>
-          </a:p>
-          <a:p>
-            <a:r>
-              <a:rPr lang="zh-CN" altLang="en-US" dirty="0" smtClean="0"/>
-              <a:t>拥抱组件化</a:t>
-            </a:r>
-            <a:endParaRPr lang="en-US" altLang="zh-CN" dirty="0"/>
-          </a:p>
-          <a:p>
-            <a:r>
-              <a:rPr lang="zh-CN" altLang="en-US" dirty="0" smtClean="0"/>
-              <a:t>从保姆变成导师。</a:t>
-            </a:r>
-            <a:endParaRPr lang="en-US" altLang="zh-CN" dirty="0" smtClean="0"/>
-          </a:p>
-        </p:txBody>
-      </p:sp>
-    </p:spTree>
-    <p:extLst>
-      <p:ext uri="{BB962C8B-B14F-4D97-AF65-F5344CB8AC3E}">
-        <p14:creationId xmlns:p14="http://schemas.microsoft.com/office/powerpoint/2010/main" val="1218696869"/>
-      </p:ext>
-    </p:extLst>
-  </p:cSld>
-  <p:clrMapOvr>
-    <a:masterClrMapping/>
-  </p:clrMapOvr>
-</p:sld>
-</file>
-
-<file path=ppt/slides/slide2.xml><?xml version="1.0" encoding="utf-8"?>
-<p:sld xmlns:a="http://schemas.openxmlformats.org/drawingml/2006/main" xmlns:r="http://schemas.openxmlformats.org/officeDocument/2006/relationships" xmlns:p="http://schemas.openxmlformats.org/presentationml/2006/main">
-  <p:cSld>
-    <p:spTree>
-      <p:nvGrpSpPr>
-        <p:cNvPr id="1" name=""/>
-        <p:cNvGrpSpPr/>
-        <p:nvPr/>
-      </p:nvGrpSpPr>
-      <p:grpSpPr>
-        <a:xfrm>
-          <a:off x="0" y="0"/>
-          <a:ext cx="0" cy="0"/>
-          <a:chOff x="0" y="0"/>
-          <a:chExt cx="0" cy="0"/>
-        </a:xfrm>
-      </p:grpSpPr>
-      <p:sp>
-        <p:nvSpPr>
-          <p:cNvPr id="2" name="标题 1"/>
-          <p:cNvSpPr>
-            <a:spLocks noGrp="1"/>
-          </p:cNvSpPr>
-          <p:nvPr>
-            <p:ph type="title"/>
-          </p:nvPr>
-        </p:nvSpPr>
-        <p:spPr/>
-        <p:txBody>
-          <a:bodyPr/>
-          <a:lstStyle/>
-          <a:p>
-            <a:r>
-              <a:rPr lang="zh-CN" altLang="en-US" dirty="0"/>
-              <a:t>自我介绍</a:t>
-            </a:r>
-          </a:p>
-        </p:txBody>
-      </p:sp>
-      <p:sp>
-        <p:nvSpPr>
-          <p:cNvPr id="3" name="内容占位符 2"/>
-          <p:cNvSpPr>
-            <a:spLocks noGrp="1"/>
-          </p:cNvSpPr>
-          <p:nvPr>
-            <p:ph idx="1"/>
-          </p:nvPr>
-        </p:nvSpPr>
-        <p:spPr/>
-        <p:txBody>
-          <a:bodyPr>
-            <a:normAutofit fontScale="85000" lnSpcReduction="10000"/>
-          </a:bodyPr>
-          <a:lstStyle/>
-          <a:p>
-            <a:r>
-              <a:rPr lang="zh-CN" altLang="en-US" dirty="0" smtClean="0"/>
-              <a:t>蔡斯杰  </a:t>
-            </a:r>
-            <a:endParaRPr lang="en-US" altLang="zh-CN" dirty="0" smtClean="0"/>
-          </a:p>
-          <a:p>
-            <a:r>
-              <a:rPr lang="en-US" altLang="zh-CN" dirty="0" smtClean="0"/>
-              <a:t>2010</a:t>
-            </a:r>
-            <a:r>
-              <a:rPr lang="zh-CN" altLang="en-US" dirty="0" smtClean="0"/>
-              <a:t>年开始工作，积累了一些前段开发的基础，树形结构组件，事件驱动，绘图。</a:t>
-            </a:r>
-            <a:endParaRPr lang="en-US" altLang="zh-CN" dirty="0" smtClean="0"/>
-          </a:p>
-          <a:p>
-            <a:r>
-              <a:rPr lang="en-US" altLang="zh-CN" dirty="0" smtClean="0"/>
-              <a:t>2013</a:t>
-            </a:r>
-            <a:r>
-              <a:rPr lang="zh-CN" altLang="en-US" dirty="0" smtClean="0"/>
-              <a:t>年首次接触</a:t>
-            </a:r>
-            <a:r>
-              <a:rPr lang="en-US" altLang="zh-CN" dirty="0" smtClean="0"/>
-              <a:t>angular</a:t>
-            </a:r>
-            <a:r>
-              <a:rPr lang="zh-CN" altLang="en-US" dirty="0" smtClean="0"/>
-              <a:t>，喜出望外，爸爸再与不用教我用</a:t>
-            </a:r>
-            <a:r>
-              <a:rPr lang="en-US" altLang="zh-CN" dirty="0" err="1" smtClean="0"/>
-              <a:t>jQuery</a:t>
-            </a:r>
-            <a:r>
-              <a:rPr lang="zh-CN" altLang="en-US" dirty="0" smtClean="0"/>
-              <a:t>。</a:t>
-            </a:r>
-            <a:endParaRPr lang="en-US" altLang="zh-CN" dirty="0" smtClean="0"/>
-          </a:p>
-          <a:p>
-            <a:r>
-              <a:rPr lang="zh-CN" altLang="en-US" dirty="0"/>
-              <a:t>半知半</a:t>
-            </a:r>
-            <a:r>
-              <a:rPr lang="zh-CN" altLang="en-US" dirty="0" smtClean="0"/>
-              <a:t>解的使用</a:t>
-            </a:r>
-            <a:r>
-              <a:rPr lang="en-US" altLang="zh-CN" dirty="0" smtClean="0"/>
-              <a:t>angular</a:t>
-            </a:r>
-            <a:r>
-              <a:rPr lang="zh-CN" altLang="en-US" dirty="0"/>
-              <a:t>半</a:t>
-            </a:r>
-            <a:r>
-              <a:rPr lang="zh-CN" altLang="en-US" dirty="0" smtClean="0"/>
-              <a:t>年，开始抱怨各种坑。</a:t>
-            </a:r>
-            <a:endParaRPr lang="en-US" altLang="zh-CN" dirty="0" smtClean="0"/>
-          </a:p>
-          <a:p>
-            <a:r>
-              <a:rPr lang="en-US" altLang="zh-CN" dirty="0" smtClean="0"/>
-              <a:t>2014</a:t>
-            </a:r>
-            <a:r>
-              <a:rPr lang="zh-CN" altLang="en-US" dirty="0" smtClean="0"/>
-              <a:t>开始开发使用</a:t>
-            </a:r>
-            <a:r>
-              <a:rPr lang="en-US" altLang="zh-CN" dirty="0" smtClean="0"/>
-              <a:t>angular</a:t>
-            </a:r>
-            <a:r>
-              <a:rPr lang="zh-CN" altLang="en-US" dirty="0" smtClean="0"/>
-              <a:t>组件，了解</a:t>
-            </a:r>
-            <a:r>
-              <a:rPr lang="en-US" altLang="zh-CN" dirty="0" smtClean="0"/>
-              <a:t>angular</a:t>
-            </a:r>
-            <a:r>
-              <a:rPr lang="zh-CN" altLang="en-US" dirty="0" smtClean="0"/>
-              <a:t>的一些机制，攻克性能</a:t>
-            </a:r>
-            <a:r>
-              <a:rPr lang="en-US" altLang="zh-CN" dirty="0" smtClean="0"/>
-              <a:t>bug</a:t>
-            </a:r>
-            <a:r>
-              <a:rPr lang="zh-CN" altLang="en-US" dirty="0" smtClean="0"/>
-              <a:t>。</a:t>
-            </a:r>
-            <a:endParaRPr lang="en-US" altLang="zh-CN" dirty="0" smtClean="0"/>
-          </a:p>
-          <a:p>
-            <a:r>
-              <a:rPr lang="zh-CN" altLang="en-US" dirty="0" smtClean="0"/>
-              <a:t>理解</a:t>
-            </a:r>
-            <a:r>
-              <a:rPr lang="en-US" altLang="zh-CN" dirty="0" smtClean="0"/>
-              <a:t>digest</a:t>
-            </a:r>
-            <a:r>
-              <a:rPr lang="zh-CN" altLang="en-US" dirty="0" smtClean="0"/>
-              <a:t>，</a:t>
-            </a:r>
-            <a:r>
-              <a:rPr lang="en-US" altLang="zh-CN" dirty="0" smtClean="0"/>
-              <a:t>watch</a:t>
-            </a:r>
-            <a:r>
-              <a:rPr lang="zh-CN" altLang="en-US" dirty="0" smtClean="0"/>
-              <a:t>，</a:t>
-            </a:r>
-            <a:r>
-              <a:rPr lang="en-US" altLang="zh-CN" dirty="0" smtClean="0"/>
-              <a:t>scope</a:t>
-            </a:r>
-            <a:r>
-              <a:rPr lang="zh-CN" altLang="en-US" dirty="0" smtClean="0"/>
-              <a:t>，积累</a:t>
-            </a:r>
-            <a:r>
-              <a:rPr lang="en-US" altLang="zh-CN" dirty="0" smtClean="0"/>
-              <a:t>hybrid mobile app</a:t>
-            </a:r>
-            <a:r>
-              <a:rPr lang="zh-CN" altLang="en-US" dirty="0" smtClean="0"/>
-              <a:t>经验，分享（北京</a:t>
-            </a:r>
-            <a:r>
-              <a:rPr lang="en-US" altLang="zh-CN" dirty="0" smtClean="0"/>
-              <a:t>angular</a:t>
-            </a:r>
-            <a:r>
-              <a:rPr lang="zh-CN" altLang="en-US" dirty="0" smtClean="0"/>
-              <a:t>见面会）和提供咨询。</a:t>
-            </a:r>
-            <a:endParaRPr lang="en-US" altLang="zh-CN" dirty="0" smtClean="0"/>
-          </a:p>
-        </p:txBody>
-      </p:sp>
-    </p:spTree>
-    <p:extLst>
-      <p:ext uri="{BB962C8B-B14F-4D97-AF65-F5344CB8AC3E}">
-        <p14:creationId xmlns:p14="http://schemas.microsoft.com/office/powerpoint/2010/main" val="753091941"/>
-      </p:ext>
-    </p:extLst>
-  </p:cSld>
-  <p:clrMapOvr>
-    <a:masterClrMapping/>
-  </p:clrMapOvr>
-</p:sld>
-</file>
-
-<file path=ppt/slides/slide3.xml><?xml version="1.0" encoding="utf-8"?>
-<p:sld xmlns:a="http://schemas.openxmlformats.org/drawingml/2006/main" xmlns:r="http://schemas.openxmlformats.org/officeDocument/2006/relationships" xmlns:p="http://schemas.openxmlformats.org/presentationml/2006/main">
-  <p:cSld>
-    <p:spTree>
-      <p:nvGrpSpPr>
-        <p:cNvPr id="1" name=""/>
-        <p:cNvGrpSpPr/>
-        <p:nvPr/>
-      </p:nvGrpSpPr>
-      <p:grpSpPr>
-        <a:xfrm>
-          <a:off x="0" y="0"/>
-          <a:ext cx="0" cy="0"/>
-          <a:chOff x="0" y="0"/>
-          <a:chExt cx="0" cy="0"/>
-        </a:xfrm>
-      </p:grpSpPr>
-      <p:sp>
-        <p:nvSpPr>
-          <p:cNvPr id="2" name="标题 1"/>
-          <p:cNvSpPr>
-            <a:spLocks noGrp="1"/>
-          </p:cNvSpPr>
-          <p:nvPr>
-            <p:ph type="title"/>
-          </p:nvPr>
-        </p:nvSpPr>
-        <p:spPr/>
-        <p:txBody>
-          <a:bodyPr/>
-          <a:lstStyle/>
-          <a:p>
-            <a:r>
-              <a:rPr lang="zh-CN" altLang="en-US" dirty="0" smtClean="0"/>
-              <a:t>关于本次分享</a:t>
-            </a:r>
-            <a:endParaRPr lang="zh-CN" altLang="en-US" dirty="0"/>
-          </a:p>
-        </p:txBody>
-      </p:sp>
-      <p:sp>
-        <p:nvSpPr>
-          <p:cNvPr id="3" name="内容占位符 2"/>
-          <p:cNvSpPr>
-            <a:spLocks noGrp="1"/>
-          </p:cNvSpPr>
-          <p:nvPr>
-            <p:ph idx="1"/>
-          </p:nvPr>
-        </p:nvSpPr>
-        <p:spPr/>
-        <p:txBody>
-          <a:bodyPr/>
-          <a:lstStyle/>
-          <a:p>
-            <a:r>
-              <a:rPr lang="zh-CN" altLang="en-US" dirty="0" smtClean="0"/>
-              <a:t>偏难。这次分享主题是反馈最好的一个。</a:t>
-            </a:r>
-            <a:endParaRPr lang="en-US" altLang="zh-CN" dirty="0" smtClean="0"/>
-          </a:p>
-          <a:p>
-            <a:r>
-              <a:rPr lang="zh-CN" altLang="en-US" dirty="0"/>
-              <a:t>以</a:t>
-            </a:r>
-            <a:r>
-              <a:rPr lang="zh-CN" altLang="en-US" dirty="0" smtClean="0"/>
-              <a:t>理解为主，资深</a:t>
-            </a:r>
-            <a:r>
-              <a:rPr lang="en-US" altLang="zh-CN" dirty="0" smtClean="0"/>
-              <a:t>angular</a:t>
-            </a:r>
-            <a:r>
-              <a:rPr lang="zh-CN" altLang="en-US" dirty="0" smtClean="0"/>
-              <a:t>可以复习功课。</a:t>
-            </a:r>
-            <a:endParaRPr lang="en-US" altLang="zh-CN" dirty="0" smtClean="0"/>
-          </a:p>
-          <a:p>
-            <a:r>
-              <a:rPr lang="zh-CN" altLang="en-US" dirty="0"/>
-              <a:t>会</a:t>
-            </a:r>
-            <a:r>
-              <a:rPr lang="zh-CN" altLang="en-US" dirty="0" smtClean="0"/>
-              <a:t>从最基本的知识导出</a:t>
-            </a:r>
-            <a:r>
-              <a:rPr lang="en-US" altLang="zh-CN" dirty="0" smtClean="0"/>
-              <a:t>angular</a:t>
-            </a:r>
-            <a:r>
-              <a:rPr lang="zh-CN" altLang="en-US" dirty="0" smtClean="0"/>
-              <a:t>的核心机制，多讲为什么而不是怎么做。</a:t>
-            </a:r>
-            <a:endParaRPr lang="en-US" altLang="zh-CN" dirty="0" smtClean="0"/>
-          </a:p>
-          <a:p>
-            <a:endParaRPr lang="en-US" altLang="zh-CN" dirty="0" smtClean="0"/>
-          </a:p>
-        </p:txBody>
-      </p:sp>
-    </p:spTree>
-    <p:extLst>
-      <p:ext uri="{BB962C8B-B14F-4D97-AF65-F5344CB8AC3E}">
-        <p14:creationId xmlns:p14="http://schemas.microsoft.com/office/powerpoint/2010/main" val="98294321"/>
-      </p:ext>
-    </p:extLst>
-  </p:cSld>
-  <p:clrMapOvr>
-    <a:masterClrMapping/>
-  </p:clrMapOvr>
-</p:sld>
-</file>
-
-<file path=ppt/slides/slide4.xml><?xml version="1.0" encoding="utf-8"?>
-<p:sld xmlns:a="http://schemas.openxmlformats.org/drawingml/2006/main" xmlns:r="http://schemas.openxmlformats.org/officeDocument/2006/relationships" xmlns:p="http://schemas.openxmlformats.org/presentationml/2006/main">
-  <p:cSld>
-    <p:spTree>
-      <p:nvGrpSpPr>
-        <p:cNvPr id="1" name=""/>
-        <p:cNvGrpSpPr/>
-        <p:nvPr/>
-      </p:nvGrpSpPr>
-      <p:grpSpPr>
-        <a:xfrm>
-          <a:off x="0" y="0"/>
-          <a:ext cx="0" cy="0"/>
-          <a:chOff x="0" y="0"/>
-          <a:chExt cx="0" cy="0"/>
-        </a:xfrm>
-      </p:grpSpPr>
-      <p:sp>
-        <p:nvSpPr>
-          <p:cNvPr id="2" name="标题 1"/>
-          <p:cNvSpPr>
-            <a:spLocks noGrp="1"/>
-          </p:cNvSpPr>
-          <p:nvPr>
-            <p:ph type="title"/>
-          </p:nvPr>
-        </p:nvSpPr>
-        <p:spPr/>
-        <p:txBody>
-          <a:bodyPr/>
-          <a:lstStyle/>
-          <a:p>
-            <a:r>
-              <a:rPr lang="en-US" altLang="zh-CN" dirty="0" smtClean="0"/>
-              <a:t>angular</a:t>
-            </a:r>
-            <a:r>
-              <a:rPr lang="zh-CN" altLang="en-US" dirty="0" smtClean="0"/>
-              <a:t>主要概念（设计初衷）</a:t>
-            </a:r>
-            <a:endParaRPr lang="zh-CN" altLang="en-US" dirty="0"/>
-          </a:p>
-        </p:txBody>
-      </p:sp>
-      <p:sp>
-        <p:nvSpPr>
-          <p:cNvPr id="3" name="内容占位符 2"/>
-          <p:cNvSpPr>
-            <a:spLocks noGrp="1"/>
-          </p:cNvSpPr>
-          <p:nvPr>
-            <p:ph idx="1"/>
-          </p:nvPr>
-        </p:nvSpPr>
-        <p:spPr/>
-        <p:txBody>
-          <a:bodyPr/>
-          <a:lstStyle/>
-          <a:p>
-            <a:r>
-              <a:rPr lang="en-US" altLang="zh-CN" dirty="0"/>
-              <a:t>POJO</a:t>
-            </a:r>
-            <a:r>
-              <a:rPr lang="zh-CN" altLang="en-US" dirty="0"/>
-              <a:t>双向绑定</a:t>
-            </a:r>
-            <a:endParaRPr lang="en-US" altLang="zh-CN" dirty="0"/>
-          </a:p>
-          <a:p>
-            <a:r>
-              <a:rPr lang="en-US" altLang="zh-CN" dirty="0"/>
-              <a:t>TDD</a:t>
-            </a:r>
-          </a:p>
-          <a:p>
-            <a:r>
-              <a:rPr lang="en-US" altLang="zh-CN" dirty="0" smtClean="0"/>
-              <a:t>MVC</a:t>
-            </a:r>
-          </a:p>
-          <a:p>
-            <a:r>
-              <a:rPr lang="en-US" altLang="zh-CN" dirty="0" smtClean="0"/>
-              <a:t>SPA</a:t>
-            </a:r>
-          </a:p>
-          <a:p>
-            <a:r>
-              <a:rPr lang="zh-CN" altLang="en-US" dirty="0" smtClean="0"/>
-              <a:t>支持组件化开发</a:t>
-            </a:r>
-            <a:endParaRPr lang="en-US" altLang="zh-CN" dirty="0" smtClean="0"/>
-          </a:p>
-          <a:p>
-            <a:endParaRPr lang="zh-CN" altLang="en-US" dirty="0"/>
-          </a:p>
-        </p:txBody>
-      </p:sp>
-    </p:spTree>
-    <p:extLst>
-      <p:ext uri="{BB962C8B-B14F-4D97-AF65-F5344CB8AC3E}">
-        <p14:creationId xmlns:p14="http://schemas.microsoft.com/office/powerpoint/2010/main" val="2973466284"/>
-      </p:ext>
-    </p:extLst>
-  </p:cSld>
-  <p:clrMapOvr>
-    <a:masterClrMapping/>
-  </p:clrMapOvr>
-</p:sld>
-</file>
-
-<file path=ppt/slides/slide5.xml><?xml version="1.0" encoding="utf-8"?>
-<p:sld xmlns:a="http://schemas.openxmlformats.org/drawingml/2006/main" xmlns:r="http://schemas.openxmlformats.org/officeDocument/2006/relationships" xmlns:p="http://schemas.openxmlformats.org/presentationml/2006/main">
-  <p:cSld>
-    <p:spTree>
-      <p:nvGrpSpPr>
-        <p:cNvPr id="1" name=""/>
-        <p:cNvGrpSpPr/>
-        <p:nvPr/>
-      </p:nvGrpSpPr>
-      <p:grpSpPr>
-        <a:xfrm>
-          <a:off x="0" y="0"/>
-          <a:ext cx="0" cy="0"/>
-          <a:chOff x="0" y="0"/>
-          <a:chExt cx="0" cy="0"/>
-        </a:xfrm>
-      </p:grpSpPr>
-      <p:sp>
-        <p:nvSpPr>
-          <p:cNvPr id="2" name="标题 1"/>
-          <p:cNvSpPr>
-            <a:spLocks noGrp="1"/>
-          </p:cNvSpPr>
-          <p:nvPr>
-            <p:ph type="title"/>
-          </p:nvPr>
-        </p:nvSpPr>
-        <p:spPr/>
-        <p:txBody>
-          <a:bodyPr/>
-          <a:lstStyle/>
-          <a:p>
-            <a:r>
-              <a:rPr lang="en-US" altLang="zh-CN" dirty="0" smtClean="0"/>
-              <a:t>Angular</a:t>
-            </a:r>
-            <a:r>
-              <a:rPr lang="zh-CN" altLang="en-US" dirty="0" smtClean="0"/>
-              <a:t>核心机制</a:t>
-            </a:r>
-            <a:endParaRPr lang="zh-CN" altLang="en-US" dirty="0"/>
-          </a:p>
-        </p:txBody>
-      </p:sp>
-      <p:sp>
-        <p:nvSpPr>
-          <p:cNvPr id="3" name="内容占位符 2"/>
-          <p:cNvSpPr>
-            <a:spLocks noGrp="1"/>
-          </p:cNvSpPr>
-          <p:nvPr>
-            <p:ph idx="1"/>
-          </p:nvPr>
-        </p:nvSpPr>
-        <p:spPr/>
-        <p:txBody>
-          <a:bodyPr/>
-          <a:lstStyle/>
-          <a:p>
-            <a:r>
-              <a:rPr lang="en-US" altLang="zh-CN" dirty="0" smtClean="0"/>
-              <a:t>Compile (</a:t>
-            </a:r>
-            <a:r>
-              <a:rPr lang="zh-CN" altLang="en-US" dirty="0"/>
-              <a:t>上船</a:t>
-            </a:r>
-            <a:r>
-              <a:rPr lang="zh-CN" altLang="en-US" dirty="0" smtClean="0"/>
-              <a:t>）</a:t>
-            </a:r>
-            <a:endParaRPr lang="en-US" altLang="zh-CN" dirty="0" smtClean="0"/>
-          </a:p>
-          <a:p>
-            <a:r>
-              <a:rPr lang="en-US" altLang="zh-CN" b="1" dirty="0" smtClean="0"/>
-              <a:t>Digest</a:t>
-            </a:r>
-            <a:r>
-              <a:rPr lang="zh-CN" altLang="en-US" b="1" dirty="0" smtClean="0"/>
-              <a:t> </a:t>
-            </a:r>
-            <a:r>
-              <a:rPr lang="en-US" altLang="zh-CN" b="1" dirty="0" smtClean="0"/>
-              <a:t>Cycle </a:t>
-            </a:r>
-            <a:r>
-              <a:rPr lang="zh-CN" altLang="en-US" b="1" dirty="0" smtClean="0"/>
-              <a:t>（发动机）</a:t>
-            </a:r>
-            <a:endParaRPr lang="en-US" altLang="zh-CN" b="1" dirty="0" smtClean="0"/>
-          </a:p>
-        </p:txBody>
-      </p:sp>
-    </p:spTree>
-    <p:extLst>
-      <p:ext uri="{BB962C8B-B14F-4D97-AF65-F5344CB8AC3E}">
-        <p14:creationId xmlns:p14="http://schemas.microsoft.com/office/powerpoint/2010/main" val="1532284585"/>
-      </p:ext>
-    </p:extLst>
-  </p:cSld>
-  <p:clrMapOvr>
-    <a:masterClrMapping/>
-  </p:clrMapOvr>
-</p:sld>
-</file>
-
-<file path=ppt/slides/slide6.xml><?xml version="1.0" encoding="utf-8"?>
+<file path=ppt/slides/slide14.xml><?xml version="1.0" encoding="utf-8"?>
 <p:sld xmlns:a="http://schemas.openxmlformats.org/drawingml/2006/main" xmlns:r="http://schemas.openxmlformats.org/officeDocument/2006/relationships" xmlns:p="http://schemas.openxmlformats.org/presentationml/2006/main">
   <p:cSld>
     <p:spTree>
@@ -8353,7 +6567,7 @@
     </p:spTree>
     <p:extLst>
       <p:ext uri="{BB962C8B-B14F-4D97-AF65-F5344CB8AC3E}">
-        <p14:creationId xmlns:p14="http://schemas.microsoft.com/office/powerpoint/2010/main" val="1744148480"/>
+        <p14:creationId xmlns:p14="http://schemas.microsoft.com/office/powerpoint/2010/main" val="2015801993"/>
       </p:ext>
     </p:extLst>
   </p:cSld>
@@ -9551,7 +7765,676 @@
 </p:sld>
 </file>
 
-<file path=ppt/slides/slide7.xml><?xml version="1.0" encoding="utf-8"?>
+<file path=ppt/slides/slide15.xml><?xml version="1.0" encoding="utf-8"?>
+<p:sld xmlns:a="http://schemas.openxmlformats.org/drawingml/2006/main" xmlns:r="http://schemas.openxmlformats.org/officeDocument/2006/relationships" xmlns:p="http://schemas.openxmlformats.org/presentationml/2006/main">
+  <p:cSld>
+    <p:spTree>
+      <p:nvGrpSpPr>
+        <p:cNvPr id="1" name=""/>
+        <p:cNvGrpSpPr/>
+        <p:nvPr/>
+      </p:nvGrpSpPr>
+      <p:grpSpPr>
+        <a:xfrm>
+          <a:off x="0" y="0"/>
+          <a:ext cx="0" cy="0"/>
+          <a:chOff x="0" y="0"/>
+          <a:chExt cx="0" cy="0"/>
+        </a:xfrm>
+      </p:grpSpPr>
+      <p:sp>
+        <p:nvSpPr>
+          <p:cNvPr id="2" name="Title 1"/>
+          <p:cNvSpPr>
+            <a:spLocks noGrp="1"/>
+          </p:cNvSpPr>
+          <p:nvPr>
+            <p:ph type="title"/>
+          </p:nvPr>
+        </p:nvSpPr>
+        <p:spPr/>
+        <p:txBody>
+          <a:bodyPr>
+            <a:normAutofit fontScale="90000"/>
+          </a:bodyPr>
+          <a:lstStyle/>
+          <a:p>
+            <a:r>
+              <a:rPr lang="zh-CN" altLang="en-US" dirty="0" smtClean="0"/>
+              <a:t>前段框架的趋势和</a:t>
+            </a:r>
+            <a:r>
+              <a:rPr lang="en-US" altLang="zh-CN" dirty="0" smtClean="0"/>
+              <a:t>angular</a:t>
+            </a:r>
+            <a:r>
+              <a:rPr lang="zh-CN" altLang="en-US" dirty="0" smtClean="0"/>
+              <a:t>的未来</a:t>
+            </a:r>
+            <a:r>
+              <a:rPr lang="en-US" altLang="zh-CN" dirty="0" smtClean="0"/>
+              <a:t>	</a:t>
+            </a:r>
+            <a:endParaRPr lang="en-US" dirty="0"/>
+          </a:p>
+        </p:txBody>
+      </p:sp>
+      <p:sp>
+        <p:nvSpPr>
+          <p:cNvPr id="3" name="Content Placeholder 2"/>
+          <p:cNvSpPr>
+            <a:spLocks noGrp="1"/>
+          </p:cNvSpPr>
+          <p:nvPr>
+            <p:ph idx="1"/>
+          </p:nvPr>
+        </p:nvSpPr>
+        <p:spPr/>
+        <p:txBody>
+          <a:bodyPr/>
+          <a:lstStyle/>
+          <a:p>
+            <a:r>
+              <a:rPr lang="zh-CN" altLang="en-US" dirty="0" smtClean="0"/>
+              <a:t>单向数据流</a:t>
+            </a:r>
+            <a:endParaRPr lang="en-US" altLang="zh-CN" dirty="0" smtClean="0"/>
+          </a:p>
+          <a:p>
+            <a:r>
+              <a:rPr lang="zh-CN" altLang="en-US" dirty="0" smtClean="0"/>
+              <a:t>拥抱组件化</a:t>
+            </a:r>
+            <a:endParaRPr lang="en-US" altLang="zh-CN" dirty="0"/>
+          </a:p>
+          <a:p>
+            <a:r>
+              <a:rPr lang="zh-CN" altLang="en-US" dirty="0" smtClean="0"/>
+              <a:t>从保姆变成导师。</a:t>
+            </a:r>
+            <a:endParaRPr lang="en-US" altLang="zh-CN" dirty="0" smtClean="0"/>
+          </a:p>
+        </p:txBody>
+      </p:sp>
+    </p:spTree>
+    <p:extLst>
+      <p:ext uri="{BB962C8B-B14F-4D97-AF65-F5344CB8AC3E}">
+        <p14:creationId xmlns:p14="http://schemas.microsoft.com/office/powerpoint/2010/main" val="1218696869"/>
+      </p:ext>
+    </p:extLst>
+  </p:cSld>
+  <p:clrMapOvr>
+    <a:masterClrMapping/>
+  </p:clrMapOvr>
+</p:sld>
+</file>
+
+<file path=ppt/slides/slide2.xml><?xml version="1.0" encoding="utf-8"?>
+<p:sld xmlns:a="http://schemas.openxmlformats.org/drawingml/2006/main" xmlns:r="http://schemas.openxmlformats.org/officeDocument/2006/relationships" xmlns:p="http://schemas.openxmlformats.org/presentationml/2006/main">
+  <p:cSld>
+    <p:spTree>
+      <p:nvGrpSpPr>
+        <p:cNvPr id="1" name=""/>
+        <p:cNvGrpSpPr/>
+        <p:nvPr/>
+      </p:nvGrpSpPr>
+      <p:grpSpPr>
+        <a:xfrm>
+          <a:off x="0" y="0"/>
+          <a:ext cx="0" cy="0"/>
+          <a:chOff x="0" y="0"/>
+          <a:chExt cx="0" cy="0"/>
+        </a:xfrm>
+      </p:grpSpPr>
+      <p:sp>
+        <p:nvSpPr>
+          <p:cNvPr id="2" name="标题 1"/>
+          <p:cNvSpPr>
+            <a:spLocks noGrp="1"/>
+          </p:cNvSpPr>
+          <p:nvPr>
+            <p:ph type="title"/>
+          </p:nvPr>
+        </p:nvSpPr>
+        <p:spPr/>
+        <p:txBody>
+          <a:bodyPr/>
+          <a:lstStyle/>
+          <a:p>
+            <a:r>
+              <a:rPr lang="zh-CN" altLang="en-US" dirty="0"/>
+              <a:t>自我介绍</a:t>
+            </a:r>
+          </a:p>
+        </p:txBody>
+      </p:sp>
+      <p:sp>
+        <p:nvSpPr>
+          <p:cNvPr id="3" name="内容占位符 2"/>
+          <p:cNvSpPr>
+            <a:spLocks noGrp="1"/>
+          </p:cNvSpPr>
+          <p:nvPr>
+            <p:ph idx="1"/>
+          </p:nvPr>
+        </p:nvSpPr>
+        <p:spPr/>
+        <p:txBody>
+          <a:bodyPr>
+            <a:normAutofit fontScale="92500" lnSpcReduction="20000"/>
+          </a:bodyPr>
+          <a:lstStyle/>
+          <a:p>
+            <a:r>
+              <a:rPr lang="en-US" altLang="zh-CN" dirty="0" smtClean="0"/>
+              <a:t>2010</a:t>
+            </a:r>
+            <a:r>
+              <a:rPr lang="zh-CN" altLang="en-US" dirty="0" smtClean="0"/>
+              <a:t>年开始工作，积累了一些前段开发的基础，树形结构组件，事件驱动，绘图。</a:t>
+            </a:r>
+            <a:endParaRPr lang="en-US" altLang="zh-CN" dirty="0" smtClean="0"/>
+          </a:p>
+          <a:p>
+            <a:r>
+              <a:rPr lang="en-US" altLang="zh-CN" dirty="0" smtClean="0"/>
+              <a:t>2013</a:t>
+            </a:r>
+            <a:r>
+              <a:rPr lang="zh-CN" altLang="en-US" dirty="0" smtClean="0"/>
+              <a:t>年首次接触</a:t>
+            </a:r>
+            <a:r>
+              <a:rPr lang="en-US" altLang="zh-CN" dirty="0" smtClean="0"/>
+              <a:t>angular</a:t>
+            </a:r>
+            <a:r>
+              <a:rPr lang="zh-CN" altLang="en-US" dirty="0" smtClean="0"/>
+              <a:t>，喜出望外，爸爸</a:t>
+            </a:r>
+            <a:r>
+              <a:rPr lang="zh-CN" altLang="en-US" dirty="0" smtClean="0"/>
+              <a:t>再</a:t>
+            </a:r>
+            <a:r>
+              <a:rPr lang="zh-CN" altLang="en-US" dirty="0"/>
+              <a:t>也</a:t>
+            </a:r>
+            <a:r>
+              <a:rPr lang="zh-CN" altLang="en-US" dirty="0" smtClean="0"/>
+              <a:t>不用</a:t>
+            </a:r>
+            <a:r>
+              <a:rPr lang="zh-CN" altLang="en-US" dirty="0" smtClean="0"/>
+              <a:t>教我用</a:t>
+            </a:r>
+            <a:r>
+              <a:rPr lang="en-US" altLang="zh-CN" dirty="0" err="1" smtClean="0"/>
+              <a:t>jQuery</a:t>
+            </a:r>
+            <a:r>
+              <a:rPr lang="zh-CN" altLang="en-US" dirty="0" smtClean="0"/>
+              <a:t>。</a:t>
+            </a:r>
+            <a:endParaRPr lang="en-US" altLang="zh-CN" dirty="0" smtClean="0"/>
+          </a:p>
+          <a:p>
+            <a:r>
+              <a:rPr lang="zh-CN" altLang="en-US" dirty="0"/>
+              <a:t>半知半</a:t>
+            </a:r>
+            <a:r>
+              <a:rPr lang="zh-CN" altLang="en-US" dirty="0" smtClean="0"/>
+              <a:t>解的使用</a:t>
+            </a:r>
+            <a:r>
+              <a:rPr lang="en-US" altLang="zh-CN" dirty="0" smtClean="0"/>
+              <a:t>angular</a:t>
+            </a:r>
+            <a:r>
+              <a:rPr lang="zh-CN" altLang="en-US" dirty="0"/>
+              <a:t>半</a:t>
+            </a:r>
+            <a:r>
+              <a:rPr lang="zh-CN" altLang="en-US" dirty="0" smtClean="0"/>
+              <a:t>年，开始抱怨各种坑。</a:t>
+            </a:r>
+            <a:endParaRPr lang="en-US" altLang="zh-CN" dirty="0" smtClean="0"/>
+          </a:p>
+          <a:p>
+            <a:r>
+              <a:rPr lang="en-US" altLang="zh-CN" dirty="0" smtClean="0"/>
+              <a:t>2014</a:t>
+            </a:r>
+            <a:r>
+              <a:rPr lang="zh-CN" altLang="en-US" dirty="0" smtClean="0"/>
+              <a:t>开始开发使用</a:t>
+            </a:r>
+            <a:r>
+              <a:rPr lang="en-US" altLang="zh-CN" dirty="0" smtClean="0"/>
+              <a:t>angular</a:t>
+            </a:r>
+            <a:r>
+              <a:rPr lang="zh-CN" altLang="en-US" dirty="0" smtClean="0"/>
+              <a:t>组件，了解</a:t>
+            </a:r>
+            <a:r>
+              <a:rPr lang="en-US" altLang="zh-CN" dirty="0" smtClean="0"/>
+              <a:t>angular</a:t>
+            </a:r>
+            <a:r>
+              <a:rPr lang="zh-CN" altLang="en-US" dirty="0" smtClean="0"/>
+              <a:t>的一些机制，攻克性能</a:t>
+            </a:r>
+            <a:r>
+              <a:rPr lang="en-US" altLang="zh-CN" dirty="0" smtClean="0"/>
+              <a:t>bug</a:t>
+            </a:r>
+            <a:r>
+              <a:rPr lang="zh-CN" altLang="en-US" dirty="0" smtClean="0"/>
+              <a:t>。</a:t>
+            </a:r>
+            <a:endParaRPr lang="en-US" altLang="zh-CN" dirty="0" smtClean="0"/>
+          </a:p>
+          <a:p>
+            <a:r>
+              <a:rPr lang="zh-CN" altLang="en-US" dirty="0" smtClean="0"/>
+              <a:t>理解</a:t>
+            </a:r>
+            <a:r>
+              <a:rPr lang="en-US" altLang="zh-CN" dirty="0" smtClean="0"/>
+              <a:t>digest</a:t>
+            </a:r>
+            <a:r>
+              <a:rPr lang="zh-CN" altLang="en-US" dirty="0" smtClean="0"/>
+              <a:t>，</a:t>
+            </a:r>
+            <a:r>
+              <a:rPr lang="en-US" altLang="zh-CN" dirty="0" smtClean="0"/>
+              <a:t>watch</a:t>
+            </a:r>
+            <a:r>
+              <a:rPr lang="zh-CN" altLang="en-US" dirty="0" smtClean="0"/>
+              <a:t>，</a:t>
+            </a:r>
+            <a:r>
+              <a:rPr lang="en-US" altLang="zh-CN" dirty="0" smtClean="0"/>
+              <a:t>scope</a:t>
+            </a:r>
+            <a:r>
+              <a:rPr lang="zh-CN" altLang="en-US" dirty="0" smtClean="0"/>
+              <a:t>，积累</a:t>
+            </a:r>
+            <a:r>
+              <a:rPr lang="en-US" altLang="zh-CN" dirty="0" smtClean="0"/>
+              <a:t>hybrid mobile app</a:t>
+            </a:r>
+            <a:r>
+              <a:rPr lang="zh-CN" altLang="en-US" dirty="0" smtClean="0"/>
+              <a:t>经验，分享（北京</a:t>
+            </a:r>
+            <a:r>
+              <a:rPr lang="en-US" altLang="zh-CN" dirty="0" smtClean="0"/>
+              <a:t>angular</a:t>
+            </a:r>
+            <a:r>
+              <a:rPr lang="zh-CN" altLang="en-US" dirty="0" smtClean="0"/>
+              <a:t>见面会）和提供咨询。</a:t>
+            </a:r>
+            <a:endParaRPr lang="en-US" altLang="zh-CN" dirty="0" smtClean="0"/>
+          </a:p>
+        </p:txBody>
+      </p:sp>
+    </p:spTree>
+    <p:extLst>
+      <p:ext uri="{BB962C8B-B14F-4D97-AF65-F5344CB8AC3E}">
+        <p14:creationId xmlns:p14="http://schemas.microsoft.com/office/powerpoint/2010/main" val="753091941"/>
+      </p:ext>
+    </p:extLst>
+  </p:cSld>
+  <p:clrMapOvr>
+    <a:masterClrMapping/>
+  </p:clrMapOvr>
+</p:sld>
+</file>
+
+<file path=ppt/slides/slide3.xml><?xml version="1.0" encoding="utf-8"?>
+<p:sld xmlns:a="http://schemas.openxmlformats.org/drawingml/2006/main" xmlns:r="http://schemas.openxmlformats.org/officeDocument/2006/relationships" xmlns:p="http://schemas.openxmlformats.org/presentationml/2006/main">
+  <p:cSld>
+    <p:spTree>
+      <p:nvGrpSpPr>
+        <p:cNvPr id="1" name=""/>
+        <p:cNvGrpSpPr/>
+        <p:nvPr/>
+      </p:nvGrpSpPr>
+      <p:grpSpPr>
+        <a:xfrm>
+          <a:off x="0" y="0"/>
+          <a:ext cx="0" cy="0"/>
+          <a:chOff x="0" y="0"/>
+          <a:chExt cx="0" cy="0"/>
+        </a:xfrm>
+      </p:grpSpPr>
+      <p:sp>
+        <p:nvSpPr>
+          <p:cNvPr id="2" name="标题 1"/>
+          <p:cNvSpPr>
+            <a:spLocks noGrp="1"/>
+          </p:cNvSpPr>
+          <p:nvPr>
+            <p:ph type="title"/>
+          </p:nvPr>
+        </p:nvSpPr>
+        <p:spPr/>
+        <p:txBody>
+          <a:bodyPr/>
+          <a:lstStyle/>
+          <a:p>
+            <a:r>
+              <a:rPr lang="zh-CN" altLang="en-US" dirty="0" smtClean="0"/>
+              <a:t>关于本次分享</a:t>
+            </a:r>
+            <a:endParaRPr lang="zh-CN" altLang="en-US" dirty="0"/>
+          </a:p>
+        </p:txBody>
+      </p:sp>
+      <p:sp>
+        <p:nvSpPr>
+          <p:cNvPr id="3" name="内容占位符 2"/>
+          <p:cNvSpPr>
+            <a:spLocks noGrp="1"/>
+          </p:cNvSpPr>
+          <p:nvPr>
+            <p:ph idx="1"/>
+          </p:nvPr>
+        </p:nvSpPr>
+        <p:spPr/>
+        <p:txBody>
+          <a:bodyPr/>
+          <a:lstStyle/>
+          <a:p>
+            <a:r>
+              <a:rPr lang="zh-CN" altLang="en-US" dirty="0" smtClean="0"/>
+              <a:t>偏难。这次分享主题是反馈最好的一个。</a:t>
+            </a:r>
+            <a:endParaRPr lang="en-US" altLang="zh-CN" dirty="0" smtClean="0"/>
+          </a:p>
+          <a:p>
+            <a:r>
+              <a:rPr lang="zh-CN" altLang="en-US" dirty="0"/>
+              <a:t>以</a:t>
+            </a:r>
+            <a:r>
+              <a:rPr lang="zh-CN" altLang="en-US" dirty="0" smtClean="0"/>
+              <a:t>理解为主，资深</a:t>
+            </a:r>
+            <a:r>
+              <a:rPr lang="en-US" altLang="zh-CN" dirty="0" smtClean="0"/>
+              <a:t>angular</a:t>
+            </a:r>
+            <a:r>
+              <a:rPr lang="zh-CN" altLang="en-US" dirty="0" smtClean="0"/>
+              <a:t>可以复习功课。</a:t>
+            </a:r>
+            <a:endParaRPr lang="en-US" altLang="zh-CN" dirty="0" smtClean="0"/>
+          </a:p>
+          <a:p>
+            <a:r>
+              <a:rPr lang="zh-CN" altLang="en-US" dirty="0"/>
+              <a:t>会</a:t>
+            </a:r>
+            <a:r>
+              <a:rPr lang="zh-CN" altLang="en-US" dirty="0" smtClean="0"/>
+              <a:t>从最基本的知识导出</a:t>
+            </a:r>
+            <a:r>
+              <a:rPr lang="en-US" altLang="zh-CN" dirty="0" smtClean="0"/>
+              <a:t>angular</a:t>
+            </a:r>
+            <a:r>
+              <a:rPr lang="zh-CN" altLang="en-US" dirty="0" smtClean="0"/>
+              <a:t>的核心机制，多讲为什么而不是怎么做。</a:t>
+            </a:r>
+            <a:endParaRPr lang="en-US" altLang="zh-CN" dirty="0" smtClean="0"/>
+          </a:p>
+          <a:p>
+            <a:endParaRPr lang="en-US" altLang="zh-CN" dirty="0" smtClean="0"/>
+          </a:p>
+        </p:txBody>
+      </p:sp>
+    </p:spTree>
+    <p:extLst>
+      <p:ext uri="{BB962C8B-B14F-4D97-AF65-F5344CB8AC3E}">
+        <p14:creationId xmlns:p14="http://schemas.microsoft.com/office/powerpoint/2010/main" val="98294321"/>
+      </p:ext>
+    </p:extLst>
+  </p:cSld>
+  <p:clrMapOvr>
+    <a:masterClrMapping/>
+  </p:clrMapOvr>
+</p:sld>
+</file>
+
+<file path=ppt/slides/slide4.xml><?xml version="1.0" encoding="utf-8"?>
+<p:sld xmlns:a="http://schemas.openxmlformats.org/drawingml/2006/main" xmlns:r="http://schemas.openxmlformats.org/officeDocument/2006/relationships" xmlns:p="http://schemas.openxmlformats.org/presentationml/2006/main">
+  <p:cSld>
+    <p:spTree>
+      <p:nvGrpSpPr>
+        <p:cNvPr id="1" name=""/>
+        <p:cNvGrpSpPr/>
+        <p:nvPr/>
+      </p:nvGrpSpPr>
+      <p:grpSpPr>
+        <a:xfrm>
+          <a:off x="0" y="0"/>
+          <a:ext cx="0" cy="0"/>
+          <a:chOff x="0" y="0"/>
+          <a:chExt cx="0" cy="0"/>
+        </a:xfrm>
+      </p:grpSpPr>
+      <p:sp>
+        <p:nvSpPr>
+          <p:cNvPr id="2" name="标题 1"/>
+          <p:cNvSpPr>
+            <a:spLocks noGrp="1"/>
+          </p:cNvSpPr>
+          <p:nvPr>
+            <p:ph type="title"/>
+          </p:nvPr>
+        </p:nvSpPr>
+        <p:spPr/>
+        <p:txBody>
+          <a:bodyPr/>
+          <a:lstStyle/>
+          <a:p>
+            <a:r>
+              <a:rPr lang="en-US" altLang="zh-CN" dirty="0" smtClean="0"/>
+              <a:t>angular</a:t>
+            </a:r>
+            <a:r>
+              <a:rPr lang="zh-CN" altLang="en-US" dirty="0" smtClean="0"/>
+              <a:t>主要概念（设计初衷）</a:t>
+            </a:r>
+            <a:endParaRPr lang="zh-CN" altLang="en-US" dirty="0"/>
+          </a:p>
+        </p:txBody>
+      </p:sp>
+      <p:sp>
+        <p:nvSpPr>
+          <p:cNvPr id="3" name="内容占位符 2"/>
+          <p:cNvSpPr>
+            <a:spLocks noGrp="1"/>
+          </p:cNvSpPr>
+          <p:nvPr>
+            <p:ph idx="1"/>
+          </p:nvPr>
+        </p:nvSpPr>
+        <p:spPr/>
+        <p:txBody>
+          <a:bodyPr/>
+          <a:lstStyle/>
+          <a:p>
+            <a:r>
+              <a:rPr lang="en-US" altLang="zh-CN" dirty="0"/>
+              <a:t>POJO</a:t>
+            </a:r>
+            <a:r>
+              <a:rPr lang="zh-CN" altLang="en-US" dirty="0"/>
+              <a:t>双向绑定</a:t>
+            </a:r>
+            <a:endParaRPr lang="en-US" altLang="zh-CN" dirty="0"/>
+          </a:p>
+          <a:p>
+            <a:r>
+              <a:rPr lang="en-US" altLang="zh-CN" dirty="0"/>
+              <a:t>TDD</a:t>
+            </a:r>
+          </a:p>
+          <a:p>
+            <a:r>
+              <a:rPr lang="en-US" altLang="zh-CN" dirty="0" smtClean="0"/>
+              <a:t>MVC</a:t>
+            </a:r>
+          </a:p>
+          <a:p>
+            <a:r>
+              <a:rPr lang="en-US" altLang="zh-CN" dirty="0" smtClean="0"/>
+              <a:t>SPA</a:t>
+            </a:r>
+          </a:p>
+          <a:p>
+            <a:r>
+              <a:rPr lang="zh-CN" altLang="en-US" dirty="0" smtClean="0"/>
+              <a:t>支持组件化开发</a:t>
+            </a:r>
+            <a:endParaRPr lang="en-US" altLang="zh-CN" dirty="0" smtClean="0"/>
+          </a:p>
+          <a:p>
+            <a:endParaRPr lang="zh-CN" altLang="en-US" dirty="0"/>
+          </a:p>
+        </p:txBody>
+      </p:sp>
+    </p:spTree>
+    <p:extLst>
+      <p:ext uri="{BB962C8B-B14F-4D97-AF65-F5344CB8AC3E}">
+        <p14:creationId xmlns:p14="http://schemas.microsoft.com/office/powerpoint/2010/main" val="2973466284"/>
+      </p:ext>
+    </p:extLst>
+  </p:cSld>
+  <p:clrMapOvr>
+    <a:masterClrMapping/>
+  </p:clrMapOvr>
+</p:sld>
+</file>
+
+<file path=ppt/slides/slide5.xml><?xml version="1.0" encoding="utf-8"?>
+<p:sld xmlns:a="http://schemas.openxmlformats.org/drawingml/2006/main" xmlns:r="http://schemas.openxmlformats.org/officeDocument/2006/relationships" xmlns:p="http://schemas.openxmlformats.org/presentationml/2006/main">
+  <p:cSld>
+    <p:spTree>
+      <p:nvGrpSpPr>
+        <p:cNvPr id="1" name=""/>
+        <p:cNvGrpSpPr/>
+        <p:nvPr/>
+      </p:nvGrpSpPr>
+      <p:grpSpPr>
+        <a:xfrm>
+          <a:off x="0" y="0"/>
+          <a:ext cx="0" cy="0"/>
+          <a:chOff x="0" y="0"/>
+          <a:chExt cx="0" cy="0"/>
+        </a:xfrm>
+      </p:grpSpPr>
+      <p:sp>
+        <p:nvSpPr>
+          <p:cNvPr id="2" name="标题 1"/>
+          <p:cNvSpPr>
+            <a:spLocks noGrp="1"/>
+          </p:cNvSpPr>
+          <p:nvPr>
+            <p:ph type="title"/>
+          </p:nvPr>
+        </p:nvSpPr>
+        <p:spPr/>
+        <p:txBody>
+          <a:bodyPr/>
+          <a:lstStyle/>
+          <a:p>
+            <a:r>
+              <a:rPr lang="en-US" altLang="zh-CN" dirty="0" smtClean="0"/>
+              <a:t>Angular</a:t>
+            </a:r>
+            <a:r>
+              <a:rPr lang="zh-CN" altLang="en-US" dirty="0" smtClean="0"/>
+              <a:t>核心机制</a:t>
+            </a:r>
+            <a:endParaRPr lang="zh-CN" altLang="en-US" dirty="0"/>
+          </a:p>
+        </p:txBody>
+      </p:sp>
+      <p:sp>
+        <p:nvSpPr>
+          <p:cNvPr id="3" name="内容占位符 2"/>
+          <p:cNvSpPr>
+            <a:spLocks noGrp="1"/>
+          </p:cNvSpPr>
+          <p:nvPr>
+            <p:ph idx="1"/>
+          </p:nvPr>
+        </p:nvSpPr>
+        <p:spPr/>
+        <p:txBody>
+          <a:bodyPr/>
+          <a:lstStyle/>
+          <a:p>
+            <a:r>
+              <a:rPr lang="en-US" altLang="zh-CN" dirty="0" smtClean="0"/>
+              <a:t>Compile (</a:t>
+            </a:r>
+            <a:r>
+              <a:rPr lang="zh-CN" altLang="en-US" dirty="0"/>
+              <a:t>上船</a:t>
+            </a:r>
+            <a:r>
+              <a:rPr lang="zh-CN" altLang="en-US" dirty="0" smtClean="0"/>
+              <a:t>）</a:t>
+            </a:r>
+            <a:endParaRPr lang="en-US" altLang="zh-CN" dirty="0" smtClean="0"/>
+          </a:p>
+          <a:p>
+            <a:r>
+              <a:rPr lang="en-US" altLang="zh-CN" b="1" dirty="0" smtClean="0"/>
+              <a:t>Digest</a:t>
+            </a:r>
+            <a:r>
+              <a:rPr lang="zh-CN" altLang="en-US" b="1" dirty="0" smtClean="0"/>
+              <a:t> </a:t>
+            </a:r>
+            <a:r>
+              <a:rPr lang="en-US" altLang="zh-CN" b="1" dirty="0" smtClean="0"/>
+              <a:t>Cycle </a:t>
+            </a:r>
+            <a:r>
+              <a:rPr lang="zh-CN" altLang="en-US" b="1" dirty="0" smtClean="0"/>
+              <a:t>（发动机）</a:t>
+            </a:r>
+            <a:endParaRPr lang="en-US" altLang="zh-CN" b="1" dirty="0" smtClean="0"/>
+          </a:p>
+        </p:txBody>
+      </p:sp>
+    </p:spTree>
+    <p:extLst>
+      <p:ext uri="{BB962C8B-B14F-4D97-AF65-F5344CB8AC3E}">
+        <p14:creationId xmlns:p14="http://schemas.microsoft.com/office/powerpoint/2010/main" val="1532284585"/>
+      </p:ext>
+    </p:extLst>
+  </p:cSld>
+  <p:clrMapOvr>
+    <a:masterClrMapping/>
+  </p:clrMapOvr>
+</p:sld>
+</file>
+
+<file path=ppt/slides/slide6.xml><?xml version="1.0" encoding="utf-8"?>
 <p:sld xmlns:a="http://schemas.openxmlformats.org/drawingml/2006/main" xmlns:r="http://schemas.openxmlformats.org/officeDocument/2006/relationships" xmlns:p="http://schemas.openxmlformats.org/presentationml/2006/main">
   <p:cSld>
     <p:spTree>
@@ -9640,7 +8523,7 @@
 </p:sld>
 </file>
 
-<file path=ppt/slides/slide8.xml><?xml version="1.0" encoding="utf-8"?>
+<file path=ppt/slides/slide7.xml><?xml version="1.0" encoding="utf-8"?>
 <p:sld xmlns:a="http://schemas.openxmlformats.org/drawingml/2006/main" xmlns:r="http://schemas.openxmlformats.org/officeDocument/2006/relationships" xmlns:p="http://schemas.openxmlformats.org/presentationml/2006/main">
   <p:cSld>
     <p:spTree>
@@ -9716,7 +8599,7 @@
 </p:sld>
 </file>
 
-<file path=ppt/slides/slide9.xml><?xml version="1.0" encoding="utf-8"?>
+<file path=ppt/slides/slide8.xml><?xml version="1.0" encoding="utf-8"?>
 <p:sld xmlns:a="http://schemas.openxmlformats.org/drawingml/2006/main" xmlns:r="http://schemas.openxmlformats.org/officeDocument/2006/relationships" xmlns:p="http://schemas.openxmlformats.org/presentationml/2006/main">
   <p:cSld>
     <p:spTree>
@@ -10161,6 +9044,725 @@
     <p:bldLst>
       <p:bldP spid="3" grpId="0" build="p"/>
     </p:bldLst>
+  </p:timing>
+</p:sld>
+</file>
+
+<file path=ppt/slides/slide9.xml><?xml version="1.0" encoding="utf-8"?>
+<p:sld xmlns:a="http://schemas.openxmlformats.org/drawingml/2006/main" xmlns:r="http://schemas.openxmlformats.org/officeDocument/2006/relationships" xmlns:p="http://schemas.openxmlformats.org/presentationml/2006/main">
+  <p:cSld>
+    <p:spTree>
+      <p:nvGrpSpPr>
+        <p:cNvPr id="1" name=""/>
+        <p:cNvGrpSpPr/>
+        <p:nvPr/>
+      </p:nvGrpSpPr>
+      <p:grpSpPr>
+        <a:xfrm>
+          <a:off x="0" y="0"/>
+          <a:ext cx="0" cy="0"/>
+          <a:chOff x="0" y="0"/>
+          <a:chExt cx="0" cy="0"/>
+        </a:xfrm>
+      </p:grpSpPr>
+      <p:sp>
+        <p:nvSpPr>
+          <p:cNvPr id="2" name="Title 1"/>
+          <p:cNvSpPr>
+            <a:spLocks noGrp="1"/>
+          </p:cNvSpPr>
+          <p:nvPr>
+            <p:ph type="title"/>
+          </p:nvPr>
+        </p:nvSpPr>
+        <p:spPr/>
+        <p:txBody>
+          <a:bodyPr/>
+          <a:lstStyle/>
+          <a:p>
+            <a:r>
+              <a:rPr lang="en-US" dirty="0" smtClean="0"/>
+              <a:t>Cons and Pros</a:t>
+            </a:r>
+            <a:endParaRPr lang="en-US" dirty="0"/>
+          </a:p>
+        </p:txBody>
+      </p:sp>
+      <p:sp>
+        <p:nvSpPr>
+          <p:cNvPr id="3" name="Content Placeholder 2"/>
+          <p:cNvSpPr>
+            <a:spLocks noGrp="1"/>
+          </p:cNvSpPr>
+          <p:nvPr>
+            <p:ph idx="1"/>
+          </p:nvPr>
+        </p:nvSpPr>
+        <p:spPr/>
+        <p:txBody>
+          <a:bodyPr>
+            <a:normAutofit fontScale="92500" lnSpcReduction="20000"/>
+          </a:bodyPr>
+          <a:lstStyle/>
+          <a:p>
+            <a:r>
+              <a:rPr lang="en-US" dirty="0" smtClean="0"/>
+              <a:t>Pros</a:t>
+            </a:r>
+          </a:p>
+          <a:p>
+            <a:pPr marL="0" indent="0">
+              <a:buNone/>
+            </a:pPr>
+            <a:r>
+              <a:rPr lang="en-US" dirty="0" smtClean="0"/>
+              <a:t>Easier syntax when using POJO</a:t>
+            </a:r>
+          </a:p>
+          <a:p>
+            <a:r>
+              <a:rPr lang="en-US" dirty="0" smtClean="0"/>
+              <a:t>Cons</a:t>
+            </a:r>
+          </a:p>
+          <a:p>
+            <a:pPr marL="0" indent="0">
+              <a:buNone/>
+            </a:pPr>
+            <a:r>
+              <a:rPr lang="en-US" dirty="0" smtClean="0"/>
+              <a:t>Unsuitable for high frequency callbacks/ large number of models.</a:t>
+            </a:r>
+          </a:p>
+          <a:p>
+            <a:pPr marL="0" indent="0">
+              <a:buNone/>
+            </a:pPr>
+            <a:r>
+              <a:rPr lang="en-US" dirty="0" smtClean="0"/>
+              <a:t>two-way </a:t>
+            </a:r>
+            <a:r>
+              <a:rPr lang="en-US" dirty="0"/>
+              <a:t>data bindings lead to cascading updates, where changing one data model led to another data model updating, making it very difficult to predict what would change as the result of a single user interaction.</a:t>
+            </a:r>
+          </a:p>
+        </p:txBody>
+      </p:sp>
+    </p:spTree>
+    <p:extLst>
+      <p:ext uri="{BB962C8B-B14F-4D97-AF65-F5344CB8AC3E}">
+        <p14:creationId xmlns:p14="http://schemas.microsoft.com/office/powerpoint/2010/main" val="385289163"/>
+      </p:ext>
+    </p:extLst>
+  </p:cSld>
+  <p:clrMapOvr>
+    <a:masterClrMapping/>
+  </p:clrMapOvr>
+  <p:timing>
+    <p:tnLst>
+      <p:par>
+        <p:cTn id="1" dur="indefinite" restart="never" nodeType="tmRoot">
+          <p:childTnLst>
+            <p:seq concurrent="1" nextAc="seek">
+              <p:cTn id="2" dur="indefinite" nodeType="mainSeq">
+                <p:childTnLst>
+                  <p:par>
+                    <p:cTn id="3" fill="hold">
+                      <p:stCondLst>
+                        <p:cond delay="indefinite"/>
+                      </p:stCondLst>
+                      <p:childTnLst>
+                        <p:par>
+                          <p:cTn id="4" fill="hold">
+                            <p:stCondLst>
+                              <p:cond delay="0"/>
+                            </p:stCondLst>
+                            <p:childTnLst>
+                              <p:par>
+                                <p:cTn id="5" presetID="42" presetClass="entr" presetSubtype="0" fill="hold" nodeType="clickEffect">
+                                  <p:stCondLst>
+                                    <p:cond delay="0"/>
+                                  </p:stCondLst>
+                                  <p:childTnLst>
+                                    <p:set>
+                                      <p:cBhvr>
+                                        <p:cTn id="6" dur="1" fill="hold">
+                                          <p:stCondLst>
+                                            <p:cond delay="0"/>
+                                          </p:stCondLst>
+                                        </p:cTn>
+                                        <p:tgtEl>
+                                          <p:spTgt spid="3">
+                                            <p:txEl>
+                                              <p:pRg st="1" end="1"/>
+                                            </p:txEl>
+                                          </p:spTgt>
+                                        </p:tgtEl>
+                                        <p:attrNameLst>
+                                          <p:attrName>style.visibility</p:attrName>
+                                        </p:attrNameLst>
+                                      </p:cBhvr>
+                                      <p:to>
+                                        <p:strVal val="visible"/>
+                                      </p:to>
+                                    </p:set>
+                                    <p:animEffect transition="in" filter="fade">
+                                      <p:cBhvr>
+                                        <p:cTn id="7" dur="1000"/>
+                                        <p:tgtEl>
+                                          <p:spTgt spid="3">
+                                            <p:txEl>
+                                              <p:pRg st="1" end="1"/>
+                                            </p:txEl>
+                                          </p:spTgt>
+                                        </p:tgtEl>
+                                      </p:cBhvr>
+                                    </p:animEffect>
+                                    <p:anim calcmode="lin" valueType="num">
+                                      <p:cBhvr>
+                                        <p:cTn id="8" dur="1000" fill="hold"/>
+                                        <p:tgtEl>
+                                          <p:spTgt spid="3">
+                                            <p:txEl>
+                                              <p:pRg st="1" end="1"/>
+                                            </p:txEl>
+                                          </p:spTgt>
+                                        </p:tgtEl>
+                                        <p:attrNameLst>
+                                          <p:attrName>ppt_x</p:attrName>
+                                        </p:attrNameLst>
+                                      </p:cBhvr>
+                                      <p:tavLst>
+                                        <p:tav tm="0">
+                                          <p:val>
+                                            <p:strVal val="#ppt_x"/>
+                                          </p:val>
+                                        </p:tav>
+                                        <p:tav tm="100000">
+                                          <p:val>
+                                            <p:strVal val="#ppt_x"/>
+                                          </p:val>
+                                        </p:tav>
+                                      </p:tavLst>
+                                    </p:anim>
+                                    <p:anim calcmode="lin" valueType="num">
+                                      <p:cBhvr>
+                                        <p:cTn id="9" dur="1000" fill="hold"/>
+                                        <p:tgtEl>
+                                          <p:spTgt spid="3">
+                                            <p:txEl>
+                                              <p:pRg st="1" end="1"/>
+                                            </p:txEl>
+                                          </p:spTgt>
+                                        </p:tgtEl>
+                                        <p:attrNameLst>
+                                          <p:attrName>ppt_y</p:attrName>
+                                        </p:attrNameLst>
+                                      </p:cBhvr>
+                                      <p:tavLst>
+                                        <p:tav tm="0">
+                                          <p:val>
+                                            <p:strVal val="#ppt_y+.1"/>
+                                          </p:val>
+                                        </p:tav>
+                                        <p:tav tm="100000">
+                                          <p:val>
+                                            <p:strVal val="#ppt_y"/>
+                                          </p:val>
+                                        </p:tav>
+                                      </p:tavLst>
+                                    </p:anim>
+                                  </p:childTnLst>
+                                </p:cTn>
+                              </p:par>
+                            </p:childTnLst>
+                          </p:cTn>
+                        </p:par>
+                      </p:childTnLst>
+                    </p:cTn>
+                  </p:par>
+                  <p:par>
+                    <p:cTn id="10" fill="hold">
+                      <p:stCondLst>
+                        <p:cond delay="indefinite"/>
+                      </p:stCondLst>
+                      <p:childTnLst>
+                        <p:par>
+                          <p:cTn id="11" fill="hold">
+                            <p:stCondLst>
+                              <p:cond delay="0"/>
+                            </p:stCondLst>
+                            <p:childTnLst>
+                              <p:par>
+                                <p:cTn id="12" presetID="42" presetClass="entr" presetSubtype="0" fill="hold" nodeType="clickEffect">
+                                  <p:stCondLst>
+                                    <p:cond delay="0"/>
+                                  </p:stCondLst>
+                                  <p:childTnLst>
+                                    <p:set>
+                                      <p:cBhvr>
+                                        <p:cTn id="13" dur="1" fill="hold">
+                                          <p:stCondLst>
+                                            <p:cond delay="0"/>
+                                          </p:stCondLst>
+                                        </p:cTn>
+                                        <p:tgtEl>
+                                          <p:spTgt spid="3">
+                                            <p:txEl>
+                                              <p:pRg st="0" end="0"/>
+                                            </p:txEl>
+                                          </p:spTgt>
+                                        </p:tgtEl>
+                                        <p:attrNameLst>
+                                          <p:attrName>style.visibility</p:attrName>
+                                        </p:attrNameLst>
+                                      </p:cBhvr>
+                                      <p:to>
+                                        <p:strVal val="visible"/>
+                                      </p:to>
+                                    </p:set>
+                                    <p:animEffect transition="in" filter="fade">
+                                      <p:cBhvr>
+                                        <p:cTn id="14" dur="1000"/>
+                                        <p:tgtEl>
+                                          <p:spTgt spid="3">
+                                            <p:txEl>
+                                              <p:pRg st="0" end="0"/>
+                                            </p:txEl>
+                                          </p:spTgt>
+                                        </p:tgtEl>
+                                      </p:cBhvr>
+                                    </p:animEffect>
+                                    <p:anim calcmode="lin" valueType="num">
+                                      <p:cBhvr>
+                                        <p:cTn id="15" dur="1000" fill="hold"/>
+                                        <p:tgtEl>
+                                          <p:spTgt spid="3">
+                                            <p:txEl>
+                                              <p:pRg st="0" end="0"/>
+                                            </p:txEl>
+                                          </p:spTgt>
+                                        </p:tgtEl>
+                                        <p:attrNameLst>
+                                          <p:attrName>ppt_x</p:attrName>
+                                        </p:attrNameLst>
+                                      </p:cBhvr>
+                                      <p:tavLst>
+                                        <p:tav tm="0">
+                                          <p:val>
+                                            <p:strVal val="#ppt_x"/>
+                                          </p:val>
+                                        </p:tav>
+                                        <p:tav tm="100000">
+                                          <p:val>
+                                            <p:strVal val="#ppt_x"/>
+                                          </p:val>
+                                        </p:tav>
+                                      </p:tavLst>
+                                    </p:anim>
+                                    <p:anim calcmode="lin" valueType="num">
+                                      <p:cBhvr>
+                                        <p:cTn id="16" dur="1000" fill="hold"/>
+                                        <p:tgtEl>
+                                          <p:spTgt spid="3">
+                                            <p:txEl>
+                                              <p:pRg st="0" end="0"/>
+                                            </p:txEl>
+                                          </p:spTgt>
+                                        </p:tgtEl>
+                                        <p:attrNameLst>
+                                          <p:attrName>ppt_y</p:attrName>
+                                        </p:attrNameLst>
+                                      </p:cBhvr>
+                                      <p:tavLst>
+                                        <p:tav tm="0">
+                                          <p:val>
+                                            <p:strVal val="#ppt_y+.1"/>
+                                          </p:val>
+                                        </p:tav>
+                                        <p:tav tm="100000">
+                                          <p:val>
+                                            <p:strVal val="#ppt_y"/>
+                                          </p:val>
+                                        </p:tav>
+                                      </p:tavLst>
+                                    </p:anim>
+                                  </p:childTnLst>
+                                </p:cTn>
+                              </p:par>
+                            </p:childTnLst>
+                          </p:cTn>
+                        </p:par>
+                      </p:childTnLst>
+                    </p:cTn>
+                  </p:par>
+                  <p:par>
+                    <p:cTn id="17" fill="hold">
+                      <p:stCondLst>
+                        <p:cond delay="indefinite"/>
+                      </p:stCondLst>
+                      <p:childTnLst>
+                        <p:par>
+                          <p:cTn id="18" fill="hold">
+                            <p:stCondLst>
+                              <p:cond delay="0"/>
+                            </p:stCondLst>
+                            <p:childTnLst>
+                              <p:par>
+                                <p:cTn id="19" presetID="42" presetClass="entr" presetSubtype="0" fill="hold" nodeType="clickEffect">
+                                  <p:stCondLst>
+                                    <p:cond delay="0"/>
+                                  </p:stCondLst>
+                                  <p:childTnLst>
+                                    <p:set>
+                                      <p:cBhvr>
+                                        <p:cTn id="20" dur="1" fill="hold">
+                                          <p:stCondLst>
+                                            <p:cond delay="0"/>
+                                          </p:stCondLst>
+                                        </p:cTn>
+                                        <p:tgtEl>
+                                          <p:spTgt spid="3">
+                                            <p:txEl>
+                                              <p:pRg st="2" end="2"/>
+                                            </p:txEl>
+                                          </p:spTgt>
+                                        </p:tgtEl>
+                                        <p:attrNameLst>
+                                          <p:attrName>style.visibility</p:attrName>
+                                        </p:attrNameLst>
+                                      </p:cBhvr>
+                                      <p:to>
+                                        <p:strVal val="visible"/>
+                                      </p:to>
+                                    </p:set>
+                                    <p:animEffect transition="in" filter="fade">
+                                      <p:cBhvr>
+                                        <p:cTn id="21" dur="1000"/>
+                                        <p:tgtEl>
+                                          <p:spTgt spid="3">
+                                            <p:txEl>
+                                              <p:pRg st="2" end="2"/>
+                                            </p:txEl>
+                                          </p:spTgt>
+                                        </p:tgtEl>
+                                      </p:cBhvr>
+                                    </p:animEffect>
+                                    <p:anim calcmode="lin" valueType="num">
+                                      <p:cBhvr>
+                                        <p:cTn id="22" dur="1000" fill="hold"/>
+                                        <p:tgtEl>
+                                          <p:spTgt spid="3">
+                                            <p:txEl>
+                                              <p:pRg st="2" end="2"/>
+                                            </p:txEl>
+                                          </p:spTgt>
+                                        </p:tgtEl>
+                                        <p:attrNameLst>
+                                          <p:attrName>ppt_x</p:attrName>
+                                        </p:attrNameLst>
+                                      </p:cBhvr>
+                                      <p:tavLst>
+                                        <p:tav tm="0">
+                                          <p:val>
+                                            <p:strVal val="#ppt_x"/>
+                                          </p:val>
+                                        </p:tav>
+                                        <p:tav tm="100000">
+                                          <p:val>
+                                            <p:strVal val="#ppt_x"/>
+                                          </p:val>
+                                        </p:tav>
+                                      </p:tavLst>
+                                    </p:anim>
+                                    <p:anim calcmode="lin" valueType="num">
+                                      <p:cBhvr>
+                                        <p:cTn id="23" dur="1000" fill="hold"/>
+                                        <p:tgtEl>
+                                          <p:spTgt spid="3">
+                                            <p:txEl>
+                                              <p:pRg st="2" end="2"/>
+                                            </p:txEl>
+                                          </p:spTgt>
+                                        </p:tgtEl>
+                                        <p:attrNameLst>
+                                          <p:attrName>ppt_y</p:attrName>
+                                        </p:attrNameLst>
+                                      </p:cBhvr>
+                                      <p:tavLst>
+                                        <p:tav tm="0">
+                                          <p:val>
+                                            <p:strVal val="#ppt_y+.1"/>
+                                          </p:val>
+                                        </p:tav>
+                                        <p:tav tm="100000">
+                                          <p:val>
+                                            <p:strVal val="#ppt_y"/>
+                                          </p:val>
+                                        </p:tav>
+                                      </p:tavLst>
+                                    </p:anim>
+                                  </p:childTnLst>
+                                </p:cTn>
+                              </p:par>
+                            </p:childTnLst>
+                          </p:cTn>
+                        </p:par>
+                      </p:childTnLst>
+                    </p:cTn>
+                  </p:par>
+                  <p:par>
+                    <p:cTn id="24" fill="hold">
+                      <p:stCondLst>
+                        <p:cond delay="indefinite"/>
+                      </p:stCondLst>
+                      <p:childTnLst>
+                        <p:par>
+                          <p:cTn id="25" fill="hold">
+                            <p:stCondLst>
+                              <p:cond delay="0"/>
+                            </p:stCondLst>
+                            <p:childTnLst>
+                              <p:par>
+                                <p:cTn id="26" presetID="42" presetClass="entr" presetSubtype="0" fill="hold" nodeType="clickEffect">
+                                  <p:stCondLst>
+                                    <p:cond delay="0"/>
+                                  </p:stCondLst>
+                                  <p:childTnLst>
+                                    <p:set>
+                                      <p:cBhvr>
+                                        <p:cTn id="27" dur="1" fill="hold">
+                                          <p:stCondLst>
+                                            <p:cond delay="0"/>
+                                          </p:stCondLst>
+                                        </p:cTn>
+                                        <p:tgtEl>
+                                          <p:spTgt spid="3">
+                                            <p:txEl>
+                                              <p:pRg st="3" end="3"/>
+                                            </p:txEl>
+                                          </p:spTgt>
+                                        </p:tgtEl>
+                                        <p:attrNameLst>
+                                          <p:attrName>style.visibility</p:attrName>
+                                        </p:attrNameLst>
+                                      </p:cBhvr>
+                                      <p:to>
+                                        <p:strVal val="visible"/>
+                                      </p:to>
+                                    </p:set>
+                                    <p:animEffect transition="in" filter="fade">
+                                      <p:cBhvr>
+                                        <p:cTn id="28" dur="1000"/>
+                                        <p:tgtEl>
+                                          <p:spTgt spid="3">
+                                            <p:txEl>
+                                              <p:pRg st="3" end="3"/>
+                                            </p:txEl>
+                                          </p:spTgt>
+                                        </p:tgtEl>
+                                      </p:cBhvr>
+                                    </p:animEffect>
+                                    <p:anim calcmode="lin" valueType="num">
+                                      <p:cBhvr>
+                                        <p:cTn id="29" dur="1000" fill="hold"/>
+                                        <p:tgtEl>
+                                          <p:spTgt spid="3">
+                                            <p:txEl>
+                                              <p:pRg st="3" end="3"/>
+                                            </p:txEl>
+                                          </p:spTgt>
+                                        </p:tgtEl>
+                                        <p:attrNameLst>
+                                          <p:attrName>ppt_x</p:attrName>
+                                        </p:attrNameLst>
+                                      </p:cBhvr>
+                                      <p:tavLst>
+                                        <p:tav tm="0">
+                                          <p:val>
+                                            <p:strVal val="#ppt_x"/>
+                                          </p:val>
+                                        </p:tav>
+                                        <p:tav tm="100000">
+                                          <p:val>
+                                            <p:strVal val="#ppt_x"/>
+                                          </p:val>
+                                        </p:tav>
+                                      </p:tavLst>
+                                    </p:anim>
+                                    <p:anim calcmode="lin" valueType="num">
+                                      <p:cBhvr>
+                                        <p:cTn id="30" dur="1000" fill="hold"/>
+                                        <p:tgtEl>
+                                          <p:spTgt spid="3">
+                                            <p:txEl>
+                                              <p:pRg st="3" end="3"/>
+                                            </p:txEl>
+                                          </p:spTgt>
+                                        </p:tgtEl>
+                                        <p:attrNameLst>
+                                          <p:attrName>ppt_y</p:attrName>
+                                        </p:attrNameLst>
+                                      </p:cBhvr>
+                                      <p:tavLst>
+                                        <p:tav tm="0">
+                                          <p:val>
+                                            <p:strVal val="#ppt_y+.1"/>
+                                          </p:val>
+                                        </p:tav>
+                                        <p:tav tm="100000">
+                                          <p:val>
+                                            <p:strVal val="#ppt_y"/>
+                                          </p:val>
+                                        </p:tav>
+                                      </p:tavLst>
+                                    </p:anim>
+                                  </p:childTnLst>
+                                </p:cTn>
+                              </p:par>
+                            </p:childTnLst>
+                          </p:cTn>
+                        </p:par>
+                      </p:childTnLst>
+                    </p:cTn>
+                  </p:par>
+                  <p:par>
+                    <p:cTn id="31" fill="hold">
+                      <p:stCondLst>
+                        <p:cond delay="indefinite"/>
+                      </p:stCondLst>
+                      <p:childTnLst>
+                        <p:par>
+                          <p:cTn id="32" fill="hold">
+                            <p:stCondLst>
+                              <p:cond delay="0"/>
+                            </p:stCondLst>
+                            <p:childTnLst>
+                              <p:par>
+                                <p:cTn id="33" presetID="42" presetClass="entr" presetSubtype="0" fill="hold" nodeType="clickEffect">
+                                  <p:stCondLst>
+                                    <p:cond delay="0"/>
+                                  </p:stCondLst>
+                                  <p:childTnLst>
+                                    <p:set>
+                                      <p:cBhvr>
+                                        <p:cTn id="34" dur="1" fill="hold">
+                                          <p:stCondLst>
+                                            <p:cond delay="0"/>
+                                          </p:stCondLst>
+                                        </p:cTn>
+                                        <p:tgtEl>
+                                          <p:spTgt spid="3">
+                                            <p:txEl>
+                                              <p:pRg st="4" end="4"/>
+                                            </p:txEl>
+                                          </p:spTgt>
+                                        </p:tgtEl>
+                                        <p:attrNameLst>
+                                          <p:attrName>style.visibility</p:attrName>
+                                        </p:attrNameLst>
+                                      </p:cBhvr>
+                                      <p:to>
+                                        <p:strVal val="visible"/>
+                                      </p:to>
+                                    </p:set>
+                                    <p:animEffect transition="in" filter="fade">
+                                      <p:cBhvr>
+                                        <p:cTn id="35" dur="1000"/>
+                                        <p:tgtEl>
+                                          <p:spTgt spid="3">
+                                            <p:txEl>
+                                              <p:pRg st="4" end="4"/>
+                                            </p:txEl>
+                                          </p:spTgt>
+                                        </p:tgtEl>
+                                      </p:cBhvr>
+                                    </p:animEffect>
+                                    <p:anim calcmode="lin" valueType="num">
+                                      <p:cBhvr>
+                                        <p:cTn id="36" dur="1000" fill="hold"/>
+                                        <p:tgtEl>
+                                          <p:spTgt spid="3">
+                                            <p:txEl>
+                                              <p:pRg st="4" end="4"/>
+                                            </p:txEl>
+                                          </p:spTgt>
+                                        </p:tgtEl>
+                                        <p:attrNameLst>
+                                          <p:attrName>ppt_x</p:attrName>
+                                        </p:attrNameLst>
+                                      </p:cBhvr>
+                                      <p:tavLst>
+                                        <p:tav tm="0">
+                                          <p:val>
+                                            <p:strVal val="#ppt_x"/>
+                                          </p:val>
+                                        </p:tav>
+                                        <p:tav tm="100000">
+                                          <p:val>
+                                            <p:strVal val="#ppt_x"/>
+                                          </p:val>
+                                        </p:tav>
+                                      </p:tavLst>
+                                    </p:anim>
+                                    <p:anim calcmode="lin" valueType="num">
+                                      <p:cBhvr>
+                                        <p:cTn id="37" dur="1000" fill="hold"/>
+                                        <p:tgtEl>
+                                          <p:spTgt spid="3">
+                                            <p:txEl>
+                                              <p:pRg st="4" end="4"/>
+                                            </p:txEl>
+                                          </p:spTgt>
+                                        </p:tgtEl>
+                                        <p:attrNameLst>
+                                          <p:attrName>ppt_y</p:attrName>
+                                        </p:attrNameLst>
+                                      </p:cBhvr>
+                                      <p:tavLst>
+                                        <p:tav tm="0">
+                                          <p:val>
+                                            <p:strVal val="#ppt_y+.1"/>
+                                          </p:val>
+                                        </p:tav>
+                                        <p:tav tm="100000">
+                                          <p:val>
+                                            <p:strVal val="#ppt_y"/>
+                                          </p:val>
+                                        </p:tav>
+                                      </p:tavLst>
+                                    </p:anim>
+                                  </p:childTnLst>
+                                </p:cTn>
+                              </p:par>
+                            </p:childTnLst>
+                          </p:cTn>
+                        </p:par>
+                      </p:childTnLst>
+                    </p:cTn>
+                  </p:par>
+                </p:childTnLst>
+              </p:cTn>
+              <p:prevCondLst>
+                <p:cond evt="onPrev" delay="0">
+                  <p:tgtEl>
+                    <p:sldTgt/>
+                  </p:tgtEl>
+                </p:cond>
+              </p:prevCondLst>
+              <p:nextCondLst>
+                <p:cond evt="onNext" delay="0">
+                  <p:tgtEl>
+                    <p:sldTgt/>
+                  </p:tgtEl>
+                </p:cond>
+              </p:nextCondLst>
+            </p:seq>
+          </p:childTnLst>
+        </p:cTn>
+      </p:par>
+    </p:tnLst>
   </p:timing>
 </p:sld>
 </file>
